--- a/presentation/Presentation.pptx
+++ b/presentation/Presentation.pptx
@@ -109,6 +109,11 @@
       </a:defRPr>
     </a:lvl9pPr>
   </p:defaultTextStyle>
+  <p:extLst>
+    <p:ext uri="{EFAFB233-063F-42B5-8137-9DF3F51BA10A}">
+      <p15:sldGuideLst xmlns:p15="http://schemas.microsoft.com/office/powerpoint/2012/main"/>
+    </p:ext>
+  </p:extLst>
 </p:presentation>
 </file>
 
@@ -243,7 +248,7 @@
           <a:p>
             <a:fld id="{8B892C88-A3C1-408D-A830-40B4BB071320}" type="datetimeFigureOut">
               <a:rPr lang="en-US" smtClean="0"/>
-              <a:t>12/13/2022</a:t>
+              <a:t>12/15/2022</a:t>
             </a:fld>
             <a:endParaRPr lang="en-US"/>
           </a:p>
@@ -413,7 +418,7 @@
           <a:p>
             <a:fld id="{8B892C88-A3C1-408D-A830-40B4BB071320}" type="datetimeFigureOut">
               <a:rPr lang="en-US" smtClean="0"/>
-              <a:t>12/13/2022</a:t>
+              <a:t>12/15/2022</a:t>
             </a:fld>
             <a:endParaRPr lang="en-US"/>
           </a:p>
@@ -593,7 +598,7 @@
           <a:p>
             <a:fld id="{8B892C88-A3C1-408D-A830-40B4BB071320}" type="datetimeFigureOut">
               <a:rPr lang="en-US" smtClean="0"/>
-              <a:t>12/13/2022</a:t>
+              <a:t>12/15/2022</a:t>
             </a:fld>
             <a:endParaRPr lang="en-US"/>
           </a:p>
@@ -763,7 +768,7 @@
           <a:p>
             <a:fld id="{8B892C88-A3C1-408D-A830-40B4BB071320}" type="datetimeFigureOut">
               <a:rPr lang="en-US" smtClean="0"/>
-              <a:t>12/13/2022</a:t>
+              <a:t>12/15/2022</a:t>
             </a:fld>
             <a:endParaRPr lang="en-US"/>
           </a:p>
@@ -1009,7 +1014,7 @@
           <a:p>
             <a:fld id="{8B892C88-A3C1-408D-A830-40B4BB071320}" type="datetimeFigureOut">
               <a:rPr lang="en-US" smtClean="0"/>
-              <a:t>12/13/2022</a:t>
+              <a:t>12/15/2022</a:t>
             </a:fld>
             <a:endParaRPr lang="en-US"/>
           </a:p>
@@ -1241,7 +1246,7 @@
           <a:p>
             <a:fld id="{8B892C88-A3C1-408D-A830-40B4BB071320}" type="datetimeFigureOut">
               <a:rPr lang="en-US" smtClean="0"/>
-              <a:t>12/13/2022</a:t>
+              <a:t>12/15/2022</a:t>
             </a:fld>
             <a:endParaRPr lang="en-US"/>
           </a:p>
@@ -1608,7 +1613,7 @@
           <a:p>
             <a:fld id="{8B892C88-A3C1-408D-A830-40B4BB071320}" type="datetimeFigureOut">
               <a:rPr lang="en-US" smtClean="0"/>
-              <a:t>12/13/2022</a:t>
+              <a:t>12/15/2022</a:t>
             </a:fld>
             <a:endParaRPr lang="en-US"/>
           </a:p>
@@ -1726,7 +1731,7 @@
           <a:p>
             <a:fld id="{8B892C88-A3C1-408D-A830-40B4BB071320}" type="datetimeFigureOut">
               <a:rPr lang="en-US" smtClean="0"/>
-              <a:t>12/13/2022</a:t>
+              <a:t>12/15/2022</a:t>
             </a:fld>
             <a:endParaRPr lang="en-US"/>
           </a:p>
@@ -1821,7 +1826,7 @@
           <a:p>
             <a:fld id="{8B892C88-A3C1-408D-A830-40B4BB071320}" type="datetimeFigureOut">
               <a:rPr lang="en-US" smtClean="0"/>
-              <a:t>12/13/2022</a:t>
+              <a:t>12/15/2022</a:t>
             </a:fld>
             <a:endParaRPr lang="en-US"/>
           </a:p>
@@ -2098,7 +2103,7 @@
           <a:p>
             <a:fld id="{8B892C88-A3C1-408D-A830-40B4BB071320}" type="datetimeFigureOut">
               <a:rPr lang="en-US" smtClean="0"/>
-              <a:t>12/13/2022</a:t>
+              <a:t>12/15/2022</a:t>
             </a:fld>
             <a:endParaRPr lang="en-US"/>
           </a:p>
@@ -2355,7 +2360,7 @@
           <a:p>
             <a:fld id="{8B892C88-A3C1-408D-A830-40B4BB071320}" type="datetimeFigureOut">
               <a:rPr lang="en-US" smtClean="0"/>
-              <a:t>12/13/2022</a:t>
+              <a:t>12/15/2022</a:t>
             </a:fld>
             <a:endParaRPr lang="en-US"/>
           </a:p>
@@ -2568,7 +2573,7 @@
           <a:p>
             <a:fld id="{8B892C88-A3C1-408D-A830-40B4BB071320}" type="datetimeFigureOut">
               <a:rPr lang="en-US" smtClean="0"/>
-              <a:t>12/13/2022</a:t>
+              <a:t>12/15/2022</a:t>
             </a:fld>
             <a:endParaRPr lang="en-US"/>
           </a:p>
@@ -2959,6 +2964,18 @@
 <file path=ppt/slides/slide1.xml><?xml version="1.0" encoding="utf-8"?>
 <p:sld xmlns:a="http://schemas.openxmlformats.org/drawingml/2006/main" xmlns:r="http://schemas.openxmlformats.org/officeDocument/2006/relationships" xmlns:p="http://schemas.openxmlformats.org/presentationml/2006/main">
   <p:cSld>
+    <p:bg>
+      <p:bgPr>
+        <a:solidFill>
+          <a:schemeClr val="accent1">
+            <a:lumMod val="40000"/>
+            <a:lumOff val="60000"/>
+            <a:alpha val="70000"/>
+          </a:schemeClr>
+        </a:solidFill>
+        <a:effectLst/>
+      </p:bgPr>
+    </p:bg>
     <p:spTree>
       <p:nvGrpSpPr>
         <p:cNvPr id="1" name=""/>
@@ -3045,7 +3062,7 @@
           <a:schemeClr val="accent1">
             <a:lumMod val="40000"/>
             <a:lumOff val="60000"/>
-            <a:alpha val="72000"/>
+            <a:alpha val="70000"/>
           </a:schemeClr>
         </a:solidFill>
         <a:effectLst/>

--- a/presentation/Presentation.pptx
+++ b/presentation/Presentation.pptx
@@ -4,13 +4,30 @@
   <p:sldMasterIdLst>
     <p:sldMasterId id="2147483660" r:id="rId1"/>
   </p:sldMasterIdLst>
+  <p:notesMasterIdLst>
+    <p:notesMasterId r:id="rId22"/>
+  </p:notesMasterIdLst>
   <p:sldIdLst>
     <p:sldId id="256" r:id="rId2"/>
-    <p:sldId id="257" r:id="rId3"/>
-    <p:sldId id="258" r:id="rId4"/>
-    <p:sldId id="259" r:id="rId5"/>
-    <p:sldId id="260" r:id="rId6"/>
-    <p:sldId id="261" r:id="rId7"/>
+    <p:sldId id="259" r:id="rId3"/>
+    <p:sldId id="260" r:id="rId4"/>
+    <p:sldId id="261" r:id="rId5"/>
+    <p:sldId id="258" r:id="rId6"/>
+    <p:sldId id="265" r:id="rId7"/>
+    <p:sldId id="264" r:id="rId8"/>
+    <p:sldId id="270" r:id="rId9"/>
+    <p:sldId id="275" r:id="rId10"/>
+    <p:sldId id="263" r:id="rId11"/>
+    <p:sldId id="257" r:id="rId12"/>
+    <p:sldId id="262" r:id="rId13"/>
+    <p:sldId id="271" r:id="rId14"/>
+    <p:sldId id="272" r:id="rId15"/>
+    <p:sldId id="273" r:id="rId16"/>
+    <p:sldId id="267" r:id="rId17"/>
+    <p:sldId id="268" r:id="rId18"/>
+    <p:sldId id="269" r:id="rId19"/>
+    <p:sldId id="274" r:id="rId20"/>
+    <p:sldId id="266" r:id="rId21"/>
   </p:sldIdLst>
   <p:sldSz cx="12192000" cy="6858000"/>
   <p:notesSz cx="6858000" cy="9144000"/>
@@ -117,6 +134,355 @@
 </p:presentation>
 </file>
 
+<file path=ppt/notesMasters/notesMaster1.xml><?xml version="1.0" encoding="utf-8"?>
+<p:notesMaster xmlns:a="http://schemas.openxmlformats.org/drawingml/2006/main" xmlns:r="http://schemas.openxmlformats.org/officeDocument/2006/relationships" xmlns:p="http://schemas.openxmlformats.org/presentationml/2006/main">
+  <p:cSld>
+    <p:bg>
+      <p:bgRef idx="1001">
+        <a:schemeClr val="bg1"/>
+      </p:bgRef>
+    </p:bg>
+    <p:spTree>
+      <p:nvGrpSpPr>
+        <p:cNvPr id="1" name=""/>
+        <p:cNvGrpSpPr/>
+        <p:nvPr/>
+      </p:nvGrpSpPr>
+      <p:grpSpPr>
+        <a:xfrm>
+          <a:off x="0" y="0"/>
+          <a:ext cx="0" cy="0"/>
+          <a:chOff x="0" y="0"/>
+          <a:chExt cx="0" cy="0"/>
+        </a:xfrm>
+      </p:grpSpPr>
+      <p:sp>
+        <p:nvSpPr>
+          <p:cNvPr id="2" name="Header Placeholder 1"/>
+          <p:cNvSpPr>
+            <a:spLocks noGrp="1"/>
+          </p:cNvSpPr>
+          <p:nvPr>
+            <p:ph type="hdr" sz="quarter"/>
+          </p:nvPr>
+        </p:nvSpPr>
+        <p:spPr>
+          <a:xfrm>
+            <a:off x="0" y="0"/>
+            <a:ext cx="2971800" cy="458788"/>
+          </a:xfrm>
+          <a:prstGeom prst="rect">
+            <a:avLst/>
+          </a:prstGeom>
+        </p:spPr>
+        <p:txBody>
+          <a:bodyPr vert="horz" lIns="91440" tIns="45720" rIns="91440" bIns="45720" rtlCol="0"/>
+          <a:lstStyle>
+            <a:lvl1pPr algn="l">
+              <a:defRPr sz="1200"/>
+            </a:lvl1pPr>
+          </a:lstStyle>
+          <a:p>
+            <a:endParaRPr lang="en-US"/>
+          </a:p>
+        </p:txBody>
+      </p:sp>
+      <p:sp>
+        <p:nvSpPr>
+          <p:cNvPr id="3" name="Date Placeholder 2"/>
+          <p:cNvSpPr>
+            <a:spLocks noGrp="1"/>
+          </p:cNvSpPr>
+          <p:nvPr>
+            <p:ph type="dt" idx="1"/>
+          </p:nvPr>
+        </p:nvSpPr>
+        <p:spPr>
+          <a:xfrm>
+            <a:off x="3884613" y="0"/>
+            <a:ext cx="2971800" cy="458788"/>
+          </a:xfrm>
+          <a:prstGeom prst="rect">
+            <a:avLst/>
+          </a:prstGeom>
+        </p:spPr>
+        <p:txBody>
+          <a:bodyPr vert="horz" lIns="91440" tIns="45720" rIns="91440" bIns="45720" rtlCol="0"/>
+          <a:lstStyle>
+            <a:lvl1pPr algn="r">
+              <a:defRPr sz="1200"/>
+            </a:lvl1pPr>
+          </a:lstStyle>
+          <a:p>
+            <a:fld id="{1701CCCA-DDC7-4504-9A79-4908FC91DB4A}" type="datetimeFigureOut">
+              <a:rPr lang="en-US" smtClean="0"/>
+              <a:t>12/16/2022</a:t>
+            </a:fld>
+            <a:endParaRPr lang="en-US"/>
+          </a:p>
+        </p:txBody>
+      </p:sp>
+      <p:sp>
+        <p:nvSpPr>
+          <p:cNvPr id="4" name="Slide Image Placeholder 3"/>
+          <p:cNvSpPr>
+            <a:spLocks noGrp="1" noRot="1" noChangeAspect="1"/>
+          </p:cNvSpPr>
+          <p:nvPr>
+            <p:ph type="sldImg" idx="2"/>
+          </p:nvPr>
+        </p:nvSpPr>
+        <p:spPr>
+          <a:xfrm>
+            <a:off x="685800" y="1143000"/>
+            <a:ext cx="5486400" cy="3086100"/>
+          </a:xfrm>
+          <a:prstGeom prst="rect">
+            <a:avLst/>
+          </a:prstGeom>
+          <a:noFill/>
+          <a:ln w="12700">
+            <a:solidFill>
+              <a:prstClr val="black"/>
+            </a:solidFill>
+          </a:ln>
+        </p:spPr>
+        <p:txBody>
+          <a:bodyPr vert="horz" lIns="91440" tIns="45720" rIns="91440" bIns="45720" rtlCol="0" anchor="ctr"/>
+          <a:lstStyle/>
+          <a:p>
+            <a:endParaRPr lang="en-US"/>
+          </a:p>
+        </p:txBody>
+      </p:sp>
+      <p:sp>
+        <p:nvSpPr>
+          <p:cNvPr id="5" name="Notes Placeholder 4"/>
+          <p:cNvSpPr>
+            <a:spLocks noGrp="1"/>
+          </p:cNvSpPr>
+          <p:nvPr>
+            <p:ph type="body" sz="quarter" idx="3"/>
+          </p:nvPr>
+        </p:nvSpPr>
+        <p:spPr>
+          <a:xfrm>
+            <a:off x="685800" y="4400550"/>
+            <a:ext cx="5486400" cy="3600450"/>
+          </a:xfrm>
+          <a:prstGeom prst="rect">
+            <a:avLst/>
+          </a:prstGeom>
+        </p:spPr>
+        <p:txBody>
+          <a:bodyPr vert="horz" lIns="91440" tIns="45720" rIns="91440" bIns="45720" rtlCol="0"/>
+          <a:lstStyle/>
+          <a:p>
+            <a:pPr lvl="0"/>
+            <a:r>
+              <a:rPr lang="en-US"/>
+              <a:t>Click to edit Master text styles</a:t>
+            </a:r>
+          </a:p>
+          <a:p>
+            <a:pPr lvl="1"/>
+            <a:r>
+              <a:rPr lang="en-US"/>
+              <a:t>Second level</a:t>
+            </a:r>
+          </a:p>
+          <a:p>
+            <a:pPr lvl="2"/>
+            <a:r>
+              <a:rPr lang="en-US"/>
+              <a:t>Third level</a:t>
+            </a:r>
+          </a:p>
+          <a:p>
+            <a:pPr lvl="3"/>
+            <a:r>
+              <a:rPr lang="en-US"/>
+              <a:t>Fourth level</a:t>
+            </a:r>
+          </a:p>
+          <a:p>
+            <a:pPr lvl="4"/>
+            <a:r>
+              <a:rPr lang="en-US"/>
+              <a:t>Fifth level</a:t>
+            </a:r>
+          </a:p>
+        </p:txBody>
+      </p:sp>
+      <p:sp>
+        <p:nvSpPr>
+          <p:cNvPr id="6" name="Footer Placeholder 5"/>
+          <p:cNvSpPr>
+            <a:spLocks noGrp="1"/>
+          </p:cNvSpPr>
+          <p:nvPr>
+            <p:ph type="ftr" sz="quarter" idx="4"/>
+          </p:nvPr>
+        </p:nvSpPr>
+        <p:spPr>
+          <a:xfrm>
+            <a:off x="0" y="8685213"/>
+            <a:ext cx="2971800" cy="458787"/>
+          </a:xfrm>
+          <a:prstGeom prst="rect">
+            <a:avLst/>
+          </a:prstGeom>
+        </p:spPr>
+        <p:txBody>
+          <a:bodyPr vert="horz" lIns="91440" tIns="45720" rIns="91440" bIns="45720" rtlCol="0" anchor="b"/>
+          <a:lstStyle>
+            <a:lvl1pPr algn="l">
+              <a:defRPr sz="1200"/>
+            </a:lvl1pPr>
+          </a:lstStyle>
+          <a:p>
+            <a:endParaRPr lang="en-US"/>
+          </a:p>
+        </p:txBody>
+      </p:sp>
+      <p:sp>
+        <p:nvSpPr>
+          <p:cNvPr id="7" name="Slide Number Placeholder 6"/>
+          <p:cNvSpPr>
+            <a:spLocks noGrp="1"/>
+          </p:cNvSpPr>
+          <p:nvPr>
+            <p:ph type="sldNum" sz="quarter" idx="5"/>
+          </p:nvPr>
+        </p:nvSpPr>
+        <p:spPr>
+          <a:xfrm>
+            <a:off x="3884613" y="8685213"/>
+            <a:ext cx="2971800" cy="458787"/>
+          </a:xfrm>
+          <a:prstGeom prst="rect">
+            <a:avLst/>
+          </a:prstGeom>
+        </p:spPr>
+        <p:txBody>
+          <a:bodyPr vert="horz" lIns="91440" tIns="45720" rIns="91440" bIns="45720" rtlCol="0" anchor="b"/>
+          <a:lstStyle>
+            <a:lvl1pPr algn="r">
+              <a:defRPr sz="1200"/>
+            </a:lvl1pPr>
+          </a:lstStyle>
+          <a:p>
+            <a:fld id="{DC236ACF-BDBF-4664-81D3-64BB8406BC39}" type="slidenum">
+              <a:rPr lang="en-US" smtClean="0"/>
+              <a:t>‹#›</a:t>
+            </a:fld>
+            <a:endParaRPr lang="en-US"/>
+          </a:p>
+        </p:txBody>
+      </p:sp>
+    </p:spTree>
+    <p:extLst>
+      <p:ext uri="{BB962C8B-B14F-4D97-AF65-F5344CB8AC3E}">
+        <p14:creationId xmlns:p14="http://schemas.microsoft.com/office/powerpoint/2010/main" val="2455314558"/>
+      </p:ext>
+    </p:extLst>
+  </p:cSld>
+  <p:clrMap bg1="lt1" tx1="dk1" bg2="lt2" tx2="dk2" accent1="accent1" accent2="accent2" accent3="accent3" accent4="accent4" accent5="accent5" accent6="accent6" hlink="hlink" folHlink="folHlink"/>
+  <p:notesStyle>
+    <a:lvl1pPr marL="0" algn="l" defTabSz="914400" rtl="0" eaLnBrk="1" latinLnBrk="0" hangingPunct="1">
+      <a:defRPr sz="1200" kern="1200">
+        <a:solidFill>
+          <a:schemeClr val="tx1"/>
+        </a:solidFill>
+        <a:latin typeface="+mn-lt"/>
+        <a:ea typeface="+mn-ea"/>
+        <a:cs typeface="+mn-cs"/>
+      </a:defRPr>
+    </a:lvl1pPr>
+    <a:lvl2pPr marL="457200" algn="l" defTabSz="914400" rtl="0" eaLnBrk="1" latinLnBrk="0" hangingPunct="1">
+      <a:defRPr sz="1200" kern="1200">
+        <a:solidFill>
+          <a:schemeClr val="tx1"/>
+        </a:solidFill>
+        <a:latin typeface="+mn-lt"/>
+        <a:ea typeface="+mn-ea"/>
+        <a:cs typeface="+mn-cs"/>
+      </a:defRPr>
+    </a:lvl2pPr>
+    <a:lvl3pPr marL="914400" algn="l" defTabSz="914400" rtl="0" eaLnBrk="1" latinLnBrk="0" hangingPunct="1">
+      <a:defRPr sz="1200" kern="1200">
+        <a:solidFill>
+          <a:schemeClr val="tx1"/>
+        </a:solidFill>
+        <a:latin typeface="+mn-lt"/>
+        <a:ea typeface="+mn-ea"/>
+        <a:cs typeface="+mn-cs"/>
+      </a:defRPr>
+    </a:lvl3pPr>
+    <a:lvl4pPr marL="1371600" algn="l" defTabSz="914400" rtl="0" eaLnBrk="1" latinLnBrk="0" hangingPunct="1">
+      <a:defRPr sz="1200" kern="1200">
+        <a:solidFill>
+          <a:schemeClr val="tx1"/>
+        </a:solidFill>
+        <a:latin typeface="+mn-lt"/>
+        <a:ea typeface="+mn-ea"/>
+        <a:cs typeface="+mn-cs"/>
+      </a:defRPr>
+    </a:lvl4pPr>
+    <a:lvl5pPr marL="1828800" algn="l" defTabSz="914400" rtl="0" eaLnBrk="1" latinLnBrk="0" hangingPunct="1">
+      <a:defRPr sz="1200" kern="1200">
+        <a:solidFill>
+          <a:schemeClr val="tx1"/>
+        </a:solidFill>
+        <a:latin typeface="+mn-lt"/>
+        <a:ea typeface="+mn-ea"/>
+        <a:cs typeface="+mn-cs"/>
+      </a:defRPr>
+    </a:lvl5pPr>
+    <a:lvl6pPr marL="2286000" algn="l" defTabSz="914400" rtl="0" eaLnBrk="1" latinLnBrk="0" hangingPunct="1">
+      <a:defRPr sz="1200" kern="1200">
+        <a:solidFill>
+          <a:schemeClr val="tx1"/>
+        </a:solidFill>
+        <a:latin typeface="+mn-lt"/>
+        <a:ea typeface="+mn-ea"/>
+        <a:cs typeface="+mn-cs"/>
+      </a:defRPr>
+    </a:lvl6pPr>
+    <a:lvl7pPr marL="2743200" algn="l" defTabSz="914400" rtl="0" eaLnBrk="1" latinLnBrk="0" hangingPunct="1">
+      <a:defRPr sz="1200" kern="1200">
+        <a:solidFill>
+          <a:schemeClr val="tx1"/>
+        </a:solidFill>
+        <a:latin typeface="+mn-lt"/>
+        <a:ea typeface="+mn-ea"/>
+        <a:cs typeface="+mn-cs"/>
+      </a:defRPr>
+    </a:lvl7pPr>
+    <a:lvl8pPr marL="3200400" algn="l" defTabSz="914400" rtl="0" eaLnBrk="1" latinLnBrk="0" hangingPunct="1">
+      <a:defRPr sz="1200" kern="1200">
+        <a:solidFill>
+          <a:schemeClr val="tx1"/>
+        </a:solidFill>
+        <a:latin typeface="+mn-lt"/>
+        <a:ea typeface="+mn-ea"/>
+        <a:cs typeface="+mn-cs"/>
+      </a:defRPr>
+    </a:lvl8pPr>
+    <a:lvl9pPr marL="3657600" algn="l" defTabSz="914400" rtl="0" eaLnBrk="1" latinLnBrk="0" hangingPunct="1">
+      <a:defRPr sz="1200" kern="1200">
+        <a:solidFill>
+          <a:schemeClr val="tx1"/>
+        </a:solidFill>
+        <a:latin typeface="+mn-lt"/>
+        <a:ea typeface="+mn-ea"/>
+        <a:cs typeface="+mn-cs"/>
+      </a:defRPr>
+    </a:lvl9pPr>
+  </p:notesStyle>
+</p:notesMaster>
+</file>
+
 <file path=ppt/slideLayouts/slideLayout1.xml><?xml version="1.0" encoding="utf-8"?>
 <p:sldLayout xmlns:a="http://schemas.openxmlformats.org/drawingml/2006/main" xmlns:r="http://schemas.openxmlformats.org/officeDocument/2006/relationships" xmlns:p="http://schemas.openxmlformats.org/presentationml/2006/main" type="title" preserve="1">
   <p:cSld name="Title Slide">
@@ -248,7 +614,7 @@
           <a:p>
             <a:fld id="{8B892C88-A3C1-408D-A830-40B4BB071320}" type="datetimeFigureOut">
               <a:rPr lang="en-US" smtClean="0"/>
-              <a:t>12/15/2022</a:t>
+              <a:t>12/16/2022</a:t>
             </a:fld>
             <a:endParaRPr lang="en-US"/>
           </a:p>
@@ -418,7 +784,7 @@
           <a:p>
             <a:fld id="{8B892C88-A3C1-408D-A830-40B4BB071320}" type="datetimeFigureOut">
               <a:rPr lang="en-US" smtClean="0"/>
-              <a:t>12/15/2022</a:t>
+              <a:t>12/16/2022</a:t>
             </a:fld>
             <a:endParaRPr lang="en-US"/>
           </a:p>
@@ -598,7 +964,7 @@
           <a:p>
             <a:fld id="{8B892C88-A3C1-408D-A830-40B4BB071320}" type="datetimeFigureOut">
               <a:rPr lang="en-US" smtClean="0"/>
-              <a:t>12/15/2022</a:t>
+              <a:t>12/16/2022</a:t>
             </a:fld>
             <a:endParaRPr lang="en-US"/>
           </a:p>
@@ -768,7 +1134,7 @@
           <a:p>
             <a:fld id="{8B892C88-A3C1-408D-A830-40B4BB071320}" type="datetimeFigureOut">
               <a:rPr lang="en-US" smtClean="0"/>
-              <a:t>12/15/2022</a:t>
+              <a:t>12/16/2022</a:t>
             </a:fld>
             <a:endParaRPr lang="en-US"/>
           </a:p>
@@ -1014,7 +1380,7 @@
           <a:p>
             <a:fld id="{8B892C88-A3C1-408D-A830-40B4BB071320}" type="datetimeFigureOut">
               <a:rPr lang="en-US" smtClean="0"/>
-              <a:t>12/15/2022</a:t>
+              <a:t>12/16/2022</a:t>
             </a:fld>
             <a:endParaRPr lang="en-US"/>
           </a:p>
@@ -1246,7 +1612,7 @@
           <a:p>
             <a:fld id="{8B892C88-A3C1-408D-A830-40B4BB071320}" type="datetimeFigureOut">
               <a:rPr lang="en-US" smtClean="0"/>
-              <a:t>12/15/2022</a:t>
+              <a:t>12/16/2022</a:t>
             </a:fld>
             <a:endParaRPr lang="en-US"/>
           </a:p>
@@ -1613,7 +1979,7 @@
           <a:p>
             <a:fld id="{8B892C88-A3C1-408D-A830-40B4BB071320}" type="datetimeFigureOut">
               <a:rPr lang="en-US" smtClean="0"/>
-              <a:t>12/15/2022</a:t>
+              <a:t>12/16/2022</a:t>
             </a:fld>
             <a:endParaRPr lang="en-US"/>
           </a:p>
@@ -1731,7 +2097,7 @@
           <a:p>
             <a:fld id="{8B892C88-A3C1-408D-A830-40B4BB071320}" type="datetimeFigureOut">
               <a:rPr lang="en-US" smtClean="0"/>
-              <a:t>12/15/2022</a:t>
+              <a:t>12/16/2022</a:t>
             </a:fld>
             <a:endParaRPr lang="en-US"/>
           </a:p>
@@ -1826,7 +2192,7 @@
           <a:p>
             <a:fld id="{8B892C88-A3C1-408D-A830-40B4BB071320}" type="datetimeFigureOut">
               <a:rPr lang="en-US" smtClean="0"/>
-              <a:t>12/15/2022</a:t>
+              <a:t>12/16/2022</a:t>
             </a:fld>
             <a:endParaRPr lang="en-US"/>
           </a:p>
@@ -2103,7 +2469,7 @@
           <a:p>
             <a:fld id="{8B892C88-A3C1-408D-A830-40B4BB071320}" type="datetimeFigureOut">
               <a:rPr lang="en-US" smtClean="0"/>
-              <a:t>12/15/2022</a:t>
+              <a:t>12/16/2022</a:t>
             </a:fld>
             <a:endParaRPr lang="en-US"/>
           </a:p>
@@ -2360,7 +2726,7 @@
           <a:p>
             <a:fld id="{8B892C88-A3C1-408D-A830-40B4BB071320}" type="datetimeFigureOut">
               <a:rPr lang="en-US" smtClean="0"/>
-              <a:t>12/15/2022</a:t>
+              <a:t>12/16/2022</a:t>
             </a:fld>
             <a:endParaRPr lang="en-US"/>
           </a:p>
@@ -2573,7 +2939,7 @@
           <a:p>
             <a:fld id="{8B892C88-A3C1-408D-A830-40B4BB071320}" type="datetimeFigureOut">
               <a:rPr lang="en-US" smtClean="0"/>
-              <a:t>12/15/2022</a:t>
+              <a:t>12/16/2022</a:t>
             </a:fld>
             <a:endParaRPr lang="en-US"/>
           </a:p>
@@ -2967,10 +3333,9 @@
     <p:bg>
       <p:bgPr>
         <a:solidFill>
-          <a:schemeClr val="accent1">
-            <a:lumMod val="40000"/>
-            <a:lumOff val="60000"/>
-            <a:alpha val="70000"/>
+          <a:schemeClr val="bg1">
+            <a:tint val="95000"/>
+            <a:satMod val="170000"/>
           </a:schemeClr>
         </a:solidFill>
         <a:effectLst/>
@@ -3006,12 +3371,26 @@
             <p:ph type="ctrTitle"/>
           </p:nvPr>
         </p:nvSpPr>
-        <p:spPr/>
-        <p:txBody>
-          <a:bodyPr/>
-          <a:lstStyle/>
-          <a:p>
-            <a:endParaRPr lang="en-US"/>
+        <p:spPr>
+          <a:xfrm>
+            <a:off x="7288690" y="688453"/>
+            <a:ext cx="4717774" cy="861391"/>
+          </a:xfrm>
+        </p:spPr>
+        <p:txBody>
+          <a:bodyPr anchor="b">
+            <a:noAutofit/>
+          </a:bodyPr>
+          <a:lstStyle/>
+          <a:p>
+            <a:r>
+              <a:rPr lang="en-US" b="1" u="sng" dirty="0">
+                <a:solidFill>
+                  <a:srgbClr val="C00000"/>
+                </a:solidFill>
+              </a:rPr>
+              <a:t>MEAT</a:t>
+            </a:r>
           </a:p>
         </p:txBody>
       </p:sp>
@@ -3031,12 +3410,404 @@
             <p:ph type="subTitle" idx="1"/>
           </p:nvPr>
         </p:nvSpPr>
-        <p:spPr/>
-        <p:txBody>
-          <a:bodyPr/>
-          <a:lstStyle/>
-          <a:p>
+        <p:spPr>
+          <a:xfrm>
+            <a:off x="7603924" y="1704547"/>
+            <a:ext cx="4087305" cy="1504133"/>
+          </a:xfrm>
+        </p:spPr>
+        <p:txBody>
+          <a:bodyPr anchor="t">
+            <a:noAutofit/>
+          </a:bodyPr>
+          <a:lstStyle/>
+          <a:p>
+            <a:r>
+              <a:rPr lang="en-US" sz="2800" dirty="0">
+                <a:solidFill>
+                  <a:schemeClr val="accent4">
+                    <a:lumMod val="60000"/>
+                    <a:lumOff val="40000"/>
+                  </a:schemeClr>
+                </a:solidFill>
+              </a:rPr>
+              <a:t>Is there a link between meat consumption and the global increase in obesity?</a:t>
+            </a:r>
+          </a:p>
+        </p:txBody>
+      </p:sp>
+      <p:sp>
+        <p:nvSpPr>
+          <p:cNvPr id="32" name="Freeform: Shape 31">
+            <a:extLst>
+              <a:ext uri="{FF2B5EF4-FFF2-40B4-BE49-F238E27FC236}">
+                <a16:creationId xmlns:a16="http://schemas.microsoft.com/office/drawing/2014/main" id="{E49CC64F-7275-4E33-961B-0C5CDC439875}"/>
+              </a:ext>
+              <a:ext uri="{C183D7F6-B498-43B3-948B-1728B52AA6E4}">
+                <adec:decorative xmlns:adec="http://schemas.microsoft.com/office/drawing/2017/decorative" val="1"/>
+              </a:ext>
+            </a:extLst>
+          </p:cNvPr>
+          <p:cNvSpPr>
+            <a:spLocks noGrp="1" noRot="1" noChangeAspect="1" noMove="1" noResize="1" noEditPoints="1" noAdjustHandles="1" noChangeArrowheads="1" noChangeShapeType="1" noTextEdit="1"/>
+          </p:cNvSpPr>
+          <p:nvPr>
+            <p:extLst>
+              <p:ext uri="{386F3935-93C4-4BCD-93E2-E3B085C9AB24}">
+                <p16:designElem xmlns:p16="http://schemas.microsoft.com/office/powerpoint/2015/main" val="1"/>
+              </p:ext>
+            </p:extLst>
+          </p:nvPr>
+        </p:nvSpPr>
+        <p:spPr>
+          <a:xfrm flipH="1" flipV="1">
+            <a:off x="1" y="0"/>
+            <a:ext cx="7188051" cy="6858000"/>
+          </a:xfrm>
+          <a:custGeom>
+            <a:avLst/>
+            <a:gdLst>
+              <a:gd name="connsiteX0" fmla="*/ 7188051 w 7188051"/>
+              <a:gd name="connsiteY0" fmla="*/ 6858000 h 6858000"/>
+              <a:gd name="connsiteX1" fmla="*/ 108694 w 7188051"/>
+              <a:gd name="connsiteY1" fmla="*/ 6858000 h 6858000"/>
+              <a:gd name="connsiteX2" fmla="*/ 79127 w 7188051"/>
+              <a:gd name="connsiteY2" fmla="*/ 6681235 h 6858000"/>
+              <a:gd name="connsiteX3" fmla="*/ 0 w 7188051"/>
+              <a:gd name="connsiteY3" fmla="*/ 5565888 h 6858000"/>
+              <a:gd name="connsiteX4" fmla="*/ 2190696 w 7188051"/>
+              <a:gd name="connsiteY4" fmla="*/ 145339 h 6858000"/>
+              <a:gd name="connsiteX5" fmla="*/ 2339431 w 7188051"/>
+              <a:gd name="connsiteY5" fmla="*/ 0 h 6858000"/>
+              <a:gd name="connsiteX6" fmla="*/ 7188051 w 7188051"/>
+              <a:gd name="connsiteY6" fmla="*/ 0 h 6858000"/>
+            </a:gdLst>
+            <a:ahLst/>
+            <a:cxnLst>
+              <a:cxn ang="0">
+                <a:pos x="connsiteX0" y="connsiteY0"/>
+              </a:cxn>
+              <a:cxn ang="0">
+                <a:pos x="connsiteX1" y="connsiteY1"/>
+              </a:cxn>
+              <a:cxn ang="0">
+                <a:pos x="connsiteX2" y="connsiteY2"/>
+              </a:cxn>
+              <a:cxn ang="0">
+                <a:pos x="connsiteX3" y="connsiteY3"/>
+              </a:cxn>
+              <a:cxn ang="0">
+                <a:pos x="connsiteX4" y="connsiteY4"/>
+              </a:cxn>
+              <a:cxn ang="0">
+                <a:pos x="connsiteX5" y="connsiteY5"/>
+              </a:cxn>
+              <a:cxn ang="0">
+                <a:pos x="connsiteX6" y="connsiteY6"/>
+              </a:cxn>
+            </a:cxnLst>
+            <a:rect l="l" t="t" r="r" b="b"/>
+            <a:pathLst>
+              <a:path w="7188051" h="6858000">
+                <a:moveTo>
+                  <a:pt x="7188051" y="6858000"/>
+                </a:moveTo>
+                <a:lnTo>
+                  <a:pt x="108694" y="6858000"/>
+                </a:lnTo>
+                <a:lnTo>
+                  <a:pt x="79127" y="6681235"/>
+                </a:lnTo>
+                <a:cubicBezTo>
+                  <a:pt x="26981" y="6316967"/>
+                  <a:pt x="0" y="5944579"/>
+                  <a:pt x="0" y="5565888"/>
+                </a:cubicBezTo>
+                <a:cubicBezTo>
+                  <a:pt x="0" y="3459953"/>
+                  <a:pt x="834428" y="1548908"/>
+                  <a:pt x="2190696" y="145339"/>
+                </a:cubicBezTo>
+                <a:lnTo>
+                  <a:pt x="2339431" y="0"/>
+                </a:lnTo>
+                <a:lnTo>
+                  <a:pt x="7188051" y="0"/>
+                </a:lnTo>
+                <a:close/>
+              </a:path>
+            </a:pathLst>
+          </a:custGeom>
+          <a:solidFill>
+            <a:schemeClr val="tx1">
+              <a:alpha val="80000"/>
+            </a:schemeClr>
+          </a:solidFill>
+          <a:ln>
+            <a:noFill/>
+          </a:ln>
+        </p:spPr>
+        <p:style>
+          <a:lnRef idx="2">
+            <a:schemeClr val="accent1">
+              <a:shade val="50000"/>
+            </a:schemeClr>
+          </a:lnRef>
+          <a:fillRef idx="1">
+            <a:schemeClr val="accent1"/>
+          </a:fillRef>
+          <a:effectRef idx="0">
+            <a:schemeClr val="accent1"/>
+          </a:effectRef>
+          <a:fontRef idx="minor">
+            <a:schemeClr val="lt1"/>
+          </a:fontRef>
+        </p:style>
+        <p:txBody>
+          <a:bodyPr wrap="square" rtlCol="0" anchor="ctr">
+            <a:noAutofit/>
+          </a:bodyPr>
+          <a:lstStyle/>
+          <a:p>
+            <a:pPr algn="ctr"/>
             <a:endParaRPr lang="en-US"/>
+          </a:p>
+        </p:txBody>
+      </p:sp>
+      <p:pic>
+        <p:nvPicPr>
+          <p:cNvPr id="5" name="Picture 4" descr="A picture containing text, picture frame&#10;&#10;Description automatically generated">
+            <a:extLst>
+              <a:ext uri="{FF2B5EF4-FFF2-40B4-BE49-F238E27FC236}">
+                <a16:creationId xmlns:a16="http://schemas.microsoft.com/office/drawing/2014/main" id="{1BEC4CDF-BFDD-170B-D83E-23D8D915C1F9}"/>
+              </a:ext>
+            </a:extLst>
+          </p:cNvPr>
+          <p:cNvPicPr>
+            <a:picLocks noChangeAspect="1"/>
+          </p:cNvPicPr>
+          <p:nvPr/>
+        </p:nvPicPr>
+        <p:blipFill rotWithShape="1">
+          <a:blip r:embed="rId2">
+            <a:extLst>
+              <a:ext uri="{28A0092B-C50C-407E-A947-70E740481C1C}">
+                <a14:useLocalDpi xmlns:a14="http://schemas.microsoft.com/office/drawing/2010/main" val="0"/>
+              </a:ext>
+            </a:extLst>
+          </a:blip>
+          <a:srcRect t="1873" r="-1" b="552"/>
+          <a:stretch/>
+        </p:blipFill>
+        <p:spPr>
+          <a:xfrm>
+            <a:off x="75574" y="10"/>
+            <a:ext cx="7036904" cy="6857990"/>
+          </a:xfrm>
+          <a:custGeom>
+            <a:avLst/>
+            <a:gdLst/>
+            <a:ahLst/>
+            <a:cxnLst/>
+            <a:rect l="l" t="t" r="r" b="b"/>
+            <a:pathLst>
+              <a:path w="7028495" h="6858000">
+                <a:moveTo>
+                  <a:pt x="0" y="0"/>
+                </a:moveTo>
+                <a:lnTo>
+                  <a:pt x="6915668" y="0"/>
+                </a:lnTo>
+                <a:lnTo>
+                  <a:pt x="6952411" y="219663"/>
+                </a:lnTo>
+                <a:cubicBezTo>
+                  <a:pt x="7002551" y="569921"/>
+                  <a:pt x="7028495" y="927986"/>
+                  <a:pt x="7028495" y="1292112"/>
+                </a:cubicBezTo>
+                <a:cubicBezTo>
+                  <a:pt x="7028495" y="3343346"/>
+                  <a:pt x="6205186" y="5202289"/>
+                  <a:pt x="4870994" y="6556512"/>
+                </a:cubicBezTo>
+                <a:lnTo>
+                  <a:pt x="4556185" y="6858000"/>
+                </a:lnTo>
+                <a:lnTo>
+                  <a:pt x="0" y="6858000"/>
+                </a:lnTo>
+                <a:close/>
+              </a:path>
+            </a:pathLst>
+          </a:custGeom>
+        </p:spPr>
+      </p:pic>
+      <p:sp>
+        <p:nvSpPr>
+          <p:cNvPr id="7" name="TextBox 6">
+            <a:extLst>
+              <a:ext uri="{FF2B5EF4-FFF2-40B4-BE49-F238E27FC236}">
+                <a16:creationId xmlns:a16="http://schemas.microsoft.com/office/drawing/2014/main" id="{8718C44E-09DB-7F43-5E68-7A6DF2D11002}"/>
+              </a:ext>
+            </a:extLst>
+          </p:cNvPr>
+          <p:cNvSpPr txBox="1"/>
+          <p:nvPr/>
+        </p:nvSpPr>
+        <p:spPr>
+          <a:xfrm>
+            <a:off x="7871782" y="3680929"/>
+            <a:ext cx="3551583" cy="830997"/>
+          </a:xfrm>
+          <a:prstGeom prst="rect">
+            <a:avLst/>
+          </a:prstGeom>
+          <a:noFill/>
+        </p:spPr>
+        <p:txBody>
+          <a:bodyPr wrap="square" rtlCol="0">
+            <a:spAutoFit/>
+          </a:bodyPr>
+          <a:lstStyle/>
+          <a:p>
+            <a:pPr algn="ctr"/>
+            <a:r>
+              <a:rPr lang="en-US" sz="1600" dirty="0">
+                <a:solidFill>
+                  <a:schemeClr val="accent4">
+                    <a:lumMod val="60000"/>
+                    <a:lumOff val="40000"/>
+                  </a:schemeClr>
+                </a:solidFill>
+              </a:rPr>
+              <a:t>Nashville Software School</a:t>
+            </a:r>
+          </a:p>
+          <a:p>
+            <a:pPr algn="ctr"/>
+            <a:r>
+              <a:rPr lang="en-US" sz="1600" dirty="0">
+                <a:solidFill>
+                  <a:schemeClr val="accent4">
+                    <a:lumMod val="60000"/>
+                    <a:lumOff val="40000"/>
+                  </a:schemeClr>
+                </a:solidFill>
+              </a:rPr>
+              <a:t>Part Time Data Analytics Cohort 7</a:t>
+            </a:r>
+          </a:p>
+          <a:p>
+            <a:pPr algn="ctr"/>
+            <a:r>
+              <a:rPr lang="en-US" sz="1600" dirty="0">
+                <a:solidFill>
+                  <a:schemeClr val="accent4">
+                    <a:lumMod val="60000"/>
+                    <a:lumOff val="40000"/>
+                  </a:schemeClr>
+                </a:solidFill>
+              </a:rPr>
+              <a:t>Capstone Project by Steven Goolsby</a:t>
+            </a:r>
+          </a:p>
+        </p:txBody>
+      </p:sp>
+      <p:sp>
+        <p:nvSpPr>
+          <p:cNvPr id="9" name="TextBox 8">
+            <a:extLst>
+              <a:ext uri="{FF2B5EF4-FFF2-40B4-BE49-F238E27FC236}">
+                <a16:creationId xmlns:a16="http://schemas.microsoft.com/office/drawing/2014/main" id="{C1B31CFB-B5B5-FEE9-4352-99933CF90CCB}"/>
+              </a:ext>
+            </a:extLst>
+          </p:cNvPr>
+          <p:cNvSpPr txBox="1"/>
+          <p:nvPr/>
+        </p:nvSpPr>
+        <p:spPr>
+          <a:xfrm>
+            <a:off x="8464159" y="4984176"/>
+            <a:ext cx="2366831" cy="1077218"/>
+          </a:xfrm>
+          <a:prstGeom prst="rect">
+            <a:avLst/>
+          </a:prstGeom>
+          <a:noFill/>
+        </p:spPr>
+        <p:txBody>
+          <a:bodyPr wrap="square" rtlCol="0">
+            <a:spAutoFit/>
+          </a:bodyPr>
+          <a:lstStyle/>
+          <a:p>
+            <a:pPr marL="285750" indent="-285750" algn="ctr">
+              <a:buFont typeface="Courier New" panose="02070309020205020404" pitchFamily="49" charset="0"/>
+              <a:buChar char="o"/>
+            </a:pPr>
+            <a:r>
+              <a:rPr lang="en-US" sz="1600" dirty="0">
+                <a:solidFill>
+                  <a:schemeClr val="accent4">
+                    <a:lumMod val="60000"/>
+                    <a:lumOff val="40000"/>
+                  </a:schemeClr>
+                </a:solidFill>
+              </a:rPr>
+              <a:t>Python</a:t>
+            </a:r>
+          </a:p>
+          <a:p>
+            <a:pPr marL="285750" indent="-285750" algn="ctr">
+              <a:buFont typeface="Courier New" panose="02070309020205020404" pitchFamily="49" charset="0"/>
+              <a:buChar char="o"/>
+            </a:pPr>
+            <a:r>
+              <a:rPr lang="en-US" sz="1600" dirty="0">
+                <a:solidFill>
+                  <a:schemeClr val="accent4">
+                    <a:lumMod val="60000"/>
+                    <a:lumOff val="40000"/>
+                  </a:schemeClr>
+                </a:solidFill>
+              </a:rPr>
+              <a:t>Plotly Chart Studio</a:t>
+            </a:r>
+          </a:p>
+          <a:p>
+            <a:pPr marL="285750" indent="-285750" algn="ctr">
+              <a:buFont typeface="Courier New" panose="02070309020205020404" pitchFamily="49" charset="0"/>
+              <a:buChar char="o"/>
+            </a:pPr>
+            <a:r>
+              <a:rPr lang="en-US" sz="1600" dirty="0">
+                <a:solidFill>
+                  <a:schemeClr val="accent4">
+                    <a:lumMod val="60000"/>
+                    <a:lumOff val="40000"/>
+                  </a:schemeClr>
+                </a:solidFill>
+              </a:rPr>
+              <a:t>Power BI</a:t>
+            </a:r>
+          </a:p>
+          <a:p>
+            <a:pPr marL="285750" indent="-285750" algn="ctr">
+              <a:buFont typeface="Courier New" panose="02070309020205020404" pitchFamily="49" charset="0"/>
+              <a:buChar char="o"/>
+            </a:pPr>
+            <a:r>
+              <a:rPr lang="en-US" sz="1600" dirty="0">
+                <a:solidFill>
+                  <a:schemeClr val="accent4">
+                    <a:lumMod val="60000"/>
+                    <a:lumOff val="40000"/>
+                  </a:schemeClr>
+                </a:solidFill>
+              </a:rPr>
+              <a:t>PowerPoint</a:t>
+            </a:r>
           </a:p>
         </p:txBody>
       </p:sp>
@@ -3048,21 +3819,32 @@
     </p:extLst>
   </p:cSld>
   <p:clrMapOvr>
-    <a:masterClrMapping/>
+    <a:overrideClrMapping bg1="dk1" tx1="lt1" bg2="dk2" tx2="lt2" accent1="accent1" accent2="accent2" accent3="accent3" accent4="accent4" accent5="accent5" accent6="accent6" hlink="hlink" folHlink="folHlink"/>
   </p:clrMapOvr>
+  <mc:AlternateContent xmlns:mc="http://schemas.openxmlformats.org/markup-compatibility/2006">
+    <mc:Choice xmlns:p14="http://schemas.microsoft.com/office/powerpoint/2010/main" Requires="p14">
+      <p:transition spd="slow" p14:dur="1600">
+        <p14:gallery dir="l"/>
+      </p:transition>
+    </mc:Choice>
+    <mc:Fallback>
+      <p:transition spd="slow">
+        <p:fade/>
+      </p:transition>
+    </mc:Fallback>
+  </mc:AlternateContent>
 </p:sld>
 </file>
 
-<file path=ppt/slides/slide2.xml><?xml version="1.0" encoding="utf-8"?>
+<file path=ppt/slides/slide10.xml><?xml version="1.0" encoding="utf-8"?>
 <p:sld xmlns:a="http://schemas.openxmlformats.org/drawingml/2006/main" xmlns:r="http://schemas.openxmlformats.org/officeDocument/2006/relationships" xmlns:p="http://schemas.openxmlformats.org/presentationml/2006/main">
   <p:cSld>
     <p:bg>
       <p:bgPr>
         <a:solidFill>
-          <a:schemeClr val="accent1">
-            <a:lumMod val="40000"/>
-            <a:lumOff val="60000"/>
-            <a:alpha val="70000"/>
+          <a:schemeClr val="bg1">
+            <a:lumMod val="65000"/>
+            <a:alpha val="90000"/>
           </a:schemeClr>
         </a:solidFill>
         <a:effectLst/>
@@ -3084,32 +3866,218 @@
       </p:grpSpPr>
       <p:sp>
         <p:nvSpPr>
-          <p:cNvPr id="2" name="Title 1">
+          <p:cNvPr id="2" name="Rectangle: Rounded Corners 1">
             <a:extLst>
               <a:ext uri="{FF2B5EF4-FFF2-40B4-BE49-F238E27FC236}">
-                <a16:creationId xmlns:a16="http://schemas.microsoft.com/office/drawing/2014/main" id="{14A917B4-6A70-B0F0-D9F0-6EAF43E2ED55}"/>
+                <a16:creationId xmlns:a16="http://schemas.microsoft.com/office/drawing/2014/main" id="{0B2607B2-8C5A-F2D4-7BF1-CBEE36F7E602}"/>
               </a:ext>
             </a:extLst>
           </p:cNvPr>
-          <p:cNvSpPr>
-            <a:spLocks noGrp="1"/>
-          </p:cNvSpPr>
-          <p:nvPr>
-            <p:ph type="title"/>
-          </p:nvPr>
-        </p:nvSpPr>
-        <p:spPr/>
-        <p:txBody>
-          <a:bodyPr/>
-          <a:lstStyle/>
-          <a:p>
+          <p:cNvSpPr/>
+          <p:nvPr/>
+        </p:nvSpPr>
+        <p:spPr>
+          <a:xfrm>
+            <a:off x="760563" y="776376"/>
+            <a:ext cx="10611928" cy="5305245"/>
+          </a:xfrm>
+          <a:prstGeom prst="roundRect">
+            <a:avLst/>
+          </a:prstGeom>
+          <a:noFill/>
+          <a:ln>
+            <a:noFill/>
+          </a:ln>
+          <a:effectLst/>
+          <a:scene3d>
+            <a:camera prst="orthographicFront">
+              <a:rot lat="0" lon="0" rev="0"/>
+            </a:camera>
+            <a:lightRig rig="chilly" dir="t">
+              <a:rot lat="0" lon="0" rev="18480000"/>
+            </a:lightRig>
+          </a:scene3d>
+          <a:sp3d prstMaterial="clear">
+            <a:bevelT h="63500"/>
+          </a:sp3d>
+        </p:spPr>
+        <p:style>
+          <a:lnRef idx="2">
+            <a:schemeClr val="accent1">
+              <a:shade val="50000"/>
+            </a:schemeClr>
+          </a:lnRef>
+          <a:fillRef idx="1">
+            <a:schemeClr val="accent1"/>
+          </a:fillRef>
+          <a:effectRef idx="0">
+            <a:schemeClr val="accent1"/>
+          </a:effectRef>
+          <a:fontRef idx="minor">
+            <a:schemeClr val="lt1"/>
+          </a:fontRef>
+        </p:style>
+        <p:txBody>
+          <a:bodyPr rtlCol="0" anchor="ctr"/>
+          <a:lstStyle/>
+          <a:p>
+            <a:pPr algn="ctr"/>
+            <a:endParaRPr lang="en-US"/>
+          </a:p>
+        </p:txBody>
+      </p:sp>
+      <p:sp>
+        <p:nvSpPr>
+          <p:cNvPr id="3" name="Title 1">
+            <a:extLst>
+              <a:ext uri="{FF2B5EF4-FFF2-40B4-BE49-F238E27FC236}">
+                <a16:creationId xmlns:a16="http://schemas.microsoft.com/office/drawing/2014/main" id="{D5D375A7-4493-DFCF-89FC-0A9B8E26F9F6}"/>
+              </a:ext>
+            </a:extLst>
+          </p:cNvPr>
+          <p:cNvSpPr txBox="1">
+            <a:spLocks/>
+          </p:cNvSpPr>
+          <p:nvPr/>
+        </p:nvSpPr>
+        <p:spPr>
+          <a:xfrm>
+            <a:off x="915837" y="2766218"/>
+            <a:ext cx="10515600" cy="1325563"/>
+          </a:xfrm>
+          <a:prstGeom prst="rect">
+            <a:avLst/>
+          </a:prstGeom>
+        </p:spPr>
+        <p:txBody>
+          <a:bodyPr>
+            <a:normAutofit/>
+          </a:bodyPr>
+          <a:lstStyle>
+            <a:lvl1pPr algn="l" defTabSz="914400" rtl="0" eaLnBrk="1" latinLnBrk="0" hangingPunct="1">
+              <a:lnSpc>
+                <a:spcPct val="90000"/>
+              </a:lnSpc>
+              <a:spcBef>
+                <a:spcPct val="0"/>
+              </a:spcBef>
+              <a:buNone/>
+              <a:defRPr sz="4400" kern="1200">
+                <a:solidFill>
+                  <a:schemeClr val="tx1"/>
+                </a:solidFill>
+                <a:latin typeface="+mj-lt"/>
+                <a:ea typeface="+mj-ea"/>
+                <a:cs typeface="+mj-cs"/>
+              </a:defRPr>
+            </a:lvl1pPr>
+          </a:lstStyle>
+          <a:p>
+            <a:pPr algn="ctr"/>
+            <a:r>
+              <a:rPr lang="en-US" sz="7200" u="sng" dirty="0"/>
+              <a:t>Worldwide Data</a:t>
+            </a:r>
+          </a:p>
+        </p:txBody>
+      </p:sp>
+      <p:sp>
+        <p:nvSpPr>
+          <p:cNvPr id="4" name="TextBox 3">
+            <a:extLst>
+              <a:ext uri="{FF2B5EF4-FFF2-40B4-BE49-F238E27FC236}">
+                <a16:creationId xmlns:a16="http://schemas.microsoft.com/office/drawing/2014/main" id="{F47CFBB3-8A6C-82BC-1540-8B6921F1C4A6}"/>
+              </a:ext>
+            </a:extLst>
+          </p:cNvPr>
+          <p:cNvSpPr txBox="1"/>
+          <p:nvPr/>
+        </p:nvSpPr>
+        <p:spPr>
+          <a:xfrm>
+            <a:off x="1089660" y="6263640"/>
+            <a:ext cx="10012680" cy="369332"/>
+          </a:xfrm>
+          <a:prstGeom prst="rect">
+            <a:avLst/>
+          </a:prstGeom>
+          <a:noFill/>
+        </p:spPr>
+        <p:txBody>
+          <a:bodyPr wrap="square" rtlCol="0">
+            <a:spAutoFit/>
+          </a:bodyPr>
+          <a:lstStyle/>
+          <a:p>
+            <a:pPr algn="ctr"/>
+            <a:r>
+              <a:rPr lang="en-US"/>
+              <a:t>* Data provided by: </a:t>
+            </a:r>
+            <a:r>
+              <a:rPr lang="en-US" u="sng"/>
+              <a:t>NCDRisC.org</a:t>
+            </a:r>
+            <a:r>
+              <a:rPr lang="en-US"/>
+              <a:t> and </a:t>
+            </a:r>
+            <a:r>
+              <a:rPr lang="en-US" u="sng"/>
+              <a:t>Ourworldindata.org</a:t>
+            </a:r>
+            <a:r>
+              <a:rPr lang="en-US"/>
+              <a:t> *</a:t>
+            </a:r>
             <a:endParaRPr lang="en-US" dirty="0"/>
           </a:p>
         </p:txBody>
       </p:sp>
+    </p:spTree>
+    <p:extLst>
+      <p:ext uri="{BB962C8B-B14F-4D97-AF65-F5344CB8AC3E}">
+        <p14:creationId xmlns:p14="http://schemas.microsoft.com/office/powerpoint/2010/main" val="1221150204"/>
+      </p:ext>
+    </p:extLst>
+  </p:cSld>
+  <p:clrMapOvr>
+    <a:masterClrMapping/>
+  </p:clrMapOvr>
+</p:sld>
+</file>
+
+<file path=ppt/slides/slide11.xml><?xml version="1.0" encoding="utf-8"?>
+<p:sld xmlns:a="http://schemas.openxmlformats.org/drawingml/2006/main" xmlns:r="http://schemas.openxmlformats.org/officeDocument/2006/relationships" xmlns:p="http://schemas.openxmlformats.org/presentationml/2006/main">
+  <p:cSld>
+    <p:bg>
+      <p:bgPr>
+        <a:solidFill>
+          <a:schemeClr val="bg1">
+            <a:lumMod val="65000"/>
+            <a:alpha val="90000"/>
+          </a:schemeClr>
+        </a:solidFill>
+        <a:effectLst/>
+      </p:bgPr>
+    </p:bg>
+    <p:spTree>
+      <p:nvGrpSpPr>
+        <p:cNvPr id="1" name=""/>
+        <p:cNvGrpSpPr/>
+        <p:nvPr/>
+      </p:nvGrpSpPr>
+      <p:grpSpPr>
+        <a:xfrm>
+          <a:off x="0" y="0"/>
+          <a:ext cx="0" cy="0"/>
+          <a:chOff x="0" y="0"/>
+          <a:chExt cx="0" cy="0"/>
+        </a:xfrm>
+      </p:grpSpPr>
       <p:pic>
         <p:nvPicPr>
-          <p:cNvPr id="9" name="Content Placeholder 8" descr="Chart, bar chart&#10;&#10;Description automatically generated">
+          <p:cNvPr id="9" name="Content Placeholder 8">
             <a:extLst>
               <a:ext uri="{FF2B5EF4-FFF2-40B4-BE49-F238E27FC236}">
                 <a16:creationId xmlns:a16="http://schemas.microsoft.com/office/drawing/2014/main" id="{C9D22E4F-927F-5094-9B11-BC987543FDDE}"/>
@@ -3125,6 +4093,38 @@
         </p:nvPicPr>
         <p:blipFill>
           <a:blip r:embed="rId2">
+            <a:extLst>
+              <a:ext uri="{28A0092B-C50C-407E-A947-70E740481C1C}">
+                <a14:useLocalDpi xmlns:a14="http://schemas.microsoft.com/office/drawing/2010/main" val="0"/>
+              </a:ext>
+            </a:extLst>
+          </a:blip>
+          <a:srcRect/>
+          <a:stretch/>
+        </p:blipFill>
+        <p:spPr>
+          <a:xfrm>
+            <a:off x="4198954" y="353505"/>
+            <a:ext cx="3794092" cy="6116104"/>
+          </a:xfrm>
+        </p:spPr>
+      </p:pic>
+      <p:pic>
+        <p:nvPicPr>
+          <p:cNvPr id="4" name="Picture 3" descr="Chart&#10;&#10;Description automatically generated">
+            <a:extLst>
+              <a:ext uri="{FF2B5EF4-FFF2-40B4-BE49-F238E27FC236}">
+                <a16:creationId xmlns:a16="http://schemas.microsoft.com/office/drawing/2014/main" id="{64F467C0-1711-FB90-7A91-9C11306D993F}"/>
+              </a:ext>
+            </a:extLst>
+          </p:cNvPr>
+          <p:cNvPicPr>
+            <a:picLocks noChangeAspect="1"/>
+          </p:cNvPicPr>
+          <p:nvPr/>
+        </p:nvPicPr>
+        <p:blipFill>
+          <a:blip r:embed="rId3">
             <a:extLst>
               <a:ext uri="{28A0092B-C50C-407E-A947-70E740481C1C}">
                 <a14:useLocalDpi xmlns:a14="http://schemas.microsoft.com/office/drawing/2010/main" val="0"/>
@@ -3137,9 +4137,48 @@
         </p:blipFill>
         <p:spPr>
           <a:xfrm>
-            <a:off x="838201" y="518474"/>
-            <a:ext cx="10515600" cy="5806912"/>
-          </a:xfrm>
+            <a:off x="202873" y="365125"/>
+            <a:ext cx="3794092" cy="6116104"/>
+          </a:xfrm>
+          <a:prstGeom prst="rect">
+            <a:avLst/>
+          </a:prstGeom>
+        </p:spPr>
+      </p:pic>
+      <p:pic>
+        <p:nvPicPr>
+          <p:cNvPr id="6" name="Picture 5" descr="Chart, funnel chart&#10;&#10;Description automatically generated">
+            <a:extLst>
+              <a:ext uri="{FF2B5EF4-FFF2-40B4-BE49-F238E27FC236}">
+                <a16:creationId xmlns:a16="http://schemas.microsoft.com/office/drawing/2014/main" id="{180C44F2-E308-F672-73B0-ED0909107353}"/>
+              </a:ext>
+            </a:extLst>
+          </p:cNvPr>
+          <p:cNvPicPr>
+            <a:picLocks noChangeAspect="1"/>
+          </p:cNvPicPr>
+          <p:nvPr/>
+        </p:nvPicPr>
+        <p:blipFill>
+          <a:blip r:embed="rId4">
+            <a:extLst>
+              <a:ext uri="{28A0092B-C50C-407E-A947-70E740481C1C}">
+                <a14:useLocalDpi xmlns:a14="http://schemas.microsoft.com/office/drawing/2010/main" val="0"/>
+              </a:ext>
+            </a:extLst>
+          </a:blip>
+          <a:stretch>
+            <a:fillRect/>
+          </a:stretch>
+        </p:blipFill>
+        <p:spPr>
+          <a:xfrm>
+            <a:off x="8195035" y="353505"/>
+            <a:ext cx="3794092" cy="6127724"/>
+          </a:xfrm>
+          <a:prstGeom prst="rect">
+            <a:avLst/>
+          </a:prstGeom>
         </p:spPr>
       </p:pic>
     </p:spTree>
@@ -3155,9 +4194,20 @@
 </p:sld>
 </file>
 
-<file path=ppt/slides/slide3.xml><?xml version="1.0" encoding="utf-8"?>
+<file path=ppt/slides/slide12.xml><?xml version="1.0" encoding="utf-8"?>
 <p:sld xmlns:a="http://schemas.openxmlformats.org/drawingml/2006/main" xmlns:r="http://schemas.openxmlformats.org/officeDocument/2006/relationships" xmlns:p="http://schemas.openxmlformats.org/presentationml/2006/main">
   <p:cSld>
+    <p:bg>
+      <p:bgPr>
+        <a:solidFill>
+          <a:schemeClr val="bg1">
+            <a:lumMod val="65000"/>
+            <a:alpha val="90000"/>
+          </a:schemeClr>
+        </a:solidFill>
+        <a:effectLst/>
+      </p:bgPr>
+    </p:bg>
     <p:spTree>
       <p:nvGrpSpPr>
         <p:cNvPr id="1" name=""/>
@@ -3172,60 +4222,118 @@
           <a:chExt cx="0" cy="0"/>
         </a:xfrm>
       </p:grpSpPr>
-      <p:sp>
-        <p:nvSpPr>
-          <p:cNvPr id="2" name="Title 1">
+      <p:pic>
+        <p:nvPicPr>
+          <p:cNvPr id="3" name="Picture 2" descr="Chart&#10;&#10;Description automatically generated">
             <a:extLst>
               <a:ext uri="{FF2B5EF4-FFF2-40B4-BE49-F238E27FC236}">
-                <a16:creationId xmlns:a16="http://schemas.microsoft.com/office/drawing/2014/main" id="{3ED9E4CD-4EF7-AC54-B1A4-7C2D8D48B1E4}"/>
+                <a16:creationId xmlns:a16="http://schemas.microsoft.com/office/drawing/2014/main" id="{FC780109-8CDD-1058-AFD8-520C5857E051}"/>
               </a:ext>
             </a:extLst>
           </p:cNvPr>
-          <p:cNvSpPr>
-            <a:spLocks noGrp="1"/>
-          </p:cNvSpPr>
-          <p:nvPr>
-            <p:ph type="title"/>
-          </p:nvPr>
-        </p:nvSpPr>
-        <p:spPr/>
-        <p:txBody>
-          <a:bodyPr/>
-          <a:lstStyle/>
-          <a:p>
-            <a:endParaRPr lang="en-US"/>
-          </a:p>
-        </p:txBody>
-      </p:sp>
-      <p:sp>
-        <p:nvSpPr>
-          <p:cNvPr id="3" name="Content Placeholder 2">
+          <p:cNvPicPr>
+            <a:picLocks noChangeAspect="1"/>
+          </p:cNvPicPr>
+          <p:nvPr/>
+        </p:nvPicPr>
+        <p:blipFill>
+          <a:blip r:embed="rId2">
+            <a:extLst>
+              <a:ext uri="{28A0092B-C50C-407E-A947-70E740481C1C}">
+                <a14:useLocalDpi xmlns:a14="http://schemas.microsoft.com/office/drawing/2010/main" val="0"/>
+              </a:ext>
+            </a:extLst>
+          </a:blip>
+          <a:stretch>
+            <a:fillRect/>
+          </a:stretch>
+        </p:blipFill>
+        <p:spPr>
+          <a:xfrm>
+            <a:off x="4165338" y="306369"/>
+            <a:ext cx="3861325" cy="6240545"/>
+          </a:xfrm>
+          <a:prstGeom prst="rect">
+            <a:avLst/>
+          </a:prstGeom>
+        </p:spPr>
+      </p:pic>
+      <p:pic>
+        <p:nvPicPr>
+          <p:cNvPr id="5" name="Picture 4" descr="Chart, bar chart&#10;&#10;Description automatically generated">
             <a:extLst>
               <a:ext uri="{FF2B5EF4-FFF2-40B4-BE49-F238E27FC236}">
-                <a16:creationId xmlns:a16="http://schemas.microsoft.com/office/drawing/2014/main" id="{0BE7A12C-E44D-DE03-0B4B-8F0AF4B5177C}"/>
+                <a16:creationId xmlns:a16="http://schemas.microsoft.com/office/drawing/2014/main" id="{31D76012-F381-F979-6B93-0240335C9803}"/>
               </a:ext>
             </a:extLst>
           </p:cNvPr>
-          <p:cNvSpPr>
-            <a:spLocks noGrp="1"/>
-          </p:cNvSpPr>
-          <p:nvPr>
-            <p:ph idx="1"/>
-          </p:nvPr>
-        </p:nvSpPr>
-        <p:spPr/>
-        <p:txBody>
-          <a:bodyPr/>
-          <a:lstStyle/>
-          <a:p>
-            <a:endParaRPr lang="en-US"/>
-          </a:p>
-        </p:txBody>
-      </p:sp>
+          <p:cNvPicPr>
+            <a:picLocks noChangeAspect="1"/>
+          </p:cNvPicPr>
+          <p:nvPr/>
+        </p:nvPicPr>
+        <p:blipFill>
+          <a:blip r:embed="rId3">
+            <a:extLst>
+              <a:ext uri="{28A0092B-C50C-407E-A947-70E740481C1C}">
+                <a14:useLocalDpi xmlns:a14="http://schemas.microsoft.com/office/drawing/2010/main" val="0"/>
+              </a:ext>
+            </a:extLst>
+          </a:blip>
+          <a:stretch>
+            <a:fillRect/>
+          </a:stretch>
+        </p:blipFill>
+        <p:spPr>
+          <a:xfrm>
+            <a:off x="154494" y="306370"/>
+            <a:ext cx="3861325" cy="6240545"/>
+          </a:xfrm>
+          <a:prstGeom prst="rect">
+            <a:avLst/>
+          </a:prstGeom>
+        </p:spPr>
+      </p:pic>
+      <p:pic>
+        <p:nvPicPr>
+          <p:cNvPr id="7" name="Picture 6" descr="Chart, bar chart&#10;&#10;Description automatically generated">
+            <a:extLst>
+              <a:ext uri="{FF2B5EF4-FFF2-40B4-BE49-F238E27FC236}">
+                <a16:creationId xmlns:a16="http://schemas.microsoft.com/office/drawing/2014/main" id="{604D2019-2558-7FF4-7007-391C03297DA8}"/>
+              </a:ext>
+            </a:extLst>
+          </p:cNvPr>
+          <p:cNvPicPr>
+            <a:picLocks noChangeAspect="1"/>
+          </p:cNvPicPr>
+          <p:nvPr/>
+        </p:nvPicPr>
+        <p:blipFill>
+          <a:blip r:embed="rId4">
+            <a:extLst>
+              <a:ext uri="{28A0092B-C50C-407E-A947-70E740481C1C}">
+                <a14:useLocalDpi xmlns:a14="http://schemas.microsoft.com/office/drawing/2010/main" val="0"/>
+              </a:ext>
+            </a:extLst>
+          </a:blip>
+          <a:stretch>
+            <a:fillRect/>
+          </a:stretch>
+        </p:blipFill>
+        <p:spPr>
+          <a:xfrm>
+            <a:off x="8176183" y="306369"/>
+            <a:ext cx="3861325" cy="6240545"/>
+          </a:xfrm>
+          <a:prstGeom prst="rect">
+            <a:avLst/>
+          </a:prstGeom>
+        </p:spPr>
+      </p:pic>
     </p:spTree>
     <p:extLst>
       <p:ext uri="{BB962C8B-B14F-4D97-AF65-F5344CB8AC3E}">
-        <p14:creationId xmlns:p14="http://schemas.microsoft.com/office/powerpoint/2010/main" val="1567051923"/>
+        <p14:creationId xmlns:p14="http://schemas.microsoft.com/office/powerpoint/2010/main" val="3150283418"/>
       </p:ext>
     </p:extLst>
   </p:cSld>
@@ -3235,9 +4343,20 @@
 </p:sld>
 </file>
 
-<file path=ppt/slides/slide4.xml><?xml version="1.0" encoding="utf-8"?>
+<file path=ppt/slides/slide13.xml><?xml version="1.0" encoding="utf-8"?>
 <p:sld xmlns:a="http://schemas.openxmlformats.org/drawingml/2006/main" xmlns:r="http://schemas.openxmlformats.org/officeDocument/2006/relationships" xmlns:p="http://schemas.openxmlformats.org/presentationml/2006/main">
   <p:cSld>
+    <p:bg>
+      <p:bgPr>
+        <a:solidFill>
+          <a:schemeClr val="bg1">
+            <a:lumMod val="65000"/>
+            <a:alpha val="90000"/>
+          </a:schemeClr>
+        </a:solidFill>
+        <a:effectLst/>
+      </p:bgPr>
+    </p:bg>
     <p:spTree>
       <p:nvGrpSpPr>
         <p:cNvPr id="1" name=""/>
@@ -3252,60 +4371,82 @@
           <a:chExt cx="0" cy="0"/>
         </a:xfrm>
       </p:grpSpPr>
-      <p:sp>
-        <p:nvSpPr>
-          <p:cNvPr id="2" name="Title 1">
+      <p:pic>
+        <p:nvPicPr>
+          <p:cNvPr id="3" name="Picture 2" descr="Chart, line chart&#10;&#10;Description automatically generated">
             <a:extLst>
               <a:ext uri="{FF2B5EF4-FFF2-40B4-BE49-F238E27FC236}">
-                <a16:creationId xmlns:a16="http://schemas.microsoft.com/office/drawing/2014/main" id="{D5561C02-2659-45AD-2747-EC44BEAF7B0B}"/>
+                <a16:creationId xmlns:a16="http://schemas.microsoft.com/office/drawing/2014/main" id="{D30E88C9-7E89-6561-797C-01CB95EE8579}"/>
               </a:ext>
             </a:extLst>
           </p:cNvPr>
-          <p:cNvSpPr>
-            <a:spLocks noGrp="1"/>
-          </p:cNvSpPr>
-          <p:nvPr>
-            <p:ph type="title"/>
-          </p:nvPr>
-        </p:nvSpPr>
-        <p:spPr/>
-        <p:txBody>
-          <a:bodyPr/>
-          <a:lstStyle/>
-          <a:p>
-            <a:endParaRPr lang="en-US"/>
-          </a:p>
-        </p:txBody>
-      </p:sp>
-      <p:sp>
-        <p:nvSpPr>
-          <p:cNvPr id="3" name="Content Placeholder 2">
+          <p:cNvPicPr>
+            <a:picLocks noChangeAspect="1"/>
+          </p:cNvPicPr>
+          <p:nvPr/>
+        </p:nvPicPr>
+        <p:blipFill>
+          <a:blip r:embed="rId2">
+            <a:extLst>
+              <a:ext uri="{28A0092B-C50C-407E-A947-70E740481C1C}">
+                <a14:useLocalDpi xmlns:a14="http://schemas.microsoft.com/office/drawing/2010/main" val="0"/>
+              </a:ext>
+            </a:extLst>
+          </a:blip>
+          <a:stretch>
+            <a:fillRect/>
+          </a:stretch>
+        </p:blipFill>
+        <p:spPr>
+          <a:xfrm>
+            <a:off x="377072" y="565607"/>
+            <a:ext cx="5617328" cy="5759779"/>
+          </a:xfrm>
+          <a:prstGeom prst="rect">
+            <a:avLst/>
+          </a:prstGeom>
+        </p:spPr>
+      </p:pic>
+      <p:pic>
+        <p:nvPicPr>
+          <p:cNvPr id="5" name="Picture 4" descr="Chart, line chart&#10;&#10;Description automatically generated">
             <a:extLst>
               <a:ext uri="{FF2B5EF4-FFF2-40B4-BE49-F238E27FC236}">
-                <a16:creationId xmlns:a16="http://schemas.microsoft.com/office/drawing/2014/main" id="{8E4A7AFF-0F52-D288-EFD8-366CCB596746}"/>
+                <a16:creationId xmlns:a16="http://schemas.microsoft.com/office/drawing/2014/main" id="{D9BE5CA4-D242-E1A6-BB42-086A1DFA2448}"/>
               </a:ext>
             </a:extLst>
           </p:cNvPr>
-          <p:cNvSpPr>
-            <a:spLocks noGrp="1"/>
-          </p:cNvSpPr>
-          <p:nvPr>
-            <p:ph idx="1"/>
-          </p:nvPr>
-        </p:nvSpPr>
-        <p:spPr/>
-        <p:txBody>
-          <a:bodyPr/>
-          <a:lstStyle/>
-          <a:p>
-            <a:endParaRPr lang="en-US"/>
-          </a:p>
-        </p:txBody>
-      </p:sp>
+          <p:cNvPicPr>
+            <a:picLocks noChangeAspect="1"/>
+          </p:cNvPicPr>
+          <p:nvPr/>
+        </p:nvPicPr>
+        <p:blipFill>
+          <a:blip r:embed="rId3">
+            <a:extLst>
+              <a:ext uri="{28A0092B-C50C-407E-A947-70E740481C1C}">
+                <a14:useLocalDpi xmlns:a14="http://schemas.microsoft.com/office/drawing/2010/main" val="0"/>
+              </a:ext>
+            </a:extLst>
+          </a:blip>
+          <a:stretch>
+            <a:fillRect/>
+          </a:stretch>
+        </p:blipFill>
+        <p:spPr>
+          <a:xfrm>
+            <a:off x="6197600" y="565607"/>
+            <a:ext cx="5617328" cy="5759779"/>
+          </a:xfrm>
+          <a:prstGeom prst="rect">
+            <a:avLst/>
+          </a:prstGeom>
+        </p:spPr>
+      </p:pic>
     </p:spTree>
     <p:extLst>
       <p:ext uri="{BB962C8B-B14F-4D97-AF65-F5344CB8AC3E}">
-        <p14:creationId xmlns:p14="http://schemas.microsoft.com/office/powerpoint/2010/main" val="1872585568"/>
+        <p14:creationId xmlns:p14="http://schemas.microsoft.com/office/powerpoint/2010/main" val="2967575268"/>
       </p:ext>
     </p:extLst>
   </p:cSld>
@@ -3315,9 +4456,20 @@
 </p:sld>
 </file>
 
-<file path=ppt/slides/slide5.xml><?xml version="1.0" encoding="utf-8"?>
+<file path=ppt/slides/slide14.xml><?xml version="1.0" encoding="utf-8"?>
 <p:sld xmlns:a="http://schemas.openxmlformats.org/drawingml/2006/main" xmlns:r="http://schemas.openxmlformats.org/officeDocument/2006/relationships" xmlns:p="http://schemas.openxmlformats.org/presentationml/2006/main">
   <p:cSld>
+    <p:bg>
+      <p:bgPr>
+        <a:solidFill>
+          <a:schemeClr val="bg1">
+            <a:lumMod val="65000"/>
+            <a:alpha val="90000"/>
+          </a:schemeClr>
+        </a:solidFill>
+        <a:effectLst/>
+      </p:bgPr>
+    </p:bg>
     <p:spTree>
       <p:nvGrpSpPr>
         <p:cNvPr id="1" name=""/>
@@ -3332,60 +4484,80 @@
           <a:chExt cx="0" cy="0"/>
         </a:xfrm>
       </p:grpSpPr>
-      <p:sp>
-        <p:nvSpPr>
-          <p:cNvPr id="2" name="Title 1">
+      <p:pic>
+        <p:nvPicPr>
+          <p:cNvPr id="3" name="Picture 2">
             <a:extLst>
               <a:ext uri="{FF2B5EF4-FFF2-40B4-BE49-F238E27FC236}">
-                <a16:creationId xmlns:a16="http://schemas.microsoft.com/office/drawing/2014/main" id="{74700AC6-DC1B-19A2-6791-42A4FBC300D3}"/>
+                <a16:creationId xmlns:a16="http://schemas.microsoft.com/office/drawing/2014/main" id="{240E838F-A580-29C0-3CB9-CDD181648FDA}"/>
               </a:ext>
             </a:extLst>
           </p:cNvPr>
-          <p:cNvSpPr>
-            <a:spLocks noGrp="1"/>
-          </p:cNvSpPr>
-          <p:nvPr>
-            <p:ph type="title"/>
-          </p:nvPr>
-        </p:nvSpPr>
-        <p:spPr/>
-        <p:txBody>
-          <a:bodyPr/>
-          <a:lstStyle/>
-          <a:p>
-            <a:endParaRPr lang="en-US"/>
-          </a:p>
-        </p:txBody>
-      </p:sp>
-      <p:sp>
-        <p:nvSpPr>
-          <p:cNvPr id="3" name="Content Placeholder 2">
+          <p:cNvPicPr>
+            <a:picLocks noChangeAspect="1"/>
+          </p:cNvPicPr>
+          <p:nvPr/>
+        </p:nvPicPr>
+        <p:blipFill>
+          <a:blip r:embed="rId2">
+            <a:extLst>
+              <a:ext uri="{28A0092B-C50C-407E-A947-70E740481C1C}">
+                <a14:useLocalDpi xmlns:a14="http://schemas.microsoft.com/office/drawing/2010/main" val="0"/>
+              </a:ext>
+            </a:extLst>
+          </a:blip>
+          <a:srcRect/>
+          <a:stretch/>
+        </p:blipFill>
+        <p:spPr>
+          <a:xfrm>
+            <a:off x="405353" y="581891"/>
+            <a:ext cx="5590094" cy="5689600"/>
+          </a:xfrm>
+          <a:prstGeom prst="rect">
+            <a:avLst/>
+          </a:prstGeom>
+        </p:spPr>
+      </p:pic>
+      <p:pic>
+        <p:nvPicPr>
+          <p:cNvPr id="5" name="Picture 4">
             <a:extLst>
               <a:ext uri="{FF2B5EF4-FFF2-40B4-BE49-F238E27FC236}">
-                <a16:creationId xmlns:a16="http://schemas.microsoft.com/office/drawing/2014/main" id="{2307E4A4-3114-F82F-ABE1-EC706D1E30B3}"/>
+                <a16:creationId xmlns:a16="http://schemas.microsoft.com/office/drawing/2014/main" id="{4EC0DFE9-5C5C-BD72-C10A-F36E338168C2}"/>
               </a:ext>
             </a:extLst>
           </p:cNvPr>
-          <p:cNvSpPr>
-            <a:spLocks noGrp="1"/>
-          </p:cNvSpPr>
-          <p:nvPr>
-            <p:ph idx="1"/>
-          </p:nvPr>
-        </p:nvSpPr>
-        <p:spPr/>
-        <p:txBody>
-          <a:bodyPr/>
-          <a:lstStyle/>
-          <a:p>
-            <a:endParaRPr lang="en-US"/>
-          </a:p>
-        </p:txBody>
-      </p:sp>
+          <p:cNvPicPr>
+            <a:picLocks noChangeAspect="1"/>
+          </p:cNvPicPr>
+          <p:nvPr/>
+        </p:nvPicPr>
+        <p:blipFill>
+          <a:blip r:embed="rId3">
+            <a:extLst>
+              <a:ext uri="{28A0092B-C50C-407E-A947-70E740481C1C}">
+                <a14:useLocalDpi xmlns:a14="http://schemas.microsoft.com/office/drawing/2010/main" val="0"/>
+              </a:ext>
+            </a:extLst>
+          </a:blip>
+          <a:srcRect/>
+          <a:stretch/>
+        </p:blipFill>
+        <p:spPr>
+          <a:xfrm>
+            <a:off x="6196553" y="581891"/>
+            <a:ext cx="5590094" cy="5689600"/>
+          </a:xfrm>
+          <a:prstGeom prst="rect">
+            <a:avLst/>
+          </a:prstGeom>
+        </p:spPr>
+      </p:pic>
     </p:spTree>
     <p:extLst>
       <p:ext uri="{BB962C8B-B14F-4D97-AF65-F5344CB8AC3E}">
-        <p14:creationId xmlns:p14="http://schemas.microsoft.com/office/powerpoint/2010/main" val="2341291846"/>
+        <p14:creationId xmlns:p14="http://schemas.microsoft.com/office/powerpoint/2010/main" val="136237032"/>
       </p:ext>
     </p:extLst>
   </p:cSld>
@@ -3395,9 +4567,20 @@
 </p:sld>
 </file>
 
-<file path=ppt/slides/slide6.xml><?xml version="1.0" encoding="utf-8"?>
+<file path=ppt/slides/slide15.xml><?xml version="1.0" encoding="utf-8"?>
 <p:sld xmlns:a="http://schemas.openxmlformats.org/drawingml/2006/main" xmlns:r="http://schemas.openxmlformats.org/officeDocument/2006/relationships" xmlns:p="http://schemas.openxmlformats.org/presentationml/2006/main">
   <p:cSld>
+    <p:bg>
+      <p:bgPr>
+        <a:solidFill>
+          <a:schemeClr val="bg1">
+            <a:lumMod val="65000"/>
+            <a:alpha val="90000"/>
+          </a:schemeClr>
+        </a:solidFill>
+        <a:effectLst/>
+      </p:bgPr>
+    </p:bg>
     <p:spTree>
       <p:nvGrpSpPr>
         <p:cNvPr id="1" name=""/>
@@ -3412,6 +4595,1551 @@
           <a:chExt cx="0" cy="0"/>
         </a:xfrm>
       </p:grpSpPr>
+      <p:pic>
+        <p:nvPicPr>
+          <p:cNvPr id="3" name="Picture 2" descr="Chart, line chart&#10;&#10;Description automatically generated">
+            <a:extLst>
+              <a:ext uri="{FF2B5EF4-FFF2-40B4-BE49-F238E27FC236}">
+                <a16:creationId xmlns:a16="http://schemas.microsoft.com/office/drawing/2014/main" id="{C0731CF4-BCF9-3ECC-8154-62AF1C66CBF1}"/>
+              </a:ext>
+            </a:extLst>
+          </p:cNvPr>
+          <p:cNvPicPr>
+            <a:picLocks noChangeAspect="1"/>
+          </p:cNvPicPr>
+          <p:nvPr/>
+        </p:nvPicPr>
+        <p:blipFill>
+          <a:blip r:embed="rId2">
+            <a:extLst>
+              <a:ext uri="{28A0092B-C50C-407E-A947-70E740481C1C}">
+                <a14:useLocalDpi xmlns:a14="http://schemas.microsoft.com/office/drawing/2010/main" val="0"/>
+              </a:ext>
+            </a:extLst>
+          </a:blip>
+          <a:stretch>
+            <a:fillRect/>
+          </a:stretch>
+        </p:blipFill>
+        <p:spPr>
+          <a:xfrm>
+            <a:off x="480291" y="563418"/>
+            <a:ext cx="5541818" cy="5735782"/>
+          </a:xfrm>
+          <a:prstGeom prst="rect">
+            <a:avLst/>
+          </a:prstGeom>
+        </p:spPr>
+      </p:pic>
+      <p:pic>
+        <p:nvPicPr>
+          <p:cNvPr id="5" name="Picture 4" descr="Chart, line chart&#10;&#10;Description automatically generated">
+            <a:extLst>
+              <a:ext uri="{FF2B5EF4-FFF2-40B4-BE49-F238E27FC236}">
+                <a16:creationId xmlns:a16="http://schemas.microsoft.com/office/drawing/2014/main" id="{DBC1444B-9CA9-17FE-67B9-C1129E7B17BC}"/>
+              </a:ext>
+            </a:extLst>
+          </p:cNvPr>
+          <p:cNvPicPr>
+            <a:picLocks noChangeAspect="1"/>
+          </p:cNvPicPr>
+          <p:nvPr/>
+        </p:nvPicPr>
+        <p:blipFill>
+          <a:blip r:embed="rId3">
+            <a:extLst>
+              <a:ext uri="{28A0092B-C50C-407E-A947-70E740481C1C}">
+                <a14:useLocalDpi xmlns:a14="http://schemas.microsoft.com/office/drawing/2010/main" val="0"/>
+              </a:ext>
+            </a:extLst>
+          </a:blip>
+          <a:stretch>
+            <a:fillRect/>
+          </a:stretch>
+        </p:blipFill>
+        <p:spPr>
+          <a:xfrm>
+            <a:off x="6169892" y="563418"/>
+            <a:ext cx="5541818" cy="5735782"/>
+          </a:xfrm>
+          <a:prstGeom prst="rect">
+            <a:avLst/>
+          </a:prstGeom>
+        </p:spPr>
+      </p:pic>
+    </p:spTree>
+    <p:extLst>
+      <p:ext uri="{BB962C8B-B14F-4D97-AF65-F5344CB8AC3E}">
+        <p14:creationId xmlns:p14="http://schemas.microsoft.com/office/powerpoint/2010/main" val="3909816378"/>
+      </p:ext>
+    </p:extLst>
+  </p:cSld>
+  <p:clrMapOvr>
+    <a:masterClrMapping/>
+  </p:clrMapOvr>
+</p:sld>
+</file>
+
+<file path=ppt/slides/slide16.xml><?xml version="1.0" encoding="utf-8"?>
+<p:sld xmlns:a="http://schemas.openxmlformats.org/drawingml/2006/main" xmlns:r="http://schemas.openxmlformats.org/officeDocument/2006/relationships" xmlns:p="http://schemas.openxmlformats.org/presentationml/2006/main">
+  <p:cSld>
+    <p:bg>
+      <p:bgPr>
+        <a:solidFill>
+          <a:schemeClr val="bg1">
+            <a:lumMod val="65000"/>
+            <a:alpha val="90000"/>
+          </a:schemeClr>
+        </a:solidFill>
+        <a:effectLst/>
+      </p:bgPr>
+    </p:bg>
+    <p:spTree>
+      <p:nvGrpSpPr>
+        <p:cNvPr id="1" name=""/>
+        <p:cNvGrpSpPr/>
+        <p:nvPr/>
+      </p:nvGrpSpPr>
+      <p:grpSpPr>
+        <a:xfrm>
+          <a:off x="0" y="0"/>
+          <a:ext cx="0" cy="0"/>
+          <a:chOff x="0" y="0"/>
+          <a:chExt cx="0" cy="0"/>
+        </a:xfrm>
+      </p:grpSpPr>
+      <mc:AlternateContent xmlns:mc="http://schemas.openxmlformats.org/markup-compatibility/2006">
+        <mc:Choice xmlns:we="http://schemas.microsoft.com/office/webextensions/webextension/2010/11" xmlns:pca="http://schemas.microsoft.com/office/powerpoint/2013/contentapp" Requires="we pca">
+          <p:graphicFrame>
+            <p:nvGraphicFramePr>
+              <p:cNvPr id="2" name="Add-in 1" title="Web Viewer">
+                <a:extLst>
+                  <a:ext uri="{FF2B5EF4-FFF2-40B4-BE49-F238E27FC236}">
+                    <a16:creationId xmlns:a16="http://schemas.microsoft.com/office/drawing/2014/main" id="{9B7D9EF1-ABB6-AC18-4A57-4CC409796E52}"/>
+                  </a:ext>
+                </a:extLst>
+              </p:cNvPr>
+              <p:cNvGraphicFramePr>
+                <a:graphicFrameLocks noGrp="1"/>
+              </p:cNvGraphicFramePr>
+              <p:nvPr/>
+            </p:nvGraphicFramePr>
+            <p:xfrm>
+              <a:off x="1524000" y="857249"/>
+              <a:ext cx="9144000" cy="5143500"/>
+            </p:xfrm>
+            <a:graphic>
+              <a:graphicData uri="http://schemas.microsoft.com/office/webextensions/webextension/2010/11">
+                <we:webextensionref xmlns:we="http://schemas.microsoft.com/office/webextensions/webextension/2010/11" xmlns:r="http://schemas.openxmlformats.org/officeDocument/2006/relationships" r:id="rId2"/>
+              </a:graphicData>
+            </a:graphic>
+          </p:graphicFrame>
+        </mc:Choice>
+        <mc:Fallback>
+          <p:pic>
+            <p:nvPicPr>
+              <p:cNvPr id="2" name="Add-in 1" title="Web Viewer">
+                <a:extLst>
+                  <a:ext uri="{FF2B5EF4-FFF2-40B4-BE49-F238E27FC236}">
+                    <a16:creationId xmlns:a16="http://schemas.microsoft.com/office/drawing/2014/main" id="{9B7D9EF1-ABB6-AC18-4A57-4CC409796E52}"/>
+                  </a:ext>
+                </a:extLst>
+              </p:cNvPr>
+              <p:cNvPicPr>
+                <a:picLocks noGrp="1" noRot="1" noChangeAspect="1" noMove="1" noResize="1" noEditPoints="1" noAdjustHandles="1" noChangeArrowheads="1" noChangeShapeType="1"/>
+              </p:cNvPicPr>
+              <p:nvPr/>
+            </p:nvPicPr>
+            <p:blipFill>
+              <a:blip r:embed="rId3"/>
+              <a:stretch>
+                <a:fillRect/>
+              </a:stretch>
+            </p:blipFill>
+            <p:spPr>
+              <a:xfrm>
+                <a:off x="1524000" y="857249"/>
+                <a:ext cx="9144000" cy="5143500"/>
+              </a:xfrm>
+              <a:prstGeom prst="rect">
+                <a:avLst/>
+              </a:prstGeom>
+            </p:spPr>
+          </p:pic>
+        </mc:Fallback>
+      </mc:AlternateContent>
+    </p:spTree>
+    <p:extLst>
+      <p:ext uri="{BB962C8B-B14F-4D97-AF65-F5344CB8AC3E}">
+        <p14:creationId xmlns:p14="http://schemas.microsoft.com/office/powerpoint/2010/main" val="2905502512"/>
+      </p:ext>
+    </p:extLst>
+  </p:cSld>
+  <p:clrMapOvr>
+    <a:masterClrMapping/>
+  </p:clrMapOvr>
+</p:sld>
+</file>
+
+<file path=ppt/slides/slide17.xml><?xml version="1.0" encoding="utf-8"?>
+<p:sld xmlns:a="http://schemas.openxmlformats.org/drawingml/2006/main" xmlns:r="http://schemas.openxmlformats.org/officeDocument/2006/relationships" xmlns:p="http://schemas.openxmlformats.org/presentationml/2006/main">
+  <p:cSld>
+    <p:bg>
+      <p:bgPr>
+        <a:solidFill>
+          <a:schemeClr val="bg1">
+            <a:lumMod val="65000"/>
+          </a:schemeClr>
+        </a:solidFill>
+        <a:effectLst/>
+      </p:bgPr>
+    </p:bg>
+    <p:spTree>
+      <p:nvGrpSpPr>
+        <p:cNvPr id="1" name=""/>
+        <p:cNvGrpSpPr/>
+        <p:nvPr/>
+      </p:nvGrpSpPr>
+      <p:grpSpPr>
+        <a:xfrm>
+          <a:off x="0" y="0"/>
+          <a:ext cx="0" cy="0"/>
+          <a:chOff x="0" y="0"/>
+          <a:chExt cx="0" cy="0"/>
+        </a:xfrm>
+      </p:grpSpPr>
+      <p:sp>
+        <p:nvSpPr>
+          <p:cNvPr id="3" name="Title 2">
+            <a:extLst>
+              <a:ext uri="{FF2B5EF4-FFF2-40B4-BE49-F238E27FC236}">
+                <a16:creationId xmlns:a16="http://schemas.microsoft.com/office/drawing/2014/main" id="{91DA8AD1-4BA0-4227-C3FA-0E9E954BA1C5}"/>
+              </a:ext>
+            </a:extLst>
+          </p:cNvPr>
+          <p:cNvSpPr>
+            <a:spLocks noGrp="1"/>
+          </p:cNvSpPr>
+          <p:nvPr>
+            <p:ph type="title"/>
+          </p:nvPr>
+        </p:nvSpPr>
+        <p:spPr>
+          <a:xfrm>
+            <a:off x="838200" y="208107"/>
+            <a:ext cx="10515600" cy="1114424"/>
+          </a:xfrm>
+        </p:spPr>
+        <p:txBody>
+          <a:bodyPr>
+            <a:normAutofit fontScale="90000"/>
+          </a:bodyPr>
+          <a:lstStyle/>
+          <a:p>
+            <a:pPr algn="ctr"/>
+            <a:r>
+              <a:rPr lang="en-US" u="sng" dirty="0"/>
+              <a:t>Outliers or Exceptions</a:t>
+            </a:r>
+            <a:br>
+              <a:rPr lang="en-US" u="sng" dirty="0"/>
+            </a:br>
+            <a:r>
+              <a:rPr lang="en-US" u="sng" dirty="0"/>
+              <a:t>Example:</a:t>
+            </a:r>
+          </a:p>
+        </p:txBody>
+      </p:sp>
+      <p:pic>
+        <p:nvPicPr>
+          <p:cNvPr id="6" name="Picture 5" descr="Chart, line chart&#10;&#10;Description automatically generated">
+            <a:extLst>
+              <a:ext uri="{FF2B5EF4-FFF2-40B4-BE49-F238E27FC236}">
+                <a16:creationId xmlns:a16="http://schemas.microsoft.com/office/drawing/2014/main" id="{A4177D83-E888-29E2-979C-976C498F9E0E}"/>
+              </a:ext>
+            </a:extLst>
+          </p:cNvPr>
+          <p:cNvPicPr>
+            <a:picLocks noChangeAspect="1"/>
+          </p:cNvPicPr>
+          <p:nvPr/>
+        </p:nvPicPr>
+        <p:blipFill>
+          <a:blip r:embed="rId2">
+            <a:extLst>
+              <a:ext uri="{28A0092B-C50C-407E-A947-70E740481C1C}">
+                <a14:useLocalDpi xmlns:a14="http://schemas.microsoft.com/office/drawing/2010/main" val="0"/>
+              </a:ext>
+            </a:extLst>
+          </a:blip>
+          <a:stretch>
+            <a:fillRect/>
+          </a:stretch>
+        </p:blipFill>
+        <p:spPr>
+          <a:xfrm>
+            <a:off x="507424" y="1479549"/>
+            <a:ext cx="5041900" cy="5013325"/>
+          </a:xfrm>
+          <a:prstGeom prst="rect">
+            <a:avLst/>
+          </a:prstGeom>
+        </p:spPr>
+      </p:pic>
+      <p:pic>
+        <p:nvPicPr>
+          <p:cNvPr id="8" name="Picture 7" descr="Chart, line chart&#10;&#10;Description automatically generated">
+            <a:extLst>
+              <a:ext uri="{FF2B5EF4-FFF2-40B4-BE49-F238E27FC236}">
+                <a16:creationId xmlns:a16="http://schemas.microsoft.com/office/drawing/2014/main" id="{163622B6-F29F-68B0-4A90-7117AD47BA9D}"/>
+              </a:ext>
+            </a:extLst>
+          </p:cNvPr>
+          <p:cNvPicPr>
+            <a:picLocks noChangeAspect="1"/>
+          </p:cNvPicPr>
+          <p:nvPr/>
+        </p:nvPicPr>
+        <p:blipFill>
+          <a:blip r:embed="rId3">
+            <a:extLst>
+              <a:ext uri="{28A0092B-C50C-407E-A947-70E740481C1C}">
+                <a14:useLocalDpi xmlns:a14="http://schemas.microsoft.com/office/drawing/2010/main" val="0"/>
+              </a:ext>
+            </a:extLst>
+          </a:blip>
+          <a:stretch>
+            <a:fillRect/>
+          </a:stretch>
+        </p:blipFill>
+        <p:spPr>
+          <a:xfrm>
+            <a:off x="6477576" y="1479549"/>
+            <a:ext cx="5207000" cy="5013324"/>
+          </a:xfrm>
+          <a:prstGeom prst="rect">
+            <a:avLst/>
+          </a:prstGeom>
+        </p:spPr>
+      </p:pic>
+      <p:sp>
+        <p:nvSpPr>
+          <p:cNvPr id="9" name="Rectangle: Rounded Corners 8">
+            <a:extLst>
+              <a:ext uri="{FF2B5EF4-FFF2-40B4-BE49-F238E27FC236}">
+                <a16:creationId xmlns:a16="http://schemas.microsoft.com/office/drawing/2014/main" id="{5EDFF15C-1CF6-D2AB-DBA5-423B0F3F7901}"/>
+              </a:ext>
+            </a:extLst>
+          </p:cNvPr>
+          <p:cNvSpPr/>
+          <p:nvPr/>
+        </p:nvSpPr>
+        <p:spPr>
+          <a:xfrm>
+            <a:off x="838200" y="155502"/>
+            <a:ext cx="10402455" cy="1219633"/>
+          </a:xfrm>
+          <a:prstGeom prst="roundRect">
+            <a:avLst/>
+          </a:prstGeom>
+          <a:noFill/>
+          <a:ln>
+            <a:noFill/>
+          </a:ln>
+          <a:effectLst/>
+          <a:scene3d>
+            <a:camera prst="orthographicFront">
+              <a:rot lat="0" lon="0" rev="0"/>
+            </a:camera>
+            <a:lightRig rig="chilly" dir="t">
+              <a:rot lat="0" lon="0" rev="18480000"/>
+            </a:lightRig>
+          </a:scene3d>
+          <a:sp3d prstMaterial="clear">
+            <a:bevelT h="63500"/>
+          </a:sp3d>
+        </p:spPr>
+        <p:style>
+          <a:lnRef idx="2">
+            <a:schemeClr val="accent1">
+              <a:shade val="50000"/>
+            </a:schemeClr>
+          </a:lnRef>
+          <a:fillRef idx="1">
+            <a:schemeClr val="accent1"/>
+          </a:fillRef>
+          <a:effectRef idx="0">
+            <a:schemeClr val="accent1"/>
+          </a:effectRef>
+          <a:fontRef idx="minor">
+            <a:schemeClr val="lt1"/>
+          </a:fontRef>
+        </p:style>
+        <p:txBody>
+          <a:bodyPr rtlCol="0" anchor="ctr"/>
+          <a:lstStyle/>
+          <a:p>
+            <a:pPr algn="ctr"/>
+            <a:endParaRPr lang="en-US"/>
+          </a:p>
+        </p:txBody>
+      </p:sp>
+    </p:spTree>
+    <p:extLst>
+      <p:ext uri="{BB962C8B-B14F-4D97-AF65-F5344CB8AC3E}">
+        <p14:creationId xmlns:p14="http://schemas.microsoft.com/office/powerpoint/2010/main" val="2480422010"/>
+      </p:ext>
+    </p:extLst>
+  </p:cSld>
+  <p:clrMapOvr>
+    <a:masterClrMapping/>
+  </p:clrMapOvr>
+</p:sld>
+</file>
+
+<file path=ppt/slides/slide18.xml><?xml version="1.0" encoding="utf-8"?>
+<p:sld xmlns:a="http://schemas.openxmlformats.org/drawingml/2006/main" xmlns:r="http://schemas.openxmlformats.org/officeDocument/2006/relationships" xmlns:p="http://schemas.openxmlformats.org/presentationml/2006/main">
+  <p:cSld>
+    <p:bg>
+      <p:bgPr>
+        <a:solidFill>
+          <a:schemeClr val="bg1">
+            <a:lumMod val="65000"/>
+          </a:schemeClr>
+        </a:solidFill>
+        <a:effectLst/>
+      </p:bgPr>
+    </p:bg>
+    <p:spTree>
+      <p:nvGrpSpPr>
+        <p:cNvPr id="1" name=""/>
+        <p:cNvGrpSpPr/>
+        <p:nvPr/>
+      </p:nvGrpSpPr>
+      <p:grpSpPr>
+        <a:xfrm>
+          <a:off x="0" y="0"/>
+          <a:ext cx="0" cy="0"/>
+          <a:chOff x="0" y="0"/>
+          <a:chExt cx="0" cy="0"/>
+        </a:xfrm>
+      </p:grpSpPr>
+      <p:sp>
+        <p:nvSpPr>
+          <p:cNvPr id="2" name="Title 1">
+            <a:extLst>
+              <a:ext uri="{FF2B5EF4-FFF2-40B4-BE49-F238E27FC236}">
+                <a16:creationId xmlns:a16="http://schemas.microsoft.com/office/drawing/2014/main" id="{B29DB282-E0C1-53A4-917F-33772E20A2B4}"/>
+              </a:ext>
+            </a:extLst>
+          </p:cNvPr>
+          <p:cNvSpPr>
+            <a:spLocks noGrp="1"/>
+          </p:cNvSpPr>
+          <p:nvPr>
+            <p:ph type="title"/>
+          </p:nvPr>
+        </p:nvSpPr>
+        <p:spPr>
+          <a:xfrm>
+            <a:off x="838200" y="375229"/>
+            <a:ext cx="10515600" cy="996516"/>
+          </a:xfrm>
+        </p:spPr>
+        <p:txBody>
+          <a:bodyPr/>
+          <a:lstStyle/>
+          <a:p>
+            <a:pPr algn="ctr"/>
+            <a:r>
+              <a:rPr lang="en-US" dirty="0"/>
+              <a:t>Possible Reasons:</a:t>
+            </a:r>
+          </a:p>
+        </p:txBody>
+      </p:sp>
+      <p:sp>
+        <p:nvSpPr>
+          <p:cNvPr id="3" name="Text Placeholder 2">
+            <a:extLst>
+              <a:ext uri="{FF2B5EF4-FFF2-40B4-BE49-F238E27FC236}">
+                <a16:creationId xmlns:a16="http://schemas.microsoft.com/office/drawing/2014/main" id="{5FC1D2ED-6CCE-DAF3-9EFD-3D10726C5B38}"/>
+              </a:ext>
+            </a:extLst>
+          </p:cNvPr>
+          <p:cNvSpPr>
+            <a:spLocks noGrp="1"/>
+          </p:cNvSpPr>
+          <p:nvPr>
+            <p:ph type="body" idx="1"/>
+          </p:nvPr>
+        </p:nvSpPr>
+        <p:spPr>
+          <a:xfrm>
+            <a:off x="831850" y="1717964"/>
+            <a:ext cx="10515600" cy="4164676"/>
+          </a:xfrm>
+        </p:spPr>
+        <p:txBody>
+          <a:bodyPr>
+            <a:normAutofit/>
+          </a:bodyPr>
+          <a:lstStyle/>
+          <a:p>
+            <a:pPr marL="285750" indent="-285750">
+              <a:buFont typeface="Arial" panose="020B0604020202020204" pitchFamily="34" charset="0"/>
+              <a:buChar char="•"/>
+            </a:pPr>
+            <a:r>
+              <a:rPr lang="en-US" sz="2200" dirty="0">
+                <a:solidFill>
+                  <a:schemeClr val="tx1"/>
+                </a:solidFill>
+              </a:rPr>
+              <a:t>Historically, food sources mainly consisted of marine fish, fruits, root vegetables, and coconuts.</a:t>
+            </a:r>
+          </a:p>
+          <a:p>
+            <a:pPr marL="285750" indent="-285750">
+              <a:buFont typeface="Arial" panose="020B0604020202020204" pitchFamily="34" charset="0"/>
+              <a:buChar char="•"/>
+            </a:pPr>
+            <a:r>
+              <a:rPr lang="en-US" sz="2200" dirty="0">
+                <a:solidFill>
+                  <a:schemeClr val="tx1"/>
+                </a:solidFill>
+              </a:rPr>
+              <a:t>Phosphate mining profits allowed Nauru to gain economic freedom in 1968.</a:t>
+            </a:r>
+          </a:p>
+          <a:p>
+            <a:pPr marL="285750" indent="-285750">
+              <a:buFont typeface="Arial" panose="020B0604020202020204" pitchFamily="34" charset="0"/>
+              <a:buChar char="•"/>
+            </a:pPr>
+            <a:r>
+              <a:rPr lang="en-US" sz="2200" dirty="0">
+                <a:solidFill>
+                  <a:schemeClr val="tx1"/>
+                </a:solidFill>
+              </a:rPr>
+              <a:t>Because of this, there was a vast increase in importation of western foods and a sharp decrease in fishing and gardening.</a:t>
+            </a:r>
+          </a:p>
+          <a:p>
+            <a:pPr marL="285750" indent="-285750">
+              <a:buFont typeface="Arial" panose="020B0604020202020204" pitchFamily="34" charset="0"/>
+              <a:buChar char="•"/>
+            </a:pPr>
+            <a:r>
+              <a:rPr lang="en-US" sz="2200" dirty="0">
+                <a:solidFill>
+                  <a:schemeClr val="tx1"/>
+                </a:solidFill>
+              </a:rPr>
+              <a:t>Currently 90% of the land area is covered with phosphate deposits, with the majority strip-mined and non-arable.</a:t>
+            </a:r>
+          </a:p>
+          <a:p>
+            <a:pPr marL="285750" indent="-285750">
+              <a:buFont typeface="Arial" panose="020B0604020202020204" pitchFamily="34" charset="0"/>
+              <a:buChar char="•"/>
+            </a:pPr>
+            <a:r>
+              <a:rPr lang="en-US" sz="2200" dirty="0">
+                <a:solidFill>
+                  <a:schemeClr val="tx1"/>
+                </a:solidFill>
+              </a:rPr>
+              <a:t>This has led to Nauruan reliance on imported and processed foods high in both sugar and fat.</a:t>
+            </a:r>
+          </a:p>
+          <a:p>
+            <a:pPr marL="285750" indent="-285750">
+              <a:buFont typeface="Arial" panose="020B0604020202020204" pitchFamily="34" charset="0"/>
+              <a:buChar char="•"/>
+            </a:pPr>
+            <a:r>
+              <a:rPr lang="en-US" sz="2200" dirty="0">
+                <a:solidFill>
+                  <a:schemeClr val="tx1"/>
+                </a:solidFill>
+              </a:rPr>
+              <a:t>Because of this, Nauru has the highest rate of adult type 2 diabetes in the world, 71% of the population is considered obese, and 97% of Nauruan men are considered obese.</a:t>
+            </a:r>
+          </a:p>
+        </p:txBody>
+      </p:sp>
+      <p:sp>
+        <p:nvSpPr>
+          <p:cNvPr id="4" name="Rectangle: Rounded Corners 3">
+            <a:extLst>
+              <a:ext uri="{FF2B5EF4-FFF2-40B4-BE49-F238E27FC236}">
+                <a16:creationId xmlns:a16="http://schemas.microsoft.com/office/drawing/2014/main" id="{FD80EB29-DC32-F7DD-B037-216DA0A5C475}"/>
+              </a:ext>
+            </a:extLst>
+          </p:cNvPr>
+          <p:cNvSpPr/>
+          <p:nvPr/>
+        </p:nvSpPr>
+        <p:spPr>
+          <a:xfrm>
+            <a:off x="888422" y="263670"/>
+            <a:ext cx="10402455" cy="1219633"/>
+          </a:xfrm>
+          <a:prstGeom prst="roundRect">
+            <a:avLst/>
+          </a:prstGeom>
+          <a:noFill/>
+          <a:ln>
+            <a:noFill/>
+          </a:ln>
+          <a:effectLst/>
+          <a:scene3d>
+            <a:camera prst="orthographicFront">
+              <a:rot lat="0" lon="0" rev="0"/>
+            </a:camera>
+            <a:lightRig rig="chilly" dir="t">
+              <a:rot lat="0" lon="0" rev="18480000"/>
+            </a:lightRig>
+          </a:scene3d>
+          <a:sp3d prstMaterial="clear">
+            <a:bevelT h="63500"/>
+          </a:sp3d>
+        </p:spPr>
+        <p:style>
+          <a:lnRef idx="2">
+            <a:schemeClr val="accent1">
+              <a:shade val="50000"/>
+            </a:schemeClr>
+          </a:lnRef>
+          <a:fillRef idx="1">
+            <a:schemeClr val="accent1"/>
+          </a:fillRef>
+          <a:effectRef idx="0">
+            <a:schemeClr val="accent1"/>
+          </a:effectRef>
+          <a:fontRef idx="minor">
+            <a:schemeClr val="lt1"/>
+          </a:fontRef>
+        </p:style>
+        <p:txBody>
+          <a:bodyPr rtlCol="0" anchor="ctr"/>
+          <a:lstStyle/>
+          <a:p>
+            <a:pPr algn="ctr"/>
+            <a:endParaRPr lang="en-US"/>
+          </a:p>
+        </p:txBody>
+      </p:sp>
+      <p:sp>
+        <p:nvSpPr>
+          <p:cNvPr id="5" name="TextBox 4">
+            <a:extLst>
+              <a:ext uri="{FF2B5EF4-FFF2-40B4-BE49-F238E27FC236}">
+                <a16:creationId xmlns:a16="http://schemas.microsoft.com/office/drawing/2014/main" id="{B72A9A1D-C81C-2AE6-52C4-D0A1CB083A5B}"/>
+              </a:ext>
+            </a:extLst>
+          </p:cNvPr>
+          <p:cNvSpPr txBox="1"/>
+          <p:nvPr/>
+        </p:nvSpPr>
+        <p:spPr>
+          <a:xfrm>
+            <a:off x="888422" y="6215529"/>
+            <a:ext cx="10402455" cy="369332"/>
+          </a:xfrm>
+          <a:prstGeom prst="rect">
+            <a:avLst/>
+          </a:prstGeom>
+          <a:noFill/>
+        </p:spPr>
+        <p:txBody>
+          <a:bodyPr wrap="square" rtlCol="0">
+            <a:spAutoFit/>
+          </a:bodyPr>
+          <a:lstStyle/>
+          <a:p>
+            <a:pPr algn="ctr"/>
+            <a:r>
+              <a:rPr lang="en-US" dirty="0"/>
+              <a:t>* Information provided by: Wikipedia , World Health Organization *</a:t>
+            </a:r>
+          </a:p>
+        </p:txBody>
+      </p:sp>
+    </p:spTree>
+    <p:extLst>
+      <p:ext uri="{BB962C8B-B14F-4D97-AF65-F5344CB8AC3E}">
+        <p14:creationId xmlns:p14="http://schemas.microsoft.com/office/powerpoint/2010/main" val="39436844"/>
+      </p:ext>
+    </p:extLst>
+  </p:cSld>
+  <p:clrMapOvr>
+    <a:masterClrMapping/>
+  </p:clrMapOvr>
+</p:sld>
+</file>
+
+<file path=ppt/slides/slide19.xml><?xml version="1.0" encoding="utf-8"?>
+<p:sld xmlns:a="http://schemas.openxmlformats.org/drawingml/2006/main" xmlns:r="http://schemas.openxmlformats.org/officeDocument/2006/relationships" xmlns:p="http://schemas.openxmlformats.org/presentationml/2006/main">
+  <p:cSld>
+    <p:bg>
+      <p:bgPr>
+        <a:solidFill>
+          <a:schemeClr val="bg1">
+            <a:lumMod val="65000"/>
+            <a:alpha val="90000"/>
+          </a:schemeClr>
+        </a:solidFill>
+        <a:effectLst/>
+      </p:bgPr>
+    </p:bg>
+    <p:spTree>
+      <p:nvGrpSpPr>
+        <p:cNvPr id="1" name=""/>
+        <p:cNvGrpSpPr/>
+        <p:nvPr/>
+      </p:nvGrpSpPr>
+      <p:grpSpPr>
+        <a:xfrm>
+          <a:off x="0" y="0"/>
+          <a:ext cx="0" cy="0"/>
+          <a:chOff x="0" y="0"/>
+          <a:chExt cx="0" cy="0"/>
+        </a:xfrm>
+      </p:grpSpPr>
+      <p:sp>
+        <p:nvSpPr>
+          <p:cNvPr id="2" name="Title 1">
+            <a:extLst>
+              <a:ext uri="{FF2B5EF4-FFF2-40B4-BE49-F238E27FC236}">
+                <a16:creationId xmlns:a16="http://schemas.microsoft.com/office/drawing/2014/main" id="{22A43850-0DDD-2962-BC9F-705DC8DBFEF3}"/>
+              </a:ext>
+            </a:extLst>
+          </p:cNvPr>
+          <p:cNvSpPr>
+            <a:spLocks noGrp="1"/>
+          </p:cNvSpPr>
+          <p:nvPr>
+            <p:ph type="title"/>
+          </p:nvPr>
+        </p:nvSpPr>
+        <p:spPr/>
+        <p:txBody>
+          <a:bodyPr>
+            <a:normAutofit/>
+          </a:bodyPr>
+          <a:lstStyle/>
+          <a:p>
+            <a:pPr algn="ctr"/>
+            <a:r>
+              <a:rPr lang="en-US" sz="6000" u="sng" dirty="0"/>
+              <a:t>Conclusions</a:t>
+            </a:r>
+          </a:p>
+        </p:txBody>
+      </p:sp>
+      <p:sp>
+        <p:nvSpPr>
+          <p:cNvPr id="3" name="Content Placeholder 2">
+            <a:extLst>
+              <a:ext uri="{FF2B5EF4-FFF2-40B4-BE49-F238E27FC236}">
+                <a16:creationId xmlns:a16="http://schemas.microsoft.com/office/drawing/2014/main" id="{936EFDE6-86A2-7B86-8881-AB020560DA1B}"/>
+              </a:ext>
+            </a:extLst>
+          </p:cNvPr>
+          <p:cNvSpPr>
+            <a:spLocks noGrp="1"/>
+          </p:cNvSpPr>
+          <p:nvPr>
+            <p:ph idx="1"/>
+          </p:nvPr>
+        </p:nvSpPr>
+        <p:spPr>
+          <a:xfrm>
+            <a:off x="838200" y="1825624"/>
+            <a:ext cx="10515600" cy="4849496"/>
+          </a:xfrm>
+        </p:spPr>
+        <p:txBody>
+          <a:bodyPr>
+            <a:normAutofit fontScale="92500" lnSpcReduction="10000"/>
+          </a:bodyPr>
+          <a:lstStyle/>
+          <a:p>
+            <a:pPr>
+              <a:lnSpc>
+                <a:spcPct val="110000"/>
+              </a:lnSpc>
+              <a:buFont typeface="Wingdings" panose="05000000000000000000" pitchFamily="2" charset="2"/>
+              <a:buChar char="Ø"/>
+            </a:pPr>
+            <a:r>
+              <a:rPr lang="en-US" sz="3200" dirty="0"/>
+              <a:t>There definitely appears to be a link between the increase in meat consumption and the increase in worldwide obesity.</a:t>
+            </a:r>
+          </a:p>
+          <a:p>
+            <a:pPr>
+              <a:lnSpc>
+                <a:spcPct val="110000"/>
+              </a:lnSpc>
+              <a:buFont typeface="Wingdings" panose="05000000000000000000" pitchFamily="2" charset="2"/>
+              <a:buChar char="Ø"/>
+            </a:pPr>
+            <a:r>
+              <a:rPr lang="en-US" sz="3200" dirty="0"/>
+              <a:t>Meat consumption and Obesity do appear to have a sharper increase in more economically developed countries. (with some exceptions)</a:t>
+            </a:r>
+          </a:p>
+          <a:p>
+            <a:pPr>
+              <a:lnSpc>
+                <a:spcPct val="110000"/>
+              </a:lnSpc>
+              <a:buFont typeface="Wingdings" panose="05000000000000000000" pitchFamily="2" charset="2"/>
+              <a:buChar char="Ø"/>
+            </a:pPr>
+            <a:r>
+              <a:rPr lang="en-US" sz="3200" dirty="0"/>
+              <a:t>There does not appear to be a significant difference, positive or negative, between the rates in men and women.</a:t>
+            </a:r>
+          </a:p>
+          <a:p>
+            <a:pPr>
+              <a:lnSpc>
+                <a:spcPct val="110000"/>
+              </a:lnSpc>
+              <a:buFont typeface="Wingdings" panose="05000000000000000000" pitchFamily="2" charset="2"/>
+              <a:buChar char="Ø"/>
+            </a:pPr>
+            <a:r>
+              <a:rPr lang="en-US" sz="3200" dirty="0"/>
+              <a:t>While these findings appear to show a link between consuming meat and obesity, there are undeniable outliers and  exceptions.</a:t>
+            </a:r>
+          </a:p>
+          <a:p>
+            <a:pPr algn="ctr"/>
+            <a:endParaRPr lang="en-US" dirty="0"/>
+          </a:p>
+        </p:txBody>
+      </p:sp>
+      <p:sp>
+        <p:nvSpPr>
+          <p:cNvPr id="4" name="Rectangle: Rounded Corners 3">
+            <a:extLst>
+              <a:ext uri="{FF2B5EF4-FFF2-40B4-BE49-F238E27FC236}">
+                <a16:creationId xmlns:a16="http://schemas.microsoft.com/office/drawing/2014/main" id="{8A5AA576-0CCB-9977-1C82-3EF46C8F09C8}"/>
+              </a:ext>
+            </a:extLst>
+          </p:cNvPr>
+          <p:cNvSpPr/>
+          <p:nvPr/>
+        </p:nvSpPr>
+        <p:spPr>
+          <a:xfrm>
+            <a:off x="894772" y="418089"/>
+            <a:ext cx="10402455" cy="1219633"/>
+          </a:xfrm>
+          <a:prstGeom prst="roundRect">
+            <a:avLst/>
+          </a:prstGeom>
+          <a:noFill/>
+          <a:ln>
+            <a:noFill/>
+          </a:ln>
+          <a:effectLst/>
+          <a:scene3d>
+            <a:camera prst="orthographicFront">
+              <a:rot lat="0" lon="0" rev="0"/>
+            </a:camera>
+            <a:lightRig rig="chilly" dir="t">
+              <a:rot lat="0" lon="0" rev="18480000"/>
+            </a:lightRig>
+          </a:scene3d>
+          <a:sp3d prstMaterial="clear">
+            <a:bevelT h="63500"/>
+          </a:sp3d>
+        </p:spPr>
+        <p:style>
+          <a:lnRef idx="2">
+            <a:schemeClr val="accent1">
+              <a:shade val="50000"/>
+            </a:schemeClr>
+          </a:lnRef>
+          <a:fillRef idx="1">
+            <a:schemeClr val="accent1"/>
+          </a:fillRef>
+          <a:effectRef idx="0">
+            <a:schemeClr val="accent1"/>
+          </a:effectRef>
+          <a:fontRef idx="minor">
+            <a:schemeClr val="lt1"/>
+          </a:fontRef>
+        </p:style>
+        <p:txBody>
+          <a:bodyPr rtlCol="0" anchor="ctr"/>
+          <a:lstStyle/>
+          <a:p>
+            <a:pPr algn="ctr"/>
+            <a:endParaRPr lang="en-US" dirty="0"/>
+          </a:p>
+        </p:txBody>
+      </p:sp>
+    </p:spTree>
+    <p:extLst>
+      <p:ext uri="{BB962C8B-B14F-4D97-AF65-F5344CB8AC3E}">
+        <p14:creationId xmlns:p14="http://schemas.microsoft.com/office/powerpoint/2010/main" val="4247285694"/>
+      </p:ext>
+    </p:extLst>
+  </p:cSld>
+  <p:clrMapOvr>
+    <a:masterClrMapping/>
+  </p:clrMapOvr>
+</p:sld>
+</file>
+
+<file path=ppt/slides/slide2.xml><?xml version="1.0" encoding="utf-8"?>
+<p:sld xmlns:a="http://schemas.openxmlformats.org/drawingml/2006/main" xmlns:r="http://schemas.openxmlformats.org/officeDocument/2006/relationships" xmlns:p="http://schemas.openxmlformats.org/presentationml/2006/main">
+  <p:cSld>
+    <p:bg>
+      <p:bgPr>
+        <a:solidFill>
+          <a:schemeClr val="bg1">
+            <a:lumMod val="65000"/>
+            <a:alpha val="90000"/>
+          </a:schemeClr>
+        </a:solidFill>
+        <a:effectLst/>
+      </p:bgPr>
+    </p:bg>
+    <p:spTree>
+      <p:nvGrpSpPr>
+        <p:cNvPr id="1" name=""/>
+        <p:cNvGrpSpPr/>
+        <p:nvPr/>
+      </p:nvGrpSpPr>
+      <p:grpSpPr>
+        <a:xfrm>
+          <a:off x="0" y="0"/>
+          <a:ext cx="0" cy="0"/>
+          <a:chOff x="0" y="0"/>
+          <a:chExt cx="0" cy="0"/>
+        </a:xfrm>
+      </p:grpSpPr>
+      <p:sp>
+        <p:nvSpPr>
+          <p:cNvPr id="2" name="Title 1">
+            <a:extLst>
+              <a:ext uri="{FF2B5EF4-FFF2-40B4-BE49-F238E27FC236}">
+                <a16:creationId xmlns:a16="http://schemas.microsoft.com/office/drawing/2014/main" id="{D5561C02-2659-45AD-2747-EC44BEAF7B0B}"/>
+              </a:ext>
+            </a:extLst>
+          </p:cNvPr>
+          <p:cNvSpPr>
+            <a:spLocks noGrp="1"/>
+          </p:cNvSpPr>
+          <p:nvPr>
+            <p:ph type="title"/>
+          </p:nvPr>
+        </p:nvSpPr>
+        <p:spPr/>
+        <p:txBody>
+          <a:bodyPr>
+            <a:normAutofit/>
+          </a:bodyPr>
+          <a:lstStyle/>
+          <a:p>
+            <a:pPr algn="ctr"/>
+            <a:r>
+              <a:rPr lang="en-US" sz="6000" u="sng" dirty="0"/>
+              <a:t>Agenda</a:t>
+            </a:r>
+          </a:p>
+        </p:txBody>
+      </p:sp>
+      <p:sp>
+        <p:nvSpPr>
+          <p:cNvPr id="3" name="Content Placeholder 2">
+            <a:extLst>
+              <a:ext uri="{FF2B5EF4-FFF2-40B4-BE49-F238E27FC236}">
+                <a16:creationId xmlns:a16="http://schemas.microsoft.com/office/drawing/2014/main" id="{8E4A7AFF-0F52-D288-EFD8-366CCB596746}"/>
+              </a:ext>
+            </a:extLst>
+          </p:cNvPr>
+          <p:cNvSpPr>
+            <a:spLocks noGrp="1"/>
+          </p:cNvSpPr>
+          <p:nvPr>
+            <p:ph idx="1"/>
+          </p:nvPr>
+        </p:nvSpPr>
+        <p:spPr/>
+        <p:txBody>
+          <a:bodyPr/>
+          <a:lstStyle/>
+          <a:p>
+            <a:pPr algn="ctr"/>
+            <a:endParaRPr lang="en-US" dirty="0"/>
+          </a:p>
+          <a:p>
+            <a:pPr algn="ctr"/>
+            <a:r>
+              <a:rPr lang="en-US" dirty="0"/>
+              <a:t>What is “Obesity”?</a:t>
+            </a:r>
+          </a:p>
+          <a:p>
+            <a:pPr algn="ctr"/>
+            <a:r>
+              <a:rPr lang="en-US" dirty="0"/>
+              <a:t>United States: Lets look at the data</a:t>
+            </a:r>
+          </a:p>
+          <a:p>
+            <a:pPr algn="ctr"/>
+            <a:r>
+              <a:rPr lang="en-US" dirty="0"/>
+              <a:t>Worldwide Analysis</a:t>
+            </a:r>
+          </a:p>
+          <a:p>
+            <a:pPr algn="ctr"/>
+            <a:r>
+              <a:rPr lang="en-US" dirty="0"/>
+              <a:t>Outliers or Exceptions to the findings</a:t>
+            </a:r>
+          </a:p>
+          <a:p>
+            <a:pPr algn="ctr"/>
+            <a:r>
+              <a:rPr lang="en-US" dirty="0"/>
+              <a:t>Conclusions</a:t>
+            </a:r>
+          </a:p>
+          <a:p>
+            <a:pPr algn="ctr"/>
+            <a:endParaRPr lang="en-US" dirty="0"/>
+          </a:p>
+          <a:p>
+            <a:pPr algn="ctr"/>
+            <a:endParaRPr lang="en-US" dirty="0"/>
+          </a:p>
+          <a:p>
+            <a:pPr algn="ctr"/>
+            <a:endParaRPr lang="en-US" dirty="0"/>
+          </a:p>
+        </p:txBody>
+      </p:sp>
+      <p:sp>
+        <p:nvSpPr>
+          <p:cNvPr id="4" name="Rectangle: Rounded Corners 3">
+            <a:extLst>
+              <a:ext uri="{FF2B5EF4-FFF2-40B4-BE49-F238E27FC236}">
+                <a16:creationId xmlns:a16="http://schemas.microsoft.com/office/drawing/2014/main" id="{B7642859-EDF3-E581-1623-23A67DF81028}"/>
+              </a:ext>
+            </a:extLst>
+          </p:cNvPr>
+          <p:cNvSpPr/>
+          <p:nvPr/>
+        </p:nvSpPr>
+        <p:spPr>
+          <a:xfrm>
+            <a:off x="951344" y="471054"/>
+            <a:ext cx="10402455" cy="1219633"/>
+          </a:xfrm>
+          <a:prstGeom prst="roundRect">
+            <a:avLst/>
+          </a:prstGeom>
+          <a:noFill/>
+          <a:ln>
+            <a:noFill/>
+          </a:ln>
+          <a:effectLst/>
+          <a:scene3d>
+            <a:camera prst="orthographicFront">
+              <a:rot lat="0" lon="0" rev="0"/>
+            </a:camera>
+            <a:lightRig rig="chilly" dir="t">
+              <a:rot lat="0" lon="0" rev="18480000"/>
+            </a:lightRig>
+          </a:scene3d>
+          <a:sp3d prstMaterial="clear">
+            <a:bevelT h="63500"/>
+          </a:sp3d>
+        </p:spPr>
+        <p:style>
+          <a:lnRef idx="2">
+            <a:schemeClr val="accent1">
+              <a:shade val="50000"/>
+            </a:schemeClr>
+          </a:lnRef>
+          <a:fillRef idx="1">
+            <a:schemeClr val="accent1"/>
+          </a:fillRef>
+          <a:effectRef idx="0">
+            <a:schemeClr val="accent1"/>
+          </a:effectRef>
+          <a:fontRef idx="minor">
+            <a:schemeClr val="lt1"/>
+          </a:fontRef>
+        </p:style>
+        <p:txBody>
+          <a:bodyPr rtlCol="0" anchor="ctr"/>
+          <a:lstStyle/>
+          <a:p>
+            <a:pPr algn="ctr"/>
+            <a:endParaRPr lang="en-US"/>
+          </a:p>
+        </p:txBody>
+      </p:sp>
+    </p:spTree>
+    <p:extLst>
+      <p:ext uri="{BB962C8B-B14F-4D97-AF65-F5344CB8AC3E}">
+        <p14:creationId xmlns:p14="http://schemas.microsoft.com/office/powerpoint/2010/main" val="1872585568"/>
+      </p:ext>
+    </p:extLst>
+  </p:cSld>
+  <p:clrMapOvr>
+    <a:masterClrMapping/>
+  </p:clrMapOvr>
+</p:sld>
+</file>
+
+<file path=ppt/slides/slide20.xml><?xml version="1.0" encoding="utf-8"?>
+<p:sld xmlns:a="http://schemas.openxmlformats.org/drawingml/2006/main" xmlns:r="http://schemas.openxmlformats.org/officeDocument/2006/relationships" xmlns:p="http://schemas.openxmlformats.org/presentationml/2006/main">
+  <p:cSld>
+    <p:bg>
+      <p:bgPr>
+        <a:solidFill>
+          <a:schemeClr val="bg1">
+            <a:lumMod val="65000"/>
+            <a:alpha val="90000"/>
+          </a:schemeClr>
+        </a:solidFill>
+        <a:effectLst/>
+      </p:bgPr>
+    </p:bg>
+    <p:spTree>
+      <p:nvGrpSpPr>
+        <p:cNvPr id="1" name=""/>
+        <p:cNvGrpSpPr/>
+        <p:nvPr/>
+      </p:nvGrpSpPr>
+      <p:grpSpPr>
+        <a:xfrm>
+          <a:off x="0" y="0"/>
+          <a:ext cx="0" cy="0"/>
+          <a:chOff x="0" y="0"/>
+          <a:chExt cx="0" cy="0"/>
+        </a:xfrm>
+      </p:grpSpPr>
+      <p:sp>
+        <p:nvSpPr>
+          <p:cNvPr id="2" name="Title 1">
+            <a:extLst>
+              <a:ext uri="{FF2B5EF4-FFF2-40B4-BE49-F238E27FC236}">
+                <a16:creationId xmlns:a16="http://schemas.microsoft.com/office/drawing/2014/main" id="{30623D33-E53F-E470-E69F-9C98FD6B4094}"/>
+              </a:ext>
+            </a:extLst>
+          </p:cNvPr>
+          <p:cNvSpPr>
+            <a:spLocks noGrp="1"/>
+          </p:cNvSpPr>
+          <p:nvPr>
+            <p:ph type="title"/>
+          </p:nvPr>
+        </p:nvSpPr>
+        <p:spPr>
+          <a:xfrm>
+            <a:off x="838200" y="2766218"/>
+            <a:ext cx="10515600" cy="1325563"/>
+          </a:xfrm>
+        </p:spPr>
+        <p:txBody>
+          <a:bodyPr>
+            <a:normAutofit/>
+          </a:bodyPr>
+          <a:lstStyle/>
+          <a:p>
+            <a:pPr algn="ctr"/>
+            <a:r>
+              <a:rPr lang="en-US" sz="7200" b="1" u="sng" dirty="0"/>
+              <a:t>Thank You!!</a:t>
+            </a:r>
+          </a:p>
+        </p:txBody>
+      </p:sp>
+      <p:sp>
+        <p:nvSpPr>
+          <p:cNvPr id="3" name="Rectangle: Rounded Corners 2">
+            <a:extLst>
+              <a:ext uri="{FF2B5EF4-FFF2-40B4-BE49-F238E27FC236}">
+                <a16:creationId xmlns:a16="http://schemas.microsoft.com/office/drawing/2014/main" id="{4FE3301A-1D79-F7CA-5601-9440D9CF0F18}"/>
+              </a:ext>
+            </a:extLst>
+          </p:cNvPr>
+          <p:cNvSpPr/>
+          <p:nvPr/>
+        </p:nvSpPr>
+        <p:spPr>
+          <a:xfrm>
+            <a:off x="760563" y="776376"/>
+            <a:ext cx="10611928" cy="5305245"/>
+          </a:xfrm>
+          <a:prstGeom prst="roundRect">
+            <a:avLst/>
+          </a:prstGeom>
+          <a:noFill/>
+          <a:ln>
+            <a:noFill/>
+          </a:ln>
+          <a:effectLst/>
+          <a:scene3d>
+            <a:camera prst="orthographicFront">
+              <a:rot lat="0" lon="0" rev="0"/>
+            </a:camera>
+            <a:lightRig rig="chilly" dir="t">
+              <a:rot lat="0" lon="0" rev="18480000"/>
+            </a:lightRig>
+          </a:scene3d>
+          <a:sp3d prstMaterial="clear">
+            <a:bevelT h="63500"/>
+          </a:sp3d>
+        </p:spPr>
+        <p:style>
+          <a:lnRef idx="2">
+            <a:schemeClr val="accent1">
+              <a:shade val="50000"/>
+            </a:schemeClr>
+          </a:lnRef>
+          <a:fillRef idx="1">
+            <a:schemeClr val="accent1"/>
+          </a:fillRef>
+          <a:effectRef idx="0">
+            <a:schemeClr val="accent1"/>
+          </a:effectRef>
+          <a:fontRef idx="minor">
+            <a:schemeClr val="lt1"/>
+          </a:fontRef>
+        </p:style>
+        <p:txBody>
+          <a:bodyPr rtlCol="0" anchor="ctr"/>
+          <a:lstStyle/>
+          <a:p>
+            <a:pPr algn="ctr"/>
+            <a:endParaRPr lang="en-US"/>
+          </a:p>
+        </p:txBody>
+      </p:sp>
+    </p:spTree>
+    <p:extLst>
+      <p:ext uri="{BB962C8B-B14F-4D97-AF65-F5344CB8AC3E}">
+        <p14:creationId xmlns:p14="http://schemas.microsoft.com/office/powerpoint/2010/main" val="401909559"/>
+      </p:ext>
+    </p:extLst>
+  </p:cSld>
+  <p:clrMapOvr>
+    <a:masterClrMapping/>
+  </p:clrMapOvr>
+</p:sld>
+</file>
+
+<file path=ppt/slides/slide3.xml><?xml version="1.0" encoding="utf-8"?>
+<p:sld xmlns:a="http://schemas.openxmlformats.org/drawingml/2006/main" xmlns:r="http://schemas.openxmlformats.org/officeDocument/2006/relationships" xmlns:p="http://schemas.openxmlformats.org/presentationml/2006/main">
+  <p:cSld>
+    <p:bg>
+      <p:bgPr>
+        <a:solidFill>
+          <a:schemeClr val="bg1">
+            <a:lumMod val="65000"/>
+            <a:alpha val="90000"/>
+          </a:schemeClr>
+        </a:solidFill>
+        <a:effectLst/>
+      </p:bgPr>
+    </p:bg>
+    <p:spTree>
+      <p:nvGrpSpPr>
+        <p:cNvPr id="1" name=""/>
+        <p:cNvGrpSpPr/>
+        <p:nvPr/>
+      </p:nvGrpSpPr>
+      <p:grpSpPr>
+        <a:xfrm>
+          <a:off x="0" y="0"/>
+          <a:ext cx="0" cy="0"/>
+          <a:chOff x="0" y="0"/>
+          <a:chExt cx="0" cy="0"/>
+        </a:xfrm>
+      </p:grpSpPr>
+      <p:sp>
+        <p:nvSpPr>
+          <p:cNvPr id="2" name="Title 1">
+            <a:extLst>
+              <a:ext uri="{FF2B5EF4-FFF2-40B4-BE49-F238E27FC236}">
+                <a16:creationId xmlns:a16="http://schemas.microsoft.com/office/drawing/2014/main" id="{74700AC6-DC1B-19A2-6791-42A4FBC300D3}"/>
+              </a:ext>
+            </a:extLst>
+          </p:cNvPr>
+          <p:cNvSpPr>
+            <a:spLocks noGrp="1"/>
+          </p:cNvSpPr>
+          <p:nvPr>
+            <p:ph type="title"/>
+          </p:nvPr>
+        </p:nvSpPr>
+        <p:spPr/>
+        <p:txBody>
+          <a:bodyPr>
+            <a:normAutofit/>
+          </a:bodyPr>
+          <a:lstStyle/>
+          <a:p>
+            <a:pPr algn="ctr"/>
+            <a:r>
+              <a:rPr lang="en-US" sz="4000" u="sng" dirty="0"/>
+              <a:t>What is “Obesity”?</a:t>
+            </a:r>
+          </a:p>
+        </p:txBody>
+      </p:sp>
+      <p:sp>
+        <p:nvSpPr>
+          <p:cNvPr id="3" name="Content Placeholder 2">
+            <a:extLst>
+              <a:ext uri="{FF2B5EF4-FFF2-40B4-BE49-F238E27FC236}">
+                <a16:creationId xmlns:a16="http://schemas.microsoft.com/office/drawing/2014/main" id="{2307E4A4-3114-F82F-ABE1-EC706D1E30B3}"/>
+              </a:ext>
+            </a:extLst>
+          </p:cNvPr>
+          <p:cNvSpPr>
+            <a:spLocks noGrp="1"/>
+          </p:cNvSpPr>
+          <p:nvPr>
+            <p:ph idx="1"/>
+          </p:nvPr>
+        </p:nvSpPr>
+        <p:spPr>
+          <a:xfrm>
+            <a:off x="838200" y="1825625"/>
+            <a:ext cx="10515600" cy="3691255"/>
+          </a:xfrm>
+        </p:spPr>
+        <p:txBody>
+          <a:bodyPr/>
+          <a:lstStyle/>
+          <a:p>
+            <a:pPr algn="ctr"/>
+            <a:r>
+              <a:rPr lang="en-US" sz="2400" u="sng" dirty="0"/>
+              <a:t>Obesity</a:t>
+            </a:r>
+            <a:r>
+              <a:rPr lang="en-US" sz="2400" dirty="0"/>
+              <a:t>: The state or condition of being very fat or overweight.</a:t>
+            </a:r>
+          </a:p>
+          <a:p>
+            <a:pPr algn="ctr"/>
+            <a:r>
+              <a:rPr lang="en-US" sz="2400" dirty="0"/>
+              <a:t>Generally thought to be caused by overeating and/or moving too little.</a:t>
+            </a:r>
+          </a:p>
+          <a:p>
+            <a:pPr algn="ctr"/>
+            <a:r>
+              <a:rPr lang="en-US" sz="2400" dirty="0"/>
+              <a:t>Worldwide obesity has nearly tripled since 1975.</a:t>
+            </a:r>
+          </a:p>
+          <a:p>
+            <a:pPr algn="ctr"/>
+            <a:r>
+              <a:rPr lang="en-US" sz="2400" dirty="0"/>
+              <a:t>Classified using “Body Mass Index”(BMI)</a:t>
+            </a:r>
+          </a:p>
+          <a:p>
+            <a:pPr algn="ctr"/>
+            <a:r>
+              <a:rPr lang="en-US" sz="2400" dirty="0"/>
+              <a:t>BMI calculation: weight in kg/height in meters squared</a:t>
+            </a:r>
+          </a:p>
+          <a:p>
+            <a:pPr algn="ctr"/>
+            <a:r>
+              <a:rPr lang="en-US" sz="2400" dirty="0"/>
+              <a:t>Class I Obesity: (&gt;= 30kg/m2)</a:t>
+            </a:r>
+          </a:p>
+          <a:p>
+            <a:pPr algn="ctr"/>
+            <a:r>
+              <a:rPr lang="en-US" sz="2400" dirty="0"/>
+              <a:t>Class II / Severe Obesity: (&gt;= 35kg/m2)</a:t>
+            </a:r>
+          </a:p>
+          <a:p>
+            <a:pPr algn="ctr"/>
+            <a:r>
+              <a:rPr lang="en-US" sz="2400" dirty="0"/>
+              <a:t>Class III / Morbid Obesity: (&gt;= 40kg/m2)</a:t>
+            </a:r>
+          </a:p>
+          <a:p>
+            <a:pPr algn="ctr"/>
+            <a:endParaRPr lang="en-US" dirty="0"/>
+          </a:p>
+          <a:p>
+            <a:pPr algn="ctr"/>
+            <a:endParaRPr lang="en-US" dirty="0"/>
+          </a:p>
+        </p:txBody>
+      </p:sp>
+      <p:sp>
+        <p:nvSpPr>
+          <p:cNvPr id="4" name="Rectangle: Rounded Corners 3">
+            <a:extLst>
+              <a:ext uri="{FF2B5EF4-FFF2-40B4-BE49-F238E27FC236}">
+                <a16:creationId xmlns:a16="http://schemas.microsoft.com/office/drawing/2014/main" id="{91A6EA24-AEDB-6129-9B4F-E0B2FF0A9264}"/>
+              </a:ext>
+            </a:extLst>
+          </p:cNvPr>
+          <p:cNvSpPr/>
+          <p:nvPr/>
+        </p:nvSpPr>
+        <p:spPr>
+          <a:xfrm>
+            <a:off x="838200" y="441180"/>
+            <a:ext cx="10515600" cy="1173452"/>
+          </a:xfrm>
+          <a:prstGeom prst="roundRect">
+            <a:avLst/>
+          </a:prstGeom>
+          <a:noFill/>
+          <a:ln>
+            <a:noFill/>
+          </a:ln>
+          <a:effectLst/>
+          <a:scene3d>
+            <a:camera prst="orthographicFront">
+              <a:rot lat="0" lon="0" rev="0"/>
+            </a:camera>
+            <a:lightRig rig="chilly" dir="t">
+              <a:rot lat="0" lon="0" rev="18480000"/>
+            </a:lightRig>
+          </a:scene3d>
+          <a:sp3d prstMaterial="clear">
+            <a:bevelT h="63500"/>
+          </a:sp3d>
+        </p:spPr>
+        <p:style>
+          <a:lnRef idx="2">
+            <a:schemeClr val="accent1">
+              <a:shade val="50000"/>
+            </a:schemeClr>
+          </a:lnRef>
+          <a:fillRef idx="1">
+            <a:schemeClr val="accent1"/>
+          </a:fillRef>
+          <a:effectRef idx="0">
+            <a:schemeClr val="accent1"/>
+          </a:effectRef>
+          <a:fontRef idx="minor">
+            <a:schemeClr val="lt1"/>
+          </a:fontRef>
+        </p:style>
+        <p:txBody>
+          <a:bodyPr rtlCol="0" anchor="ctr"/>
+          <a:lstStyle/>
+          <a:p>
+            <a:pPr algn="ctr"/>
+            <a:endParaRPr lang="en-US"/>
+          </a:p>
+        </p:txBody>
+      </p:sp>
+      <p:sp>
+        <p:nvSpPr>
+          <p:cNvPr id="5" name="TextBox 4">
+            <a:extLst>
+              <a:ext uri="{FF2B5EF4-FFF2-40B4-BE49-F238E27FC236}">
+                <a16:creationId xmlns:a16="http://schemas.microsoft.com/office/drawing/2014/main" id="{4A194D85-A4C5-1B3C-0D95-8DC1731C069A}"/>
+              </a:ext>
+            </a:extLst>
+          </p:cNvPr>
+          <p:cNvSpPr txBox="1"/>
+          <p:nvPr/>
+        </p:nvSpPr>
+        <p:spPr>
+          <a:xfrm>
+            <a:off x="1645920" y="6047488"/>
+            <a:ext cx="8900160" cy="369332"/>
+          </a:xfrm>
+          <a:prstGeom prst="rect">
+            <a:avLst/>
+          </a:prstGeom>
+          <a:noFill/>
+        </p:spPr>
+        <p:txBody>
+          <a:bodyPr wrap="square" rtlCol="0">
+            <a:spAutoFit/>
+          </a:bodyPr>
+          <a:lstStyle/>
+          <a:p>
+            <a:r>
+              <a:rPr lang="en-US" dirty="0"/>
+              <a:t>* Information provided by: World Health Org. , Centers for Disease Control and Prevention. *</a:t>
+            </a:r>
+          </a:p>
+        </p:txBody>
+      </p:sp>
+    </p:spTree>
+    <p:extLst>
+      <p:ext uri="{BB962C8B-B14F-4D97-AF65-F5344CB8AC3E}">
+        <p14:creationId xmlns:p14="http://schemas.microsoft.com/office/powerpoint/2010/main" val="2341291846"/>
+      </p:ext>
+    </p:extLst>
+  </p:cSld>
+  <p:clrMapOvr>
+    <a:masterClrMapping/>
+  </p:clrMapOvr>
+</p:sld>
+</file>
+
+<file path=ppt/slides/slide4.xml><?xml version="1.0" encoding="utf-8"?>
+<p:sld xmlns:a="http://schemas.openxmlformats.org/drawingml/2006/main" xmlns:r="http://schemas.openxmlformats.org/officeDocument/2006/relationships" xmlns:p="http://schemas.openxmlformats.org/presentationml/2006/main">
+  <p:cSld>
+    <p:bg>
+      <p:bgPr>
+        <a:solidFill>
+          <a:schemeClr val="bg1">
+            <a:lumMod val="65000"/>
+            <a:alpha val="90000"/>
+          </a:schemeClr>
+        </a:solidFill>
+        <a:effectLst/>
+      </p:bgPr>
+    </p:bg>
+    <p:spTree>
+      <p:nvGrpSpPr>
+        <p:cNvPr id="1" name=""/>
+        <p:cNvGrpSpPr/>
+        <p:nvPr/>
+      </p:nvGrpSpPr>
+      <p:grpSpPr>
+        <a:xfrm>
+          <a:off x="0" y="0"/>
+          <a:ext cx="0" cy="0"/>
+          <a:chOff x="0" y="0"/>
+          <a:chExt cx="0" cy="0"/>
+        </a:xfrm>
+      </p:grpSpPr>
       <p:sp>
         <p:nvSpPr>
           <p:cNvPr id="2" name="Title 1">
@@ -3428,37 +6156,137 @@
             <p:ph type="title"/>
           </p:nvPr>
         </p:nvSpPr>
-        <p:spPr/>
-        <p:txBody>
-          <a:bodyPr/>
-          <a:lstStyle/>
-          <a:p>
-            <a:endParaRPr lang="en-US"/>
-          </a:p>
-        </p:txBody>
-      </p:sp>
-      <p:sp>
-        <p:nvSpPr>
-          <p:cNvPr id="3" name="Content Placeholder 2">
+        <p:spPr>
+          <a:xfrm>
+            <a:off x="915837" y="2766218"/>
+            <a:ext cx="10515600" cy="1325563"/>
+          </a:xfrm>
+        </p:spPr>
+        <p:txBody>
+          <a:bodyPr>
+            <a:normAutofit/>
+          </a:bodyPr>
+          <a:lstStyle/>
+          <a:p>
+            <a:pPr algn="ctr"/>
+            <a:r>
+              <a:rPr lang="en-US" sz="7200" u="sng" dirty="0"/>
+              <a:t>United States Data</a:t>
+            </a:r>
+          </a:p>
+        </p:txBody>
+      </p:sp>
+      <p:sp>
+        <p:nvSpPr>
+          <p:cNvPr id="5" name="Rectangle: Rounded Corners 4">
             <a:extLst>
               <a:ext uri="{FF2B5EF4-FFF2-40B4-BE49-F238E27FC236}">
-                <a16:creationId xmlns:a16="http://schemas.microsoft.com/office/drawing/2014/main" id="{188BA49A-AF1A-E264-0626-B2A1E4EE1E79}"/>
+                <a16:creationId xmlns:a16="http://schemas.microsoft.com/office/drawing/2014/main" id="{88C4047D-6269-EA7F-F634-35B031D46E34}"/>
               </a:ext>
             </a:extLst>
           </p:cNvPr>
-          <p:cNvSpPr>
-            <a:spLocks noGrp="1"/>
-          </p:cNvSpPr>
-          <p:nvPr>
-            <p:ph idx="1"/>
-          </p:nvPr>
-        </p:nvSpPr>
-        <p:spPr/>
-        <p:txBody>
-          <a:bodyPr/>
-          <a:lstStyle/>
-          <a:p>
+          <p:cNvSpPr/>
+          <p:nvPr/>
+        </p:nvSpPr>
+        <p:spPr>
+          <a:xfrm>
+            <a:off x="790036" y="776376"/>
+            <a:ext cx="10611928" cy="5305245"/>
+          </a:xfrm>
+          <a:prstGeom prst="roundRect">
+            <a:avLst/>
+          </a:prstGeom>
+          <a:noFill/>
+          <a:ln>
+            <a:noFill/>
+          </a:ln>
+          <a:effectLst/>
+          <a:scene3d>
+            <a:camera prst="orthographicFront">
+              <a:rot lat="0" lon="0" rev="0"/>
+            </a:camera>
+            <a:lightRig rig="chilly" dir="t">
+              <a:rot lat="0" lon="0" rev="18480000"/>
+            </a:lightRig>
+          </a:scene3d>
+          <a:sp3d prstMaterial="clear">
+            <a:bevelT h="63500"/>
+          </a:sp3d>
+        </p:spPr>
+        <p:style>
+          <a:lnRef idx="2">
+            <a:schemeClr val="accent1">
+              <a:shade val="50000"/>
+            </a:schemeClr>
+          </a:lnRef>
+          <a:fillRef idx="1">
+            <a:schemeClr val="accent1"/>
+          </a:fillRef>
+          <a:effectRef idx="0">
+            <a:schemeClr val="accent1"/>
+          </a:effectRef>
+          <a:fontRef idx="minor">
+            <a:schemeClr val="lt1"/>
+          </a:fontRef>
+        </p:style>
+        <p:txBody>
+          <a:bodyPr rtlCol="0" anchor="ctr"/>
+          <a:lstStyle/>
+          <a:p>
+            <a:pPr algn="ctr"/>
             <a:endParaRPr lang="en-US"/>
+          </a:p>
+        </p:txBody>
+      </p:sp>
+      <p:sp>
+        <p:nvSpPr>
+          <p:cNvPr id="6" name="TextBox 5">
+            <a:extLst>
+              <a:ext uri="{FF2B5EF4-FFF2-40B4-BE49-F238E27FC236}">
+                <a16:creationId xmlns:a16="http://schemas.microsoft.com/office/drawing/2014/main" id="{741987BA-FB86-B061-621F-65B37FB9C1AB}"/>
+              </a:ext>
+            </a:extLst>
+          </p:cNvPr>
+          <p:cNvSpPr txBox="1"/>
+          <p:nvPr/>
+        </p:nvSpPr>
+        <p:spPr>
+          <a:xfrm>
+            <a:off x="937978" y="6293943"/>
+            <a:ext cx="10316043" cy="369332"/>
+          </a:xfrm>
+          <a:prstGeom prst="rect">
+            <a:avLst/>
+          </a:prstGeom>
+          <a:noFill/>
+        </p:spPr>
+        <p:txBody>
+          <a:bodyPr wrap="square" rtlCol="0">
+            <a:spAutoFit/>
+          </a:bodyPr>
+          <a:lstStyle/>
+          <a:p>
+            <a:pPr algn="ctr"/>
+            <a:r>
+              <a:rPr lang="en-US" dirty="0"/>
+              <a:t>* Data provided by: </a:t>
+            </a:r>
+            <a:r>
+              <a:rPr lang="en-US" u="sng" dirty="0"/>
+              <a:t>NCDRisC.org</a:t>
+            </a:r>
+            <a:r>
+              <a:rPr lang="en-US" dirty="0"/>
+              <a:t> and </a:t>
+            </a:r>
+            <a:r>
+              <a:rPr lang="en-US" u="sng" dirty="0"/>
+              <a:t>Ourworldindata.org</a:t>
+            </a:r>
+            <a:r>
+              <a:rPr lang="en-US" dirty="0"/>
+              <a:t> *</a:t>
+            </a:r>
           </a:p>
         </p:txBody>
       </p:sp>
@@ -3466,6 +6294,590 @@
     <p:extLst>
       <p:ext uri="{BB962C8B-B14F-4D97-AF65-F5344CB8AC3E}">
         <p14:creationId xmlns:p14="http://schemas.microsoft.com/office/powerpoint/2010/main" val="3182288338"/>
+      </p:ext>
+    </p:extLst>
+  </p:cSld>
+  <p:clrMapOvr>
+    <a:masterClrMapping/>
+  </p:clrMapOvr>
+</p:sld>
+</file>
+
+<file path=ppt/slides/slide5.xml><?xml version="1.0" encoding="utf-8"?>
+<p:sld xmlns:a="http://schemas.openxmlformats.org/drawingml/2006/main" xmlns:r="http://schemas.openxmlformats.org/officeDocument/2006/relationships" xmlns:p="http://schemas.openxmlformats.org/presentationml/2006/main">
+  <p:cSld>
+    <p:bg>
+      <p:bgPr>
+        <a:solidFill>
+          <a:schemeClr val="bg1">
+            <a:lumMod val="65000"/>
+            <a:alpha val="90000"/>
+          </a:schemeClr>
+        </a:solidFill>
+        <a:effectLst/>
+      </p:bgPr>
+    </p:bg>
+    <p:spTree>
+      <p:nvGrpSpPr>
+        <p:cNvPr id="1" name=""/>
+        <p:cNvGrpSpPr/>
+        <p:nvPr/>
+      </p:nvGrpSpPr>
+      <p:grpSpPr>
+        <a:xfrm>
+          <a:off x="0" y="0"/>
+          <a:ext cx="0" cy="0"/>
+          <a:chOff x="0" y="0"/>
+          <a:chExt cx="0" cy="0"/>
+        </a:xfrm>
+      </p:grpSpPr>
+      <p:sp>
+        <p:nvSpPr>
+          <p:cNvPr id="2" name="Title 1">
+            <a:extLst>
+              <a:ext uri="{FF2B5EF4-FFF2-40B4-BE49-F238E27FC236}">
+                <a16:creationId xmlns:a16="http://schemas.microsoft.com/office/drawing/2014/main" id="{3ED9E4CD-4EF7-AC54-B1A4-7C2D8D48B1E4}"/>
+              </a:ext>
+            </a:extLst>
+          </p:cNvPr>
+          <p:cNvSpPr>
+            <a:spLocks noGrp="1"/>
+          </p:cNvSpPr>
+          <p:nvPr>
+            <p:ph type="title"/>
+          </p:nvPr>
+        </p:nvSpPr>
+        <p:spPr>
+          <a:xfrm>
+            <a:off x="838200" y="171161"/>
+            <a:ext cx="10515600" cy="595456"/>
+          </a:xfrm>
+        </p:spPr>
+        <p:txBody>
+          <a:bodyPr>
+            <a:normAutofit fontScale="90000"/>
+          </a:bodyPr>
+          <a:lstStyle/>
+          <a:p>
+            <a:pPr algn="ctr"/>
+            <a:r>
+              <a:rPr lang="en-US" dirty="0"/>
+              <a:t>United States Total Meat Production</a:t>
+            </a:r>
+          </a:p>
+        </p:txBody>
+      </p:sp>
+      <mc:AlternateContent xmlns:mc="http://schemas.openxmlformats.org/markup-compatibility/2006">
+        <mc:Choice xmlns:we="http://schemas.microsoft.com/office/webextensions/webextension/2010/11" xmlns:pca="http://schemas.microsoft.com/office/powerpoint/2013/contentapp" Requires="we pca">
+          <p:graphicFrame>
+            <p:nvGraphicFramePr>
+              <p:cNvPr id="4" name="Content Placeholder 3" title="Web Viewer">
+                <a:extLst>
+                  <a:ext uri="{FF2B5EF4-FFF2-40B4-BE49-F238E27FC236}">
+                    <a16:creationId xmlns:a16="http://schemas.microsoft.com/office/drawing/2014/main" id="{E84295F0-6C47-84F5-3687-7D3A8B5358B1}"/>
+                  </a:ext>
+                </a:extLst>
+              </p:cNvPr>
+              <p:cNvGraphicFramePr>
+                <a:graphicFrameLocks noGrp="1"/>
+              </p:cNvGraphicFramePr>
+              <p:nvPr>
+                <p:ph idx="1"/>
+                <p:extLst>
+                  <p:ext uri="{D42A27DB-BD31-4B8C-83A1-F6EECF244321}">
+                    <p14:modId xmlns:p14="http://schemas.microsoft.com/office/powerpoint/2010/main" val="2445860127"/>
+                  </p:ext>
+                </p:extLst>
+              </p:nvPr>
+            </p:nvGraphicFramePr>
+            <p:xfrm>
+              <a:off x="838200" y="877455"/>
+              <a:ext cx="10515600" cy="5809384"/>
+            </p:xfrm>
+            <a:graphic>
+              <a:graphicData uri="http://schemas.microsoft.com/office/webextensions/webextension/2010/11">
+                <we:webextensionref xmlns:we="http://schemas.microsoft.com/office/webextensions/webextension/2010/11" xmlns:r="http://schemas.openxmlformats.org/officeDocument/2006/relationships" r:id="rId2"/>
+              </a:graphicData>
+            </a:graphic>
+          </p:graphicFrame>
+        </mc:Choice>
+        <mc:Fallback>
+          <p:pic>
+            <p:nvPicPr>
+              <p:cNvPr id="4" name="Content Placeholder 3" title="Web Viewer">
+                <a:extLst>
+                  <a:ext uri="{FF2B5EF4-FFF2-40B4-BE49-F238E27FC236}">
+                    <a16:creationId xmlns:a16="http://schemas.microsoft.com/office/drawing/2014/main" id="{E84295F0-6C47-84F5-3687-7D3A8B5358B1}"/>
+                  </a:ext>
+                </a:extLst>
+              </p:cNvPr>
+              <p:cNvPicPr>
+                <a:picLocks noGrp="1" noRot="1" noChangeAspect="1" noMove="1" noResize="1" noEditPoints="1" noAdjustHandles="1" noChangeArrowheads="1" noChangeShapeType="1"/>
+              </p:cNvPicPr>
+              <p:nvPr/>
+            </p:nvPicPr>
+            <p:blipFill>
+              <a:blip r:embed="rId3"/>
+              <a:stretch>
+                <a:fillRect/>
+              </a:stretch>
+            </p:blipFill>
+            <p:spPr>
+              <a:xfrm>
+                <a:off x="838200" y="877455"/>
+                <a:ext cx="10515600" cy="5809384"/>
+              </a:xfrm>
+              <a:prstGeom prst="rect">
+                <a:avLst/>
+              </a:prstGeom>
+            </p:spPr>
+          </p:pic>
+        </mc:Fallback>
+      </mc:AlternateContent>
+    </p:spTree>
+    <p:extLst>
+      <p:ext uri="{BB962C8B-B14F-4D97-AF65-F5344CB8AC3E}">
+        <p14:creationId xmlns:p14="http://schemas.microsoft.com/office/powerpoint/2010/main" val="1567051923"/>
+      </p:ext>
+    </p:extLst>
+  </p:cSld>
+  <p:clrMapOvr>
+    <a:masterClrMapping/>
+  </p:clrMapOvr>
+</p:sld>
+</file>
+
+<file path=ppt/slides/slide6.xml><?xml version="1.0" encoding="utf-8"?>
+<p:sld xmlns:a="http://schemas.openxmlformats.org/drawingml/2006/main" xmlns:r="http://schemas.openxmlformats.org/officeDocument/2006/relationships" xmlns:p="http://schemas.openxmlformats.org/presentationml/2006/main">
+  <p:cSld>
+    <p:bg>
+      <p:bgPr>
+        <a:solidFill>
+          <a:schemeClr val="bg1">
+            <a:lumMod val="65000"/>
+            <a:alpha val="90000"/>
+          </a:schemeClr>
+        </a:solidFill>
+        <a:effectLst/>
+      </p:bgPr>
+    </p:bg>
+    <p:spTree>
+      <p:nvGrpSpPr>
+        <p:cNvPr id="1" name=""/>
+        <p:cNvGrpSpPr/>
+        <p:nvPr/>
+      </p:nvGrpSpPr>
+      <p:grpSpPr>
+        <a:xfrm>
+          <a:off x="0" y="0"/>
+          <a:ext cx="0" cy="0"/>
+          <a:chOff x="0" y="0"/>
+          <a:chExt cx="0" cy="0"/>
+        </a:xfrm>
+      </p:grpSpPr>
+      <p:pic>
+        <p:nvPicPr>
+          <p:cNvPr id="3" name="Picture 2" descr="Chart, line chart&#10;&#10;Description automatically generated">
+            <a:extLst>
+              <a:ext uri="{FF2B5EF4-FFF2-40B4-BE49-F238E27FC236}">
+                <a16:creationId xmlns:a16="http://schemas.microsoft.com/office/drawing/2014/main" id="{D8317779-F120-D1C6-A534-563098F8773B}"/>
+              </a:ext>
+            </a:extLst>
+          </p:cNvPr>
+          <p:cNvPicPr>
+            <a:picLocks noChangeAspect="1"/>
+          </p:cNvPicPr>
+          <p:nvPr/>
+        </p:nvPicPr>
+        <p:blipFill>
+          <a:blip r:embed="rId2">
+            <a:extLst>
+              <a:ext uri="{28A0092B-C50C-407E-A947-70E740481C1C}">
+                <a14:useLocalDpi xmlns:a14="http://schemas.microsoft.com/office/drawing/2010/main" val="0"/>
+              </a:ext>
+            </a:extLst>
+          </a:blip>
+          <a:stretch>
+            <a:fillRect/>
+          </a:stretch>
+        </p:blipFill>
+        <p:spPr>
+          <a:xfrm>
+            <a:off x="370467" y="545133"/>
+            <a:ext cx="5587273" cy="5767733"/>
+          </a:xfrm>
+          <a:prstGeom prst="rect">
+            <a:avLst/>
+          </a:prstGeom>
+        </p:spPr>
+      </p:pic>
+      <p:pic>
+        <p:nvPicPr>
+          <p:cNvPr id="5" name="Picture 4" descr="Chart, line chart&#10;&#10;Description automatically generated">
+            <a:extLst>
+              <a:ext uri="{FF2B5EF4-FFF2-40B4-BE49-F238E27FC236}">
+                <a16:creationId xmlns:a16="http://schemas.microsoft.com/office/drawing/2014/main" id="{0AD27754-3FF0-FD94-B037-BC29A0B344E6}"/>
+              </a:ext>
+            </a:extLst>
+          </p:cNvPr>
+          <p:cNvPicPr>
+            <a:picLocks noChangeAspect="1"/>
+          </p:cNvPicPr>
+          <p:nvPr/>
+        </p:nvPicPr>
+        <p:blipFill>
+          <a:blip r:embed="rId3">
+            <a:extLst>
+              <a:ext uri="{28A0092B-C50C-407E-A947-70E740481C1C}">
+                <a14:useLocalDpi xmlns:a14="http://schemas.microsoft.com/office/drawing/2010/main" val="0"/>
+              </a:ext>
+            </a:extLst>
+          </a:blip>
+          <a:stretch>
+            <a:fillRect/>
+          </a:stretch>
+        </p:blipFill>
+        <p:spPr>
+          <a:xfrm>
+            <a:off x="6234262" y="545132"/>
+            <a:ext cx="5587272" cy="5767733"/>
+          </a:xfrm>
+          <a:prstGeom prst="rect">
+            <a:avLst/>
+          </a:prstGeom>
+        </p:spPr>
+      </p:pic>
+    </p:spTree>
+    <p:extLst>
+      <p:ext uri="{BB962C8B-B14F-4D97-AF65-F5344CB8AC3E}">
+        <p14:creationId xmlns:p14="http://schemas.microsoft.com/office/powerpoint/2010/main" val="1826855046"/>
+      </p:ext>
+    </p:extLst>
+  </p:cSld>
+  <p:clrMapOvr>
+    <a:masterClrMapping/>
+  </p:clrMapOvr>
+</p:sld>
+</file>
+
+<file path=ppt/slides/slide7.xml><?xml version="1.0" encoding="utf-8"?>
+<p:sld xmlns:a="http://schemas.openxmlformats.org/drawingml/2006/main" xmlns:r="http://schemas.openxmlformats.org/officeDocument/2006/relationships" xmlns:p="http://schemas.openxmlformats.org/presentationml/2006/main">
+  <p:cSld>
+    <p:bg>
+      <p:bgPr>
+        <a:solidFill>
+          <a:schemeClr val="bg1">
+            <a:lumMod val="65000"/>
+            <a:alpha val="90000"/>
+          </a:schemeClr>
+        </a:solidFill>
+        <a:effectLst/>
+      </p:bgPr>
+    </p:bg>
+    <p:spTree>
+      <p:nvGrpSpPr>
+        <p:cNvPr id="1" name=""/>
+        <p:cNvGrpSpPr/>
+        <p:nvPr/>
+      </p:nvGrpSpPr>
+      <p:grpSpPr>
+        <a:xfrm>
+          <a:off x="0" y="0"/>
+          <a:ext cx="0" cy="0"/>
+          <a:chOff x="0" y="0"/>
+          <a:chExt cx="0" cy="0"/>
+        </a:xfrm>
+      </p:grpSpPr>
+      <p:pic>
+        <p:nvPicPr>
+          <p:cNvPr id="3" name="Picture 2" descr="Chart, line chart&#10;&#10;Description automatically generated">
+            <a:extLst>
+              <a:ext uri="{FF2B5EF4-FFF2-40B4-BE49-F238E27FC236}">
+                <a16:creationId xmlns:a16="http://schemas.microsoft.com/office/drawing/2014/main" id="{9B470BA9-EDBA-E79C-B81E-9F87C6A7199C}"/>
+              </a:ext>
+            </a:extLst>
+          </p:cNvPr>
+          <p:cNvPicPr>
+            <a:picLocks noChangeAspect="1"/>
+          </p:cNvPicPr>
+          <p:nvPr/>
+        </p:nvPicPr>
+        <p:blipFill>
+          <a:blip r:embed="rId2">
+            <a:extLst>
+              <a:ext uri="{28A0092B-C50C-407E-A947-70E740481C1C}">
+                <a14:useLocalDpi xmlns:a14="http://schemas.microsoft.com/office/drawing/2010/main" val="0"/>
+              </a:ext>
+            </a:extLst>
+          </a:blip>
+          <a:stretch>
+            <a:fillRect/>
+          </a:stretch>
+        </p:blipFill>
+        <p:spPr>
+          <a:xfrm>
+            <a:off x="355075" y="553139"/>
+            <a:ext cx="5612091" cy="5751722"/>
+          </a:xfrm>
+          <a:prstGeom prst="rect">
+            <a:avLst/>
+          </a:prstGeom>
+        </p:spPr>
+      </p:pic>
+      <p:pic>
+        <p:nvPicPr>
+          <p:cNvPr id="5" name="Picture 4" descr="Chart, line chart&#10;&#10;Description automatically generated">
+            <a:extLst>
+              <a:ext uri="{FF2B5EF4-FFF2-40B4-BE49-F238E27FC236}">
+                <a16:creationId xmlns:a16="http://schemas.microsoft.com/office/drawing/2014/main" id="{9C2B3EA8-C339-C82E-2A57-F23241CDD473}"/>
+              </a:ext>
+            </a:extLst>
+          </p:cNvPr>
+          <p:cNvPicPr>
+            <a:picLocks noChangeAspect="1"/>
+          </p:cNvPicPr>
+          <p:nvPr/>
+        </p:nvPicPr>
+        <p:blipFill>
+          <a:blip r:embed="rId3">
+            <a:extLst>
+              <a:ext uri="{28A0092B-C50C-407E-A947-70E740481C1C}">
+                <a14:useLocalDpi xmlns:a14="http://schemas.microsoft.com/office/drawing/2010/main" val="0"/>
+              </a:ext>
+            </a:extLst>
+          </a:blip>
+          <a:stretch>
+            <a:fillRect/>
+          </a:stretch>
+        </p:blipFill>
+        <p:spPr>
+          <a:xfrm>
+            <a:off x="6224833" y="553139"/>
+            <a:ext cx="5612091" cy="5751722"/>
+          </a:xfrm>
+          <a:prstGeom prst="rect">
+            <a:avLst/>
+          </a:prstGeom>
+        </p:spPr>
+      </p:pic>
+    </p:spTree>
+    <p:extLst>
+      <p:ext uri="{BB962C8B-B14F-4D97-AF65-F5344CB8AC3E}">
+        <p14:creationId xmlns:p14="http://schemas.microsoft.com/office/powerpoint/2010/main" val="3795102847"/>
+      </p:ext>
+    </p:extLst>
+  </p:cSld>
+  <p:clrMapOvr>
+    <a:masterClrMapping/>
+  </p:clrMapOvr>
+</p:sld>
+</file>
+
+<file path=ppt/slides/slide8.xml><?xml version="1.0" encoding="utf-8"?>
+<p:sld xmlns:a="http://schemas.openxmlformats.org/drawingml/2006/main" xmlns:r="http://schemas.openxmlformats.org/officeDocument/2006/relationships" xmlns:p="http://schemas.openxmlformats.org/presentationml/2006/main">
+  <p:cSld>
+    <p:bg>
+      <p:bgPr>
+        <a:solidFill>
+          <a:schemeClr val="bg1">
+            <a:lumMod val="65000"/>
+            <a:alpha val="90000"/>
+          </a:schemeClr>
+        </a:solidFill>
+        <a:effectLst/>
+      </p:bgPr>
+    </p:bg>
+    <p:spTree>
+      <p:nvGrpSpPr>
+        <p:cNvPr id="1" name=""/>
+        <p:cNvGrpSpPr/>
+        <p:nvPr/>
+      </p:nvGrpSpPr>
+      <p:grpSpPr>
+        <a:xfrm>
+          <a:off x="0" y="0"/>
+          <a:ext cx="0" cy="0"/>
+          <a:chOff x="0" y="0"/>
+          <a:chExt cx="0" cy="0"/>
+        </a:xfrm>
+      </p:grpSpPr>
+      <p:pic>
+        <p:nvPicPr>
+          <p:cNvPr id="3" name="Picture 2" descr="Chart, line chart, histogram&#10;&#10;Description automatically generated">
+            <a:extLst>
+              <a:ext uri="{FF2B5EF4-FFF2-40B4-BE49-F238E27FC236}">
+                <a16:creationId xmlns:a16="http://schemas.microsoft.com/office/drawing/2014/main" id="{82B3F109-7A2B-7BE1-575D-298513EC1F57}"/>
+              </a:ext>
+            </a:extLst>
+          </p:cNvPr>
+          <p:cNvPicPr>
+            <a:picLocks noChangeAspect="1"/>
+          </p:cNvPicPr>
+          <p:nvPr/>
+        </p:nvPicPr>
+        <p:blipFill>
+          <a:blip r:embed="rId2">
+            <a:extLst>
+              <a:ext uri="{28A0092B-C50C-407E-A947-70E740481C1C}">
+                <a14:useLocalDpi xmlns:a14="http://schemas.microsoft.com/office/drawing/2010/main" val="0"/>
+              </a:ext>
+            </a:extLst>
+          </a:blip>
+          <a:stretch>
+            <a:fillRect/>
+          </a:stretch>
+        </p:blipFill>
+        <p:spPr>
+          <a:xfrm>
+            <a:off x="347186" y="565608"/>
+            <a:ext cx="5601127" cy="5731498"/>
+          </a:xfrm>
+          <a:prstGeom prst="rect">
+            <a:avLst/>
+          </a:prstGeom>
+        </p:spPr>
+      </p:pic>
+      <p:pic>
+        <p:nvPicPr>
+          <p:cNvPr id="5" name="Picture 4" descr="Chart, line chart&#10;&#10;Description automatically generated">
+            <a:extLst>
+              <a:ext uri="{FF2B5EF4-FFF2-40B4-BE49-F238E27FC236}">
+                <a16:creationId xmlns:a16="http://schemas.microsoft.com/office/drawing/2014/main" id="{80458D28-0F1C-6079-FA9D-EA405FCC91AA}"/>
+              </a:ext>
+            </a:extLst>
+          </p:cNvPr>
+          <p:cNvPicPr>
+            <a:picLocks noChangeAspect="1"/>
+          </p:cNvPicPr>
+          <p:nvPr/>
+        </p:nvPicPr>
+        <p:blipFill>
+          <a:blip r:embed="rId3">
+            <a:extLst>
+              <a:ext uri="{28A0092B-C50C-407E-A947-70E740481C1C}">
+                <a14:useLocalDpi xmlns:a14="http://schemas.microsoft.com/office/drawing/2010/main" val="0"/>
+              </a:ext>
+            </a:extLst>
+          </a:blip>
+          <a:stretch>
+            <a:fillRect/>
+          </a:stretch>
+        </p:blipFill>
+        <p:spPr>
+          <a:xfrm>
+            <a:off x="6243688" y="565607"/>
+            <a:ext cx="5601127" cy="5731498"/>
+          </a:xfrm>
+          <a:prstGeom prst="rect">
+            <a:avLst/>
+          </a:prstGeom>
+        </p:spPr>
+      </p:pic>
+    </p:spTree>
+    <p:extLst>
+      <p:ext uri="{BB962C8B-B14F-4D97-AF65-F5344CB8AC3E}">
+        <p14:creationId xmlns:p14="http://schemas.microsoft.com/office/powerpoint/2010/main" val="465037795"/>
+      </p:ext>
+    </p:extLst>
+  </p:cSld>
+  <p:clrMapOvr>
+    <a:masterClrMapping/>
+  </p:clrMapOvr>
+</p:sld>
+</file>
+
+<file path=ppt/slides/slide9.xml><?xml version="1.0" encoding="utf-8"?>
+<p:sld xmlns:a="http://schemas.openxmlformats.org/drawingml/2006/main" xmlns:r="http://schemas.openxmlformats.org/officeDocument/2006/relationships" xmlns:p="http://schemas.openxmlformats.org/presentationml/2006/main">
+  <p:cSld>
+    <p:bg>
+      <p:bgPr>
+        <a:solidFill>
+          <a:schemeClr val="bg1">
+            <a:lumMod val="65000"/>
+            <a:alpha val="90000"/>
+          </a:schemeClr>
+        </a:solidFill>
+        <a:effectLst/>
+      </p:bgPr>
+    </p:bg>
+    <p:spTree>
+      <p:nvGrpSpPr>
+        <p:cNvPr id="1" name=""/>
+        <p:cNvGrpSpPr/>
+        <p:nvPr/>
+      </p:nvGrpSpPr>
+      <p:grpSpPr>
+        <a:xfrm>
+          <a:off x="0" y="0"/>
+          <a:ext cx="0" cy="0"/>
+          <a:chOff x="0" y="0"/>
+          <a:chExt cx="0" cy="0"/>
+        </a:xfrm>
+      </p:grpSpPr>
+      <mc:AlternateContent xmlns:mc="http://schemas.openxmlformats.org/markup-compatibility/2006">
+        <mc:Choice xmlns:we="http://schemas.microsoft.com/office/webextensions/webextension/2010/11" xmlns:pca="http://schemas.microsoft.com/office/powerpoint/2013/contentapp" Requires="we pca">
+          <p:graphicFrame>
+            <p:nvGraphicFramePr>
+              <p:cNvPr id="2" name="Add-in 1" title="Web Viewer">
+                <a:extLst>
+                  <a:ext uri="{FF2B5EF4-FFF2-40B4-BE49-F238E27FC236}">
+                    <a16:creationId xmlns:a16="http://schemas.microsoft.com/office/drawing/2014/main" id="{BA4A10DF-11CA-5CA2-62AD-0FB74D8B2005}"/>
+                  </a:ext>
+                </a:extLst>
+              </p:cNvPr>
+              <p:cNvGraphicFramePr>
+                <a:graphicFrameLocks noGrp="1"/>
+              </p:cNvGraphicFramePr>
+              <p:nvPr/>
+            </p:nvGraphicFramePr>
+            <p:xfrm>
+              <a:off x="1524000" y="857249"/>
+              <a:ext cx="9144000" cy="5143500"/>
+            </p:xfrm>
+            <a:graphic>
+              <a:graphicData uri="http://schemas.microsoft.com/office/webextensions/webextension/2010/11">
+                <we:webextensionref xmlns:we="http://schemas.microsoft.com/office/webextensions/webextension/2010/11" xmlns:r="http://schemas.openxmlformats.org/officeDocument/2006/relationships" r:id="rId2"/>
+              </a:graphicData>
+            </a:graphic>
+          </p:graphicFrame>
+        </mc:Choice>
+        <mc:Fallback>
+          <p:pic>
+            <p:nvPicPr>
+              <p:cNvPr id="2" name="Add-in 1" title="Web Viewer">
+                <a:extLst>
+                  <a:ext uri="{FF2B5EF4-FFF2-40B4-BE49-F238E27FC236}">
+                    <a16:creationId xmlns:a16="http://schemas.microsoft.com/office/drawing/2014/main" id="{BA4A10DF-11CA-5CA2-62AD-0FB74D8B2005}"/>
+                  </a:ext>
+                </a:extLst>
+              </p:cNvPr>
+              <p:cNvPicPr>
+                <a:picLocks noGrp="1" noRot="1" noChangeAspect="1" noMove="1" noResize="1" noEditPoints="1" noAdjustHandles="1" noChangeArrowheads="1" noChangeShapeType="1"/>
+              </p:cNvPicPr>
+              <p:nvPr/>
+            </p:nvPicPr>
+            <p:blipFill>
+              <a:blip r:embed="rId3"/>
+              <a:stretch>
+                <a:fillRect/>
+              </a:stretch>
+            </p:blipFill>
+            <p:spPr>
+              <a:xfrm>
+                <a:off x="1524000" y="857249"/>
+                <a:ext cx="9144000" cy="5143500"/>
+              </a:xfrm>
+              <a:prstGeom prst="rect">
+                <a:avLst/>
+              </a:prstGeom>
+            </p:spPr>
+          </p:pic>
+        </mc:Fallback>
+      </mc:AlternateContent>
+    </p:spTree>
+    <p:extLst>
+      <p:ext uri="{BB962C8B-B14F-4D97-AF65-F5344CB8AC3E}">
+        <p14:creationId xmlns:p14="http://schemas.microsoft.com/office/powerpoint/2010/main" val="3507741387"/>
       </p:ext>
     </p:extLst>
   </p:cSld>
@@ -3734,4 +7146,341 @@
     </a:ext>
   </a:extLst>
 </a:theme>
+</file>
+
+<file path=ppt/theme/theme2.xml><?xml version="1.0" encoding="utf-8"?>
+<a:theme xmlns:a="http://schemas.openxmlformats.org/drawingml/2006/main" name="Office Theme">
+  <a:themeElements>
+    <a:clrScheme name="Office">
+      <a:dk1>
+        <a:sysClr val="windowText" lastClr="000000"/>
+      </a:dk1>
+      <a:lt1>
+        <a:sysClr val="window" lastClr="FFFFFF"/>
+      </a:lt1>
+      <a:dk2>
+        <a:srgbClr val="44546A"/>
+      </a:dk2>
+      <a:lt2>
+        <a:srgbClr val="E7E6E6"/>
+      </a:lt2>
+      <a:accent1>
+        <a:srgbClr val="4472C4"/>
+      </a:accent1>
+      <a:accent2>
+        <a:srgbClr val="ED7D31"/>
+      </a:accent2>
+      <a:accent3>
+        <a:srgbClr val="A5A5A5"/>
+      </a:accent3>
+      <a:accent4>
+        <a:srgbClr val="FFC000"/>
+      </a:accent4>
+      <a:accent5>
+        <a:srgbClr val="5B9BD5"/>
+      </a:accent5>
+      <a:accent6>
+        <a:srgbClr val="70AD47"/>
+      </a:accent6>
+      <a:hlink>
+        <a:srgbClr val="0563C1"/>
+      </a:hlink>
+      <a:folHlink>
+        <a:srgbClr val="954F72"/>
+      </a:folHlink>
+    </a:clrScheme>
+    <a:fontScheme name="Office">
+      <a:majorFont>
+        <a:latin typeface="Calibri Light" panose="020F0302020204030204"/>
+        <a:ea typeface=""/>
+        <a:cs typeface=""/>
+        <a:font script="Jpan" typeface="游ゴシック Light"/>
+        <a:font script="Hang" typeface="맑은 고딕"/>
+        <a:font script="Hans" typeface="等线 Light"/>
+        <a:font script="Hant" typeface="新細明體"/>
+        <a:font script="Arab" typeface="Times New Roman"/>
+        <a:font script="Hebr" typeface="Times New Roman"/>
+        <a:font script="Thai" typeface="Angsana New"/>
+        <a:font script="Ethi" typeface="Nyala"/>
+        <a:font script="Beng" typeface="Vrinda"/>
+        <a:font script="Gujr" typeface="Shruti"/>
+        <a:font script="Khmr" typeface="MoolBoran"/>
+        <a:font script="Knda" typeface="Tunga"/>
+        <a:font script="Guru" typeface="Raavi"/>
+        <a:font script="Cans" typeface="Euphemia"/>
+        <a:font script="Cher" typeface="Plantagenet Cherokee"/>
+        <a:font script="Yiii" typeface="Microsoft Yi Baiti"/>
+        <a:font script="Tibt" typeface="Microsoft Himalaya"/>
+        <a:font script="Thaa" typeface="MV Boli"/>
+        <a:font script="Deva" typeface="Mangal"/>
+        <a:font script="Telu" typeface="Gautami"/>
+        <a:font script="Taml" typeface="Latha"/>
+        <a:font script="Syrc" typeface="Estrangelo Edessa"/>
+        <a:font script="Orya" typeface="Kalinga"/>
+        <a:font script="Mlym" typeface="Kartika"/>
+        <a:font script="Laoo" typeface="DokChampa"/>
+        <a:font script="Sinh" typeface="Iskoola Pota"/>
+        <a:font script="Mong" typeface="Mongolian Baiti"/>
+        <a:font script="Viet" typeface="Times New Roman"/>
+        <a:font script="Uigh" typeface="Microsoft Uighur"/>
+        <a:font script="Geor" typeface="Sylfaen"/>
+        <a:font script="Armn" typeface="Arial"/>
+        <a:font script="Bugi" typeface="Leelawadee UI"/>
+        <a:font script="Bopo" typeface="Microsoft JhengHei"/>
+        <a:font script="Java" typeface="Javanese Text"/>
+        <a:font script="Lisu" typeface="Segoe UI"/>
+        <a:font script="Mymr" typeface="Myanmar Text"/>
+        <a:font script="Nkoo" typeface="Ebrima"/>
+        <a:font script="Olck" typeface="Nirmala UI"/>
+        <a:font script="Osma" typeface="Ebrima"/>
+        <a:font script="Phag" typeface="Phagspa"/>
+        <a:font script="Syrn" typeface="Estrangelo Edessa"/>
+        <a:font script="Syrj" typeface="Estrangelo Edessa"/>
+        <a:font script="Syre" typeface="Estrangelo Edessa"/>
+        <a:font script="Sora" typeface="Nirmala UI"/>
+        <a:font script="Tale" typeface="Microsoft Tai Le"/>
+        <a:font script="Talu" typeface="Microsoft New Tai Lue"/>
+        <a:font script="Tfng" typeface="Ebrima"/>
+      </a:majorFont>
+      <a:minorFont>
+        <a:latin typeface="Calibri" panose="020F0502020204030204"/>
+        <a:ea typeface=""/>
+        <a:cs typeface=""/>
+        <a:font script="Jpan" typeface="游ゴシック"/>
+        <a:font script="Hang" typeface="맑은 고딕"/>
+        <a:font script="Hans" typeface="等线"/>
+        <a:font script="Hant" typeface="新細明體"/>
+        <a:font script="Arab" typeface="Arial"/>
+        <a:font script="Hebr" typeface="Arial"/>
+        <a:font script="Thai" typeface="Cordia New"/>
+        <a:font script="Ethi" typeface="Nyala"/>
+        <a:font script="Beng" typeface="Vrinda"/>
+        <a:font script="Gujr" typeface="Shruti"/>
+        <a:font script="Khmr" typeface="DaunPenh"/>
+        <a:font script="Knda" typeface="Tunga"/>
+        <a:font script="Guru" typeface="Raavi"/>
+        <a:font script="Cans" typeface="Euphemia"/>
+        <a:font script="Cher" typeface="Plantagenet Cherokee"/>
+        <a:font script="Yiii" typeface="Microsoft Yi Baiti"/>
+        <a:font script="Tibt" typeface="Microsoft Himalaya"/>
+        <a:font script="Thaa" typeface="MV Boli"/>
+        <a:font script="Deva" typeface="Mangal"/>
+        <a:font script="Telu" typeface="Gautami"/>
+        <a:font script="Taml" typeface="Latha"/>
+        <a:font script="Syrc" typeface="Estrangelo Edessa"/>
+        <a:font script="Orya" typeface="Kalinga"/>
+        <a:font script="Mlym" typeface="Kartika"/>
+        <a:font script="Laoo" typeface="DokChampa"/>
+        <a:font script="Sinh" typeface="Iskoola Pota"/>
+        <a:font script="Mong" typeface="Mongolian Baiti"/>
+        <a:font script="Viet" typeface="Arial"/>
+        <a:font script="Uigh" typeface="Microsoft Uighur"/>
+        <a:font script="Geor" typeface="Sylfaen"/>
+        <a:font script="Armn" typeface="Arial"/>
+        <a:font script="Bugi" typeface="Leelawadee UI"/>
+        <a:font script="Bopo" typeface="Microsoft JhengHei"/>
+        <a:font script="Java" typeface="Javanese Text"/>
+        <a:font script="Lisu" typeface="Segoe UI"/>
+        <a:font script="Mymr" typeface="Myanmar Text"/>
+        <a:font script="Nkoo" typeface="Ebrima"/>
+        <a:font script="Olck" typeface="Nirmala UI"/>
+        <a:font script="Osma" typeface="Ebrima"/>
+        <a:font script="Phag" typeface="Phagspa"/>
+        <a:font script="Syrn" typeface="Estrangelo Edessa"/>
+        <a:font script="Syrj" typeface="Estrangelo Edessa"/>
+        <a:font script="Syre" typeface="Estrangelo Edessa"/>
+        <a:font script="Sora" typeface="Nirmala UI"/>
+        <a:font script="Tale" typeface="Microsoft Tai Le"/>
+        <a:font script="Talu" typeface="Microsoft New Tai Lue"/>
+        <a:font script="Tfng" typeface="Ebrima"/>
+      </a:minorFont>
+    </a:fontScheme>
+    <a:fmtScheme name="Office">
+      <a:fillStyleLst>
+        <a:solidFill>
+          <a:schemeClr val="phClr"/>
+        </a:solidFill>
+        <a:gradFill rotWithShape="1">
+          <a:gsLst>
+            <a:gs pos="0">
+              <a:schemeClr val="phClr">
+                <a:lumMod val="110000"/>
+                <a:satMod val="105000"/>
+                <a:tint val="67000"/>
+              </a:schemeClr>
+            </a:gs>
+            <a:gs pos="50000">
+              <a:schemeClr val="phClr">
+                <a:lumMod val="105000"/>
+                <a:satMod val="103000"/>
+                <a:tint val="73000"/>
+              </a:schemeClr>
+            </a:gs>
+            <a:gs pos="100000">
+              <a:schemeClr val="phClr">
+                <a:lumMod val="105000"/>
+                <a:satMod val="109000"/>
+                <a:tint val="81000"/>
+              </a:schemeClr>
+            </a:gs>
+          </a:gsLst>
+          <a:lin ang="5400000" scaled="0"/>
+        </a:gradFill>
+        <a:gradFill rotWithShape="1">
+          <a:gsLst>
+            <a:gs pos="0">
+              <a:schemeClr val="phClr">
+                <a:satMod val="103000"/>
+                <a:lumMod val="102000"/>
+                <a:tint val="94000"/>
+              </a:schemeClr>
+            </a:gs>
+            <a:gs pos="50000">
+              <a:schemeClr val="phClr">
+                <a:satMod val="110000"/>
+                <a:lumMod val="100000"/>
+                <a:shade val="100000"/>
+              </a:schemeClr>
+            </a:gs>
+            <a:gs pos="100000">
+              <a:schemeClr val="phClr">
+                <a:lumMod val="99000"/>
+                <a:satMod val="120000"/>
+                <a:shade val="78000"/>
+              </a:schemeClr>
+            </a:gs>
+          </a:gsLst>
+          <a:lin ang="5400000" scaled="0"/>
+        </a:gradFill>
+      </a:fillStyleLst>
+      <a:lnStyleLst>
+        <a:ln w="6350" cap="flat" cmpd="sng" algn="ctr">
+          <a:solidFill>
+            <a:schemeClr val="phClr"/>
+          </a:solidFill>
+          <a:prstDash val="solid"/>
+          <a:miter lim="800000"/>
+        </a:ln>
+        <a:ln w="12700" cap="flat" cmpd="sng" algn="ctr">
+          <a:solidFill>
+            <a:schemeClr val="phClr"/>
+          </a:solidFill>
+          <a:prstDash val="solid"/>
+          <a:miter lim="800000"/>
+        </a:ln>
+        <a:ln w="19050" cap="flat" cmpd="sng" algn="ctr">
+          <a:solidFill>
+            <a:schemeClr val="phClr"/>
+          </a:solidFill>
+          <a:prstDash val="solid"/>
+          <a:miter lim="800000"/>
+        </a:ln>
+      </a:lnStyleLst>
+      <a:effectStyleLst>
+        <a:effectStyle>
+          <a:effectLst/>
+        </a:effectStyle>
+        <a:effectStyle>
+          <a:effectLst/>
+        </a:effectStyle>
+        <a:effectStyle>
+          <a:effectLst>
+            <a:outerShdw blurRad="57150" dist="19050" dir="5400000" algn="ctr" rotWithShape="0">
+              <a:srgbClr val="000000">
+                <a:alpha val="63000"/>
+              </a:srgbClr>
+            </a:outerShdw>
+          </a:effectLst>
+        </a:effectStyle>
+      </a:effectStyleLst>
+      <a:bgFillStyleLst>
+        <a:solidFill>
+          <a:schemeClr val="phClr"/>
+        </a:solidFill>
+        <a:solidFill>
+          <a:schemeClr val="phClr">
+            <a:tint val="95000"/>
+            <a:satMod val="170000"/>
+          </a:schemeClr>
+        </a:solidFill>
+        <a:gradFill rotWithShape="1">
+          <a:gsLst>
+            <a:gs pos="0">
+              <a:schemeClr val="phClr">
+                <a:tint val="93000"/>
+                <a:satMod val="150000"/>
+                <a:shade val="98000"/>
+                <a:lumMod val="102000"/>
+              </a:schemeClr>
+            </a:gs>
+            <a:gs pos="50000">
+              <a:schemeClr val="phClr">
+                <a:tint val="98000"/>
+                <a:satMod val="130000"/>
+                <a:shade val="90000"/>
+                <a:lumMod val="103000"/>
+              </a:schemeClr>
+            </a:gs>
+            <a:gs pos="100000">
+              <a:schemeClr val="phClr">
+                <a:shade val="63000"/>
+                <a:satMod val="120000"/>
+              </a:schemeClr>
+            </a:gs>
+          </a:gsLst>
+          <a:lin ang="5400000" scaled="0"/>
+        </a:gradFill>
+      </a:bgFillStyleLst>
+    </a:fmtScheme>
+  </a:themeElements>
+  <a:objectDefaults/>
+  <a:extraClrSchemeLst/>
+  <a:extLst>
+    <a:ext uri="{05A4C25C-085E-4340-85A3-A5531E510DB2}">
+      <thm15:themeFamily xmlns:thm15="http://schemas.microsoft.com/office/thememl/2012/main" name="Office Theme" id="{62F939B6-93AF-4DB8-9C6B-D6C7DFDC589F}" vid="{4A3C46E8-61CC-4603-A589-7422A47A8E4A}"/>
+    </a:ext>
+  </a:extLst>
+</a:theme>
+</file>
+
+<file path=ppt/webextensions/webextension1.xml><?xml version="1.0" encoding="utf-8"?>
+<we:webextension xmlns:we="http://schemas.microsoft.com/office/webextensions/webextension/2010/11" id="{2D8BAC15-5EC2-46F3-B47D-A60162DCA086}">
+  <we:reference id="wa104295828" version="1.9.0.0" store="en-CA" storeType="OMEX"/>
+  <we:alternateReferences>
+    <we:reference id="wa104295828" version="1.9.0.0" store="wa104295828" storeType="OMEX"/>
+  </we:alternateReferences>
+  <we:properties>
+    <we:property name="__labs__" value="{&quot;configuration&quot;:{&quot;appVersion&quot;:{&quot;major&quot;:1,&quot;minor&quot;:0},&quot;components&quot;:[{&quot;type&quot;:&quot;Labs.Components.ActivityComponent&quot;,&quot;name&quot;:&quot;chart-studio.plotly.com/~sgoolsby88/1&quot;,&quot;values&quot;:{},&quot;data&quot;:{&quot;uri&quot;:&quot;chart-studio.plotly.com/~sgoolsby88/1&quot;},&quot;secure&quot;:false}],&quot;name&quot;:&quot;chart-studio.plotly.com/~sgoolsby88/1&quot;,&quot;timeline&quot;:null,&quot;analytics&quot;:null},&quot;hostVersion&quot;:{&quot;major&quot;:0,&quot;minor&quot;:1}}"/>
+  </we:properties>
+  <we:bindings/>
+  <we:snapshot xmlns:r="http://schemas.openxmlformats.org/officeDocument/2006/relationships" r:embed="rId1"/>
+</we:webextension>
+</file>
+
+<file path=ppt/webextensions/webextension2.xml><?xml version="1.0" encoding="utf-8"?>
+<we:webextension xmlns:we="http://schemas.microsoft.com/office/webextensions/webextension/2010/11" id="{F8757BC0-5474-4B6E-96D4-44A8C9C0006B}">
+  <we:reference id="wa104295828" version="1.9.0.0" store="en-CA" storeType="OMEX"/>
+  <we:alternateReferences>
+    <we:reference id="wa104295828" version="1.9.0.0" store="wa104295828" storeType="OMEX"/>
+  </we:alternateReferences>
+  <we:properties>
+    <we:property name="__labs__" value="{&quot;configuration&quot;:{&quot;appVersion&quot;:{&quot;major&quot;:1,&quot;minor&quot;:0},&quot;components&quot;:[{&quot;type&quot;:&quot;Labs.Components.ActivityComponent&quot;,&quot;name&quot;:&quot;&quot;,&quot;values&quot;:{},&quot;data&quot;:{&quot;uri&quot;:&quot;&quot;},&quot;secure&quot;:false}],&quot;name&quot;:&quot;&quot;,&quot;timeline&quot;:null,&quot;analytics&quot;:null},&quot;hostVersion&quot;:{&quot;major&quot;:0,&quot;minor&quot;:1}}"/>
+  </we:properties>
+  <we:bindings/>
+  <we:snapshot xmlns:r="http://schemas.openxmlformats.org/officeDocument/2006/relationships" r:embed="rId1"/>
+</we:webextension>
+</file>
+
+<file path=ppt/webextensions/webextension3.xml><?xml version="1.0" encoding="utf-8"?>
+<we:webextension xmlns:we="http://schemas.microsoft.com/office/webextensions/webextension/2010/11" id="{BB5E6768-03AB-482D-83EB-860C4024FE1E}">
+  <we:reference id="wa104295828" version="1.9.0.0" store="en-CA" storeType="OMEX"/>
+  <we:alternateReferences>
+    <we:reference id="wa104295828" version="1.9.0.0" store="wa104295828" storeType="OMEX"/>
+  </we:alternateReferences>
+  <we:properties>
+    <we:property name="__labs__" value="{&quot;configuration&quot;:{&quot;appVersion&quot;:{&quot;major&quot;:1,&quot;minor&quot;:0},&quot;components&quot;:[{&quot;type&quot;:&quot;Labs.Components.ActivityComponent&quot;,&quot;name&quot;:&quot;&quot;,&quot;values&quot;:{},&quot;data&quot;:{&quot;uri&quot;:&quot;&quot;},&quot;secure&quot;:false}],&quot;name&quot;:&quot;&quot;,&quot;timeline&quot;:null,&quot;analytics&quot;:null},&quot;hostVersion&quot;:{&quot;major&quot;:0,&quot;minor&quot;:1}}"/>
+  </we:properties>
+  <we:bindings/>
+  <we:snapshot xmlns:r="http://schemas.openxmlformats.org/officeDocument/2006/relationships" r:embed="rId1"/>
+</we:webextension>
 </file>
--- a/presentation/Presentation.pptx
+++ b/presentation/Presentation.pptx
@@ -16,14 +16,14 @@
     <p:sldId id="265" r:id="rId7"/>
     <p:sldId id="264" r:id="rId8"/>
     <p:sldId id="270" r:id="rId9"/>
-    <p:sldId id="275" r:id="rId10"/>
+    <p:sldId id="277" r:id="rId10"/>
     <p:sldId id="263" r:id="rId11"/>
     <p:sldId id="257" r:id="rId12"/>
     <p:sldId id="262" r:id="rId13"/>
     <p:sldId id="271" r:id="rId14"/>
     <p:sldId id="272" r:id="rId15"/>
     <p:sldId id="273" r:id="rId16"/>
-    <p:sldId id="267" r:id="rId17"/>
+    <p:sldId id="276" r:id="rId17"/>
     <p:sldId id="268" r:id="rId18"/>
     <p:sldId id="269" r:id="rId19"/>
     <p:sldId id="274" r:id="rId20"/>
@@ -132,6 +132,1253 @@
     </p:ext>
   </p:extLst>
 </p:presentation>
+</file>
+
+<file path=ppt/ink/ink1.xml><?xml version="1.0" encoding="utf-8"?>
+<inkml:ink xmlns:inkml="http://www.w3.org/2003/InkML">
+  <inkml:definitions>
+    <inkml:context xml:id="ctx0">
+      <inkml:inkSource xml:id="inkSrc0">
+        <inkml:traceFormat>
+          <inkml:channel name="X" type="integer" min="-2.14748E9" max="2.14748E9" units="cm"/>
+          <inkml:channel name="Y" type="integer" min="-2.14748E9" max="2.14748E9" units="cm"/>
+        </inkml:traceFormat>
+        <inkml:channelProperties>
+          <inkml:channelProperty channel="X" name="resolution" value="1000" units="1/cm"/>
+          <inkml:channelProperty channel="Y" name="resolution" value="1000" units="1/cm"/>
+        </inkml:channelProperties>
+      </inkml:inkSource>
+      <inkml:timestamp xml:id="ts0" timeString="2022-12-17T05:59:12.146"/>
+    </inkml:context>
+    <inkml:brush xml:id="br0">
+      <inkml:brushProperty name="width" value="0.2" units="cm"/>
+      <inkml:brushProperty name="height" value="0.4" units="cm"/>
+      <inkml:brushProperty name="color" value="#FFFC00"/>
+      <inkml:brushProperty name="tip" value="rectangle"/>
+      <inkml:brushProperty name="rasterOp" value="maskPen"/>
+      <inkml:brushProperty name="ignorePressure" value="1"/>
+    </inkml:brush>
+  </inkml:definitions>
+  <inkml:trace contextRef="#ctx0" brushRef="#br0">0 78,'91'1,"101"-3,-123-10,-50 7,1 2,26-2,80 6,56-2,-113-12,-51 9,1 0,29-1,-24 4,29 0,75-12,-76 7,0 2,71 3,-68 2,-33-1</inkml:trace>
+</inkml:ink>
+</file>
+
+<file path=ppt/ink/ink10.xml><?xml version="1.0" encoding="utf-8"?>
+<inkml:ink xmlns:inkml="http://www.w3.org/2003/InkML">
+  <inkml:definitions>
+    <inkml:context xml:id="ctx0">
+      <inkml:inkSource xml:id="inkSrc0">
+        <inkml:traceFormat>
+          <inkml:channel name="X" type="integer" min="-2.14748E9" max="2.14748E9" units="cm"/>
+          <inkml:channel name="Y" type="integer" min="-2.14748E9" max="2.14748E9" units="cm"/>
+        </inkml:traceFormat>
+        <inkml:channelProperties>
+          <inkml:channelProperty channel="X" name="resolution" value="1000" units="1/cm"/>
+          <inkml:channelProperty channel="Y" name="resolution" value="1000" units="1/cm"/>
+        </inkml:channelProperties>
+      </inkml:inkSource>
+      <inkml:timestamp xml:id="ts0" timeString="2022-12-17T06:01:56.406"/>
+    </inkml:context>
+    <inkml:brush xml:id="br0">
+      <inkml:brushProperty name="width" value="0.2" units="cm"/>
+      <inkml:brushProperty name="height" value="0.4" units="cm"/>
+      <inkml:brushProperty name="color" value="#FFFC00"/>
+      <inkml:brushProperty name="tip" value="rectangle"/>
+      <inkml:brushProperty name="rasterOp" value="maskPen"/>
+      <inkml:brushProperty name="ignorePressure" value="1"/>
+    </inkml:brush>
+  </inkml:definitions>
+  <inkml:trace contextRef="#ctx0" brushRef="#br0">1116 28,'-125'2,"-136"-5,175-9,55 6,-57-2,-409 9,469-1</inkml:trace>
+</inkml:ink>
+</file>
+
+<file path=ppt/ink/ink11.xml><?xml version="1.0" encoding="utf-8"?>
+<inkml:ink xmlns:inkml="http://www.w3.org/2003/InkML">
+  <inkml:definitions>
+    <inkml:context xml:id="ctx0">
+      <inkml:inkSource xml:id="inkSrc0">
+        <inkml:traceFormat>
+          <inkml:channel name="X" type="integer" min="-2.14748E9" max="2.14748E9" units="cm"/>
+          <inkml:channel name="Y" type="integer" min="-2.14748E9" max="2.14748E9" units="cm"/>
+        </inkml:traceFormat>
+        <inkml:channelProperties>
+          <inkml:channelProperty channel="X" name="resolution" value="1000" units="1/cm"/>
+          <inkml:channelProperty channel="Y" name="resolution" value="1000" units="1/cm"/>
+        </inkml:channelProperties>
+      </inkml:inkSource>
+      <inkml:timestamp xml:id="ts0" timeString="2022-12-17T06:02:13.136"/>
+    </inkml:context>
+    <inkml:brush xml:id="br0">
+      <inkml:brushProperty name="width" value="0.2" units="cm"/>
+      <inkml:brushProperty name="height" value="0.4" units="cm"/>
+      <inkml:brushProperty name="color" value="#FFFC00"/>
+      <inkml:brushProperty name="tip" value="rectangle"/>
+      <inkml:brushProperty name="rasterOp" value="maskPen"/>
+      <inkml:brushProperty name="ignorePressure" value="1"/>
+    </inkml:brush>
+  </inkml:definitions>
+  <inkml:trace contextRef="#ctx0" brushRef="#br0">997 27,'-54'20,"-1"-14,1-2,-102-6,47 0,71 0,-55-10,54 7,-51-3,64 8,0-1,0-1,-42-10,43 8,-1 0,0 2,-38 1,42 1</inkml:trace>
+</inkml:ink>
+</file>
+
+<file path=ppt/ink/ink12.xml><?xml version="1.0" encoding="utf-8"?>
+<inkml:ink xmlns:inkml="http://www.w3.org/2003/InkML">
+  <inkml:definitions>
+    <inkml:context xml:id="ctx0">
+      <inkml:inkSource xml:id="inkSrc0">
+        <inkml:traceFormat>
+          <inkml:channel name="X" type="integer" min="-2.14748E9" max="2.14748E9" units="cm"/>
+          <inkml:channel name="Y" type="integer" min="-2.14748E9" max="2.14748E9" units="cm"/>
+        </inkml:traceFormat>
+        <inkml:channelProperties>
+          <inkml:channelProperty channel="X" name="resolution" value="1000" units="1/cm"/>
+          <inkml:channelProperty channel="Y" name="resolution" value="1000" units="1/cm"/>
+        </inkml:channelProperties>
+      </inkml:inkSource>
+      <inkml:timestamp xml:id="ts0" timeString="2022-12-17T06:02:18.650"/>
+    </inkml:context>
+    <inkml:brush xml:id="br0">
+      <inkml:brushProperty name="width" value="0.2" units="cm"/>
+      <inkml:brushProperty name="height" value="0.4" units="cm"/>
+      <inkml:brushProperty name="color" value="#FFFC00"/>
+      <inkml:brushProperty name="tip" value="rectangle"/>
+      <inkml:brushProperty name="rasterOp" value="maskPen"/>
+      <inkml:brushProperty name="ignorePressure" value="1"/>
+    </inkml:brush>
+  </inkml:definitions>
+  <inkml:trace contextRef="#ctx0" brushRef="#br0">1076 0,'-177'14,"-8"-1,-507-14,670 1</inkml:trace>
+</inkml:ink>
+</file>
+
+<file path=ppt/ink/ink13.xml><?xml version="1.0" encoding="utf-8"?>
+<inkml:ink xmlns:inkml="http://www.w3.org/2003/InkML">
+  <inkml:definitions>
+    <inkml:context xml:id="ctx0">
+      <inkml:inkSource xml:id="inkSrc0">
+        <inkml:traceFormat>
+          <inkml:channel name="X" type="integer" min="-2.14748E9" max="2.14748E9" units="cm"/>
+          <inkml:channel name="Y" type="integer" min="-2.14748E9" max="2.14748E9" units="cm"/>
+        </inkml:traceFormat>
+        <inkml:channelProperties>
+          <inkml:channelProperty channel="X" name="resolution" value="1000" units="1/cm"/>
+          <inkml:channelProperty channel="Y" name="resolution" value="1000" units="1/cm"/>
+        </inkml:channelProperties>
+      </inkml:inkSource>
+      <inkml:timestamp xml:id="ts0" timeString="2022-12-17T06:02:45.627"/>
+    </inkml:context>
+    <inkml:brush xml:id="br0">
+      <inkml:brushProperty name="width" value="0.2" units="cm"/>
+      <inkml:brushProperty name="height" value="0.4" units="cm"/>
+      <inkml:brushProperty name="color" value="#FFFC00"/>
+      <inkml:brushProperty name="tip" value="rectangle"/>
+      <inkml:brushProperty name="rasterOp" value="maskPen"/>
+      <inkml:brushProperty name="ignorePressure" value="1"/>
+    </inkml:brush>
+  </inkml:definitions>
+  <inkml:trace contextRef="#ctx0" brushRef="#br0">846 1,'-822'0,"799"0</inkml:trace>
+</inkml:ink>
+</file>
+
+<file path=ppt/ink/ink14.xml><?xml version="1.0" encoding="utf-8"?>
+<inkml:ink xmlns:inkml="http://www.w3.org/2003/InkML">
+  <inkml:definitions>
+    <inkml:context xml:id="ctx0">
+      <inkml:inkSource xml:id="inkSrc0">
+        <inkml:traceFormat>
+          <inkml:channel name="X" type="integer" min="-2.14748E9" max="2.14748E9" units="cm"/>
+          <inkml:channel name="Y" type="integer" min="-2.14748E9" max="2.14748E9" units="cm"/>
+        </inkml:traceFormat>
+        <inkml:channelProperties>
+          <inkml:channelProperty channel="X" name="resolution" value="1000" units="1/cm"/>
+          <inkml:channelProperty channel="Y" name="resolution" value="1000" units="1/cm"/>
+        </inkml:channelProperties>
+      </inkml:inkSource>
+      <inkml:timestamp xml:id="ts0" timeString="2022-12-17T06:02:48.905"/>
+    </inkml:context>
+    <inkml:brush xml:id="br0">
+      <inkml:brushProperty name="width" value="0.2" units="cm"/>
+      <inkml:brushProperty name="height" value="0.4" units="cm"/>
+      <inkml:brushProperty name="color" value="#FFFC00"/>
+      <inkml:brushProperty name="tip" value="rectangle"/>
+      <inkml:brushProperty name="rasterOp" value="maskPen"/>
+      <inkml:brushProperty name="ignorePressure" value="1"/>
+    </inkml:brush>
+  </inkml:definitions>
+  <inkml:trace contextRef="#ctx0" brushRef="#br0">948 1,'-925'0,"903"0</inkml:trace>
+</inkml:ink>
+</file>
+
+<file path=ppt/ink/ink15.xml><?xml version="1.0" encoding="utf-8"?>
+<inkml:ink xmlns:inkml="http://www.w3.org/2003/InkML">
+  <inkml:definitions>
+    <inkml:context xml:id="ctx0">
+      <inkml:inkSource xml:id="inkSrc0">
+        <inkml:traceFormat>
+          <inkml:channel name="X" type="integer" min="-2.14748E9" max="2.14748E9" units="cm"/>
+          <inkml:channel name="Y" type="integer" min="-2.14748E9" max="2.14748E9" units="cm"/>
+        </inkml:traceFormat>
+        <inkml:channelProperties>
+          <inkml:channelProperty channel="X" name="resolution" value="1000" units="1/cm"/>
+          <inkml:channelProperty channel="Y" name="resolution" value="1000" units="1/cm"/>
+        </inkml:channelProperties>
+      </inkml:inkSource>
+      <inkml:timestamp xml:id="ts0" timeString="2022-12-17T06:03:28.821"/>
+    </inkml:context>
+    <inkml:brush xml:id="br0">
+      <inkml:brushProperty name="width" value="0.2" units="cm"/>
+      <inkml:brushProperty name="height" value="0.4" units="cm"/>
+      <inkml:brushProperty name="color" value="#FFFC00"/>
+      <inkml:brushProperty name="tip" value="rectangle"/>
+      <inkml:brushProperty name="rasterOp" value="maskPen"/>
+      <inkml:brushProperty name="ignorePressure" value="1"/>
+    </inkml:brush>
+  </inkml:definitions>
+  <inkml:trace contextRef="#ctx0" brushRef="#br0">895 57,'-34'-2,"-1"-1,1-2,0-1,-42-14,56 15,-9-1,-1 2,1 1,-1 1,1 1,-53 6,14 8,50-8,-1-2,-31 3,-206-7,234 1</inkml:trace>
+</inkml:ink>
+</file>
+
+<file path=ppt/ink/ink16.xml><?xml version="1.0" encoding="utf-8"?>
+<inkml:ink xmlns:inkml="http://www.w3.org/2003/InkML">
+  <inkml:definitions>
+    <inkml:context xml:id="ctx0">
+      <inkml:inkSource xml:id="inkSrc0">
+        <inkml:traceFormat>
+          <inkml:channel name="X" type="integer" min="-2.14748E9" max="2.14748E9" units="cm"/>
+          <inkml:channel name="Y" type="integer" min="-2.14748E9" max="2.14748E9" units="cm"/>
+        </inkml:traceFormat>
+        <inkml:channelProperties>
+          <inkml:channelProperty channel="X" name="resolution" value="1000" units="1/cm"/>
+          <inkml:channelProperty channel="Y" name="resolution" value="1000" units="1/cm"/>
+        </inkml:channelProperties>
+      </inkml:inkSource>
+      <inkml:timestamp xml:id="ts0" timeString="2022-12-17T06:03:32.405"/>
+    </inkml:context>
+    <inkml:brush xml:id="br0">
+      <inkml:brushProperty name="width" value="0.2" units="cm"/>
+      <inkml:brushProperty name="height" value="0.4" units="cm"/>
+      <inkml:brushProperty name="color" value="#FFFC00"/>
+      <inkml:brushProperty name="tip" value="rectangle"/>
+      <inkml:brushProperty name="rasterOp" value="maskPen"/>
+      <inkml:brushProperty name="ignorePressure" value="1"/>
+    </inkml:brush>
+  </inkml:definitions>
+  <inkml:trace contextRef="#ctx0" brushRef="#br0">1025 78,'-16'-1,"0"-1,1 0,-20-5,-36-6,-33 0,69 7,-59-2,61 6,-49-9,49 6,-50-3,-301 9,361-1</inkml:trace>
+</inkml:ink>
+</file>
+
+<file path=ppt/ink/ink17.xml><?xml version="1.0" encoding="utf-8"?>
+<inkml:ink xmlns:inkml="http://www.w3.org/2003/InkML">
+  <inkml:definitions>
+    <inkml:context xml:id="ctx0">
+      <inkml:inkSource xml:id="inkSrc0">
+        <inkml:traceFormat>
+          <inkml:channel name="X" type="integer" min="-2.14748E9" max="2.14748E9" units="cm"/>
+          <inkml:channel name="Y" type="integer" min="-2.14748E9" max="2.14748E9" units="cm"/>
+        </inkml:traceFormat>
+        <inkml:channelProperties>
+          <inkml:channelProperty channel="X" name="resolution" value="1000" units="1/cm"/>
+          <inkml:channelProperty channel="Y" name="resolution" value="1000" units="1/cm"/>
+        </inkml:channelProperties>
+      </inkml:inkSource>
+      <inkml:timestamp xml:id="ts0" timeString="2022-12-17T06:06:32.258"/>
+    </inkml:context>
+    <inkml:brush xml:id="br0">
+      <inkml:brushProperty name="width" value="0.2" units="cm"/>
+      <inkml:brushProperty name="height" value="0.4" units="cm"/>
+      <inkml:brushProperty name="color" value="#FFFC00"/>
+      <inkml:brushProperty name="tip" value="rectangle"/>
+      <inkml:brushProperty name="rasterOp" value="maskPen"/>
+      <inkml:brushProperty name="ignorePressure" value="1"/>
+    </inkml:brush>
+  </inkml:definitions>
+  <inkml:trace contextRef="#ctx0" brushRef="#br0">1203 0,'-47'0,"0"2,-64 12,25-3,-20 4,72-9,-1-2,-1-1,1-2,-45-5,30 2,-54 4,35 11,50-9,0 0,-28 1,-76 8,81-7,-49 1,69-7</inkml:trace>
+</inkml:ink>
+</file>
+
+<file path=ppt/ink/ink18.xml><?xml version="1.0" encoding="utf-8"?>
+<inkml:ink xmlns:inkml="http://www.w3.org/2003/InkML">
+  <inkml:definitions>
+    <inkml:context xml:id="ctx0">
+      <inkml:inkSource xml:id="inkSrc0">
+        <inkml:traceFormat>
+          <inkml:channel name="X" type="integer" min="-2.14748E9" max="2.14748E9" units="cm"/>
+          <inkml:channel name="Y" type="integer" min="-2.14748E9" max="2.14748E9" units="cm"/>
+        </inkml:traceFormat>
+        <inkml:channelProperties>
+          <inkml:channelProperty channel="X" name="resolution" value="1000" units="1/cm"/>
+          <inkml:channelProperty channel="Y" name="resolution" value="1000" units="1/cm"/>
+        </inkml:channelProperties>
+      </inkml:inkSource>
+      <inkml:timestamp xml:id="ts0" timeString="2022-12-17T06:06:35.557"/>
+    </inkml:context>
+    <inkml:brush xml:id="br0">
+      <inkml:brushProperty name="width" value="0.2" units="cm"/>
+      <inkml:brushProperty name="height" value="0.4" units="cm"/>
+      <inkml:brushProperty name="color" value="#FFFC00"/>
+      <inkml:brushProperty name="tip" value="rectangle"/>
+      <inkml:brushProperty name="rasterOp" value="maskPen"/>
+      <inkml:brushProperty name="ignorePressure" value="1"/>
+    </inkml:brush>
+  </inkml:definitions>
+  <inkml:trace contextRef="#ctx0" brushRef="#br0">1202 2,'-111'-1,"-124"3,134 10,60-5,-64 0,-27-9,-145 4,207 10,51-8,0 0,-27 1,22-5,2 1</inkml:trace>
+</inkml:ink>
+</file>
+
+<file path=ppt/ink/ink19.xml><?xml version="1.0" encoding="utf-8"?>
+<inkml:ink xmlns:inkml="http://www.w3.org/2003/InkML">
+  <inkml:definitions>
+    <inkml:context xml:id="ctx0">
+      <inkml:inkSource xml:id="inkSrc0">
+        <inkml:traceFormat>
+          <inkml:channel name="X" type="integer" min="-2.14748E9" max="2.14748E9" units="cm"/>
+          <inkml:channel name="Y" type="integer" min="-2.14748E9" max="2.14748E9" units="cm"/>
+        </inkml:traceFormat>
+        <inkml:channelProperties>
+          <inkml:channelProperty channel="X" name="resolution" value="1000" units="1/cm"/>
+          <inkml:channelProperty channel="Y" name="resolution" value="1000" units="1/cm"/>
+        </inkml:channelProperties>
+      </inkml:inkSource>
+      <inkml:timestamp xml:id="ts0" timeString="2022-12-17T06:06:39.015"/>
+    </inkml:context>
+    <inkml:brush xml:id="br0">
+      <inkml:brushProperty name="width" value="0.2" units="cm"/>
+      <inkml:brushProperty name="height" value="0.4" units="cm"/>
+      <inkml:brushProperty name="color" value="#FFFC00"/>
+      <inkml:brushProperty name="tip" value="rectangle"/>
+      <inkml:brushProperty name="rasterOp" value="maskPen"/>
+      <inkml:brushProperty name="ignorePressure" value="1"/>
+    </inkml:brush>
+  </inkml:definitions>
+  <inkml:trace contextRef="#ctx0" brushRef="#br0">1326 21,'-1181'0,"1158"-1,1-2,-30-5,31 4,-5-1</inkml:trace>
+</inkml:ink>
+</file>
+
+<file path=ppt/ink/ink2.xml><?xml version="1.0" encoding="utf-8"?>
+<inkml:ink xmlns:inkml="http://www.w3.org/2003/InkML">
+  <inkml:definitions>
+    <inkml:context xml:id="ctx0">
+      <inkml:inkSource xml:id="inkSrc0">
+        <inkml:traceFormat>
+          <inkml:channel name="X" type="integer" min="-2.14748E9" max="2.14748E9" units="cm"/>
+          <inkml:channel name="Y" type="integer" min="-2.14748E9" max="2.14748E9" units="cm"/>
+        </inkml:traceFormat>
+        <inkml:channelProperties>
+          <inkml:channelProperty channel="X" name="resolution" value="1000" units="1/cm"/>
+          <inkml:channelProperty channel="Y" name="resolution" value="1000" units="1/cm"/>
+        </inkml:channelProperties>
+      </inkml:inkSource>
+      <inkml:timestamp xml:id="ts0" timeString="2022-12-17T05:59:20.403"/>
+    </inkml:context>
+    <inkml:brush xml:id="br0">
+      <inkml:brushProperty name="width" value="0.2" units="cm"/>
+      <inkml:brushProperty name="height" value="0.4" units="cm"/>
+      <inkml:brushProperty name="color" value="#FFFC00"/>
+      <inkml:brushProperty name="tip" value="rectangle"/>
+      <inkml:brushProperty name="rasterOp" value="maskPen"/>
+      <inkml:brushProperty name="ignorePressure" value="1"/>
+    </inkml:brush>
+  </inkml:definitions>
+  <inkml:trace contextRef="#ctx0" brushRef="#br0">0 58,'541'0,"-517"-2,1 0,31-8,-29 5,45-3,-22 7,-5 1,0-3,47-8,-38 4,1 2,0 2,0 2,58 8,-84-3,0 2,34 11,-38-9</inkml:trace>
+</inkml:ink>
+</file>
+
+<file path=ppt/ink/ink20.xml><?xml version="1.0" encoding="utf-8"?>
+<inkml:ink xmlns:inkml="http://www.w3.org/2003/InkML">
+  <inkml:definitions>
+    <inkml:context xml:id="ctx0">
+      <inkml:inkSource xml:id="inkSrc0">
+        <inkml:traceFormat>
+          <inkml:channel name="X" type="integer" min="-2.14748E9" max="2.14748E9" units="cm"/>
+          <inkml:channel name="Y" type="integer" min="-2.14748E9" max="2.14748E9" units="cm"/>
+        </inkml:traceFormat>
+        <inkml:channelProperties>
+          <inkml:channelProperty channel="X" name="resolution" value="1000" units="1/cm"/>
+          <inkml:channelProperty channel="Y" name="resolution" value="1000" units="1/cm"/>
+        </inkml:channelProperties>
+      </inkml:inkSource>
+      <inkml:timestamp xml:id="ts0" timeString="2022-12-17T06:06:47.303"/>
+    </inkml:context>
+    <inkml:brush xml:id="br0">
+      <inkml:brushProperty name="width" value="0.2" units="cm"/>
+      <inkml:brushProperty name="height" value="0.4" units="cm"/>
+      <inkml:brushProperty name="color" value="#FFFC00"/>
+      <inkml:brushProperty name="tip" value="rectangle"/>
+      <inkml:brushProperty name="rasterOp" value="maskPen"/>
+      <inkml:brushProperty name="ignorePressure" value="1"/>
+    </inkml:brush>
+  </inkml:definitions>
+  <inkml:trace contextRef="#ctx0" brushRef="#br0">536 0,'-514'0,"492"0</inkml:trace>
+</inkml:ink>
+</file>
+
+<file path=ppt/ink/ink21.xml><?xml version="1.0" encoding="utf-8"?>
+<inkml:ink xmlns:inkml="http://www.w3.org/2003/InkML">
+  <inkml:definitions>
+    <inkml:context xml:id="ctx0">
+      <inkml:inkSource xml:id="inkSrc0">
+        <inkml:traceFormat>
+          <inkml:channel name="X" type="integer" min="-2.14748E9" max="2.14748E9" units="cm"/>
+          <inkml:channel name="Y" type="integer" min="-2.14748E9" max="2.14748E9" units="cm"/>
+        </inkml:traceFormat>
+        <inkml:channelProperties>
+          <inkml:channelProperty channel="X" name="resolution" value="1000" units="1/cm"/>
+          <inkml:channelProperty channel="Y" name="resolution" value="1000" units="1/cm"/>
+        </inkml:channelProperties>
+      </inkml:inkSource>
+      <inkml:timestamp xml:id="ts0" timeString="2022-12-17T06:06:52.456"/>
+    </inkml:context>
+    <inkml:brush xml:id="br0">
+      <inkml:brushProperty name="width" value="0.2" units="cm"/>
+      <inkml:brushProperty name="height" value="0.4" units="cm"/>
+      <inkml:brushProperty name="color" value="#FFFC00"/>
+      <inkml:brushProperty name="tip" value="rectangle"/>
+      <inkml:brushProperty name="rasterOp" value="maskPen"/>
+      <inkml:brushProperty name="ignorePressure" value="1"/>
+    </inkml:brush>
+  </inkml:definitions>
+  <inkml:trace contextRef="#ctx0" brushRef="#br0">627 1,'-21'1,"0"1,-33 8,-28 2,55-9,1 2,-51 14,52-12,-1 0,-52 5,-24 3,50-5,32-5,4 1</inkml:trace>
+</inkml:ink>
+</file>
+
+<file path=ppt/ink/ink22.xml><?xml version="1.0" encoding="utf-8"?>
+<inkml:ink xmlns:inkml="http://www.w3.org/2003/InkML">
+  <inkml:definitions>
+    <inkml:context xml:id="ctx0">
+      <inkml:inkSource xml:id="inkSrc0">
+        <inkml:traceFormat>
+          <inkml:channel name="X" type="integer" min="-2.14748E9" max="2.14748E9" units="cm"/>
+          <inkml:channel name="Y" type="integer" min="-2.14748E9" max="2.14748E9" units="cm"/>
+        </inkml:traceFormat>
+        <inkml:channelProperties>
+          <inkml:channelProperty channel="X" name="resolution" value="1000" units="1/cm"/>
+          <inkml:channelProperty channel="Y" name="resolution" value="1000" units="1/cm"/>
+        </inkml:channelProperties>
+      </inkml:inkSource>
+      <inkml:timestamp xml:id="ts0" timeString="2022-12-17T06:06:55.200"/>
+    </inkml:context>
+    <inkml:brush xml:id="br0">
+      <inkml:brushProperty name="width" value="0.2" units="cm"/>
+      <inkml:brushProperty name="height" value="0.4" units="cm"/>
+      <inkml:brushProperty name="color" value="#FFFC00"/>
+      <inkml:brushProperty name="tip" value="rectangle"/>
+      <inkml:brushProperty name="rasterOp" value="maskPen"/>
+      <inkml:brushProperty name="ignorePressure" value="1"/>
+    </inkml:brush>
+  </inkml:definitions>
+  <inkml:trace contextRef="#ctx0" brushRef="#br0">500 1,'-472'0,"444"0</inkml:trace>
+</inkml:ink>
+</file>
+
+<file path=ppt/ink/ink23.xml><?xml version="1.0" encoding="utf-8"?>
+<inkml:ink xmlns:inkml="http://www.w3.org/2003/InkML">
+  <inkml:definitions>
+    <inkml:context xml:id="ctx0">
+      <inkml:inkSource xml:id="inkSrc0">
+        <inkml:traceFormat>
+          <inkml:channel name="X" type="integer" min="-2.14748E9" max="2.14748E9" units="cm"/>
+          <inkml:channel name="Y" type="integer" min="-2.14748E9" max="2.14748E9" units="cm"/>
+        </inkml:traceFormat>
+        <inkml:channelProperties>
+          <inkml:channelProperty channel="X" name="resolution" value="1000" units="1/cm"/>
+          <inkml:channelProperty channel="Y" name="resolution" value="1000" units="1/cm"/>
+        </inkml:channelProperties>
+      </inkml:inkSource>
+      <inkml:timestamp xml:id="ts0" timeString="2022-12-17T06:07:01.906"/>
+    </inkml:context>
+    <inkml:brush xml:id="br0">
+      <inkml:brushProperty name="width" value="0.2" units="cm"/>
+      <inkml:brushProperty name="height" value="0.4" units="cm"/>
+      <inkml:brushProperty name="color" value="#FFFC00"/>
+      <inkml:brushProperty name="tip" value="rectangle"/>
+      <inkml:brushProperty name="rasterOp" value="maskPen"/>
+      <inkml:brushProperty name="ignorePressure" value="1"/>
+    </inkml:brush>
+  </inkml:definitions>
+  <inkml:trace contextRef="#ctx0" brushRef="#br0">870 79,'-23'-2,"1"0,-1-2,0 0,-37-14,-19-3,69 19,-26-6,-2 1,1 2,-49-1,-324 7,388-1</inkml:trace>
+</inkml:ink>
+</file>
+
+<file path=ppt/ink/ink24.xml><?xml version="1.0" encoding="utf-8"?>
+<inkml:ink xmlns:inkml="http://www.w3.org/2003/InkML">
+  <inkml:definitions>
+    <inkml:context xml:id="ctx0">
+      <inkml:inkSource xml:id="inkSrc0">
+        <inkml:traceFormat>
+          <inkml:channel name="X" type="integer" min="-2.14748E9" max="2.14748E9" units="cm"/>
+          <inkml:channel name="Y" type="integer" min="-2.14748E9" max="2.14748E9" units="cm"/>
+        </inkml:traceFormat>
+        <inkml:channelProperties>
+          <inkml:channelProperty channel="X" name="resolution" value="1000" units="1/cm"/>
+          <inkml:channelProperty channel="Y" name="resolution" value="1000" units="1/cm"/>
+        </inkml:channelProperties>
+      </inkml:inkSource>
+      <inkml:timestamp xml:id="ts0" timeString="2022-12-17T06:07:08.363"/>
+    </inkml:context>
+    <inkml:brush xml:id="br0">
+      <inkml:brushProperty name="width" value="0.2" units="cm"/>
+      <inkml:brushProperty name="height" value="0.4" units="cm"/>
+      <inkml:brushProperty name="color" value="#FFFC00"/>
+      <inkml:brushProperty name="tip" value="rectangle"/>
+      <inkml:brushProperty name="rasterOp" value="maskPen"/>
+      <inkml:brushProperty name="ignorePressure" value="1"/>
+    </inkml:brush>
+  </inkml:definitions>
+  <inkml:trace contextRef="#ctx0" brushRef="#br0">1076 0,'-1053'0,"1031"0</inkml:trace>
+</inkml:ink>
+</file>
+
+<file path=ppt/ink/ink25.xml><?xml version="1.0" encoding="utf-8"?>
+<inkml:ink xmlns:inkml="http://www.w3.org/2003/InkML">
+  <inkml:definitions>
+    <inkml:context xml:id="ctx0">
+      <inkml:inkSource xml:id="inkSrc0">
+        <inkml:traceFormat>
+          <inkml:channel name="X" type="integer" min="-2.14748E9" max="2.14748E9" units="cm"/>
+          <inkml:channel name="Y" type="integer" min="-2.14748E9" max="2.14748E9" units="cm"/>
+        </inkml:traceFormat>
+        <inkml:channelProperties>
+          <inkml:channelProperty channel="X" name="resolution" value="1000" units="1/cm"/>
+          <inkml:channelProperty channel="Y" name="resolution" value="1000" units="1/cm"/>
+        </inkml:channelProperties>
+      </inkml:inkSource>
+      <inkml:timestamp xml:id="ts0" timeString="2022-12-17T06:07:12.503"/>
+    </inkml:context>
+    <inkml:brush xml:id="br0">
+      <inkml:brushProperty name="width" value="0.2" units="cm"/>
+      <inkml:brushProperty name="height" value="0.4" units="cm"/>
+      <inkml:brushProperty name="color" value="#FFFC00"/>
+      <inkml:brushProperty name="tip" value="rectangle"/>
+      <inkml:brushProperty name="rasterOp" value="maskPen"/>
+      <inkml:brushProperty name="ignorePressure" value="1"/>
+    </inkml:brush>
+  </inkml:definitions>
+  <inkml:trace contextRef="#ctx0" brushRef="#br0">972 81,'-33'1,"-25"-1,1-1,-79-14,32 2,67 9,2 0,-45-13,35 7,0 3,0 1,-1 3,1 1,-48 5,2-1,69-2</inkml:trace>
+</inkml:ink>
+</file>
+
+<file path=ppt/ink/ink26.xml><?xml version="1.0" encoding="utf-8"?>
+<inkml:ink xmlns:inkml="http://www.w3.org/2003/InkML">
+  <inkml:definitions>
+    <inkml:context xml:id="ctx0">
+      <inkml:inkSource xml:id="inkSrc0">
+        <inkml:traceFormat>
+          <inkml:channel name="X" type="integer" min="-2.14748E9" max="2.14748E9" units="cm"/>
+          <inkml:channel name="Y" type="integer" min="-2.14748E9" max="2.14748E9" units="cm"/>
+        </inkml:traceFormat>
+        <inkml:channelProperties>
+          <inkml:channelProperty channel="X" name="resolution" value="1000" units="1/cm"/>
+          <inkml:channelProperty channel="Y" name="resolution" value="1000" units="1/cm"/>
+        </inkml:channelProperties>
+      </inkml:inkSource>
+      <inkml:timestamp xml:id="ts0" timeString="2022-12-17T06:07:17.633"/>
+    </inkml:context>
+    <inkml:brush xml:id="br0">
+      <inkml:brushProperty name="width" value="0.2" units="cm"/>
+      <inkml:brushProperty name="height" value="0.4" units="cm"/>
+      <inkml:brushProperty name="color" value="#FFFC00"/>
+      <inkml:brushProperty name="tip" value="rectangle"/>
+      <inkml:brushProperty name="rasterOp" value="maskPen"/>
+      <inkml:brushProperty name="ignorePressure" value="1"/>
+    </inkml:brush>
+  </inkml:definitions>
+  <inkml:trace contextRef="#ctx0" brushRef="#br0">819 0,'-47'11,"10"-1,-135-3,123-7,0 2,-62 10,60-5,-1-3,-95-4,66-1,59 1</inkml:trace>
+</inkml:ink>
+</file>
+
+<file path=ppt/ink/ink27.xml><?xml version="1.0" encoding="utf-8"?>
+<inkml:ink xmlns:inkml="http://www.w3.org/2003/InkML">
+  <inkml:definitions>
+    <inkml:context xml:id="ctx0">
+      <inkml:inkSource xml:id="inkSrc0">
+        <inkml:traceFormat>
+          <inkml:channel name="X" type="integer" min="-2.14748E9" max="2.14748E9" units="cm"/>
+          <inkml:channel name="Y" type="integer" min="-2.14748E9" max="2.14748E9" units="cm"/>
+        </inkml:traceFormat>
+        <inkml:channelProperties>
+          <inkml:channelProperty channel="X" name="resolution" value="1000" units="1/cm"/>
+          <inkml:channelProperty channel="Y" name="resolution" value="1000" units="1/cm"/>
+        </inkml:channelProperties>
+      </inkml:inkSource>
+      <inkml:timestamp xml:id="ts0" timeString="2022-12-17T06:07:20.063"/>
+    </inkml:context>
+    <inkml:brush xml:id="br0">
+      <inkml:brushProperty name="width" value="0.2" units="cm"/>
+      <inkml:brushProperty name="height" value="0.4" units="cm"/>
+      <inkml:brushProperty name="color" value="#FFFC00"/>
+      <inkml:brushProperty name="tip" value="rectangle"/>
+      <inkml:brushProperty name="rasterOp" value="maskPen"/>
+      <inkml:brushProperty name="ignorePressure" value="1"/>
+    </inkml:brush>
+  </inkml:definitions>
+  <inkml:trace contextRef="#ctx0" brushRef="#br0">934 11,'-848'0,"784"-5,42 0</inkml:trace>
+</inkml:ink>
+</file>
+
+<file path=ppt/ink/ink28.xml><?xml version="1.0" encoding="utf-8"?>
+<inkml:ink xmlns:inkml="http://www.w3.org/2003/InkML">
+  <inkml:definitions>
+    <inkml:context xml:id="ctx0">
+      <inkml:inkSource xml:id="inkSrc0">
+        <inkml:traceFormat>
+          <inkml:channel name="X" type="integer" min="-2.14748E9" max="2.14748E9" units="cm"/>
+          <inkml:channel name="Y" type="integer" min="-2.14748E9" max="2.14748E9" units="cm"/>
+        </inkml:traceFormat>
+        <inkml:channelProperties>
+          <inkml:channelProperty channel="X" name="resolution" value="1000" units="1/cm"/>
+          <inkml:channelProperty channel="Y" name="resolution" value="1000" units="1/cm"/>
+        </inkml:channelProperties>
+      </inkml:inkSource>
+      <inkml:timestamp xml:id="ts0" timeString="2022-12-17T06:07:25.719"/>
+    </inkml:context>
+    <inkml:brush xml:id="br0">
+      <inkml:brushProperty name="width" value="0.2" units="cm"/>
+      <inkml:brushProperty name="height" value="0.4" units="cm"/>
+      <inkml:brushProperty name="color" value="#FFFC00"/>
+      <inkml:brushProperty name="tip" value="rectangle"/>
+      <inkml:brushProperty name="rasterOp" value="maskPen"/>
+      <inkml:brushProperty name="ignorePressure" value="1"/>
+    </inkml:brush>
+  </inkml:definitions>
+  <inkml:trace contextRef="#ctx0" brushRef="#br0">942 52,'-106'1,"-114"-3,129-10,56 6,-45-1,9 6,16 2,0-4,-57-8,22 1,63 9</inkml:trace>
+</inkml:ink>
+</file>
+
+<file path=ppt/ink/ink29.xml><?xml version="1.0" encoding="utf-8"?>
+<inkml:ink xmlns:inkml="http://www.w3.org/2003/InkML">
+  <inkml:definitions>
+    <inkml:context xml:id="ctx0">
+      <inkml:inkSource xml:id="inkSrc0">
+        <inkml:traceFormat>
+          <inkml:channel name="X" type="integer" min="-2.14748E9" max="2.14748E9" units="cm"/>
+          <inkml:channel name="Y" type="integer" min="-2.14748E9" max="2.14748E9" units="cm"/>
+        </inkml:traceFormat>
+        <inkml:channelProperties>
+          <inkml:channelProperty channel="X" name="resolution" value="1000" units="1/cm"/>
+          <inkml:channelProperty channel="Y" name="resolution" value="1000" units="1/cm"/>
+        </inkml:channelProperties>
+      </inkml:inkSource>
+      <inkml:timestamp xml:id="ts0" timeString="2022-12-17T06:08:38.275"/>
+    </inkml:context>
+    <inkml:brush xml:id="br0">
+      <inkml:brushProperty name="width" value="0.2" units="cm"/>
+      <inkml:brushProperty name="height" value="0.4" units="cm"/>
+      <inkml:brushProperty name="color" value="#FFFC00"/>
+      <inkml:brushProperty name="tip" value="rectangle"/>
+      <inkml:brushProperty name="rasterOp" value="maskPen"/>
+      <inkml:brushProperty name="ignorePressure" value="1"/>
+    </inkml:brush>
+  </inkml:definitions>
+  <inkml:trace contextRef="#ctx0" brushRef="#br0">715 0,'-438'0,"419"1,1 1,-36 9,33-7,1 0,-26 1,-30-5,53 0</inkml:trace>
+</inkml:ink>
+</file>
+
+<file path=ppt/ink/ink3.xml><?xml version="1.0" encoding="utf-8"?>
+<inkml:ink xmlns:inkml="http://www.w3.org/2003/InkML">
+  <inkml:definitions>
+    <inkml:context xml:id="ctx0">
+      <inkml:inkSource xml:id="inkSrc0">
+        <inkml:traceFormat>
+          <inkml:channel name="X" type="integer" min="-2.14748E9" max="2.14748E9" units="cm"/>
+          <inkml:channel name="Y" type="integer" min="-2.14748E9" max="2.14748E9" units="cm"/>
+        </inkml:traceFormat>
+        <inkml:channelProperties>
+          <inkml:channelProperty channel="X" name="resolution" value="1000" units="1/cm"/>
+          <inkml:channelProperty channel="Y" name="resolution" value="1000" units="1/cm"/>
+        </inkml:channelProperties>
+      </inkml:inkSource>
+      <inkml:timestamp xml:id="ts0" timeString="2022-12-17T05:59:29.314"/>
+    </inkml:context>
+    <inkml:brush xml:id="br0">
+      <inkml:brushProperty name="width" value="0.2" units="cm"/>
+      <inkml:brushProperty name="height" value="0.4" units="cm"/>
+      <inkml:brushProperty name="color" value="#FFFC00"/>
+      <inkml:brushProperty name="tip" value="rectangle"/>
+      <inkml:brushProperty name="rasterOp" value="maskPen"/>
+      <inkml:brushProperty name="ignorePressure" value="1"/>
+    </inkml:brush>
+  </inkml:definitions>
+  <inkml:trace contextRef="#ctx0" brushRef="#br0">0 131,'28'1,"-1"-1,1-2,0 0,-1-2,0-1,40-13,-25 1,-29 11,0 1,1 0,0 1,-1 0,1 1,18-2,61-7,-64 7,53-3,9 10,75-3,-97-12,-51 9,1 0,29-2,271 6,-150 1,-148-1</inkml:trace>
+</inkml:ink>
+</file>
+
+<file path=ppt/ink/ink30.xml><?xml version="1.0" encoding="utf-8"?>
+<inkml:ink xmlns:inkml="http://www.w3.org/2003/InkML">
+  <inkml:definitions>
+    <inkml:context xml:id="ctx0">
+      <inkml:inkSource xml:id="inkSrc0">
+        <inkml:traceFormat>
+          <inkml:channel name="X" type="integer" min="-2.14748E9" max="2.14748E9" units="cm"/>
+          <inkml:channel name="Y" type="integer" min="-2.14748E9" max="2.14748E9" units="cm"/>
+        </inkml:traceFormat>
+        <inkml:channelProperties>
+          <inkml:channelProperty channel="X" name="resolution" value="1000" units="1/cm"/>
+          <inkml:channelProperty channel="Y" name="resolution" value="1000" units="1/cm"/>
+        </inkml:channelProperties>
+      </inkml:inkSource>
+      <inkml:timestamp xml:id="ts0" timeString="2022-12-17T06:08:41.492"/>
+    </inkml:context>
+    <inkml:brush xml:id="br0">
+      <inkml:brushProperty name="width" value="0.2" units="cm"/>
+      <inkml:brushProperty name="height" value="0.4" units="cm"/>
+      <inkml:brushProperty name="color" value="#FFFC00"/>
+      <inkml:brushProperty name="tip" value="rectangle"/>
+      <inkml:brushProperty name="rasterOp" value="maskPen"/>
+      <inkml:brushProperty name="ignorePressure" value="1"/>
+    </inkml:brush>
+  </inkml:definitions>
+  <inkml:trace contextRef="#ctx0" brushRef="#br0">871 53,'-463'0,"438"-1,-1-2,2-1,-48-14,45 11,-1 0,-51-5,-25 12,82 0</inkml:trace>
+</inkml:ink>
+</file>
+
+<file path=ppt/ink/ink31.xml><?xml version="1.0" encoding="utf-8"?>
+<inkml:ink xmlns:inkml="http://www.w3.org/2003/InkML">
+  <inkml:definitions>
+    <inkml:context xml:id="ctx0">
+      <inkml:inkSource xml:id="inkSrc0">
+        <inkml:traceFormat>
+          <inkml:channel name="X" type="integer" min="-2.14748E9" max="2.14748E9" units="cm"/>
+          <inkml:channel name="Y" type="integer" min="-2.14748E9" max="2.14748E9" units="cm"/>
+        </inkml:traceFormat>
+        <inkml:channelProperties>
+          <inkml:channelProperty channel="X" name="resolution" value="1000" units="1/cm"/>
+          <inkml:channelProperty channel="Y" name="resolution" value="1000" units="1/cm"/>
+        </inkml:channelProperties>
+      </inkml:inkSource>
+      <inkml:timestamp xml:id="ts0" timeString="2022-12-17T06:08:47.596"/>
+    </inkml:context>
+    <inkml:brush xml:id="br0">
+      <inkml:brushProperty name="width" value="0.2" units="cm"/>
+      <inkml:brushProperty name="height" value="0.4" units="cm"/>
+      <inkml:brushProperty name="color" value="#FFFC00"/>
+      <inkml:brushProperty name="tip" value="rectangle"/>
+      <inkml:brushProperty name="rasterOp" value="maskPen"/>
+      <inkml:brushProperty name="ignorePressure" value="1"/>
+    </inkml:brush>
+  </inkml:definitions>
+  <inkml:trace contextRef="#ctx0" brushRef="#br0">1075 123,'-7'0,"-34"1,0-1,0-3,1-1,-73-17,48 5,-101-13,128 26,-49 2,57 2,0-2,0-1,-37-7,25 2,-51-3,-28-4,99 9</inkml:trace>
+</inkml:ink>
+</file>
+
+<file path=ppt/ink/ink32.xml><?xml version="1.0" encoding="utf-8"?>
+<inkml:ink xmlns:inkml="http://www.w3.org/2003/InkML">
+  <inkml:definitions>
+    <inkml:context xml:id="ctx0">
+      <inkml:inkSource xml:id="inkSrc0">
+        <inkml:traceFormat>
+          <inkml:channel name="X" type="integer" min="-2.14748E9" max="2.14748E9" units="cm"/>
+          <inkml:channel name="Y" type="integer" min="-2.14748E9" max="2.14748E9" units="cm"/>
+        </inkml:traceFormat>
+        <inkml:channelProperties>
+          <inkml:channelProperty channel="X" name="resolution" value="1000" units="1/cm"/>
+          <inkml:channelProperty channel="Y" name="resolution" value="1000" units="1/cm"/>
+        </inkml:channelProperties>
+      </inkml:inkSource>
+      <inkml:timestamp xml:id="ts0" timeString="2022-12-17T06:08:58.179"/>
+    </inkml:context>
+    <inkml:brush xml:id="br0">
+      <inkml:brushProperty name="width" value="0.2" units="cm"/>
+      <inkml:brushProperty name="height" value="0.4" units="cm"/>
+      <inkml:brushProperty name="color" value="#FFFC00"/>
+      <inkml:brushProperty name="tip" value="rectangle"/>
+      <inkml:brushProperty name="rasterOp" value="maskPen"/>
+      <inkml:brushProperty name="ignorePressure" value="1"/>
+    </inkml:brush>
+  </inkml:definitions>
+  <inkml:trace contextRef="#ctx0" brushRef="#br0">670 30,'-29'-2,"0"0,-29-8,28 5,-55-4,-12 8,-166 4,202 12,43-10</inkml:trace>
+</inkml:ink>
+</file>
+
+<file path=ppt/ink/ink33.xml><?xml version="1.0" encoding="utf-8"?>
+<inkml:ink xmlns:inkml="http://www.w3.org/2003/InkML">
+  <inkml:definitions>
+    <inkml:context xml:id="ctx0">
+      <inkml:inkSource xml:id="inkSrc0">
+        <inkml:traceFormat>
+          <inkml:channel name="X" type="integer" min="-2.14748E9" max="2.14748E9" units="cm"/>
+          <inkml:channel name="Y" type="integer" min="-2.14748E9" max="2.14748E9" units="cm"/>
+        </inkml:traceFormat>
+        <inkml:channelProperties>
+          <inkml:channelProperty channel="X" name="resolution" value="1000" units="1/cm"/>
+          <inkml:channelProperty channel="Y" name="resolution" value="1000" units="1/cm"/>
+        </inkml:channelProperties>
+      </inkml:inkSource>
+      <inkml:timestamp xml:id="ts0" timeString="2022-12-17T06:09:01.742"/>
+    </inkml:context>
+    <inkml:brush xml:id="br0">
+      <inkml:brushProperty name="width" value="0.2" units="cm"/>
+      <inkml:brushProperty name="height" value="0.4" units="cm"/>
+      <inkml:brushProperty name="color" value="#FFFC00"/>
+      <inkml:brushProperty name="tip" value="rectangle"/>
+      <inkml:brushProperty name="rasterOp" value="maskPen"/>
+      <inkml:brushProperty name="ignorePressure" value="1"/>
+    </inkml:brush>
+  </inkml:definitions>
+  <inkml:trace contextRef="#ctx0" brushRef="#br0">715 53,'-125'3,"-136"-6,133-23,77 16,23 5,0 0,-43-1,49 6</inkml:trace>
+</inkml:ink>
+</file>
+
+<file path=ppt/ink/ink34.xml><?xml version="1.0" encoding="utf-8"?>
+<inkml:ink xmlns:inkml="http://www.w3.org/2003/InkML">
+  <inkml:definitions>
+    <inkml:context xml:id="ctx0">
+      <inkml:inkSource xml:id="inkSrc0">
+        <inkml:traceFormat>
+          <inkml:channel name="X" type="integer" min="-2.14748E9" max="2.14748E9" units="cm"/>
+          <inkml:channel name="Y" type="integer" min="-2.14748E9" max="2.14748E9" units="cm"/>
+        </inkml:traceFormat>
+        <inkml:channelProperties>
+          <inkml:channelProperty channel="X" name="resolution" value="1000" units="1/cm"/>
+          <inkml:channelProperty channel="Y" name="resolution" value="1000" units="1/cm"/>
+        </inkml:channelProperties>
+      </inkml:inkSource>
+      <inkml:timestamp xml:id="ts0" timeString="2022-12-17T06:09:21.670"/>
+    </inkml:context>
+    <inkml:brush xml:id="br0">
+      <inkml:brushProperty name="width" value="0.2" units="cm"/>
+      <inkml:brushProperty name="height" value="0.4" units="cm"/>
+      <inkml:brushProperty name="color" value="#FFFC00"/>
+      <inkml:brushProperty name="tip" value="rectangle"/>
+      <inkml:brushProperty name="rasterOp" value="maskPen"/>
+      <inkml:brushProperty name="ignorePressure" value="1"/>
+    </inkml:brush>
+  </inkml:definitions>
+  <inkml:trace contextRef="#ctx0" brushRef="#br0">1280 1,'-1257'0,"1235"0</inkml:trace>
+</inkml:ink>
+</file>
+
+<file path=ppt/ink/ink35.xml><?xml version="1.0" encoding="utf-8"?>
+<inkml:ink xmlns:inkml="http://www.w3.org/2003/InkML">
+  <inkml:definitions>
+    <inkml:context xml:id="ctx0">
+      <inkml:inkSource xml:id="inkSrc0">
+        <inkml:traceFormat>
+          <inkml:channel name="X" type="integer" min="-2.14748E9" max="2.14748E9" units="cm"/>
+          <inkml:channel name="Y" type="integer" min="-2.14748E9" max="2.14748E9" units="cm"/>
+        </inkml:traceFormat>
+        <inkml:channelProperties>
+          <inkml:channelProperty channel="X" name="resolution" value="1000" units="1/cm"/>
+          <inkml:channelProperty channel="Y" name="resolution" value="1000" units="1/cm"/>
+        </inkml:channelProperties>
+      </inkml:inkSource>
+      <inkml:timestamp xml:id="ts0" timeString="2022-12-17T06:09:24.946"/>
+    </inkml:context>
+    <inkml:brush xml:id="br0">
+      <inkml:brushProperty name="width" value="0.2" units="cm"/>
+      <inkml:brushProperty name="height" value="0.4" units="cm"/>
+      <inkml:brushProperty name="color" value="#FFFC00"/>
+      <inkml:brushProperty name="tip" value="rectangle"/>
+      <inkml:brushProperty name="rasterOp" value="maskPen"/>
+      <inkml:brushProperty name="ignorePressure" value="1"/>
+    </inkml:brush>
+  </inkml:definitions>
+  <inkml:trace contextRef="#ctx0" brushRef="#br0">1228 79,'-671'0,"638"-2,-62-11,20 1,-104-14,115 14,43 8,0 0,-26-1,25 5</inkml:trace>
+</inkml:ink>
+</file>
+
+<file path=ppt/ink/ink36.xml><?xml version="1.0" encoding="utf-8"?>
+<inkml:ink xmlns:inkml="http://www.w3.org/2003/InkML">
+  <inkml:definitions>
+    <inkml:context xml:id="ctx0">
+      <inkml:inkSource xml:id="inkSrc0">
+        <inkml:traceFormat>
+          <inkml:channel name="X" type="integer" min="-2.14748E9" max="2.14748E9" units="cm"/>
+          <inkml:channel name="Y" type="integer" min="-2.14748E9" max="2.14748E9" units="cm"/>
+        </inkml:traceFormat>
+        <inkml:channelProperties>
+          <inkml:channelProperty channel="X" name="resolution" value="1000" units="1/cm"/>
+          <inkml:channelProperty channel="Y" name="resolution" value="1000" units="1/cm"/>
+        </inkml:channelProperties>
+      </inkml:inkSource>
+      <inkml:timestamp xml:id="ts0" timeString="2022-12-17T06:10:17.365"/>
+    </inkml:context>
+    <inkml:brush xml:id="br0">
+      <inkml:brushProperty name="width" value="0.2" units="cm"/>
+      <inkml:brushProperty name="height" value="0.4" units="cm"/>
+      <inkml:brushProperty name="color" value="#FFFC00"/>
+      <inkml:brushProperty name="tip" value="rectangle"/>
+      <inkml:brushProperty name="rasterOp" value="maskPen"/>
+      <inkml:brushProperty name="ignorePressure" value="1"/>
+    </inkml:brush>
+  </inkml:definitions>
+  <inkml:trace contextRef="#ctx0" brushRef="#br0">1102 81,'-48'0,"1"-2,-64-11,62 6,-60 0,-33-5,-79-18,164 24,0 2,-80 6,35 1,80-3</inkml:trace>
+</inkml:ink>
+</file>
+
+<file path=ppt/ink/ink37.xml><?xml version="1.0" encoding="utf-8"?>
+<inkml:ink xmlns:inkml="http://www.w3.org/2003/InkML">
+  <inkml:definitions>
+    <inkml:context xml:id="ctx0">
+      <inkml:inkSource xml:id="inkSrc0">
+        <inkml:traceFormat>
+          <inkml:channel name="X" type="integer" min="-2.14748E9" max="2.14748E9" units="cm"/>
+          <inkml:channel name="Y" type="integer" min="-2.14748E9" max="2.14748E9" units="cm"/>
+        </inkml:traceFormat>
+        <inkml:channelProperties>
+          <inkml:channelProperty channel="X" name="resolution" value="1000" units="1/cm"/>
+          <inkml:channelProperty channel="Y" name="resolution" value="1000" units="1/cm"/>
+        </inkml:channelProperties>
+      </inkml:inkSource>
+      <inkml:timestamp xml:id="ts0" timeString="2022-12-17T06:10:19.991"/>
+    </inkml:context>
+    <inkml:brush xml:id="br0">
+      <inkml:brushProperty name="width" value="0.2" units="cm"/>
+      <inkml:brushProperty name="height" value="0.4" units="cm"/>
+      <inkml:brushProperty name="color" value="#FFFC00"/>
+      <inkml:brushProperty name="tip" value="rectangle"/>
+      <inkml:brushProperty name="rasterOp" value="maskPen"/>
+      <inkml:brushProperty name="ignorePressure" value="1"/>
+    </inkml:brush>
+  </inkml:definitions>
+  <inkml:trace contextRef="#ctx0" brushRef="#br0">1281 1,'-1259'0,"1237"0</inkml:trace>
+</inkml:ink>
+</file>
+
+<file path=ppt/ink/ink38.xml><?xml version="1.0" encoding="utf-8"?>
+<inkml:ink xmlns:inkml="http://www.w3.org/2003/InkML">
+  <inkml:definitions>
+    <inkml:context xml:id="ctx0">
+      <inkml:inkSource xml:id="inkSrc0">
+        <inkml:traceFormat>
+          <inkml:channel name="X" type="integer" min="-2.14748E9" max="2.14748E9" units="cm"/>
+          <inkml:channel name="Y" type="integer" min="-2.14748E9" max="2.14748E9" units="cm"/>
+        </inkml:traceFormat>
+        <inkml:channelProperties>
+          <inkml:channelProperty channel="X" name="resolution" value="1000" units="1/cm"/>
+          <inkml:channelProperty channel="Y" name="resolution" value="1000" units="1/cm"/>
+        </inkml:channelProperties>
+      </inkml:inkSource>
+      <inkml:timestamp xml:id="ts0" timeString="2022-12-17T06:12:32.091"/>
+    </inkml:context>
+    <inkml:brush xml:id="br0">
+      <inkml:brushProperty name="width" value="0.2" units="cm"/>
+      <inkml:brushProperty name="height" value="0.4" units="cm"/>
+      <inkml:brushProperty name="color" value="#FFFC00"/>
+      <inkml:brushProperty name="tip" value="rectangle"/>
+      <inkml:brushProperty name="rasterOp" value="maskPen"/>
+      <inkml:brushProperty name="ignorePressure" value="1"/>
+    </inkml:brush>
+  </inkml:definitions>
+  <inkml:trace contextRef="#ctx0" brushRef="#br0">715 82,'-26'-1,"0"-2,0-2,0 0,1-1,-32-13,19 7,-46-9,31 15,1 2,-95 6,39 1,83-3,3 0</inkml:trace>
+</inkml:ink>
+</file>
+
+<file path=ppt/ink/ink39.xml><?xml version="1.0" encoding="utf-8"?>
+<inkml:ink xmlns:inkml="http://www.w3.org/2003/InkML">
+  <inkml:definitions>
+    <inkml:context xml:id="ctx0">
+      <inkml:inkSource xml:id="inkSrc0">
+        <inkml:traceFormat>
+          <inkml:channel name="X" type="integer" min="-2.14748E9" max="2.14748E9" units="cm"/>
+          <inkml:channel name="Y" type="integer" min="-2.14748E9" max="2.14748E9" units="cm"/>
+        </inkml:traceFormat>
+        <inkml:channelProperties>
+          <inkml:channelProperty channel="X" name="resolution" value="1000" units="1/cm"/>
+          <inkml:channelProperty channel="Y" name="resolution" value="1000" units="1/cm"/>
+        </inkml:channelProperties>
+      </inkml:inkSource>
+      <inkml:timestamp xml:id="ts0" timeString="2022-12-17T06:12:34.933"/>
+    </inkml:context>
+    <inkml:brush xml:id="br0">
+      <inkml:brushProperty name="width" value="0.2" units="cm"/>
+      <inkml:brushProperty name="height" value="0.4" units="cm"/>
+      <inkml:brushProperty name="color" value="#FFFC00"/>
+      <inkml:brushProperty name="tip" value="rectangle"/>
+      <inkml:brushProperty name="rasterOp" value="maskPen"/>
+      <inkml:brushProperty name="ignorePressure" value="1"/>
+    </inkml:brush>
+  </inkml:definitions>
+  <inkml:trace contextRef="#ctx0" brushRef="#br0">722 73,'-57'-2,"-78"-14,121 14,-37-3,-63 2,71 4,-1-3,-65-10,-28-15,120 23</inkml:trace>
+</inkml:ink>
+</file>
+
+<file path=ppt/ink/ink4.xml><?xml version="1.0" encoding="utf-8"?>
+<inkml:ink xmlns:inkml="http://www.w3.org/2003/InkML">
+  <inkml:definitions>
+    <inkml:context xml:id="ctx0">
+      <inkml:inkSource xml:id="inkSrc0">
+        <inkml:traceFormat>
+          <inkml:channel name="X" type="integer" min="-2.14748E9" max="2.14748E9" units="cm"/>
+          <inkml:channel name="Y" type="integer" min="-2.14748E9" max="2.14748E9" units="cm"/>
+        </inkml:traceFormat>
+        <inkml:channelProperties>
+          <inkml:channelProperty channel="X" name="resolution" value="1000" units="1/cm"/>
+          <inkml:channelProperty channel="Y" name="resolution" value="1000" units="1/cm"/>
+        </inkml:channelProperties>
+      </inkml:inkSource>
+      <inkml:timestamp xml:id="ts0" timeString="2022-12-17T05:59:39.527"/>
+    </inkml:context>
+    <inkml:brush xml:id="br0">
+      <inkml:brushProperty name="width" value="0.2" units="cm"/>
+      <inkml:brushProperty name="height" value="0.4" units="cm"/>
+      <inkml:brushProperty name="color" value="#FFFC00"/>
+      <inkml:brushProperty name="tip" value="rectangle"/>
+      <inkml:brushProperty name="rasterOp" value="maskPen"/>
+      <inkml:brushProperty name="ignorePressure" value="1"/>
+    </inkml:brush>
+  </inkml:definitions>
+  <inkml:trace contextRef="#ctx0" brushRef="#br0">1 1,'1'4,"0"1,0-1,1 0,-1 0,1 0,0 0,0 0,1 0,-1 0,1-1,0 1,-1-1,2 0,-1 0,0 0,1 0,5 3,4 4,0-2,0 0,27 11,-17-12,0-2,1-1,-1 0,1-2,0-1,0-1,40-5,17 2,-46 1,63-12,-27 2,-9 1,-41 7,1 0,28-1,-28 3,0 0,0-2,0 0,39-14,-45 12</inkml:trace>
+</inkml:ink>
+</file>
+
+<file path=ppt/ink/ink40.xml><?xml version="1.0" encoding="utf-8"?>
+<inkml:ink xmlns:inkml="http://www.w3.org/2003/InkML">
+  <inkml:definitions>
+    <inkml:context xml:id="ctx0">
+      <inkml:inkSource xml:id="inkSrc0">
+        <inkml:traceFormat>
+          <inkml:channel name="X" type="integer" min="-2.14748E9" max="2.14748E9" units="cm"/>
+          <inkml:channel name="Y" type="integer" min="-2.14748E9" max="2.14748E9" units="cm"/>
+        </inkml:traceFormat>
+        <inkml:channelProperties>
+          <inkml:channelProperty channel="X" name="resolution" value="1000" units="1/cm"/>
+          <inkml:channelProperty channel="Y" name="resolution" value="1000" units="1/cm"/>
+        </inkml:channelProperties>
+      </inkml:inkSource>
+      <inkml:timestamp xml:id="ts0" timeString="2022-12-17T06:12:39.344"/>
+    </inkml:context>
+    <inkml:brush xml:id="br0">
+      <inkml:brushProperty name="width" value="0.2" units="cm"/>
+      <inkml:brushProperty name="height" value="0.4" units="cm"/>
+      <inkml:brushProperty name="color" value="#FFFC00"/>
+      <inkml:brushProperty name="tip" value="rectangle"/>
+      <inkml:brushProperty name="rasterOp" value="maskPen"/>
+      <inkml:brushProperty name="ignorePressure" value="1"/>
+    </inkml:brush>
+  </inkml:definitions>
+  <inkml:trace contextRef="#ctx0" brushRef="#br0">692 1,'-670'0,"649"0</inkml:trace>
+</inkml:ink>
+</file>
+
+<file path=ppt/ink/ink41.xml><?xml version="1.0" encoding="utf-8"?>
+<inkml:ink xmlns:inkml="http://www.w3.org/2003/InkML">
+  <inkml:definitions>
+    <inkml:context xml:id="ctx0">
+      <inkml:inkSource xml:id="inkSrc0">
+        <inkml:traceFormat>
+          <inkml:channel name="X" type="integer" min="-2.14748E9" max="2.14748E9" units="cm"/>
+          <inkml:channel name="Y" type="integer" min="-2.14748E9" max="2.14748E9" units="cm"/>
+        </inkml:traceFormat>
+        <inkml:channelProperties>
+          <inkml:channelProperty channel="X" name="resolution" value="1000" units="1/cm"/>
+          <inkml:channelProperty channel="Y" name="resolution" value="1000" units="1/cm"/>
+        </inkml:channelProperties>
+      </inkml:inkSource>
+      <inkml:timestamp xml:id="ts0" timeString="2022-12-17T06:13:12.786"/>
+    </inkml:context>
+    <inkml:brush xml:id="br0">
+      <inkml:brushProperty name="width" value="0.2" units="cm"/>
+      <inkml:brushProperty name="height" value="0.4" units="cm"/>
+      <inkml:brushProperty name="color" value="#FFFC00"/>
+      <inkml:brushProperty name="tip" value="rectangle"/>
+      <inkml:brushProperty name="rasterOp" value="maskPen"/>
+      <inkml:brushProperty name="ignorePressure" value="1"/>
+    </inkml:brush>
+  </inkml:definitions>
+  <inkml:trace contextRef="#ctx0" brushRef="#br0">819 1,'-19'0,"-17"-1,0 2,-1 2,-51 9,43-5,0-2,-1-2,-90-5,33-1,-101 3,181 0</inkml:trace>
+</inkml:ink>
+</file>
+
+<file path=ppt/ink/ink42.xml><?xml version="1.0" encoding="utf-8"?>
+<inkml:ink xmlns:inkml="http://www.w3.org/2003/InkML">
+  <inkml:definitions>
+    <inkml:context xml:id="ctx0">
+      <inkml:inkSource xml:id="inkSrc0">
+        <inkml:traceFormat>
+          <inkml:channel name="X" type="integer" min="-2.14748E9" max="2.14748E9" units="cm"/>
+          <inkml:channel name="Y" type="integer" min="-2.14748E9" max="2.14748E9" units="cm"/>
+        </inkml:traceFormat>
+        <inkml:channelProperties>
+          <inkml:channelProperty channel="X" name="resolution" value="1000" units="1/cm"/>
+          <inkml:channelProperty channel="Y" name="resolution" value="1000" units="1/cm"/>
+        </inkml:channelProperties>
+      </inkml:inkSource>
+      <inkml:timestamp xml:id="ts0" timeString="2022-12-17T06:13:15.799"/>
+    </inkml:context>
+    <inkml:brush xml:id="br0">
+      <inkml:brushProperty name="width" value="0.2" units="cm"/>
+      <inkml:brushProperty name="height" value="0.4" units="cm"/>
+      <inkml:brushProperty name="color" value="#FFFC00"/>
+      <inkml:brushProperty name="tip" value="rectangle"/>
+      <inkml:brushProperty name="rasterOp" value="maskPen"/>
+      <inkml:brushProperty name="ignorePressure" value="1"/>
+    </inkml:brush>
+  </inkml:definitions>
+  <inkml:trace contextRef="#ctx0" brushRef="#br0">1014 11,'-941'0,"887"-5,35 0</inkml:trace>
+</inkml:ink>
+</file>
+
+<file path=ppt/ink/ink43.xml><?xml version="1.0" encoding="utf-8"?>
+<inkml:ink xmlns:inkml="http://www.w3.org/2003/InkML">
+  <inkml:definitions>
+    <inkml:context xml:id="ctx0">
+      <inkml:inkSource xml:id="inkSrc0">
+        <inkml:traceFormat>
+          <inkml:channel name="X" type="integer" min="-2.14748E9" max="2.14748E9" units="cm"/>
+          <inkml:channel name="Y" type="integer" min="-2.14748E9" max="2.14748E9" units="cm"/>
+        </inkml:traceFormat>
+        <inkml:channelProperties>
+          <inkml:channelProperty channel="X" name="resolution" value="1000" units="1/cm"/>
+          <inkml:channelProperty channel="Y" name="resolution" value="1000" units="1/cm"/>
+        </inkml:channelProperties>
+      </inkml:inkSource>
+      <inkml:timestamp xml:id="ts0" timeString="2022-12-17T06:13:22.595"/>
+    </inkml:context>
+    <inkml:brush xml:id="br0">
+      <inkml:brushProperty name="width" value="0.2" units="cm"/>
+      <inkml:brushProperty name="height" value="0.4" units="cm"/>
+      <inkml:brushProperty name="color" value="#FFFC00"/>
+      <inkml:brushProperty name="tip" value="rectangle"/>
+      <inkml:brushProperty name="rasterOp" value="maskPen"/>
+      <inkml:brushProperty name="ignorePressure" value="1"/>
+    </inkml:brush>
+  </inkml:definitions>
+  <inkml:trace contextRef="#ctx0" brushRef="#br0">795 23,'-668'0,"654"-1,0 0,0-1,-19-6,0 1,14 3</inkml:trace>
+</inkml:ink>
+</file>
+
+<file path=ppt/ink/ink5.xml><?xml version="1.0" encoding="utf-8"?>
+<inkml:ink xmlns:inkml="http://www.w3.org/2003/InkML">
+  <inkml:definitions>
+    <inkml:context xml:id="ctx0">
+      <inkml:inkSource xml:id="inkSrc0">
+        <inkml:traceFormat>
+          <inkml:channel name="X" type="integer" min="-2.14748E9" max="2.14748E9" units="cm"/>
+          <inkml:channel name="Y" type="integer" min="-2.14748E9" max="2.14748E9" units="cm"/>
+        </inkml:traceFormat>
+        <inkml:channelProperties>
+          <inkml:channelProperty channel="X" name="resolution" value="1000" units="1/cm"/>
+          <inkml:channelProperty channel="Y" name="resolution" value="1000" units="1/cm"/>
+        </inkml:channelProperties>
+      </inkml:inkSource>
+      <inkml:timestamp xml:id="ts0" timeString="2022-12-17T05:59:45.392"/>
+    </inkml:context>
+    <inkml:brush xml:id="br0">
+      <inkml:brushProperty name="width" value="0.2" units="cm"/>
+      <inkml:brushProperty name="height" value="0.4" units="cm"/>
+      <inkml:brushProperty name="color" value="#FFFC00"/>
+      <inkml:brushProperty name="tip" value="rectangle"/>
+      <inkml:brushProperty name="rasterOp" value="maskPen"/>
+      <inkml:brushProperty name="ignorePressure" value="1"/>
+    </inkml:brush>
+  </inkml:definitions>
+  <inkml:trace contextRef="#ctx0" brushRef="#br0">0 58,'16'-1,"0"-1,-1-1,1-1,22-8,8-1,9 3,1 4,0 1,0 3,66 6,1-1,110-3,-211 0</inkml:trace>
+</inkml:ink>
+</file>
+
+<file path=ppt/ink/ink6.xml><?xml version="1.0" encoding="utf-8"?>
+<inkml:ink xmlns:inkml="http://www.w3.org/2003/InkML">
+  <inkml:definitions>
+    <inkml:context xml:id="ctx0">
+      <inkml:inkSource xml:id="inkSrc0">
+        <inkml:traceFormat>
+          <inkml:channel name="X" type="integer" min="-2.14748E9" max="2.14748E9" units="cm"/>
+          <inkml:channel name="Y" type="integer" min="-2.14748E9" max="2.14748E9" units="cm"/>
+        </inkml:traceFormat>
+        <inkml:channelProperties>
+          <inkml:channelProperty channel="X" name="resolution" value="1000" units="1/cm"/>
+          <inkml:channelProperty channel="Y" name="resolution" value="1000" units="1/cm"/>
+        </inkml:channelProperties>
+      </inkml:inkSource>
+      <inkml:timestamp xml:id="ts0" timeString="2022-12-17T06:00:25.669"/>
+    </inkml:context>
+    <inkml:brush xml:id="br0">
+      <inkml:brushProperty name="width" value="0.2" units="cm"/>
+      <inkml:brushProperty name="height" value="0.4" units="cm"/>
+      <inkml:brushProperty name="color" value="#FFFC00"/>
+      <inkml:brushProperty name="tip" value="rectangle"/>
+      <inkml:brushProperty name="rasterOp" value="maskPen"/>
+      <inkml:brushProperty name="ignorePressure" value="1"/>
+    </inkml:brush>
+  </inkml:definitions>
+  <inkml:trace contextRef="#ctx0" brushRef="#br0">1 105,'745'0,"-719"-1,0-2,28-6,45-4,-71 11,-1-2,0-1,0-1,42-16,-44 13,1 1,0 1,0 2,52-5,-1 10,-55 1</inkml:trace>
+</inkml:ink>
+</file>
+
+<file path=ppt/ink/ink7.xml><?xml version="1.0" encoding="utf-8"?>
+<inkml:ink xmlns:inkml="http://www.w3.org/2003/InkML">
+  <inkml:definitions>
+    <inkml:context xml:id="ctx0">
+      <inkml:inkSource xml:id="inkSrc0">
+        <inkml:traceFormat>
+          <inkml:channel name="X" type="integer" min="-2.14748E9" max="2.14748E9" units="cm"/>
+          <inkml:channel name="Y" type="integer" min="-2.14748E9" max="2.14748E9" units="cm"/>
+        </inkml:traceFormat>
+        <inkml:channelProperties>
+          <inkml:channelProperty channel="X" name="resolution" value="1000" units="1/cm"/>
+          <inkml:channelProperty channel="Y" name="resolution" value="1000" units="1/cm"/>
+        </inkml:channelProperties>
+      </inkml:inkSource>
+      <inkml:timestamp xml:id="ts0" timeString="2022-12-17T06:00:30.078"/>
+    </inkml:context>
+    <inkml:brush xml:id="br0">
+      <inkml:brushProperty name="width" value="0.2" units="cm"/>
+      <inkml:brushProperty name="height" value="0.4" units="cm"/>
+      <inkml:brushProperty name="color" value="#FFFC00"/>
+      <inkml:brushProperty name="tip" value="rectangle"/>
+      <inkml:brushProperty name="rasterOp" value="maskPen"/>
+      <inkml:brushProperty name="ignorePressure" value="1"/>
+    </inkml:brush>
+  </inkml:definitions>
+  <inkml:trace contextRef="#ctx0" brushRef="#br0">0 104,'108'-2,"120"5,-142 9,-51-6,48 2,-38-10,0-1,0-2,50-13,10-2,-102 20,84-14,145-4,-190 17,53-10,28-1,515 10,-311 4,-306-3,0-1,34-8,21-2,-56 10</inkml:trace>
+</inkml:ink>
+</file>
+
+<file path=ppt/ink/ink8.xml><?xml version="1.0" encoding="utf-8"?>
+<inkml:ink xmlns:inkml="http://www.w3.org/2003/InkML">
+  <inkml:definitions>
+    <inkml:context xml:id="ctx0">
+      <inkml:inkSource xml:id="inkSrc0">
+        <inkml:traceFormat>
+          <inkml:channel name="X" type="integer" min="-2.14748E9" max="2.14748E9" units="cm"/>
+          <inkml:channel name="Y" type="integer" min="-2.14748E9" max="2.14748E9" units="cm"/>
+        </inkml:traceFormat>
+        <inkml:channelProperties>
+          <inkml:channelProperty channel="X" name="resolution" value="1000" units="1/cm"/>
+          <inkml:channelProperty channel="Y" name="resolution" value="1000" units="1/cm"/>
+        </inkml:channelProperties>
+      </inkml:inkSource>
+      <inkml:timestamp xml:id="ts0" timeString="2022-12-17T06:01:08.890"/>
+    </inkml:context>
+    <inkml:brush xml:id="br0">
+      <inkml:brushProperty name="width" value="0.2" units="cm"/>
+      <inkml:brushProperty name="height" value="0.4" units="cm"/>
+      <inkml:brushProperty name="color" value="#FFFC00"/>
+      <inkml:brushProperty name="tip" value="rectangle"/>
+      <inkml:brushProperty name="rasterOp" value="maskPen"/>
+      <inkml:brushProperty name="ignorePressure" value="1"/>
+    </inkml:brush>
+  </inkml:definitions>
+  <inkml:trace contextRef="#ctx0" brushRef="#br0">1538 31,'-49'0,"-7"1,1-3,-94-13,97 8,-1 2,1 2,-57 6,16-2,68 1,0 0,-32 8,30-5,-45 3,-59 5,82-7,-54 1,-255-8,336 1</inkml:trace>
+</inkml:ink>
+</file>
+
+<file path=ppt/ink/ink9.xml><?xml version="1.0" encoding="utf-8"?>
+<inkml:ink xmlns:inkml="http://www.w3.org/2003/InkML">
+  <inkml:definitions>
+    <inkml:context xml:id="ctx0">
+      <inkml:inkSource xml:id="inkSrc0">
+        <inkml:traceFormat>
+          <inkml:channel name="X" type="integer" min="-2.14748E9" max="2.14748E9" units="cm"/>
+          <inkml:channel name="Y" type="integer" min="-2.14748E9" max="2.14748E9" units="cm"/>
+        </inkml:traceFormat>
+        <inkml:channelProperties>
+          <inkml:channelProperty channel="X" name="resolution" value="1000" units="1/cm"/>
+          <inkml:channelProperty channel="Y" name="resolution" value="1000" units="1/cm"/>
+        </inkml:channelProperties>
+      </inkml:inkSource>
+      <inkml:timestamp xml:id="ts0" timeString="2022-12-17T06:01:51.732"/>
+    </inkml:context>
+    <inkml:brush xml:id="br0">
+      <inkml:brushProperty name="width" value="0.2" units="cm"/>
+      <inkml:brushProperty name="height" value="0.4" units="cm"/>
+      <inkml:brushProperty name="color" value="#FFFC00"/>
+      <inkml:brushProperty name="tip" value="rectangle"/>
+      <inkml:brushProperty name="rasterOp" value="maskPen"/>
+      <inkml:brushProperty name="ignorePressure" value="1"/>
+    </inkml:brush>
+  </inkml:definitions>
+  <inkml:trace contextRef="#ctx0" brushRef="#br0">975 50,'-694'0,"662"-2,1-1,-35-8,16 2,-33-12,64 18</inkml:trace>
+</inkml:ink>
 </file>
 
 <file path=ppt/notesMasters/notesMaster1.xml><?xml version="1.0" encoding="utf-8"?>
@@ -672,6 +1919,18 @@
   <p:clrMapOvr>
     <a:masterClrMapping/>
   </p:clrMapOvr>
+  <mc:AlternateContent xmlns:mc="http://schemas.openxmlformats.org/markup-compatibility/2006">
+    <mc:Choice xmlns:p14="http://schemas.microsoft.com/office/powerpoint/2010/main" Requires="p14">
+      <p:transition spd="slow" p14:dur="2000">
+        <p14:reveal/>
+      </p:transition>
+    </mc:Choice>
+    <mc:Fallback>
+      <p:transition spd="slow">
+        <p:fade/>
+      </p:transition>
+    </mc:Fallback>
+  </mc:AlternateContent>
 </p:sldLayout>
 </file>
 
@@ -842,6 +2101,18 @@
   <p:clrMapOvr>
     <a:masterClrMapping/>
   </p:clrMapOvr>
+  <mc:AlternateContent xmlns:mc="http://schemas.openxmlformats.org/markup-compatibility/2006">
+    <mc:Choice xmlns:p14="http://schemas.microsoft.com/office/powerpoint/2010/main" Requires="p14">
+      <p:transition spd="slow" p14:dur="2000">
+        <p14:reveal/>
+      </p:transition>
+    </mc:Choice>
+    <mc:Fallback>
+      <p:transition spd="slow">
+        <p:fade/>
+      </p:transition>
+    </mc:Fallback>
+  </mc:AlternateContent>
 </p:sldLayout>
 </file>
 
@@ -1022,6 +2293,18 @@
   <p:clrMapOvr>
     <a:masterClrMapping/>
   </p:clrMapOvr>
+  <mc:AlternateContent xmlns:mc="http://schemas.openxmlformats.org/markup-compatibility/2006">
+    <mc:Choice xmlns:p14="http://schemas.microsoft.com/office/powerpoint/2010/main" Requires="p14">
+      <p:transition spd="slow" p14:dur="2000">
+        <p14:reveal/>
+      </p:transition>
+    </mc:Choice>
+    <mc:Fallback>
+      <p:transition spd="slow">
+        <p:fade/>
+      </p:transition>
+    </mc:Fallback>
+  </mc:AlternateContent>
 </p:sldLayout>
 </file>
 
@@ -1192,6 +2475,18 @@
   <p:clrMapOvr>
     <a:masterClrMapping/>
   </p:clrMapOvr>
+  <mc:AlternateContent xmlns:mc="http://schemas.openxmlformats.org/markup-compatibility/2006">
+    <mc:Choice xmlns:p14="http://schemas.microsoft.com/office/powerpoint/2010/main" Requires="p14">
+      <p:transition spd="slow" p14:dur="2000">
+        <p14:reveal/>
+      </p:transition>
+    </mc:Choice>
+    <mc:Fallback>
+      <p:transition spd="slow">
+        <p:fade/>
+      </p:transition>
+    </mc:Fallback>
+  </mc:AlternateContent>
 </p:sldLayout>
 </file>
 
@@ -1438,6 +2733,18 @@
   <p:clrMapOvr>
     <a:masterClrMapping/>
   </p:clrMapOvr>
+  <mc:AlternateContent xmlns:mc="http://schemas.openxmlformats.org/markup-compatibility/2006">
+    <mc:Choice xmlns:p14="http://schemas.microsoft.com/office/powerpoint/2010/main" Requires="p14">
+      <p:transition spd="slow" p14:dur="2000">
+        <p14:reveal/>
+      </p:transition>
+    </mc:Choice>
+    <mc:Fallback>
+      <p:transition spd="slow">
+        <p:fade/>
+      </p:transition>
+    </mc:Fallback>
+  </mc:AlternateContent>
 </p:sldLayout>
 </file>
 
@@ -1670,6 +2977,18 @@
   <p:clrMapOvr>
     <a:masterClrMapping/>
   </p:clrMapOvr>
+  <mc:AlternateContent xmlns:mc="http://schemas.openxmlformats.org/markup-compatibility/2006">
+    <mc:Choice xmlns:p14="http://schemas.microsoft.com/office/powerpoint/2010/main" Requires="p14">
+      <p:transition spd="slow" p14:dur="2000">
+        <p14:reveal/>
+      </p:transition>
+    </mc:Choice>
+    <mc:Fallback>
+      <p:transition spd="slow">
+        <p:fade/>
+      </p:transition>
+    </mc:Fallback>
+  </mc:AlternateContent>
 </p:sldLayout>
 </file>
 
@@ -2037,6 +3356,18 @@
   <p:clrMapOvr>
     <a:masterClrMapping/>
   </p:clrMapOvr>
+  <mc:AlternateContent xmlns:mc="http://schemas.openxmlformats.org/markup-compatibility/2006">
+    <mc:Choice xmlns:p14="http://schemas.microsoft.com/office/powerpoint/2010/main" Requires="p14">
+      <p:transition spd="slow" p14:dur="2000">
+        <p14:reveal/>
+      </p:transition>
+    </mc:Choice>
+    <mc:Fallback>
+      <p:transition spd="slow">
+        <p:fade/>
+      </p:transition>
+    </mc:Fallback>
+  </mc:AlternateContent>
 </p:sldLayout>
 </file>
 
@@ -2155,6 +3486,18 @@
   <p:clrMapOvr>
     <a:masterClrMapping/>
   </p:clrMapOvr>
+  <mc:AlternateContent xmlns:mc="http://schemas.openxmlformats.org/markup-compatibility/2006">
+    <mc:Choice xmlns:p14="http://schemas.microsoft.com/office/powerpoint/2010/main" Requires="p14">
+      <p:transition spd="slow" p14:dur="2000">
+        <p14:reveal/>
+      </p:transition>
+    </mc:Choice>
+    <mc:Fallback>
+      <p:transition spd="slow">
+        <p:fade/>
+      </p:transition>
+    </mc:Fallback>
+  </mc:AlternateContent>
 </p:sldLayout>
 </file>
 
@@ -2250,6 +3593,18 @@
   <p:clrMapOvr>
     <a:masterClrMapping/>
   </p:clrMapOvr>
+  <mc:AlternateContent xmlns:mc="http://schemas.openxmlformats.org/markup-compatibility/2006">
+    <mc:Choice xmlns:p14="http://schemas.microsoft.com/office/powerpoint/2010/main" Requires="p14">
+      <p:transition spd="slow" p14:dur="2000">
+        <p14:reveal/>
+      </p:transition>
+    </mc:Choice>
+    <mc:Fallback>
+      <p:transition spd="slow">
+        <p:fade/>
+      </p:transition>
+    </mc:Fallback>
+  </mc:AlternateContent>
 </p:sldLayout>
 </file>
 
@@ -2527,6 +3882,18 @@
   <p:clrMapOvr>
     <a:masterClrMapping/>
   </p:clrMapOvr>
+  <mc:AlternateContent xmlns:mc="http://schemas.openxmlformats.org/markup-compatibility/2006">
+    <mc:Choice xmlns:p14="http://schemas.microsoft.com/office/powerpoint/2010/main" Requires="p14">
+      <p:transition spd="slow" p14:dur="2000">
+        <p14:reveal/>
+      </p:transition>
+    </mc:Choice>
+    <mc:Fallback>
+      <p:transition spd="slow">
+        <p:fade/>
+      </p:transition>
+    </mc:Fallback>
+  </mc:AlternateContent>
 </p:sldLayout>
 </file>
 
@@ -2784,6 +4151,18 @@
   <p:clrMapOvr>
     <a:masterClrMapping/>
   </p:clrMapOvr>
+  <mc:AlternateContent xmlns:mc="http://schemas.openxmlformats.org/markup-compatibility/2006">
+    <mc:Choice xmlns:p14="http://schemas.microsoft.com/office/powerpoint/2010/main" Requires="p14">
+      <p:transition spd="slow" p14:dur="2000">
+        <p14:reveal/>
+      </p:transition>
+    </mc:Choice>
+    <mc:Fallback>
+      <p:transition spd="slow">
+        <p:fade/>
+      </p:transition>
+    </mc:Fallback>
+  </mc:AlternateContent>
 </p:sldLayout>
 </file>
 
@@ -3044,6 +4423,18 @@
     <p:sldLayoutId id="2147483670" r:id="rId10"/>
     <p:sldLayoutId id="2147483671" r:id="rId11"/>
   </p:sldLayoutIdLst>
+  <mc:AlternateContent xmlns:mc="http://schemas.openxmlformats.org/markup-compatibility/2006">
+    <mc:Choice xmlns:p14="http://schemas.microsoft.com/office/powerpoint/2010/main" Requires="p14">
+      <p:transition spd="slow" p14:dur="2000">
+        <p14:reveal/>
+      </p:transition>
+    </mc:Choice>
+    <mc:Fallback>
+      <p:transition spd="slow">
+        <p:fade/>
+      </p:transition>
+    </mc:Fallback>
+  </mc:AlternateContent>
   <p:txStyles>
     <p:titleStyle>
       <a:lvl1pPr algn="l" defTabSz="914400" rtl="0" eaLnBrk="1" latinLnBrk="0" hangingPunct="1">
@@ -3823,8 +5214,8 @@
   </p:clrMapOvr>
   <mc:AlternateContent xmlns:mc="http://schemas.openxmlformats.org/markup-compatibility/2006">
     <mc:Choice xmlns:p14="http://schemas.microsoft.com/office/powerpoint/2010/main" Requires="p14">
-      <p:transition spd="slow" p14:dur="1600">
-        <p14:gallery dir="l"/>
+      <p:transition spd="slow" p14:dur="2000">
+        <p14:reveal/>
       </p:transition>
     </mc:Choice>
     <mc:Fallback>
@@ -4044,6 +5435,18 @@
   <p:clrMapOvr>
     <a:masterClrMapping/>
   </p:clrMapOvr>
+  <mc:AlternateContent xmlns:mc="http://schemas.openxmlformats.org/markup-compatibility/2006">
+    <mc:Choice xmlns:p14="http://schemas.microsoft.com/office/powerpoint/2010/main" Requires="p14">
+      <p:transition spd="slow" p14:dur="2000">
+        <p14:reveal/>
+      </p:transition>
+    </mc:Choice>
+    <mc:Fallback>
+      <p:transition spd="slow">
+        <p:fade/>
+      </p:transition>
+    </mc:Fallback>
+  </mc:AlternateContent>
 </p:sld>
 </file>
 
@@ -4107,6 +5510,15 @@
             <a:off x="4198954" y="353505"/>
             <a:ext cx="3794092" cy="6116104"/>
           </a:xfrm>
+          <a:ln w="12700" cmpd="sng">
+            <a:solidFill>
+              <a:schemeClr val="accent4">
+                <a:lumMod val="60000"/>
+                <a:lumOff val="40000"/>
+                <a:alpha val="25000"/>
+              </a:schemeClr>
+            </a:solidFill>
+          </a:ln>
         </p:spPr>
       </p:pic>
       <p:pic>
@@ -4181,6 +5593,822 @@
           </a:prstGeom>
         </p:spPr>
       </p:pic>
+      <mc:AlternateContent xmlns:mc="http://schemas.openxmlformats.org/markup-compatibility/2006">
+        <mc:Choice xmlns:p14="http://schemas.microsoft.com/office/powerpoint/2010/main" Requires="p14">
+          <p:contentPart p14:bwMode="auto" r:id="rId5">
+            <p14:nvContentPartPr>
+              <p14:cNvPr id="2" name="Ink 1">
+                <a:extLst>
+                  <a:ext uri="{FF2B5EF4-FFF2-40B4-BE49-F238E27FC236}">
+                    <a16:creationId xmlns:a16="http://schemas.microsoft.com/office/drawing/2014/main" id="{A3CC03A4-380C-5BE1-B823-6142BDD0CDCF}"/>
+                  </a:ext>
+                </a:extLst>
+              </p14:cNvPr>
+              <p14:cNvContentPartPr/>
+              <p14:nvPr/>
+            </p14:nvContentPartPr>
+            <p14:xfrm>
+              <a:off x="4895367" y="849393"/>
+              <a:ext cx="507240" cy="28800"/>
+            </p14:xfrm>
+          </p:contentPart>
+        </mc:Choice>
+        <mc:Fallback>
+          <p:pic>
+            <p:nvPicPr>
+              <p:cNvPr id="2" name="Ink 1">
+                <a:extLst>
+                  <a:ext uri="{FF2B5EF4-FFF2-40B4-BE49-F238E27FC236}">
+                    <a16:creationId xmlns:a16="http://schemas.microsoft.com/office/drawing/2014/main" id="{A3CC03A4-380C-5BE1-B823-6142BDD0CDCF}"/>
+                  </a:ext>
+                </a:extLst>
+              </p:cNvPr>
+              <p:cNvPicPr/>
+              <p:nvPr/>
+            </p:nvPicPr>
+            <p:blipFill>
+              <a:blip r:embed="rId6"/>
+              <a:stretch>
+                <a:fillRect/>
+              </a:stretch>
+            </p:blipFill>
+            <p:spPr>
+              <a:xfrm>
+                <a:off x="4859367" y="777393"/>
+                <a:ext cx="578880" cy="172440"/>
+              </a:xfrm>
+              <a:prstGeom prst="rect">
+                <a:avLst/>
+              </a:prstGeom>
+            </p:spPr>
+          </p:pic>
+        </mc:Fallback>
+      </mc:AlternateContent>
+      <mc:AlternateContent xmlns:mc="http://schemas.openxmlformats.org/markup-compatibility/2006">
+        <mc:Choice xmlns:p14="http://schemas.microsoft.com/office/powerpoint/2010/main" Requires="p14">
+          <p:contentPart p14:bwMode="auto" r:id="rId7">
+            <p14:nvContentPartPr>
+              <p14:cNvPr id="3" name="Ink 2">
+                <a:extLst>
+                  <a:ext uri="{FF2B5EF4-FFF2-40B4-BE49-F238E27FC236}">
+                    <a16:creationId xmlns:a16="http://schemas.microsoft.com/office/drawing/2014/main" id="{1B549D08-7E5A-8801-BFC0-A2BDD8148B39}"/>
+                  </a:ext>
+                </a:extLst>
+              </p14:cNvPr>
+              <p14:cNvContentPartPr/>
+              <p14:nvPr/>
+            </p14:nvContentPartPr>
+            <p14:xfrm>
+              <a:off x="794247" y="3101193"/>
+              <a:ext cx="524160" cy="20880"/>
+            </p14:xfrm>
+          </p:contentPart>
+        </mc:Choice>
+        <mc:Fallback>
+          <p:pic>
+            <p:nvPicPr>
+              <p:cNvPr id="3" name="Ink 2">
+                <a:extLst>
+                  <a:ext uri="{FF2B5EF4-FFF2-40B4-BE49-F238E27FC236}">
+                    <a16:creationId xmlns:a16="http://schemas.microsoft.com/office/drawing/2014/main" id="{1B549D08-7E5A-8801-BFC0-A2BDD8148B39}"/>
+                  </a:ext>
+                </a:extLst>
+              </p:cNvPr>
+              <p:cNvPicPr/>
+              <p:nvPr/>
+            </p:nvPicPr>
+            <p:blipFill>
+              <a:blip r:embed="rId8"/>
+              <a:stretch>
+                <a:fillRect/>
+              </a:stretch>
+            </p:blipFill>
+            <p:spPr>
+              <a:xfrm>
+                <a:off x="758247" y="3029193"/>
+                <a:ext cx="595800" cy="164520"/>
+              </a:xfrm>
+              <a:prstGeom prst="rect">
+                <a:avLst/>
+              </a:prstGeom>
+            </p:spPr>
+          </p:pic>
+        </mc:Fallback>
+      </mc:AlternateContent>
+      <mc:AlternateContent xmlns:mc="http://schemas.openxmlformats.org/markup-compatibility/2006">
+        <mc:Choice xmlns:p14="http://schemas.microsoft.com/office/powerpoint/2010/main" Requires="p14">
+          <p:contentPart p14:bwMode="auto" r:id="rId9">
+            <p14:nvContentPartPr>
+              <p14:cNvPr id="5" name="Ink 4">
+                <a:extLst>
+                  <a:ext uri="{FF2B5EF4-FFF2-40B4-BE49-F238E27FC236}">
+                    <a16:creationId xmlns:a16="http://schemas.microsoft.com/office/drawing/2014/main" id="{36842D09-3DAC-8734-9750-2133AFE6BC90}"/>
+                  </a:ext>
+                </a:extLst>
+              </p14:cNvPr>
+              <p14:cNvContentPartPr/>
+              <p14:nvPr/>
+            </p14:nvContentPartPr>
+            <p14:xfrm>
+              <a:off x="8756007" y="5513193"/>
+              <a:ext cx="544320" cy="47520"/>
+            </p14:xfrm>
+          </p:contentPart>
+        </mc:Choice>
+        <mc:Fallback>
+          <p:pic>
+            <p:nvPicPr>
+              <p:cNvPr id="5" name="Ink 4">
+                <a:extLst>
+                  <a:ext uri="{FF2B5EF4-FFF2-40B4-BE49-F238E27FC236}">
+                    <a16:creationId xmlns:a16="http://schemas.microsoft.com/office/drawing/2014/main" id="{36842D09-3DAC-8734-9750-2133AFE6BC90}"/>
+                  </a:ext>
+                </a:extLst>
+              </p:cNvPr>
+              <p:cNvPicPr/>
+              <p:nvPr/>
+            </p:nvPicPr>
+            <p:blipFill>
+              <a:blip r:embed="rId10"/>
+              <a:stretch>
+                <a:fillRect/>
+              </a:stretch>
+            </p:blipFill>
+            <p:spPr>
+              <a:xfrm>
+                <a:off x="8720007" y="5441553"/>
+                <a:ext cx="615960" cy="191160"/>
+              </a:xfrm>
+              <a:prstGeom prst="rect">
+                <a:avLst/>
+              </a:prstGeom>
+            </p:spPr>
+          </p:pic>
+        </mc:Fallback>
+      </mc:AlternateContent>
+      <mc:AlternateContent xmlns:mc="http://schemas.openxmlformats.org/markup-compatibility/2006">
+        <mc:Choice xmlns:p14="http://schemas.microsoft.com/office/powerpoint/2010/main" Requires="p14">
+          <p:contentPart p14:bwMode="auto" r:id="rId11">
+            <p14:nvContentPartPr>
+              <p14:cNvPr id="7" name="Ink 6">
+                <a:extLst>
+                  <a:ext uri="{FF2B5EF4-FFF2-40B4-BE49-F238E27FC236}">
+                    <a16:creationId xmlns:a16="http://schemas.microsoft.com/office/drawing/2014/main" id="{E90E62B2-6813-BBA5-ADB0-B9AAFB65272B}"/>
+                  </a:ext>
+                </a:extLst>
+              </p14:cNvPr>
+              <p14:cNvContentPartPr/>
+              <p14:nvPr/>
+            </p14:nvContentPartPr>
+            <p14:xfrm>
+              <a:off x="5061327" y="1080153"/>
+              <a:ext cx="346320" cy="49680"/>
+            </p14:xfrm>
+          </p:contentPart>
+        </mc:Choice>
+        <mc:Fallback>
+          <p:pic>
+            <p:nvPicPr>
+              <p:cNvPr id="7" name="Ink 6">
+                <a:extLst>
+                  <a:ext uri="{FF2B5EF4-FFF2-40B4-BE49-F238E27FC236}">
+                    <a16:creationId xmlns:a16="http://schemas.microsoft.com/office/drawing/2014/main" id="{E90E62B2-6813-BBA5-ADB0-B9AAFB65272B}"/>
+                  </a:ext>
+                </a:extLst>
+              </p:cNvPr>
+              <p:cNvPicPr/>
+              <p:nvPr/>
+            </p:nvPicPr>
+            <p:blipFill>
+              <a:blip r:embed="rId12"/>
+              <a:stretch>
+                <a:fillRect/>
+              </a:stretch>
+            </p:blipFill>
+            <p:spPr>
+              <a:xfrm>
+                <a:off x="5025687" y="1008513"/>
+                <a:ext cx="417960" cy="193320"/>
+              </a:xfrm>
+              <a:prstGeom prst="rect">
+                <a:avLst/>
+              </a:prstGeom>
+            </p:spPr>
+          </p:pic>
+        </mc:Fallback>
+      </mc:AlternateContent>
+      <mc:AlternateContent xmlns:mc="http://schemas.openxmlformats.org/markup-compatibility/2006">
+        <mc:Choice xmlns:p14="http://schemas.microsoft.com/office/powerpoint/2010/main" Requires="p14">
+          <p:contentPart p14:bwMode="auto" r:id="rId13">
+            <p14:nvContentPartPr>
+              <p14:cNvPr id="8" name="Ink 7">
+                <a:extLst>
+                  <a:ext uri="{FF2B5EF4-FFF2-40B4-BE49-F238E27FC236}">
+                    <a16:creationId xmlns:a16="http://schemas.microsoft.com/office/drawing/2014/main" id="{9379E53F-86EC-CB2D-ADB3-1049939ECE4D}"/>
+                  </a:ext>
+                </a:extLst>
+              </p14:cNvPr>
+              <p14:cNvContentPartPr/>
+              <p14:nvPr/>
+            </p14:nvContentPartPr>
+            <p14:xfrm>
+              <a:off x="988287" y="4107753"/>
+              <a:ext cx="313200" cy="21240"/>
+            </p14:xfrm>
+          </p:contentPart>
+        </mc:Choice>
+        <mc:Fallback>
+          <p:pic>
+            <p:nvPicPr>
+              <p:cNvPr id="8" name="Ink 7">
+                <a:extLst>
+                  <a:ext uri="{FF2B5EF4-FFF2-40B4-BE49-F238E27FC236}">
+                    <a16:creationId xmlns:a16="http://schemas.microsoft.com/office/drawing/2014/main" id="{9379E53F-86EC-CB2D-ADB3-1049939ECE4D}"/>
+                  </a:ext>
+                </a:extLst>
+              </p:cNvPr>
+              <p:cNvPicPr/>
+              <p:nvPr/>
+            </p:nvPicPr>
+            <p:blipFill>
+              <a:blip r:embed="rId14"/>
+              <a:stretch>
+                <a:fillRect/>
+              </a:stretch>
+            </p:blipFill>
+            <p:spPr>
+              <a:xfrm>
+                <a:off x="952287" y="4035753"/>
+                <a:ext cx="384840" cy="164880"/>
+              </a:xfrm>
+              <a:prstGeom prst="rect">
+                <a:avLst/>
+              </a:prstGeom>
+            </p:spPr>
+          </p:pic>
+        </mc:Fallback>
+      </mc:AlternateContent>
+      <mc:AlternateContent xmlns:mc="http://schemas.openxmlformats.org/markup-compatibility/2006">
+        <mc:Choice xmlns:p14="http://schemas.microsoft.com/office/powerpoint/2010/main" Requires="p14">
+          <p:contentPart p14:bwMode="auto" r:id="rId15">
+            <p14:nvContentPartPr>
+              <p14:cNvPr id="10" name="Ink 9">
+                <a:extLst>
+                  <a:ext uri="{FF2B5EF4-FFF2-40B4-BE49-F238E27FC236}">
+                    <a16:creationId xmlns:a16="http://schemas.microsoft.com/office/drawing/2014/main" id="{BB4A4398-1809-7E33-3D02-BFEF5F180E78}"/>
+                  </a:ext>
+                </a:extLst>
+              </p14:cNvPr>
+              <p14:cNvContentPartPr/>
+              <p14:nvPr/>
+            </p14:nvContentPartPr>
+            <p14:xfrm>
+              <a:off x="812607" y="3896793"/>
+              <a:ext cx="507240" cy="37800"/>
+            </p14:xfrm>
+          </p:contentPart>
+        </mc:Choice>
+        <mc:Fallback>
+          <p:pic>
+            <p:nvPicPr>
+              <p:cNvPr id="10" name="Ink 9">
+                <a:extLst>
+                  <a:ext uri="{FF2B5EF4-FFF2-40B4-BE49-F238E27FC236}">
+                    <a16:creationId xmlns:a16="http://schemas.microsoft.com/office/drawing/2014/main" id="{BB4A4398-1809-7E33-3D02-BFEF5F180E78}"/>
+                  </a:ext>
+                </a:extLst>
+              </p:cNvPr>
+              <p:cNvPicPr/>
+              <p:nvPr/>
+            </p:nvPicPr>
+            <p:blipFill>
+              <a:blip r:embed="rId16"/>
+              <a:stretch>
+                <a:fillRect/>
+              </a:stretch>
+            </p:blipFill>
+            <p:spPr>
+              <a:xfrm>
+                <a:off x="776967" y="3825153"/>
+                <a:ext cx="578880" cy="181440"/>
+              </a:xfrm>
+              <a:prstGeom prst="rect">
+                <a:avLst/>
+              </a:prstGeom>
+            </p:spPr>
+          </p:pic>
+        </mc:Fallback>
+      </mc:AlternateContent>
+      <mc:AlternateContent xmlns:mc="http://schemas.openxmlformats.org/markup-compatibility/2006">
+        <mc:Choice xmlns:p14="http://schemas.microsoft.com/office/powerpoint/2010/main" Requires="p14">
+          <p:contentPart p14:bwMode="auto" r:id="rId17">
+            <p14:nvContentPartPr>
+              <p14:cNvPr id="11" name="Ink 10">
+                <a:extLst>
+                  <a:ext uri="{FF2B5EF4-FFF2-40B4-BE49-F238E27FC236}">
+                    <a16:creationId xmlns:a16="http://schemas.microsoft.com/office/drawing/2014/main" id="{F4195B3A-EA7D-8065-639D-1C496710B325}"/>
+                  </a:ext>
+                </a:extLst>
+              </p14:cNvPr>
+              <p14:cNvContentPartPr/>
+              <p14:nvPr/>
+            </p14:nvContentPartPr>
+            <p14:xfrm>
+              <a:off x="4470207" y="1458873"/>
+              <a:ext cx="941760" cy="47160"/>
+            </p14:xfrm>
+          </p:contentPart>
+        </mc:Choice>
+        <mc:Fallback>
+          <p:pic>
+            <p:nvPicPr>
+              <p:cNvPr id="11" name="Ink 10">
+                <a:extLst>
+                  <a:ext uri="{FF2B5EF4-FFF2-40B4-BE49-F238E27FC236}">
+                    <a16:creationId xmlns:a16="http://schemas.microsoft.com/office/drawing/2014/main" id="{F4195B3A-EA7D-8065-639D-1C496710B325}"/>
+                  </a:ext>
+                </a:extLst>
+              </p:cNvPr>
+              <p:cNvPicPr/>
+              <p:nvPr/>
+            </p:nvPicPr>
+            <p:blipFill>
+              <a:blip r:embed="rId18"/>
+              <a:stretch>
+                <a:fillRect/>
+              </a:stretch>
+            </p:blipFill>
+            <p:spPr>
+              <a:xfrm>
+                <a:off x="4434207" y="1386873"/>
+                <a:ext cx="1013400" cy="190800"/>
+              </a:xfrm>
+              <a:prstGeom prst="rect">
+                <a:avLst/>
+              </a:prstGeom>
+            </p:spPr>
+          </p:pic>
+        </mc:Fallback>
+      </mc:AlternateContent>
+      <mc:AlternateContent xmlns:mc="http://schemas.openxmlformats.org/markup-compatibility/2006">
+        <mc:Choice xmlns:p14="http://schemas.microsoft.com/office/powerpoint/2010/main" Requires="p14">
+          <p:contentPart p14:bwMode="auto" r:id="rId19">
+            <p14:nvContentPartPr>
+              <p14:cNvPr id="12" name="Ink 11">
+                <a:extLst>
+                  <a:ext uri="{FF2B5EF4-FFF2-40B4-BE49-F238E27FC236}">
+                    <a16:creationId xmlns:a16="http://schemas.microsoft.com/office/drawing/2014/main" id="{FD4F24B2-B61F-7C49-DB82-DB4161196A28}"/>
+                  </a:ext>
+                </a:extLst>
+              </p14:cNvPr>
+              <p14:cNvContentPartPr/>
+              <p14:nvPr/>
+            </p14:nvContentPartPr>
+            <p14:xfrm>
+              <a:off x="4895727" y="2122713"/>
+              <a:ext cx="554040" cy="20520"/>
+            </p14:xfrm>
+          </p:contentPart>
+        </mc:Choice>
+        <mc:Fallback>
+          <p:pic>
+            <p:nvPicPr>
+              <p:cNvPr id="12" name="Ink 11">
+                <a:extLst>
+                  <a:ext uri="{FF2B5EF4-FFF2-40B4-BE49-F238E27FC236}">
+                    <a16:creationId xmlns:a16="http://schemas.microsoft.com/office/drawing/2014/main" id="{FD4F24B2-B61F-7C49-DB82-DB4161196A28}"/>
+                  </a:ext>
+                </a:extLst>
+              </p:cNvPr>
+              <p:cNvPicPr/>
+              <p:nvPr/>
+            </p:nvPicPr>
+            <p:blipFill>
+              <a:blip r:embed="rId20"/>
+              <a:stretch>
+                <a:fillRect/>
+              </a:stretch>
+            </p:blipFill>
+            <p:spPr>
+              <a:xfrm>
+                <a:off x="4860087" y="2050713"/>
+                <a:ext cx="625680" cy="164160"/>
+              </a:xfrm>
+              <a:prstGeom prst="rect">
+                <a:avLst/>
+              </a:prstGeom>
+            </p:spPr>
+          </p:pic>
+        </mc:Fallback>
+      </mc:AlternateContent>
+      <mc:AlternateContent xmlns:mc="http://schemas.openxmlformats.org/markup-compatibility/2006">
+        <mc:Choice xmlns:p14="http://schemas.microsoft.com/office/powerpoint/2010/main" Requires="p14">
+          <p:contentPart p14:bwMode="auto" r:id="rId21">
+            <p14:nvContentPartPr>
+              <p14:cNvPr id="13" name="Ink 12">
+                <a:extLst>
+                  <a:ext uri="{FF2B5EF4-FFF2-40B4-BE49-F238E27FC236}">
+                    <a16:creationId xmlns:a16="http://schemas.microsoft.com/office/drawing/2014/main" id="{42EB3A8D-D28E-68AF-24CA-DA6D3CF5A274}"/>
+                  </a:ext>
+                </a:extLst>
+              </p14:cNvPr>
+              <p14:cNvContentPartPr/>
+              <p14:nvPr/>
+            </p14:nvContentPartPr>
+            <p14:xfrm>
+              <a:off x="5080047" y="2706633"/>
+              <a:ext cx="351000" cy="18360"/>
+            </p14:xfrm>
+          </p:contentPart>
+        </mc:Choice>
+        <mc:Fallback>
+          <p:pic>
+            <p:nvPicPr>
+              <p:cNvPr id="13" name="Ink 12">
+                <a:extLst>
+                  <a:ext uri="{FF2B5EF4-FFF2-40B4-BE49-F238E27FC236}">
+                    <a16:creationId xmlns:a16="http://schemas.microsoft.com/office/drawing/2014/main" id="{42EB3A8D-D28E-68AF-24CA-DA6D3CF5A274}"/>
+                  </a:ext>
+                </a:extLst>
+              </p:cNvPr>
+              <p:cNvPicPr/>
+              <p:nvPr/>
+            </p:nvPicPr>
+            <p:blipFill>
+              <a:blip r:embed="rId22"/>
+              <a:stretch>
+                <a:fillRect/>
+              </a:stretch>
+            </p:blipFill>
+            <p:spPr>
+              <a:xfrm>
+                <a:off x="5044047" y="2634993"/>
+                <a:ext cx="422640" cy="162000"/>
+              </a:xfrm>
+              <a:prstGeom prst="rect">
+                <a:avLst/>
+              </a:prstGeom>
+            </p:spPr>
+          </p:pic>
+        </mc:Fallback>
+      </mc:AlternateContent>
+      <mc:AlternateContent xmlns:mc="http://schemas.openxmlformats.org/markup-compatibility/2006">
+        <mc:Choice xmlns:p14="http://schemas.microsoft.com/office/powerpoint/2010/main" Requires="p14">
+          <p:contentPart p14:bwMode="auto" r:id="rId23">
+            <p14:nvContentPartPr>
+              <p14:cNvPr id="14" name="Ink 13">
+                <a:extLst>
+                  <a:ext uri="{FF2B5EF4-FFF2-40B4-BE49-F238E27FC236}">
+                    <a16:creationId xmlns:a16="http://schemas.microsoft.com/office/drawing/2014/main" id="{5C7DFBC5-BFCF-4AAB-5052-F0C7738816EE}"/>
+                  </a:ext>
+                </a:extLst>
+              </p14:cNvPr>
+              <p14:cNvContentPartPr/>
+              <p14:nvPr/>
+            </p14:nvContentPartPr>
+            <p14:xfrm>
+              <a:off x="955887" y="5162553"/>
+              <a:ext cx="402120" cy="10800"/>
+            </p14:xfrm>
+          </p:contentPart>
+        </mc:Choice>
+        <mc:Fallback>
+          <p:pic>
+            <p:nvPicPr>
+              <p:cNvPr id="14" name="Ink 13">
+                <a:extLst>
+                  <a:ext uri="{FF2B5EF4-FFF2-40B4-BE49-F238E27FC236}">
+                    <a16:creationId xmlns:a16="http://schemas.microsoft.com/office/drawing/2014/main" id="{5C7DFBC5-BFCF-4AAB-5052-F0C7738816EE}"/>
+                  </a:ext>
+                </a:extLst>
+              </p:cNvPr>
+              <p:cNvPicPr/>
+              <p:nvPr/>
+            </p:nvPicPr>
+            <p:blipFill>
+              <a:blip r:embed="rId24"/>
+              <a:stretch>
+                <a:fillRect/>
+              </a:stretch>
+            </p:blipFill>
+            <p:spPr>
+              <a:xfrm>
+                <a:off x="919887" y="5090553"/>
+                <a:ext cx="473760" cy="154440"/>
+              </a:xfrm>
+              <a:prstGeom prst="rect">
+                <a:avLst/>
+              </a:prstGeom>
+            </p:spPr>
+          </p:pic>
+        </mc:Fallback>
+      </mc:AlternateContent>
+      <mc:AlternateContent xmlns:mc="http://schemas.openxmlformats.org/markup-compatibility/2006">
+        <mc:Choice xmlns:p14="http://schemas.microsoft.com/office/powerpoint/2010/main" Requires="p14">
+          <p:contentPart p14:bwMode="auto" r:id="rId25">
+            <p14:nvContentPartPr>
+              <p14:cNvPr id="15" name="Ink 14">
+                <a:extLst>
+                  <a:ext uri="{FF2B5EF4-FFF2-40B4-BE49-F238E27FC236}">
+                    <a16:creationId xmlns:a16="http://schemas.microsoft.com/office/drawing/2014/main" id="{DB65DC4C-74FC-7DCF-5C9E-14EBEA891691}"/>
+                  </a:ext>
+                </a:extLst>
+              </p14:cNvPr>
+              <p14:cNvContentPartPr/>
+              <p14:nvPr/>
+            </p14:nvContentPartPr>
+            <p14:xfrm>
+              <a:off x="5072127" y="2908953"/>
+              <a:ext cx="359280" cy="20880"/>
+            </p14:xfrm>
+          </p:contentPart>
+        </mc:Choice>
+        <mc:Fallback>
+          <p:pic>
+            <p:nvPicPr>
+              <p:cNvPr id="15" name="Ink 14">
+                <a:extLst>
+                  <a:ext uri="{FF2B5EF4-FFF2-40B4-BE49-F238E27FC236}">
+                    <a16:creationId xmlns:a16="http://schemas.microsoft.com/office/drawing/2014/main" id="{DB65DC4C-74FC-7DCF-5C9E-14EBEA891691}"/>
+                  </a:ext>
+                </a:extLst>
+              </p:cNvPr>
+              <p:cNvPicPr/>
+              <p:nvPr/>
+            </p:nvPicPr>
+            <p:blipFill>
+              <a:blip r:embed="rId26"/>
+              <a:stretch>
+                <a:fillRect/>
+              </a:stretch>
+            </p:blipFill>
+            <p:spPr>
+              <a:xfrm>
+                <a:off x="5036127" y="2836953"/>
+                <a:ext cx="430920" cy="164520"/>
+              </a:xfrm>
+              <a:prstGeom prst="rect">
+                <a:avLst/>
+              </a:prstGeom>
+            </p:spPr>
+          </p:pic>
+        </mc:Fallback>
+      </mc:AlternateContent>
+      <mc:AlternateContent xmlns:mc="http://schemas.openxmlformats.org/markup-compatibility/2006">
+        <mc:Choice xmlns:p14="http://schemas.microsoft.com/office/powerpoint/2010/main" Requires="p14">
+          <p:contentPart p14:bwMode="auto" r:id="rId27">
+            <p14:nvContentPartPr>
+              <p14:cNvPr id="16" name="Ink 15">
+                <a:extLst>
+                  <a:ext uri="{FF2B5EF4-FFF2-40B4-BE49-F238E27FC236}">
+                    <a16:creationId xmlns:a16="http://schemas.microsoft.com/office/drawing/2014/main" id="{86D113A5-C232-2125-20C5-BEEF9F7ACCF6}"/>
+                  </a:ext>
+                </a:extLst>
+              </p14:cNvPr>
+              <p14:cNvContentPartPr/>
+              <p14:nvPr/>
+            </p14:nvContentPartPr>
+            <p14:xfrm>
+              <a:off x="8932047" y="4544073"/>
+              <a:ext cx="387720" cy="10080"/>
+            </p14:xfrm>
+          </p:contentPart>
+        </mc:Choice>
+        <mc:Fallback>
+          <p:pic>
+            <p:nvPicPr>
+              <p:cNvPr id="16" name="Ink 15">
+                <a:extLst>
+                  <a:ext uri="{FF2B5EF4-FFF2-40B4-BE49-F238E27FC236}">
+                    <a16:creationId xmlns:a16="http://schemas.microsoft.com/office/drawing/2014/main" id="{86D113A5-C232-2125-20C5-BEEF9F7ACCF6}"/>
+                  </a:ext>
+                </a:extLst>
+              </p:cNvPr>
+              <p:cNvPicPr/>
+              <p:nvPr/>
+            </p:nvPicPr>
+            <p:blipFill>
+              <a:blip r:embed="rId28"/>
+              <a:stretch>
+                <a:fillRect/>
+              </a:stretch>
+            </p:blipFill>
+            <p:spPr>
+              <a:xfrm>
+                <a:off x="8896047" y="4472073"/>
+                <a:ext cx="459360" cy="153720"/>
+              </a:xfrm>
+              <a:prstGeom prst="rect">
+                <a:avLst/>
+              </a:prstGeom>
+            </p:spPr>
+          </p:pic>
+        </mc:Fallback>
+      </mc:AlternateContent>
+      <mc:AlternateContent xmlns:mc="http://schemas.openxmlformats.org/markup-compatibility/2006">
+        <mc:Choice xmlns:p14="http://schemas.microsoft.com/office/powerpoint/2010/main" Requires="p14">
+          <p:contentPart p14:bwMode="auto" r:id="rId29">
+            <p14:nvContentPartPr>
+              <p14:cNvPr id="17" name="Ink 16">
+                <a:extLst>
+                  <a:ext uri="{FF2B5EF4-FFF2-40B4-BE49-F238E27FC236}">
+                    <a16:creationId xmlns:a16="http://schemas.microsoft.com/office/drawing/2014/main" id="{EDAEE085-B749-F3E5-EFFD-F5440E2EAB78}"/>
+                  </a:ext>
+                </a:extLst>
+              </p14:cNvPr>
+              <p14:cNvContentPartPr/>
+              <p14:nvPr/>
+            </p14:nvContentPartPr>
+            <p14:xfrm>
+              <a:off x="5135847" y="3537153"/>
+              <a:ext cx="304560" cy="360"/>
+            </p14:xfrm>
+          </p:contentPart>
+        </mc:Choice>
+        <mc:Fallback>
+          <p:pic>
+            <p:nvPicPr>
+              <p:cNvPr id="17" name="Ink 16">
+                <a:extLst>
+                  <a:ext uri="{FF2B5EF4-FFF2-40B4-BE49-F238E27FC236}">
+                    <a16:creationId xmlns:a16="http://schemas.microsoft.com/office/drawing/2014/main" id="{EDAEE085-B749-F3E5-EFFD-F5440E2EAB78}"/>
+                  </a:ext>
+                </a:extLst>
+              </p:cNvPr>
+              <p:cNvPicPr/>
+              <p:nvPr/>
+            </p:nvPicPr>
+            <p:blipFill>
+              <a:blip r:embed="rId30"/>
+              <a:stretch>
+                <a:fillRect/>
+              </a:stretch>
+            </p:blipFill>
+            <p:spPr>
+              <a:xfrm>
+                <a:off x="5100207" y="3465513"/>
+                <a:ext cx="376200" cy="144000"/>
+              </a:xfrm>
+              <a:prstGeom prst="rect">
+                <a:avLst/>
+              </a:prstGeom>
+            </p:spPr>
+          </p:pic>
+        </mc:Fallback>
+      </mc:AlternateContent>
+      <mc:AlternateContent xmlns:mc="http://schemas.openxmlformats.org/markup-compatibility/2006">
+        <mc:Choice xmlns:p14="http://schemas.microsoft.com/office/powerpoint/2010/main" Requires="p14">
+          <p:contentPart p14:bwMode="auto" r:id="rId31">
+            <p14:nvContentPartPr>
+              <p14:cNvPr id="18" name="Ink 17">
+                <a:extLst>
+                  <a:ext uri="{FF2B5EF4-FFF2-40B4-BE49-F238E27FC236}">
+                    <a16:creationId xmlns:a16="http://schemas.microsoft.com/office/drawing/2014/main" id="{964B0CDF-4AA0-F36B-B77F-34AA2DBB39E5}"/>
+                  </a:ext>
+                </a:extLst>
+              </p14:cNvPr>
+              <p14:cNvContentPartPr/>
+              <p14:nvPr/>
+            </p14:nvContentPartPr>
+            <p14:xfrm>
+              <a:off x="1035087" y="4562433"/>
+              <a:ext cx="341280" cy="360"/>
+            </p14:xfrm>
+          </p:contentPart>
+        </mc:Choice>
+        <mc:Fallback>
+          <p:pic>
+            <p:nvPicPr>
+              <p:cNvPr id="18" name="Ink 17">
+                <a:extLst>
+                  <a:ext uri="{FF2B5EF4-FFF2-40B4-BE49-F238E27FC236}">
+                    <a16:creationId xmlns:a16="http://schemas.microsoft.com/office/drawing/2014/main" id="{964B0CDF-4AA0-F36B-B77F-34AA2DBB39E5}"/>
+                  </a:ext>
+                </a:extLst>
+              </p:cNvPr>
+              <p:cNvPicPr/>
+              <p:nvPr/>
+            </p:nvPicPr>
+            <p:blipFill>
+              <a:blip r:embed="rId32"/>
+              <a:stretch>
+                <a:fillRect/>
+              </a:stretch>
+            </p:blipFill>
+            <p:spPr>
+              <a:xfrm>
+                <a:off x="999447" y="4490793"/>
+                <a:ext cx="412920" cy="144000"/>
+              </a:xfrm>
+              <a:prstGeom prst="rect">
+                <a:avLst/>
+              </a:prstGeom>
+            </p:spPr>
+          </p:pic>
+        </mc:Fallback>
+      </mc:AlternateContent>
+      <mc:AlternateContent xmlns:mc="http://schemas.openxmlformats.org/markup-compatibility/2006">
+        <mc:Choice xmlns:p14="http://schemas.microsoft.com/office/powerpoint/2010/main" Requires="p14">
+          <p:contentPart p14:bwMode="auto" r:id="rId33">
+            <p14:nvContentPartPr>
+              <p14:cNvPr id="19" name="Ink 18">
+                <a:extLst>
+                  <a:ext uri="{FF2B5EF4-FFF2-40B4-BE49-F238E27FC236}">
+                    <a16:creationId xmlns:a16="http://schemas.microsoft.com/office/drawing/2014/main" id="{A5CB8593-E690-AF5A-D7D7-A87E069BCFB4}"/>
+                  </a:ext>
+                </a:extLst>
+              </p14:cNvPr>
+              <p14:cNvContentPartPr/>
+              <p14:nvPr/>
+            </p14:nvContentPartPr>
+            <p14:xfrm>
+              <a:off x="5127207" y="4117473"/>
+              <a:ext cx="322560" cy="20520"/>
+            </p14:xfrm>
+          </p:contentPart>
+        </mc:Choice>
+        <mc:Fallback>
+          <p:pic>
+            <p:nvPicPr>
+              <p:cNvPr id="19" name="Ink 18">
+                <a:extLst>
+                  <a:ext uri="{FF2B5EF4-FFF2-40B4-BE49-F238E27FC236}">
+                    <a16:creationId xmlns:a16="http://schemas.microsoft.com/office/drawing/2014/main" id="{A5CB8593-E690-AF5A-D7D7-A87E069BCFB4}"/>
+                  </a:ext>
+                </a:extLst>
+              </p:cNvPr>
+              <p:cNvPicPr/>
+              <p:nvPr/>
+            </p:nvPicPr>
+            <p:blipFill>
+              <a:blip r:embed="rId34"/>
+              <a:stretch>
+                <a:fillRect/>
+              </a:stretch>
+            </p:blipFill>
+            <p:spPr>
+              <a:xfrm>
+                <a:off x="5091207" y="4045473"/>
+                <a:ext cx="394200" cy="164160"/>
+              </a:xfrm>
+              <a:prstGeom prst="rect">
+                <a:avLst/>
+              </a:prstGeom>
+            </p:spPr>
+          </p:pic>
+        </mc:Fallback>
+      </mc:AlternateContent>
+      <mc:AlternateContent xmlns:mc="http://schemas.openxmlformats.org/markup-compatibility/2006">
+        <mc:Choice xmlns:p14="http://schemas.microsoft.com/office/powerpoint/2010/main" Requires="p14">
+          <p:contentPart p14:bwMode="auto" r:id="rId35">
+            <p14:nvContentPartPr>
+              <p14:cNvPr id="20" name="Ink 19">
+                <a:extLst>
+                  <a:ext uri="{FF2B5EF4-FFF2-40B4-BE49-F238E27FC236}">
+                    <a16:creationId xmlns:a16="http://schemas.microsoft.com/office/drawing/2014/main" id="{05B08D7A-D3B6-A091-73D0-F4379373386F}"/>
+                  </a:ext>
+                </a:extLst>
+              </p14:cNvPr>
+              <p14:cNvContentPartPr/>
+              <p14:nvPr/>
+            </p14:nvContentPartPr>
+            <p14:xfrm>
+              <a:off x="1016367" y="4737753"/>
+              <a:ext cx="369000" cy="28440"/>
+            </p14:xfrm>
+          </p:contentPart>
+        </mc:Choice>
+        <mc:Fallback>
+          <p:pic>
+            <p:nvPicPr>
+              <p:cNvPr id="20" name="Ink 19">
+                <a:extLst>
+                  <a:ext uri="{FF2B5EF4-FFF2-40B4-BE49-F238E27FC236}">
+                    <a16:creationId xmlns:a16="http://schemas.microsoft.com/office/drawing/2014/main" id="{05B08D7A-D3B6-A091-73D0-F4379373386F}"/>
+                  </a:ext>
+                </a:extLst>
+              </p:cNvPr>
+              <p:cNvPicPr/>
+              <p:nvPr/>
+            </p:nvPicPr>
+            <p:blipFill>
+              <a:blip r:embed="rId36"/>
+              <a:stretch>
+                <a:fillRect/>
+              </a:stretch>
+            </p:blipFill>
+            <p:spPr>
+              <a:xfrm>
+                <a:off x="980727" y="4665753"/>
+                <a:ext cx="440640" cy="172080"/>
+              </a:xfrm>
+              <a:prstGeom prst="rect">
+                <a:avLst/>
+              </a:prstGeom>
+            </p:spPr>
+          </p:pic>
+        </mc:Fallback>
+      </mc:AlternateContent>
     </p:spTree>
     <p:extLst>
       <p:ext uri="{BB962C8B-B14F-4D97-AF65-F5344CB8AC3E}">
@@ -4191,6 +6419,18 @@
   <p:clrMapOvr>
     <a:masterClrMapping/>
   </p:clrMapOvr>
+  <mc:AlternateContent xmlns:mc="http://schemas.openxmlformats.org/markup-compatibility/2006">
+    <mc:Choice xmlns:p14="http://schemas.microsoft.com/office/powerpoint/2010/main" Requires="p14">
+      <p:transition spd="slow" p14:dur="2000">
+        <p14:reveal/>
+      </p:transition>
+    </mc:Choice>
+    <mc:Fallback>
+      <p:transition spd="slow">
+        <p:fade/>
+      </p:transition>
+    </mc:Fallback>
+  </mc:AlternateContent>
 </p:sld>
 </file>
 
@@ -4330,6 +6570,1383 @@
           </a:prstGeom>
         </p:spPr>
       </p:pic>
+      <mc:AlternateContent xmlns:mc="http://schemas.openxmlformats.org/markup-compatibility/2006">
+        <mc:Choice xmlns:p14="http://schemas.microsoft.com/office/powerpoint/2010/main" Requires="p14">
+          <p:contentPart p14:bwMode="auto" r:id="rId5">
+            <p14:nvContentPartPr>
+              <p14:cNvPr id="2" name="Ink 1">
+                <a:extLst>
+                  <a:ext uri="{FF2B5EF4-FFF2-40B4-BE49-F238E27FC236}">
+                    <a16:creationId xmlns:a16="http://schemas.microsoft.com/office/drawing/2014/main" id="{DB5FBC8F-BD40-E9D6-C798-0B49975108BC}"/>
+                  </a:ext>
+                </a:extLst>
+              </p14:cNvPr>
+              <p14:cNvContentPartPr/>
+              <p14:nvPr/>
+            </p14:nvContentPartPr>
+            <p14:xfrm>
+              <a:off x="5210367" y="868113"/>
+              <a:ext cx="433440" cy="37800"/>
+            </p14:xfrm>
+          </p:contentPart>
+        </mc:Choice>
+        <mc:Fallback>
+          <p:pic>
+            <p:nvPicPr>
+              <p:cNvPr id="2" name="Ink 1">
+                <a:extLst>
+                  <a:ext uri="{FF2B5EF4-FFF2-40B4-BE49-F238E27FC236}">
+                    <a16:creationId xmlns:a16="http://schemas.microsoft.com/office/drawing/2014/main" id="{DB5FBC8F-BD40-E9D6-C798-0B49975108BC}"/>
+                  </a:ext>
+                </a:extLst>
+              </p:cNvPr>
+              <p:cNvPicPr/>
+              <p:nvPr/>
+            </p:nvPicPr>
+            <p:blipFill>
+              <a:blip r:embed="rId6"/>
+              <a:stretch>
+                <a:fillRect/>
+              </a:stretch>
+            </p:blipFill>
+            <p:spPr>
+              <a:xfrm>
+                <a:off x="5174367" y="796113"/>
+                <a:ext cx="505080" cy="181440"/>
+              </a:xfrm>
+              <a:prstGeom prst="rect">
+                <a:avLst/>
+              </a:prstGeom>
+            </p:spPr>
+          </p:pic>
+        </mc:Fallback>
+      </mc:AlternateContent>
+      <mc:AlternateContent xmlns:mc="http://schemas.openxmlformats.org/markup-compatibility/2006">
+        <mc:Choice xmlns:p14="http://schemas.microsoft.com/office/powerpoint/2010/main" Requires="p14">
+          <p:contentPart p14:bwMode="auto" r:id="rId7">
+            <p14:nvContentPartPr>
+              <p14:cNvPr id="4" name="Ink 3">
+                <a:extLst>
+                  <a:ext uri="{FF2B5EF4-FFF2-40B4-BE49-F238E27FC236}">
+                    <a16:creationId xmlns:a16="http://schemas.microsoft.com/office/drawing/2014/main" id="{80DEF792-1110-2FA3-27AC-67A805BF18B0}"/>
+                  </a:ext>
+                </a:extLst>
+              </p14:cNvPr>
+              <p14:cNvContentPartPr/>
+              <p14:nvPr/>
+            </p14:nvContentPartPr>
+            <p14:xfrm>
+              <a:off x="1100607" y="1458513"/>
+              <a:ext cx="433080" cy="19800"/>
+            </p14:xfrm>
+          </p:contentPart>
+        </mc:Choice>
+        <mc:Fallback>
+          <p:pic>
+            <p:nvPicPr>
+              <p:cNvPr id="4" name="Ink 3">
+                <a:extLst>
+                  <a:ext uri="{FF2B5EF4-FFF2-40B4-BE49-F238E27FC236}">
+                    <a16:creationId xmlns:a16="http://schemas.microsoft.com/office/drawing/2014/main" id="{80DEF792-1110-2FA3-27AC-67A805BF18B0}"/>
+                  </a:ext>
+                </a:extLst>
+              </p:cNvPr>
+              <p:cNvPicPr/>
+              <p:nvPr/>
+            </p:nvPicPr>
+            <p:blipFill>
+              <a:blip r:embed="rId8"/>
+              <a:stretch>
+                <a:fillRect/>
+              </a:stretch>
+            </p:blipFill>
+            <p:spPr>
+              <a:xfrm>
+                <a:off x="1064607" y="1386873"/>
+                <a:ext cx="504720" cy="163440"/>
+              </a:xfrm>
+              <a:prstGeom prst="rect">
+                <a:avLst/>
+              </a:prstGeom>
+            </p:spPr>
+          </p:pic>
+        </mc:Fallback>
+      </mc:AlternateContent>
+      <mc:AlternateContent xmlns:mc="http://schemas.openxmlformats.org/markup-compatibility/2006">
+        <mc:Choice xmlns:p14="http://schemas.microsoft.com/office/powerpoint/2010/main" Requires="p14">
+          <p:contentPart p14:bwMode="auto" r:id="rId9">
+            <p14:nvContentPartPr>
+              <p14:cNvPr id="6" name="Ink 5">
+                <a:extLst>
+                  <a:ext uri="{FF2B5EF4-FFF2-40B4-BE49-F238E27FC236}">
+                    <a16:creationId xmlns:a16="http://schemas.microsoft.com/office/drawing/2014/main" id="{84826873-8B80-CECA-8132-01FA80FD6FC4}"/>
+                  </a:ext>
+                </a:extLst>
+              </p14:cNvPr>
+              <p14:cNvContentPartPr/>
+              <p14:nvPr/>
+            </p14:nvContentPartPr>
+            <p14:xfrm>
+              <a:off x="8648007" y="1479753"/>
+              <a:ext cx="477360" cy="7920"/>
+            </p14:xfrm>
+          </p:contentPart>
+        </mc:Choice>
+        <mc:Fallback>
+          <p:pic>
+            <p:nvPicPr>
+              <p:cNvPr id="6" name="Ink 5">
+                <a:extLst>
+                  <a:ext uri="{FF2B5EF4-FFF2-40B4-BE49-F238E27FC236}">
+                    <a16:creationId xmlns:a16="http://schemas.microsoft.com/office/drawing/2014/main" id="{84826873-8B80-CECA-8132-01FA80FD6FC4}"/>
+                  </a:ext>
+                </a:extLst>
+              </p:cNvPr>
+              <p:cNvPicPr/>
+              <p:nvPr/>
+            </p:nvPicPr>
+            <p:blipFill>
+              <a:blip r:embed="rId10"/>
+              <a:stretch>
+                <a:fillRect/>
+              </a:stretch>
+            </p:blipFill>
+            <p:spPr>
+              <a:xfrm>
+                <a:off x="8612367" y="1407753"/>
+                <a:ext cx="549000" cy="151560"/>
+              </a:xfrm>
+              <a:prstGeom prst="rect">
+                <a:avLst/>
+              </a:prstGeom>
+            </p:spPr>
+          </p:pic>
+        </mc:Fallback>
+      </mc:AlternateContent>
+      <mc:AlternateContent xmlns:mc="http://schemas.openxmlformats.org/markup-compatibility/2006">
+        <mc:Choice xmlns:p14="http://schemas.microsoft.com/office/powerpoint/2010/main" Requires="p14">
+          <p:contentPart p14:bwMode="auto" r:id="rId11">
+            <p14:nvContentPartPr>
+              <p14:cNvPr id="8" name="Ink 7">
+                <a:extLst>
+                  <a:ext uri="{FF2B5EF4-FFF2-40B4-BE49-F238E27FC236}">
+                    <a16:creationId xmlns:a16="http://schemas.microsoft.com/office/drawing/2014/main" id="{A300D3C4-386A-289A-19A0-F4207DF429B4}"/>
+                  </a:ext>
+                </a:extLst>
+              </p14:cNvPr>
+              <p14:cNvContentPartPr/>
+              <p14:nvPr/>
+            </p14:nvContentPartPr>
+            <p14:xfrm>
+              <a:off x="1358727" y="3334113"/>
+              <a:ext cx="193320" cy="360"/>
+            </p14:xfrm>
+          </p:contentPart>
+        </mc:Choice>
+        <mc:Fallback>
+          <p:pic>
+            <p:nvPicPr>
+              <p:cNvPr id="8" name="Ink 7">
+                <a:extLst>
+                  <a:ext uri="{FF2B5EF4-FFF2-40B4-BE49-F238E27FC236}">
+                    <a16:creationId xmlns:a16="http://schemas.microsoft.com/office/drawing/2014/main" id="{A300D3C4-386A-289A-19A0-F4207DF429B4}"/>
+                  </a:ext>
+                </a:extLst>
+              </p:cNvPr>
+              <p:cNvPicPr/>
+              <p:nvPr/>
+            </p:nvPicPr>
+            <p:blipFill>
+              <a:blip r:embed="rId12"/>
+              <a:stretch>
+                <a:fillRect/>
+              </a:stretch>
+            </p:blipFill>
+            <p:spPr>
+              <a:xfrm>
+                <a:off x="1322727" y="3262113"/>
+                <a:ext cx="264960" cy="144000"/>
+              </a:xfrm>
+              <a:prstGeom prst="rect">
+                <a:avLst/>
+              </a:prstGeom>
+            </p:spPr>
+          </p:pic>
+        </mc:Fallback>
+      </mc:AlternateContent>
+      <mc:AlternateContent xmlns:mc="http://schemas.openxmlformats.org/markup-compatibility/2006">
+        <mc:Choice xmlns:p14="http://schemas.microsoft.com/office/powerpoint/2010/main" Requires="p14">
+          <p:contentPart p14:bwMode="auto" r:id="rId13">
+            <p14:nvContentPartPr>
+              <p14:cNvPr id="9" name="Ink 8">
+                <a:extLst>
+                  <a:ext uri="{FF2B5EF4-FFF2-40B4-BE49-F238E27FC236}">
+                    <a16:creationId xmlns:a16="http://schemas.microsoft.com/office/drawing/2014/main" id="{3E8C02D0-3B8A-5712-0370-B621D8142259}"/>
+                  </a:ext>
+                </a:extLst>
+              </p14:cNvPr>
+              <p14:cNvContentPartPr/>
+              <p14:nvPr/>
+            </p14:nvContentPartPr>
+            <p14:xfrm>
+              <a:off x="8899647" y="1865313"/>
+              <a:ext cx="226080" cy="41400"/>
+            </p14:xfrm>
+          </p:contentPart>
+        </mc:Choice>
+        <mc:Fallback>
+          <p:pic>
+            <p:nvPicPr>
+              <p:cNvPr id="9" name="Ink 8">
+                <a:extLst>
+                  <a:ext uri="{FF2B5EF4-FFF2-40B4-BE49-F238E27FC236}">
+                    <a16:creationId xmlns:a16="http://schemas.microsoft.com/office/drawing/2014/main" id="{3E8C02D0-3B8A-5712-0370-B621D8142259}"/>
+                  </a:ext>
+                </a:extLst>
+              </p:cNvPr>
+              <p:cNvPicPr/>
+              <p:nvPr/>
+            </p:nvPicPr>
+            <p:blipFill>
+              <a:blip r:embed="rId14"/>
+              <a:stretch>
+                <a:fillRect/>
+              </a:stretch>
+            </p:blipFill>
+            <p:spPr>
+              <a:xfrm>
+                <a:off x="8863647" y="1793673"/>
+                <a:ext cx="297720" cy="185040"/>
+              </a:xfrm>
+              <a:prstGeom prst="rect">
+                <a:avLst/>
+              </a:prstGeom>
+            </p:spPr>
+          </p:pic>
+        </mc:Fallback>
+      </mc:AlternateContent>
+      <mc:AlternateContent xmlns:mc="http://schemas.openxmlformats.org/markup-compatibility/2006">
+        <mc:Choice xmlns:p14="http://schemas.microsoft.com/office/powerpoint/2010/main" Requires="p14">
+          <p:contentPart p14:bwMode="auto" r:id="rId15">
+            <p14:nvContentPartPr>
+              <p14:cNvPr id="10" name="Ink 9">
+                <a:extLst>
+                  <a:ext uri="{FF2B5EF4-FFF2-40B4-BE49-F238E27FC236}">
+                    <a16:creationId xmlns:a16="http://schemas.microsoft.com/office/drawing/2014/main" id="{D5307AAE-E9C7-1D82-2CD3-13EEBF7264A5}"/>
+                  </a:ext>
+                </a:extLst>
+              </p14:cNvPr>
+              <p14:cNvContentPartPr/>
+              <p14:nvPr/>
+            </p14:nvContentPartPr>
+            <p14:xfrm>
+              <a:off x="5454087" y="1062153"/>
+              <a:ext cx="180360" cy="360"/>
+            </p14:xfrm>
+          </p:contentPart>
+        </mc:Choice>
+        <mc:Fallback>
+          <p:pic>
+            <p:nvPicPr>
+              <p:cNvPr id="10" name="Ink 9">
+                <a:extLst>
+                  <a:ext uri="{FF2B5EF4-FFF2-40B4-BE49-F238E27FC236}">
+                    <a16:creationId xmlns:a16="http://schemas.microsoft.com/office/drawing/2014/main" id="{D5307AAE-E9C7-1D82-2CD3-13EEBF7264A5}"/>
+                  </a:ext>
+                </a:extLst>
+              </p:cNvPr>
+              <p:cNvPicPr/>
+              <p:nvPr/>
+            </p:nvPicPr>
+            <p:blipFill>
+              <a:blip r:embed="rId16"/>
+              <a:stretch>
+                <a:fillRect/>
+              </a:stretch>
+            </p:blipFill>
+            <p:spPr>
+              <a:xfrm>
+                <a:off x="5418087" y="990513"/>
+                <a:ext cx="252000" cy="144000"/>
+              </a:xfrm>
+              <a:prstGeom prst="rect">
+                <a:avLst/>
+              </a:prstGeom>
+            </p:spPr>
+          </p:pic>
+        </mc:Fallback>
+      </mc:AlternateContent>
+      <mc:AlternateContent xmlns:mc="http://schemas.openxmlformats.org/markup-compatibility/2006">
+        <mc:Choice xmlns:p14="http://schemas.microsoft.com/office/powerpoint/2010/main" Requires="p14">
+          <p:contentPart p14:bwMode="auto" r:id="rId17">
+            <p14:nvContentPartPr>
+              <p14:cNvPr id="11" name="Ink 10">
+                <a:extLst>
+                  <a:ext uri="{FF2B5EF4-FFF2-40B4-BE49-F238E27FC236}">
+                    <a16:creationId xmlns:a16="http://schemas.microsoft.com/office/drawing/2014/main" id="{173BC17D-2F19-F796-0FC5-4F3764628BF2}"/>
+                  </a:ext>
+                </a:extLst>
+              </p14:cNvPr>
+              <p14:cNvContentPartPr/>
+              <p14:nvPr/>
+            </p14:nvContentPartPr>
+            <p14:xfrm>
+              <a:off x="5330247" y="1237113"/>
+              <a:ext cx="313560" cy="28800"/>
+            </p14:xfrm>
+          </p:contentPart>
+        </mc:Choice>
+        <mc:Fallback>
+          <p:pic>
+            <p:nvPicPr>
+              <p:cNvPr id="11" name="Ink 10">
+                <a:extLst>
+                  <a:ext uri="{FF2B5EF4-FFF2-40B4-BE49-F238E27FC236}">
+                    <a16:creationId xmlns:a16="http://schemas.microsoft.com/office/drawing/2014/main" id="{173BC17D-2F19-F796-0FC5-4F3764628BF2}"/>
+                  </a:ext>
+                </a:extLst>
+              </p:cNvPr>
+              <p:cNvPicPr/>
+              <p:nvPr/>
+            </p:nvPicPr>
+            <p:blipFill>
+              <a:blip r:embed="rId18"/>
+              <a:stretch>
+                <a:fillRect/>
+              </a:stretch>
+            </p:blipFill>
+            <p:spPr>
+              <a:xfrm>
+                <a:off x="5294607" y="1165113"/>
+                <a:ext cx="385200" cy="172440"/>
+              </a:xfrm>
+              <a:prstGeom prst="rect">
+                <a:avLst/>
+              </a:prstGeom>
+            </p:spPr>
+          </p:pic>
+        </mc:Fallback>
+      </mc:AlternateContent>
+      <mc:AlternateContent xmlns:mc="http://schemas.openxmlformats.org/markup-compatibility/2006">
+        <mc:Choice xmlns:p14="http://schemas.microsoft.com/office/powerpoint/2010/main" Requires="p14">
+          <p:contentPart p14:bwMode="auto" r:id="rId19">
+            <p14:nvContentPartPr>
+              <p14:cNvPr id="12" name="Ink 11">
+                <a:extLst>
+                  <a:ext uri="{FF2B5EF4-FFF2-40B4-BE49-F238E27FC236}">
+                    <a16:creationId xmlns:a16="http://schemas.microsoft.com/office/drawing/2014/main" id="{1673156D-09AC-3076-6987-E866EC18C7EE}"/>
+                  </a:ext>
+                </a:extLst>
+              </p14:cNvPr>
+              <p14:cNvContentPartPr/>
+              <p14:nvPr/>
+            </p14:nvContentPartPr>
+            <p14:xfrm>
+              <a:off x="8738007" y="3749913"/>
+              <a:ext cx="387360" cy="360"/>
+            </p14:xfrm>
+          </p:contentPart>
+        </mc:Choice>
+        <mc:Fallback>
+          <p:pic>
+            <p:nvPicPr>
+              <p:cNvPr id="12" name="Ink 11">
+                <a:extLst>
+                  <a:ext uri="{FF2B5EF4-FFF2-40B4-BE49-F238E27FC236}">
+                    <a16:creationId xmlns:a16="http://schemas.microsoft.com/office/drawing/2014/main" id="{1673156D-09AC-3076-6987-E866EC18C7EE}"/>
+                  </a:ext>
+                </a:extLst>
+              </p:cNvPr>
+              <p:cNvPicPr/>
+              <p:nvPr/>
+            </p:nvPicPr>
+            <p:blipFill>
+              <a:blip r:embed="rId20"/>
+              <a:stretch>
+                <a:fillRect/>
+              </a:stretch>
+            </p:blipFill>
+            <p:spPr>
+              <a:xfrm>
+                <a:off x="8702367" y="3677913"/>
+                <a:ext cx="459000" cy="144000"/>
+              </a:xfrm>
+              <a:prstGeom prst="rect">
+                <a:avLst/>
+              </a:prstGeom>
+            </p:spPr>
+          </p:pic>
+        </mc:Fallback>
+      </mc:AlternateContent>
+      <mc:AlternateContent xmlns:mc="http://schemas.openxmlformats.org/markup-compatibility/2006">
+        <mc:Choice xmlns:p14="http://schemas.microsoft.com/office/powerpoint/2010/main" Requires="p14">
+          <p:contentPart p14:bwMode="auto" r:id="rId21">
+            <p14:nvContentPartPr>
+              <p14:cNvPr id="13" name="Ink 12">
+                <a:extLst>
+                  <a:ext uri="{FF2B5EF4-FFF2-40B4-BE49-F238E27FC236}">
+                    <a16:creationId xmlns:a16="http://schemas.microsoft.com/office/drawing/2014/main" id="{857CF904-81E1-17CC-A7DB-EC6C70E9FCED}"/>
+                  </a:ext>
+                </a:extLst>
+              </p14:cNvPr>
+              <p14:cNvContentPartPr/>
+              <p14:nvPr/>
+            </p14:nvContentPartPr>
+            <p14:xfrm>
+              <a:off x="1201767" y="3729753"/>
+              <a:ext cx="350280" cy="29880"/>
+            </p14:xfrm>
+          </p:contentPart>
+        </mc:Choice>
+        <mc:Fallback>
+          <p:pic>
+            <p:nvPicPr>
+              <p:cNvPr id="13" name="Ink 12">
+                <a:extLst>
+                  <a:ext uri="{FF2B5EF4-FFF2-40B4-BE49-F238E27FC236}">
+                    <a16:creationId xmlns:a16="http://schemas.microsoft.com/office/drawing/2014/main" id="{857CF904-81E1-17CC-A7DB-EC6C70E9FCED}"/>
+                  </a:ext>
+                </a:extLst>
+              </p:cNvPr>
+              <p:cNvPicPr/>
+              <p:nvPr/>
+            </p:nvPicPr>
+            <p:blipFill>
+              <a:blip r:embed="rId22"/>
+              <a:stretch>
+                <a:fillRect/>
+              </a:stretch>
+            </p:blipFill>
+            <p:spPr>
+              <a:xfrm>
+                <a:off x="1165767" y="3657753"/>
+                <a:ext cx="421920" cy="173520"/>
+              </a:xfrm>
+              <a:prstGeom prst="rect">
+                <a:avLst/>
+              </a:prstGeom>
+            </p:spPr>
+          </p:pic>
+        </mc:Fallback>
+      </mc:AlternateContent>
+      <mc:AlternateContent xmlns:mc="http://schemas.openxmlformats.org/markup-compatibility/2006">
+        <mc:Choice xmlns:p14="http://schemas.microsoft.com/office/powerpoint/2010/main" Requires="p14">
+          <p:contentPart p14:bwMode="auto" r:id="rId23">
+            <p14:nvContentPartPr>
+              <p14:cNvPr id="14" name="Ink 13">
+                <a:extLst>
+                  <a:ext uri="{FF2B5EF4-FFF2-40B4-BE49-F238E27FC236}">
+                    <a16:creationId xmlns:a16="http://schemas.microsoft.com/office/drawing/2014/main" id="{C3459D3A-7199-D976-B9CF-8F578546AE12}"/>
+                  </a:ext>
+                </a:extLst>
+              </p14:cNvPr>
+              <p14:cNvContentPartPr/>
+              <p14:nvPr/>
+            </p14:nvContentPartPr>
+            <p14:xfrm>
+              <a:off x="5348607" y="1477593"/>
+              <a:ext cx="294840" cy="19440"/>
+            </p14:xfrm>
+          </p:contentPart>
+        </mc:Choice>
+        <mc:Fallback>
+          <p:pic>
+            <p:nvPicPr>
+              <p:cNvPr id="14" name="Ink 13">
+                <a:extLst>
+                  <a:ext uri="{FF2B5EF4-FFF2-40B4-BE49-F238E27FC236}">
+                    <a16:creationId xmlns:a16="http://schemas.microsoft.com/office/drawing/2014/main" id="{C3459D3A-7199-D976-B9CF-8F578546AE12}"/>
+                  </a:ext>
+                </a:extLst>
+              </p:cNvPr>
+              <p:cNvPicPr/>
+              <p:nvPr/>
+            </p:nvPicPr>
+            <p:blipFill>
+              <a:blip r:embed="rId24"/>
+              <a:stretch>
+                <a:fillRect/>
+              </a:stretch>
+            </p:blipFill>
+            <p:spPr>
+              <a:xfrm>
+                <a:off x="5312967" y="1405593"/>
+                <a:ext cx="366480" cy="163080"/>
+              </a:xfrm>
+              <a:prstGeom prst="rect">
+                <a:avLst/>
+              </a:prstGeom>
+            </p:spPr>
+          </p:pic>
+        </mc:Fallback>
+      </mc:AlternateContent>
+      <mc:AlternateContent xmlns:mc="http://schemas.openxmlformats.org/markup-compatibility/2006">
+        <mc:Choice xmlns:p14="http://schemas.microsoft.com/office/powerpoint/2010/main" Requires="p14">
+          <p:contentPart p14:bwMode="auto" r:id="rId25">
+            <p14:nvContentPartPr>
+              <p14:cNvPr id="15" name="Ink 14">
+                <a:extLst>
+                  <a:ext uri="{FF2B5EF4-FFF2-40B4-BE49-F238E27FC236}">
+                    <a16:creationId xmlns:a16="http://schemas.microsoft.com/office/drawing/2014/main" id="{359C4C54-0B52-7C08-D517-BB06996EBCB4}"/>
+                  </a:ext>
+                </a:extLst>
+              </p14:cNvPr>
+              <p14:cNvContentPartPr/>
+              <p14:nvPr/>
+            </p14:nvContentPartPr>
+            <p14:xfrm>
+              <a:off x="1197087" y="1076553"/>
+              <a:ext cx="336600" cy="3960"/>
+            </p14:xfrm>
+          </p:contentPart>
+        </mc:Choice>
+        <mc:Fallback>
+          <p:pic>
+            <p:nvPicPr>
+              <p:cNvPr id="15" name="Ink 14">
+                <a:extLst>
+                  <a:ext uri="{FF2B5EF4-FFF2-40B4-BE49-F238E27FC236}">
+                    <a16:creationId xmlns:a16="http://schemas.microsoft.com/office/drawing/2014/main" id="{359C4C54-0B52-7C08-D517-BB06996EBCB4}"/>
+                  </a:ext>
+                </a:extLst>
+              </p:cNvPr>
+              <p:cNvPicPr/>
+              <p:nvPr/>
+            </p:nvPicPr>
+            <p:blipFill>
+              <a:blip r:embed="rId26"/>
+              <a:stretch>
+                <a:fillRect/>
+              </a:stretch>
+            </p:blipFill>
+            <p:spPr>
+              <a:xfrm>
+                <a:off x="1161087" y="1004913"/>
+                <a:ext cx="408240" cy="147600"/>
+              </a:xfrm>
+              <a:prstGeom prst="rect">
+                <a:avLst/>
+              </a:prstGeom>
+            </p:spPr>
+          </p:pic>
+        </mc:Fallback>
+      </mc:AlternateContent>
+      <mc:AlternateContent xmlns:mc="http://schemas.openxmlformats.org/markup-compatibility/2006">
+        <mc:Choice xmlns:p14="http://schemas.microsoft.com/office/powerpoint/2010/main" Requires="p14">
+          <p:contentPart p14:bwMode="auto" r:id="rId27">
+            <p14:nvContentPartPr>
+              <p14:cNvPr id="16" name="Ink 15">
+                <a:extLst>
+                  <a:ext uri="{FF2B5EF4-FFF2-40B4-BE49-F238E27FC236}">
+                    <a16:creationId xmlns:a16="http://schemas.microsoft.com/office/drawing/2014/main" id="{1E2D4604-F445-1D39-1CEF-53F6DB36785F}"/>
+                  </a:ext>
+                </a:extLst>
+              </p14:cNvPr>
+              <p14:cNvContentPartPr/>
+              <p14:nvPr/>
+            </p14:nvContentPartPr>
+            <p14:xfrm>
+              <a:off x="8768247" y="5393673"/>
+              <a:ext cx="339120" cy="19440"/>
+            </p14:xfrm>
+          </p:contentPart>
+        </mc:Choice>
+        <mc:Fallback>
+          <p:pic>
+            <p:nvPicPr>
+              <p:cNvPr id="16" name="Ink 15">
+                <a:extLst>
+                  <a:ext uri="{FF2B5EF4-FFF2-40B4-BE49-F238E27FC236}">
+                    <a16:creationId xmlns:a16="http://schemas.microsoft.com/office/drawing/2014/main" id="{1E2D4604-F445-1D39-1CEF-53F6DB36785F}"/>
+                  </a:ext>
+                </a:extLst>
+              </p:cNvPr>
+              <p:cNvPicPr/>
+              <p:nvPr/>
+            </p:nvPicPr>
+            <p:blipFill>
+              <a:blip r:embed="rId28"/>
+              <a:stretch>
+                <a:fillRect/>
+              </a:stretch>
+            </p:blipFill>
+            <p:spPr>
+              <a:xfrm>
+                <a:off x="8732247" y="5322033"/>
+                <a:ext cx="410760" cy="163080"/>
+              </a:xfrm>
+              <a:prstGeom prst="rect">
+                <a:avLst/>
+              </a:prstGeom>
+            </p:spPr>
+          </p:pic>
+        </mc:Fallback>
+      </mc:AlternateContent>
+      <mc:AlternateContent xmlns:mc="http://schemas.openxmlformats.org/markup-compatibility/2006">
+        <mc:Choice xmlns:p14="http://schemas.microsoft.com/office/powerpoint/2010/main" Requires="p14">
+          <p:contentPart p14:bwMode="auto" r:id="rId29">
+            <p14:nvContentPartPr>
+              <p14:cNvPr id="17" name="Ink 16">
+                <a:extLst>
+                  <a:ext uri="{FF2B5EF4-FFF2-40B4-BE49-F238E27FC236}">
+                    <a16:creationId xmlns:a16="http://schemas.microsoft.com/office/drawing/2014/main" id="{55262B35-3C91-368F-2A1E-FAAB2A2D6BA9}"/>
+                  </a:ext>
+                </a:extLst>
+              </p14:cNvPr>
+              <p14:cNvContentPartPr/>
+              <p14:nvPr/>
+            </p14:nvContentPartPr>
+            <p14:xfrm>
+              <a:off x="5376687" y="2724633"/>
+              <a:ext cx="257760" cy="10080"/>
+            </p14:xfrm>
+          </p:contentPart>
+        </mc:Choice>
+        <mc:Fallback>
+          <p:pic>
+            <p:nvPicPr>
+              <p:cNvPr id="17" name="Ink 16">
+                <a:extLst>
+                  <a:ext uri="{FF2B5EF4-FFF2-40B4-BE49-F238E27FC236}">
+                    <a16:creationId xmlns:a16="http://schemas.microsoft.com/office/drawing/2014/main" id="{55262B35-3C91-368F-2A1E-FAAB2A2D6BA9}"/>
+                  </a:ext>
+                </a:extLst>
+              </p:cNvPr>
+              <p:cNvPicPr/>
+              <p:nvPr/>
+            </p:nvPicPr>
+            <p:blipFill>
+              <a:blip r:embed="rId30"/>
+              <a:stretch>
+                <a:fillRect/>
+              </a:stretch>
+            </p:blipFill>
+            <p:spPr>
+              <a:xfrm>
+                <a:off x="5340687" y="2652633"/>
+                <a:ext cx="329400" cy="153720"/>
+              </a:xfrm>
+              <a:prstGeom prst="rect">
+                <a:avLst/>
+              </a:prstGeom>
+            </p:spPr>
+          </p:pic>
+        </mc:Fallback>
+      </mc:AlternateContent>
+      <mc:AlternateContent xmlns:mc="http://schemas.openxmlformats.org/markup-compatibility/2006">
+        <mc:Choice xmlns:p14="http://schemas.microsoft.com/office/powerpoint/2010/main" Requires="p14">
+          <p:contentPart p14:bwMode="auto" r:id="rId31">
+            <p14:nvContentPartPr>
+              <p14:cNvPr id="18" name="Ink 17">
+                <a:extLst>
+                  <a:ext uri="{FF2B5EF4-FFF2-40B4-BE49-F238E27FC236}">
+                    <a16:creationId xmlns:a16="http://schemas.microsoft.com/office/drawing/2014/main" id="{21F74C58-6F60-BB66-47F4-E91C4A39B34C}"/>
+                  </a:ext>
+                </a:extLst>
+              </p14:cNvPr>
+              <p14:cNvContentPartPr/>
+              <p14:nvPr/>
+            </p14:nvContentPartPr>
+            <p14:xfrm>
+              <a:off x="1238127" y="1680273"/>
+              <a:ext cx="313560" cy="19080"/>
+            </p14:xfrm>
+          </p:contentPart>
+        </mc:Choice>
+        <mc:Fallback>
+          <p:pic>
+            <p:nvPicPr>
+              <p:cNvPr id="18" name="Ink 17">
+                <a:extLst>
+                  <a:ext uri="{FF2B5EF4-FFF2-40B4-BE49-F238E27FC236}">
+                    <a16:creationId xmlns:a16="http://schemas.microsoft.com/office/drawing/2014/main" id="{21F74C58-6F60-BB66-47F4-E91C4A39B34C}"/>
+                  </a:ext>
+                </a:extLst>
+              </p:cNvPr>
+              <p:cNvPicPr/>
+              <p:nvPr/>
+            </p:nvPicPr>
+            <p:blipFill>
+              <a:blip r:embed="rId32"/>
+              <a:stretch>
+                <a:fillRect/>
+              </a:stretch>
+            </p:blipFill>
+            <p:spPr>
+              <a:xfrm>
+                <a:off x="1202487" y="1608633"/>
+                <a:ext cx="385200" cy="162720"/>
+              </a:xfrm>
+              <a:prstGeom prst="rect">
+                <a:avLst/>
+              </a:prstGeom>
+            </p:spPr>
+          </p:pic>
+        </mc:Fallback>
+      </mc:AlternateContent>
+      <mc:AlternateContent xmlns:mc="http://schemas.openxmlformats.org/markup-compatibility/2006">
+        <mc:Choice xmlns:p14="http://schemas.microsoft.com/office/powerpoint/2010/main" Requires="p14">
+          <p:contentPart p14:bwMode="auto" r:id="rId33">
+            <p14:nvContentPartPr>
+              <p14:cNvPr id="19" name="Ink 18">
+                <a:extLst>
+                  <a:ext uri="{FF2B5EF4-FFF2-40B4-BE49-F238E27FC236}">
+                    <a16:creationId xmlns:a16="http://schemas.microsoft.com/office/drawing/2014/main" id="{1B016469-A245-4AE4-7950-6063EC33DB17}"/>
+                  </a:ext>
+                </a:extLst>
+              </p14:cNvPr>
+              <p14:cNvContentPartPr/>
+              <p14:nvPr/>
+            </p14:nvContentPartPr>
+            <p14:xfrm>
+              <a:off x="8738367" y="3105153"/>
+              <a:ext cx="387000" cy="45000"/>
+            </p14:xfrm>
+          </p:contentPart>
+        </mc:Choice>
+        <mc:Fallback>
+          <p:pic>
+            <p:nvPicPr>
+              <p:cNvPr id="19" name="Ink 18">
+                <a:extLst>
+                  <a:ext uri="{FF2B5EF4-FFF2-40B4-BE49-F238E27FC236}">
+                    <a16:creationId xmlns:a16="http://schemas.microsoft.com/office/drawing/2014/main" id="{1B016469-A245-4AE4-7950-6063EC33DB17}"/>
+                  </a:ext>
+                </a:extLst>
+              </p:cNvPr>
+              <p:cNvPicPr/>
+              <p:nvPr/>
+            </p:nvPicPr>
+            <p:blipFill>
+              <a:blip r:embed="rId34"/>
+              <a:stretch>
+                <a:fillRect/>
+              </a:stretch>
+            </p:blipFill>
+            <p:spPr>
+              <a:xfrm>
+                <a:off x="8702727" y="3033153"/>
+                <a:ext cx="458640" cy="188640"/>
+              </a:xfrm>
+              <a:prstGeom prst="rect">
+                <a:avLst/>
+              </a:prstGeom>
+            </p:spPr>
+          </p:pic>
+        </mc:Fallback>
+      </mc:AlternateContent>
+      <mc:AlternateContent xmlns:mc="http://schemas.openxmlformats.org/markup-compatibility/2006">
+        <mc:Choice xmlns:p14="http://schemas.microsoft.com/office/powerpoint/2010/main" Requires="p14">
+          <p:contentPart p14:bwMode="auto" r:id="rId35">
+            <p14:nvContentPartPr>
+              <p14:cNvPr id="20" name="Ink 19">
+                <a:extLst>
+                  <a:ext uri="{FF2B5EF4-FFF2-40B4-BE49-F238E27FC236}">
+                    <a16:creationId xmlns:a16="http://schemas.microsoft.com/office/drawing/2014/main" id="{76738313-7DB4-CFF9-B756-927BDD801A07}"/>
+                  </a:ext>
+                </a:extLst>
+              </p14:cNvPr>
+              <p14:cNvContentPartPr/>
+              <p14:nvPr/>
+            </p14:nvContentPartPr>
+            <p14:xfrm>
+              <a:off x="5402247" y="2085993"/>
+              <a:ext cx="241560" cy="10800"/>
+            </p14:xfrm>
+          </p:contentPart>
+        </mc:Choice>
+        <mc:Fallback>
+          <p:pic>
+            <p:nvPicPr>
+              <p:cNvPr id="20" name="Ink 19">
+                <a:extLst>
+                  <a:ext uri="{FF2B5EF4-FFF2-40B4-BE49-F238E27FC236}">
+                    <a16:creationId xmlns:a16="http://schemas.microsoft.com/office/drawing/2014/main" id="{76738313-7DB4-CFF9-B756-927BDD801A07}"/>
+                  </a:ext>
+                </a:extLst>
+              </p:cNvPr>
+              <p:cNvPicPr/>
+              <p:nvPr/>
+            </p:nvPicPr>
+            <p:blipFill>
+              <a:blip r:embed="rId36"/>
+              <a:stretch>
+                <a:fillRect/>
+              </a:stretch>
+            </p:blipFill>
+            <p:spPr>
+              <a:xfrm>
+                <a:off x="5366247" y="2014353"/>
+                <a:ext cx="313200" cy="154440"/>
+              </a:xfrm>
+              <a:prstGeom prst="rect">
+                <a:avLst/>
+              </a:prstGeom>
+            </p:spPr>
+          </p:pic>
+        </mc:Fallback>
+      </mc:AlternateContent>
+      <mc:AlternateContent xmlns:mc="http://schemas.openxmlformats.org/markup-compatibility/2006">
+        <mc:Choice xmlns:p14="http://schemas.microsoft.com/office/powerpoint/2010/main" Requires="p14">
+          <p:contentPart p14:bwMode="auto" r:id="rId37">
+            <p14:nvContentPartPr>
+              <p14:cNvPr id="21" name="Ink 20">
+                <a:extLst>
+                  <a:ext uri="{FF2B5EF4-FFF2-40B4-BE49-F238E27FC236}">
+                    <a16:creationId xmlns:a16="http://schemas.microsoft.com/office/drawing/2014/main" id="{7E36AE4B-65B8-0431-8657-2C83A7252812}"/>
+                  </a:ext>
+                </a:extLst>
+              </p14:cNvPr>
+              <p14:cNvContentPartPr/>
+              <p14:nvPr/>
+            </p14:nvContentPartPr>
+            <p14:xfrm>
+              <a:off x="1294287" y="2714913"/>
+              <a:ext cx="257760" cy="20160"/>
+            </p14:xfrm>
+          </p:contentPart>
+        </mc:Choice>
+        <mc:Fallback>
+          <p:pic>
+            <p:nvPicPr>
+              <p:cNvPr id="21" name="Ink 20">
+                <a:extLst>
+                  <a:ext uri="{FF2B5EF4-FFF2-40B4-BE49-F238E27FC236}">
+                    <a16:creationId xmlns:a16="http://schemas.microsoft.com/office/drawing/2014/main" id="{7E36AE4B-65B8-0431-8657-2C83A7252812}"/>
+                  </a:ext>
+                </a:extLst>
+              </p:cNvPr>
+              <p:cNvPicPr/>
+              <p:nvPr/>
+            </p:nvPicPr>
+            <p:blipFill>
+              <a:blip r:embed="rId38"/>
+              <a:stretch>
+                <a:fillRect/>
+              </a:stretch>
+            </p:blipFill>
+            <p:spPr>
+              <a:xfrm>
+                <a:off x="1258647" y="2643273"/>
+                <a:ext cx="329400" cy="163800"/>
+              </a:xfrm>
+              <a:prstGeom prst="rect">
+                <a:avLst/>
+              </a:prstGeom>
+            </p:spPr>
+          </p:pic>
+        </mc:Fallback>
+      </mc:AlternateContent>
+      <mc:AlternateContent xmlns:mc="http://schemas.openxmlformats.org/markup-compatibility/2006">
+        <mc:Choice xmlns:p14="http://schemas.microsoft.com/office/powerpoint/2010/main" Requires="p14">
+          <p:contentPart p14:bwMode="auto" r:id="rId39">
+            <p14:nvContentPartPr>
+              <p14:cNvPr id="22" name="Ink 21">
+                <a:extLst>
+                  <a:ext uri="{FF2B5EF4-FFF2-40B4-BE49-F238E27FC236}">
+                    <a16:creationId xmlns:a16="http://schemas.microsoft.com/office/drawing/2014/main" id="{F8AA9877-BC4C-0AD1-5A98-A6E18A4D3E93}"/>
+                  </a:ext>
+                </a:extLst>
+              </p14:cNvPr>
+              <p14:cNvContentPartPr/>
+              <p14:nvPr/>
+            </p14:nvContentPartPr>
+            <p14:xfrm>
+              <a:off x="1081527" y="5412033"/>
+              <a:ext cx="461160" cy="360"/>
+            </p14:xfrm>
+          </p:contentPart>
+        </mc:Choice>
+        <mc:Fallback>
+          <p:pic>
+            <p:nvPicPr>
+              <p:cNvPr id="22" name="Ink 21">
+                <a:extLst>
+                  <a:ext uri="{FF2B5EF4-FFF2-40B4-BE49-F238E27FC236}">
+                    <a16:creationId xmlns:a16="http://schemas.microsoft.com/office/drawing/2014/main" id="{F8AA9877-BC4C-0AD1-5A98-A6E18A4D3E93}"/>
+                  </a:ext>
+                </a:extLst>
+              </p:cNvPr>
+              <p:cNvPicPr/>
+              <p:nvPr/>
+            </p:nvPicPr>
+            <p:blipFill>
+              <a:blip r:embed="rId40"/>
+              <a:stretch>
+                <a:fillRect/>
+              </a:stretch>
+            </p:blipFill>
+            <p:spPr>
+              <a:xfrm>
+                <a:off x="1045887" y="5340393"/>
+                <a:ext cx="532800" cy="144000"/>
+              </a:xfrm>
+              <a:prstGeom prst="rect">
+                <a:avLst/>
+              </a:prstGeom>
+            </p:spPr>
+          </p:pic>
+        </mc:Fallback>
+      </mc:AlternateContent>
+      <mc:AlternateContent xmlns:mc="http://schemas.openxmlformats.org/markup-compatibility/2006">
+        <mc:Choice xmlns:p14="http://schemas.microsoft.com/office/powerpoint/2010/main" Requires="p14">
+          <p:contentPart p14:bwMode="auto" r:id="rId41">
+            <p14:nvContentPartPr>
+              <p14:cNvPr id="23" name="Ink 22">
+                <a:extLst>
+                  <a:ext uri="{FF2B5EF4-FFF2-40B4-BE49-F238E27FC236}">
+                    <a16:creationId xmlns:a16="http://schemas.microsoft.com/office/drawing/2014/main" id="{CCB7A07A-6783-D8DA-30AF-07BBB0D715DA}"/>
+                  </a:ext>
+                </a:extLst>
+              </p14:cNvPr>
+              <p14:cNvContentPartPr/>
+              <p14:nvPr/>
+            </p14:nvContentPartPr>
+            <p14:xfrm>
+              <a:off x="5201367" y="2899593"/>
+              <a:ext cx="442440" cy="28440"/>
+            </p14:xfrm>
+          </p:contentPart>
+        </mc:Choice>
+        <mc:Fallback>
+          <p:pic>
+            <p:nvPicPr>
+              <p:cNvPr id="23" name="Ink 22">
+                <a:extLst>
+                  <a:ext uri="{FF2B5EF4-FFF2-40B4-BE49-F238E27FC236}">
+                    <a16:creationId xmlns:a16="http://schemas.microsoft.com/office/drawing/2014/main" id="{CCB7A07A-6783-D8DA-30AF-07BBB0D715DA}"/>
+                  </a:ext>
+                </a:extLst>
+              </p:cNvPr>
+              <p:cNvPicPr/>
+              <p:nvPr/>
+            </p:nvPicPr>
+            <p:blipFill>
+              <a:blip r:embed="rId42"/>
+              <a:stretch>
+                <a:fillRect/>
+              </a:stretch>
+            </p:blipFill>
+            <p:spPr>
+              <a:xfrm>
+                <a:off x="5165367" y="2827953"/>
+                <a:ext cx="514080" cy="172080"/>
+              </a:xfrm>
+              <a:prstGeom prst="rect">
+                <a:avLst/>
+              </a:prstGeom>
+            </p:spPr>
+          </p:pic>
+        </mc:Fallback>
+      </mc:AlternateContent>
+      <mc:AlternateContent xmlns:mc="http://schemas.openxmlformats.org/markup-compatibility/2006">
+        <mc:Choice xmlns:p14="http://schemas.microsoft.com/office/powerpoint/2010/main" Requires="p14">
+          <p:contentPart p14:bwMode="auto" r:id="rId43">
+            <p14:nvContentPartPr>
+              <p14:cNvPr id="24" name="Ink 23">
+                <a:extLst>
+                  <a:ext uri="{FF2B5EF4-FFF2-40B4-BE49-F238E27FC236}">
+                    <a16:creationId xmlns:a16="http://schemas.microsoft.com/office/drawing/2014/main" id="{A542DD12-CA95-95AC-152F-23C64C058BE4}"/>
+                  </a:ext>
+                </a:extLst>
+              </p14:cNvPr>
+              <p14:cNvContentPartPr/>
+              <p14:nvPr/>
+            </p14:nvContentPartPr>
+            <p14:xfrm>
+              <a:off x="5265447" y="3342033"/>
+              <a:ext cx="396720" cy="29520"/>
+            </p14:xfrm>
+          </p:contentPart>
+        </mc:Choice>
+        <mc:Fallback>
+          <p:pic>
+            <p:nvPicPr>
+              <p:cNvPr id="24" name="Ink 23">
+                <a:extLst>
+                  <a:ext uri="{FF2B5EF4-FFF2-40B4-BE49-F238E27FC236}">
+                    <a16:creationId xmlns:a16="http://schemas.microsoft.com/office/drawing/2014/main" id="{A542DD12-CA95-95AC-152F-23C64C058BE4}"/>
+                  </a:ext>
+                </a:extLst>
+              </p:cNvPr>
+              <p:cNvPicPr/>
+              <p:nvPr/>
+            </p:nvPicPr>
+            <p:blipFill>
+              <a:blip r:embed="rId44"/>
+              <a:stretch>
+                <a:fillRect/>
+              </a:stretch>
+            </p:blipFill>
+            <p:spPr>
+              <a:xfrm>
+                <a:off x="5229447" y="3270033"/>
+                <a:ext cx="468360" cy="173160"/>
+              </a:xfrm>
+              <a:prstGeom prst="rect">
+                <a:avLst/>
+              </a:prstGeom>
+            </p:spPr>
+          </p:pic>
+        </mc:Fallback>
+      </mc:AlternateContent>
+      <mc:AlternateContent xmlns:mc="http://schemas.openxmlformats.org/markup-compatibility/2006">
+        <mc:Choice xmlns:p14="http://schemas.microsoft.com/office/powerpoint/2010/main" Requires="p14">
+          <p:contentPart p14:bwMode="auto" r:id="rId45">
+            <p14:nvContentPartPr>
+              <p14:cNvPr id="25" name="Ink 24">
+                <a:extLst>
+                  <a:ext uri="{FF2B5EF4-FFF2-40B4-BE49-F238E27FC236}">
+                    <a16:creationId xmlns:a16="http://schemas.microsoft.com/office/drawing/2014/main" id="{3D81659E-2C91-A047-CDF8-996A4535AF96}"/>
+                  </a:ext>
+                </a:extLst>
+              </p14:cNvPr>
+              <p14:cNvContentPartPr/>
+              <p14:nvPr/>
+            </p14:nvContentPartPr>
+            <p14:xfrm>
+              <a:off x="8692287" y="4978233"/>
+              <a:ext cx="461160" cy="360"/>
+            </p14:xfrm>
+          </p:contentPart>
+        </mc:Choice>
+        <mc:Fallback>
+          <p:pic>
+            <p:nvPicPr>
+              <p:cNvPr id="25" name="Ink 24">
+                <a:extLst>
+                  <a:ext uri="{FF2B5EF4-FFF2-40B4-BE49-F238E27FC236}">
+                    <a16:creationId xmlns:a16="http://schemas.microsoft.com/office/drawing/2014/main" id="{3D81659E-2C91-A047-CDF8-996A4535AF96}"/>
+                  </a:ext>
+                </a:extLst>
+              </p:cNvPr>
+              <p:cNvPicPr/>
+              <p:nvPr/>
+            </p:nvPicPr>
+            <p:blipFill>
+              <a:blip r:embed="rId40"/>
+              <a:stretch>
+                <a:fillRect/>
+              </a:stretch>
+            </p:blipFill>
+            <p:spPr>
+              <a:xfrm>
+                <a:off x="8656287" y="4906593"/>
+                <a:ext cx="532800" cy="144000"/>
+              </a:xfrm>
+              <a:prstGeom prst="rect">
+                <a:avLst/>
+              </a:prstGeom>
+            </p:spPr>
+          </p:pic>
+        </mc:Fallback>
+      </mc:AlternateContent>
+      <mc:AlternateContent xmlns:mc="http://schemas.openxmlformats.org/markup-compatibility/2006">
+        <mc:Choice xmlns:p14="http://schemas.microsoft.com/office/powerpoint/2010/main" Requires="p14">
+          <p:contentPart p14:bwMode="auto" r:id="rId46">
+            <p14:nvContentPartPr>
+              <p14:cNvPr id="26" name="Ink 25">
+                <a:extLst>
+                  <a:ext uri="{FF2B5EF4-FFF2-40B4-BE49-F238E27FC236}">
+                    <a16:creationId xmlns:a16="http://schemas.microsoft.com/office/drawing/2014/main" id="{49A969E2-FB37-6E78-30B0-F12A7D9DEF0F}"/>
+                  </a:ext>
+                </a:extLst>
+              </p14:cNvPr>
+              <p14:cNvContentPartPr/>
+              <p14:nvPr/>
+            </p14:nvContentPartPr>
+            <p14:xfrm>
+              <a:off x="5395047" y="4339233"/>
+              <a:ext cx="257760" cy="29880"/>
+            </p14:xfrm>
+          </p:contentPart>
+        </mc:Choice>
+        <mc:Fallback>
+          <p:pic>
+            <p:nvPicPr>
+              <p:cNvPr id="26" name="Ink 25">
+                <a:extLst>
+                  <a:ext uri="{FF2B5EF4-FFF2-40B4-BE49-F238E27FC236}">
+                    <a16:creationId xmlns:a16="http://schemas.microsoft.com/office/drawing/2014/main" id="{49A969E2-FB37-6E78-30B0-F12A7D9DEF0F}"/>
+                  </a:ext>
+                </a:extLst>
+              </p:cNvPr>
+              <p:cNvPicPr/>
+              <p:nvPr/>
+            </p:nvPicPr>
+            <p:blipFill>
+              <a:blip r:embed="rId47"/>
+              <a:stretch>
+                <a:fillRect/>
+              </a:stretch>
+            </p:blipFill>
+            <p:spPr>
+              <a:xfrm>
+                <a:off x="5359047" y="4267233"/>
+                <a:ext cx="329400" cy="173520"/>
+              </a:xfrm>
+              <a:prstGeom prst="rect">
+                <a:avLst/>
+              </a:prstGeom>
+            </p:spPr>
+          </p:pic>
+        </mc:Fallback>
+      </mc:AlternateContent>
+      <mc:AlternateContent xmlns:mc="http://schemas.openxmlformats.org/markup-compatibility/2006">
+        <mc:Choice xmlns:p14="http://schemas.microsoft.com/office/powerpoint/2010/main" Requires="p14">
+          <p:contentPart p14:bwMode="auto" r:id="rId48">
+            <p14:nvContentPartPr>
+              <p14:cNvPr id="27" name="Ink 26">
+                <a:extLst>
+                  <a:ext uri="{FF2B5EF4-FFF2-40B4-BE49-F238E27FC236}">
+                    <a16:creationId xmlns:a16="http://schemas.microsoft.com/office/drawing/2014/main" id="{157E29C3-C488-866E-9693-A32A2BAD3BA5}"/>
+                  </a:ext>
+                </a:extLst>
+              </p14:cNvPr>
+              <p14:cNvContentPartPr/>
+              <p14:nvPr/>
+            </p14:nvContentPartPr>
+            <p14:xfrm>
+              <a:off x="1291767" y="3104793"/>
+              <a:ext cx="259920" cy="26280"/>
+            </p14:xfrm>
+          </p:contentPart>
+        </mc:Choice>
+        <mc:Fallback>
+          <p:pic>
+            <p:nvPicPr>
+              <p:cNvPr id="27" name="Ink 26">
+                <a:extLst>
+                  <a:ext uri="{FF2B5EF4-FFF2-40B4-BE49-F238E27FC236}">
+                    <a16:creationId xmlns:a16="http://schemas.microsoft.com/office/drawing/2014/main" id="{157E29C3-C488-866E-9693-A32A2BAD3BA5}"/>
+                  </a:ext>
+                </a:extLst>
+              </p:cNvPr>
+              <p:cNvPicPr/>
+              <p:nvPr/>
+            </p:nvPicPr>
+            <p:blipFill>
+              <a:blip r:embed="rId49"/>
+              <a:stretch>
+                <a:fillRect/>
+              </a:stretch>
+            </p:blipFill>
+            <p:spPr>
+              <a:xfrm>
+                <a:off x="1256127" y="3033153"/>
+                <a:ext cx="331560" cy="169920"/>
+              </a:xfrm>
+              <a:prstGeom prst="rect">
+                <a:avLst/>
+              </a:prstGeom>
+            </p:spPr>
+          </p:pic>
+        </mc:Fallback>
+      </mc:AlternateContent>
+      <mc:AlternateContent xmlns:mc="http://schemas.openxmlformats.org/markup-compatibility/2006">
+        <mc:Choice xmlns:p14="http://schemas.microsoft.com/office/powerpoint/2010/main" Requires="p14">
+          <p:contentPart p14:bwMode="auto" r:id="rId50">
+            <p14:nvContentPartPr>
+              <p14:cNvPr id="28" name="Ink 27">
+                <a:extLst>
+                  <a:ext uri="{FF2B5EF4-FFF2-40B4-BE49-F238E27FC236}">
+                    <a16:creationId xmlns:a16="http://schemas.microsoft.com/office/drawing/2014/main" id="{0EC4E628-BE2B-A1DA-ECB0-34BF7F9844C8}"/>
+                  </a:ext>
+                </a:extLst>
+              </p14:cNvPr>
+              <p14:cNvContentPartPr/>
+              <p14:nvPr/>
+            </p14:nvContentPartPr>
+            <p14:xfrm>
+              <a:off x="8885607" y="1671633"/>
+              <a:ext cx="249480" cy="360"/>
+            </p14:xfrm>
+          </p:contentPart>
+        </mc:Choice>
+        <mc:Fallback>
+          <p:pic>
+            <p:nvPicPr>
+              <p:cNvPr id="28" name="Ink 27">
+                <a:extLst>
+                  <a:ext uri="{FF2B5EF4-FFF2-40B4-BE49-F238E27FC236}">
+                    <a16:creationId xmlns:a16="http://schemas.microsoft.com/office/drawing/2014/main" id="{0EC4E628-BE2B-A1DA-ECB0-34BF7F9844C8}"/>
+                  </a:ext>
+                </a:extLst>
+              </p:cNvPr>
+              <p:cNvPicPr/>
+              <p:nvPr/>
+            </p:nvPicPr>
+            <p:blipFill>
+              <a:blip r:embed="rId51"/>
+              <a:stretch>
+                <a:fillRect/>
+              </a:stretch>
+            </p:blipFill>
+            <p:spPr>
+              <a:xfrm>
+                <a:off x="8849967" y="1599993"/>
+                <a:ext cx="321120" cy="144000"/>
+              </a:xfrm>
+              <a:prstGeom prst="rect">
+                <a:avLst/>
+              </a:prstGeom>
+            </p:spPr>
+          </p:pic>
+        </mc:Fallback>
+      </mc:AlternateContent>
+      <mc:AlternateContent xmlns:mc="http://schemas.openxmlformats.org/markup-compatibility/2006">
+        <mc:Choice xmlns:p14="http://schemas.microsoft.com/office/powerpoint/2010/main" Requires="p14">
+          <p:contentPart p14:bwMode="auto" r:id="rId52">
+            <p14:nvContentPartPr>
+              <p14:cNvPr id="29" name="Ink 28">
+                <a:extLst>
+                  <a:ext uri="{FF2B5EF4-FFF2-40B4-BE49-F238E27FC236}">
+                    <a16:creationId xmlns:a16="http://schemas.microsoft.com/office/drawing/2014/main" id="{F880DE00-D558-7D8D-85CE-8A121E539D77}"/>
+                  </a:ext>
+                </a:extLst>
+              </p14:cNvPr>
+              <p14:cNvContentPartPr/>
+              <p14:nvPr/>
+            </p14:nvContentPartPr>
+            <p14:xfrm>
+              <a:off x="5357607" y="5181273"/>
+              <a:ext cx="295200" cy="11520"/>
+            </p14:xfrm>
+          </p:contentPart>
+        </mc:Choice>
+        <mc:Fallback>
+          <p:pic>
+            <p:nvPicPr>
+              <p:cNvPr id="29" name="Ink 28">
+                <a:extLst>
+                  <a:ext uri="{FF2B5EF4-FFF2-40B4-BE49-F238E27FC236}">
+                    <a16:creationId xmlns:a16="http://schemas.microsoft.com/office/drawing/2014/main" id="{F880DE00-D558-7D8D-85CE-8A121E539D77}"/>
+                  </a:ext>
+                </a:extLst>
+              </p:cNvPr>
+              <p:cNvPicPr/>
+              <p:nvPr/>
+            </p:nvPicPr>
+            <p:blipFill>
+              <a:blip r:embed="rId53"/>
+              <a:stretch>
+                <a:fillRect/>
+              </a:stretch>
+            </p:blipFill>
+            <p:spPr>
+              <a:xfrm>
+                <a:off x="5321967" y="5109273"/>
+                <a:ext cx="366840" cy="155160"/>
+              </a:xfrm>
+              <a:prstGeom prst="rect">
+                <a:avLst/>
+              </a:prstGeom>
+            </p:spPr>
+          </p:pic>
+        </mc:Fallback>
+      </mc:AlternateContent>
+      <mc:AlternateContent xmlns:mc="http://schemas.openxmlformats.org/markup-compatibility/2006">
+        <mc:Choice xmlns:p14="http://schemas.microsoft.com/office/powerpoint/2010/main" Requires="p14">
+          <p:contentPart p14:bwMode="auto" r:id="rId54">
+            <p14:nvContentPartPr>
+              <p14:cNvPr id="30" name="Ink 29">
+                <a:extLst>
+                  <a:ext uri="{FF2B5EF4-FFF2-40B4-BE49-F238E27FC236}">
+                    <a16:creationId xmlns:a16="http://schemas.microsoft.com/office/drawing/2014/main" id="{38561E2E-50F3-0E44-391B-FD05883D7AD5}"/>
+                  </a:ext>
+                </a:extLst>
+              </p14:cNvPr>
+              <p14:cNvContentPartPr/>
+              <p14:nvPr/>
+            </p14:nvContentPartPr>
+            <p14:xfrm>
+              <a:off x="8769687" y="5824233"/>
+              <a:ext cx="365400" cy="3960"/>
+            </p14:xfrm>
+          </p:contentPart>
+        </mc:Choice>
+        <mc:Fallback>
+          <p:pic>
+            <p:nvPicPr>
+              <p:cNvPr id="30" name="Ink 29">
+                <a:extLst>
+                  <a:ext uri="{FF2B5EF4-FFF2-40B4-BE49-F238E27FC236}">
+                    <a16:creationId xmlns:a16="http://schemas.microsoft.com/office/drawing/2014/main" id="{38561E2E-50F3-0E44-391B-FD05883D7AD5}"/>
+                  </a:ext>
+                </a:extLst>
+              </p:cNvPr>
+              <p:cNvPicPr/>
+              <p:nvPr/>
+            </p:nvPicPr>
+            <p:blipFill>
+              <a:blip r:embed="rId55"/>
+              <a:stretch>
+                <a:fillRect/>
+              </a:stretch>
+            </p:blipFill>
+            <p:spPr>
+              <a:xfrm>
+                <a:off x="8733687" y="5752593"/>
+                <a:ext cx="437040" cy="147600"/>
+              </a:xfrm>
+              <a:prstGeom prst="rect">
+                <a:avLst/>
+              </a:prstGeom>
+            </p:spPr>
+          </p:pic>
+        </mc:Fallback>
+      </mc:AlternateContent>
+      <mc:AlternateContent xmlns:mc="http://schemas.openxmlformats.org/markup-compatibility/2006">
+        <mc:Choice xmlns:p14="http://schemas.microsoft.com/office/powerpoint/2010/main" Requires="p14">
+          <p:contentPart p14:bwMode="auto" r:id="rId56">
+            <p14:nvContentPartPr>
+              <p14:cNvPr id="31" name="Ink 30">
+                <a:extLst>
+                  <a:ext uri="{FF2B5EF4-FFF2-40B4-BE49-F238E27FC236}">
+                    <a16:creationId xmlns:a16="http://schemas.microsoft.com/office/drawing/2014/main" id="{FBE6FE2D-523D-EAE0-3545-9FD4E7B6505A}"/>
+                  </a:ext>
+                </a:extLst>
+              </p14:cNvPr>
+              <p14:cNvContentPartPr/>
+              <p14:nvPr/>
+            </p14:nvContentPartPr>
+            <p14:xfrm>
+              <a:off x="1265487" y="1266273"/>
+              <a:ext cx="286560" cy="8640"/>
+            </p14:xfrm>
+          </p:contentPart>
+        </mc:Choice>
+        <mc:Fallback>
+          <p:pic>
+            <p:nvPicPr>
+              <p:cNvPr id="31" name="Ink 30">
+                <a:extLst>
+                  <a:ext uri="{FF2B5EF4-FFF2-40B4-BE49-F238E27FC236}">
+                    <a16:creationId xmlns:a16="http://schemas.microsoft.com/office/drawing/2014/main" id="{FBE6FE2D-523D-EAE0-3545-9FD4E7B6505A}"/>
+                  </a:ext>
+                </a:extLst>
+              </p:cNvPr>
+              <p:cNvPicPr/>
+              <p:nvPr/>
+            </p:nvPicPr>
+            <p:blipFill>
+              <a:blip r:embed="rId57"/>
+              <a:stretch>
+                <a:fillRect/>
+              </a:stretch>
+            </p:blipFill>
+            <p:spPr>
+              <a:xfrm>
+                <a:off x="1229487" y="1194273"/>
+                <a:ext cx="358200" cy="152280"/>
+              </a:xfrm>
+              <a:prstGeom prst="rect">
+                <a:avLst/>
+              </a:prstGeom>
+            </p:spPr>
+          </p:pic>
+        </mc:Fallback>
+      </mc:AlternateContent>
     </p:spTree>
     <p:extLst>
       <p:ext uri="{BB962C8B-B14F-4D97-AF65-F5344CB8AC3E}">
@@ -4340,6 +7957,18 @@
   <p:clrMapOvr>
     <a:masterClrMapping/>
   </p:clrMapOvr>
+  <mc:AlternateContent xmlns:mc="http://schemas.openxmlformats.org/markup-compatibility/2006">
+    <mc:Choice xmlns:p14="http://schemas.microsoft.com/office/powerpoint/2010/main" Requires="p14">
+      <p:transition spd="slow" p14:dur="2000">
+        <p14:reveal/>
+      </p:transition>
+    </mc:Choice>
+    <mc:Fallback>
+      <p:transition spd="slow">
+        <p:fade/>
+      </p:transition>
+    </mc:Fallback>
+  </mc:AlternateContent>
 </p:sld>
 </file>
 
@@ -4453,6 +8082,18 @@
   <p:clrMapOvr>
     <a:masterClrMapping/>
   </p:clrMapOvr>
+  <mc:AlternateContent xmlns:mc="http://schemas.openxmlformats.org/markup-compatibility/2006">
+    <mc:Choice xmlns:p14="http://schemas.microsoft.com/office/powerpoint/2010/main" Requires="p14">
+      <p:transition spd="slow" p14:dur="2000">
+        <p14:reveal/>
+      </p:transition>
+    </mc:Choice>
+    <mc:Fallback>
+      <p:transition spd="slow">
+        <p:fade/>
+      </p:transition>
+    </mc:Fallback>
+  </mc:AlternateContent>
 </p:sld>
 </file>
 
@@ -4564,6 +8205,18 @@
   <p:clrMapOvr>
     <a:masterClrMapping/>
   </p:clrMapOvr>
+  <mc:AlternateContent xmlns:mc="http://schemas.openxmlformats.org/markup-compatibility/2006">
+    <mc:Choice xmlns:p14="http://schemas.microsoft.com/office/powerpoint/2010/main" Requires="p14">
+      <p:transition spd="slow" p14:dur="2000">
+        <p14:reveal/>
+      </p:transition>
+    </mc:Choice>
+    <mc:Fallback>
+      <p:transition spd="slow">
+        <p:fade/>
+      </p:transition>
+    </mc:Fallback>
+  </mc:AlternateContent>
 </p:sld>
 </file>
 
@@ -4677,6 +8330,18 @@
   <p:clrMapOvr>
     <a:masterClrMapping/>
   </p:clrMapOvr>
+  <mc:AlternateContent xmlns:mc="http://schemas.openxmlformats.org/markup-compatibility/2006">
+    <mc:Choice xmlns:p14="http://schemas.microsoft.com/office/powerpoint/2010/main" Requires="p14">
+      <p:transition spd="slow" p14:dur="2000">
+        <p14:reveal/>
+      </p:transition>
+    </mc:Choice>
+    <mc:Fallback>
+      <p:transition spd="slow">
+        <p:fade/>
+      </p:transition>
+    </mc:Fallback>
+  </mc:AlternateContent>
 </p:sld>
 </file>
 
@@ -4708,29 +8373,58 @@
           <a:chExt cx="0" cy="0"/>
         </a:xfrm>
       </p:grpSpPr>
+      <p:pic>
+        <p:nvPicPr>
+          <p:cNvPr id="7" name="Add-in_Icon" descr="Icon for Microsoft Power BI.">
+            <a:extLst>
+              <a:ext uri="{FF2B5EF4-FFF2-40B4-BE49-F238E27FC236}">
+                <a16:creationId xmlns:a16="http://schemas.microsoft.com/office/drawing/2014/main" id="{87D43E1C-7B4D-44A2-8E6D-6786349BFB58}"/>
+              </a:ext>
+            </a:extLst>
+          </p:cNvPr>
+          <p:cNvPicPr/>
+          <p:nvPr/>
+        </p:nvPicPr>
+        <p:blipFill>
+          <a:blip r:embed="rId2"/>
+          <a:stretch>
+            <a:fillRect/>
+          </a:stretch>
+        </p:blipFill>
+        <p:spPr bwMode="auto">
+          <a:xfrm>
+            <a:off x="914400" y="530365"/>
+            <a:ext cx="291465" cy="291465"/>
+          </a:xfrm>
+          <a:prstGeom prst="rect">
+            <a:avLst/>
+          </a:prstGeom>
+          <a:noFill/>
+        </p:spPr>
+      </p:pic>
       <mc:AlternateContent xmlns:mc="http://schemas.openxmlformats.org/markup-compatibility/2006">
         <mc:Choice xmlns:we="http://schemas.microsoft.com/office/webextensions/webextension/2010/11" xmlns:pca="http://schemas.microsoft.com/office/powerpoint/2013/contentapp" Requires="we pca">
           <p:graphicFrame>
             <p:nvGraphicFramePr>
-              <p:cNvPr id="2" name="Add-in 1" title="Web Viewer">
-                <a:extLst>
-                  <a:ext uri="{FF2B5EF4-FFF2-40B4-BE49-F238E27FC236}">
-                    <a16:creationId xmlns:a16="http://schemas.microsoft.com/office/drawing/2014/main" id="{9B7D9EF1-ABB6-AC18-4A57-4CC409796E52}"/>
-                  </a:ext>
-                </a:extLst>
-              </p:cNvPr>
+              <p:cNvPr id="2" name="Add-in" descr="Add-in content for Microsoft Power BI."/>
               <p:cNvGraphicFramePr>
                 <a:graphicFrameLocks noGrp="1"/>
               </p:cNvGraphicFramePr>
-              <p:nvPr/>
+              <p:nvPr>
+                <p:extLst>
+                  <p:ext uri="{D42A27DB-BD31-4B8C-83A1-F6EECF244321}">
+                    <p14:modId xmlns:p14="http://schemas.microsoft.com/office/powerpoint/2010/main" val="3576594730"/>
+                  </p:ext>
+                </p:extLst>
+              </p:nvPr>
             </p:nvGraphicFramePr>
             <p:xfrm>
-              <a:off x="1524000" y="857249"/>
-              <a:ext cx="9144000" cy="5143500"/>
+              <a:off x="267855" y="157018"/>
+              <a:ext cx="11767127" cy="6456218"/>
             </p:xfrm>
             <a:graphic>
               <a:graphicData uri="http://schemas.microsoft.com/office/webextensions/webextension/2010/11">
-                <we:webextensionref xmlns:we="http://schemas.microsoft.com/office/webextensions/webextension/2010/11" xmlns:r="http://schemas.openxmlformats.org/officeDocument/2006/relationships" r:id="rId2"/>
+                <we:webextensionref xmlns:we="http://schemas.microsoft.com/office/webextensions/webextension/2010/11" xmlns:r="http://schemas.openxmlformats.org/officeDocument/2006/relationships" r:id="rId3"/>
               </a:graphicData>
             </a:graphic>
           </p:graphicFrame>
@@ -4738,28 +8432,22 @@
         <mc:Fallback>
           <p:pic>
             <p:nvPicPr>
-              <p:cNvPr id="2" name="Add-in 1" title="Web Viewer">
-                <a:extLst>
-                  <a:ext uri="{FF2B5EF4-FFF2-40B4-BE49-F238E27FC236}">
-                    <a16:creationId xmlns:a16="http://schemas.microsoft.com/office/drawing/2014/main" id="{9B7D9EF1-ABB6-AC18-4A57-4CC409796E52}"/>
-                  </a:ext>
-                </a:extLst>
-              </p:cNvPr>
+              <p:cNvPr id="2" name="Add-in" descr="Add-in content for Microsoft Power BI."/>
               <p:cNvPicPr>
                 <a:picLocks noGrp="1" noRot="1" noChangeAspect="1" noMove="1" noResize="1" noEditPoints="1" noAdjustHandles="1" noChangeArrowheads="1" noChangeShapeType="1"/>
               </p:cNvPicPr>
               <p:nvPr/>
             </p:nvPicPr>
             <p:blipFill>
-              <a:blip r:embed="rId3"/>
+              <a:blip r:embed="rId4"/>
               <a:stretch>
                 <a:fillRect/>
               </a:stretch>
             </p:blipFill>
             <p:spPr>
               <a:xfrm>
-                <a:off x="1524000" y="857249"/>
-                <a:ext cx="9144000" cy="5143500"/>
+                <a:off x="267855" y="157018"/>
+                <a:ext cx="11767127" cy="6456218"/>
               </a:xfrm>
               <a:prstGeom prst="rect">
                 <a:avLst/>
@@ -4771,13 +8459,25 @@
     </p:spTree>
     <p:extLst>
       <p:ext uri="{BB962C8B-B14F-4D97-AF65-F5344CB8AC3E}">
-        <p14:creationId xmlns:p14="http://schemas.microsoft.com/office/powerpoint/2010/main" val="2905502512"/>
+        <p14:creationId xmlns:p14="http://schemas.microsoft.com/office/powerpoint/2010/main" val="3211859542"/>
       </p:ext>
     </p:extLst>
   </p:cSld>
   <p:clrMapOvr>
     <a:masterClrMapping/>
   </p:clrMapOvr>
+  <mc:AlternateContent xmlns:mc="http://schemas.openxmlformats.org/markup-compatibility/2006">
+    <mc:Choice xmlns:p14="http://schemas.microsoft.com/office/powerpoint/2010/main" Requires="p14">
+      <p:transition spd="slow" p14:dur="2000">
+        <p14:reveal/>
+      </p:transition>
+    </mc:Choice>
+    <mc:Fallback>
+      <p:transition spd="slow">
+        <p:fade/>
+      </p:transition>
+    </mc:Fallback>
+  </mc:AlternateContent>
 </p:sld>
 </file>
 
@@ -4937,7 +8637,7 @@
         </p:nvSpPr>
         <p:spPr>
           <a:xfrm>
-            <a:off x="838200" y="155502"/>
+            <a:off x="894772" y="155502"/>
             <a:ext cx="10402455" cy="1219633"/>
           </a:xfrm>
           <a:prstGeom prst="roundRect">
@@ -4995,6 +8695,18 @@
   <p:clrMapOvr>
     <a:masterClrMapping/>
   </p:clrMapOvr>
+  <mc:AlternateContent xmlns:mc="http://schemas.openxmlformats.org/markup-compatibility/2006">
+    <mc:Choice xmlns:p14="http://schemas.microsoft.com/office/powerpoint/2010/main" Requires="p14">
+      <p:transition spd="slow" p14:dur="2000">
+        <p14:reveal/>
+      </p:transition>
+    </mc:Choice>
+    <mc:Fallback>
+      <p:transition spd="slow">
+        <p:fade/>
+      </p:transition>
+    </mc:Fallback>
+  </mc:AlternateContent>
 </p:sld>
 </file>
 
@@ -5280,6 +8992,18 @@
   <p:clrMapOvr>
     <a:masterClrMapping/>
   </p:clrMapOvr>
+  <mc:AlternateContent xmlns:mc="http://schemas.openxmlformats.org/markup-compatibility/2006">
+    <mc:Choice xmlns:p14="http://schemas.microsoft.com/office/powerpoint/2010/main" Requires="p14">
+      <p:transition spd="slow" p14:dur="2000">
+        <p14:reveal/>
+      </p:transition>
+    </mc:Choice>
+    <mc:Fallback>
+      <p:transition spd="slow">
+        <p:fade/>
+      </p:transition>
+    </mc:Fallback>
+  </mc:AlternateContent>
 </p:sld>
 </file>
 
@@ -5499,6 +9223,18 @@
   <p:clrMapOvr>
     <a:masterClrMapping/>
   </p:clrMapOvr>
+  <mc:AlternateContent xmlns:mc="http://schemas.openxmlformats.org/markup-compatibility/2006">
+    <mc:Choice xmlns:p14="http://schemas.microsoft.com/office/powerpoint/2010/main" Requires="p14">
+      <p:transition spd="slow" p14:dur="2000">
+        <p14:reveal/>
+      </p:transition>
+    </mc:Choice>
+    <mc:Fallback>
+      <p:transition spd="slow">
+        <p:fade/>
+      </p:transition>
+    </mc:Fallback>
+  </mc:AlternateContent>
 </p:sld>
 </file>
 
@@ -5706,6 +9442,18 @@
   <p:clrMapOvr>
     <a:masterClrMapping/>
   </p:clrMapOvr>
+  <mc:AlternateContent xmlns:mc="http://schemas.openxmlformats.org/markup-compatibility/2006">
+    <mc:Choice xmlns:p14="http://schemas.microsoft.com/office/powerpoint/2010/main" Requires="p14">
+      <p:transition spd="slow" p14:dur="2000">
+        <p14:reveal/>
+      </p:transition>
+    </mc:Choice>
+    <mc:Fallback>
+      <p:transition spd="slow">
+        <p:fade/>
+      </p:transition>
+    </mc:Fallback>
+  </mc:AlternateContent>
 </p:sld>
 </file>
 
@@ -5845,6 +9593,18 @@
   <p:clrMapOvr>
     <a:masterClrMapping/>
   </p:clrMapOvr>
+  <mc:AlternateContent xmlns:mc="http://schemas.openxmlformats.org/markup-compatibility/2006">
+    <mc:Choice xmlns:p14="http://schemas.microsoft.com/office/powerpoint/2010/main" Requires="p14">
+      <p:transition spd="slow" p14:dur="2000">
+        <p14:reveal/>
+      </p:transition>
+    </mc:Choice>
+    <mc:Fallback>
+      <p:transition spd="slow">
+        <p:fade/>
+      </p:transition>
+    </mc:Fallback>
+  </mc:AlternateContent>
 </p:sld>
 </file>
 
@@ -6109,6 +9869,18 @@
   <p:clrMapOvr>
     <a:masterClrMapping/>
   </p:clrMapOvr>
+  <mc:AlternateContent xmlns:mc="http://schemas.openxmlformats.org/markup-compatibility/2006">
+    <mc:Choice xmlns:p14="http://schemas.microsoft.com/office/powerpoint/2010/main" Requires="p14">
+      <p:transition spd="slow" p14:dur="2000">
+        <p14:reveal/>
+      </p:transition>
+    </mc:Choice>
+    <mc:Fallback>
+      <p:transition spd="slow">
+        <p:fade/>
+      </p:transition>
+    </mc:Fallback>
+  </mc:AlternateContent>
 </p:sld>
 </file>
 
@@ -6300,6 +10072,18 @@
   <p:clrMapOvr>
     <a:masterClrMapping/>
   </p:clrMapOvr>
+  <mc:AlternateContent xmlns:mc="http://schemas.openxmlformats.org/markup-compatibility/2006">
+    <mc:Choice xmlns:p14="http://schemas.microsoft.com/office/powerpoint/2010/main" Requires="p14">
+      <p:transition spd="slow" p14:dur="2000">
+        <p14:reveal/>
+      </p:transition>
+    </mc:Choice>
+    <mc:Fallback>
+      <p:transition spd="slow">
+        <p:fade/>
+      </p:transition>
+    </mc:Fallback>
+  </mc:AlternateContent>
 </p:sld>
 </file>
 
@@ -6444,6 +10228,18 @@
   <p:clrMapOvr>
     <a:masterClrMapping/>
   </p:clrMapOvr>
+  <mc:AlternateContent xmlns:mc="http://schemas.openxmlformats.org/markup-compatibility/2006">
+    <mc:Choice xmlns:p14="http://schemas.microsoft.com/office/powerpoint/2010/main" Requires="p14">
+      <p:transition spd="slow" p14:dur="2000">
+        <p14:reveal/>
+      </p:transition>
+    </mc:Choice>
+    <mc:Fallback>
+      <p:transition spd="slow">
+        <p:fade/>
+      </p:transition>
+    </mc:Fallback>
+  </mc:AlternateContent>
 </p:sld>
 </file>
 
@@ -6557,6 +10353,18 @@
   <p:clrMapOvr>
     <a:masterClrMapping/>
   </p:clrMapOvr>
+  <mc:AlternateContent xmlns:mc="http://schemas.openxmlformats.org/markup-compatibility/2006">
+    <mc:Choice xmlns:p14="http://schemas.microsoft.com/office/powerpoint/2010/main" Requires="p14">
+      <p:transition spd="slow" p14:dur="2000">
+        <p14:reveal/>
+      </p:transition>
+    </mc:Choice>
+    <mc:Fallback>
+      <p:transition spd="slow">
+        <p:fade/>
+      </p:transition>
+    </mc:Fallback>
+  </mc:AlternateContent>
 </p:sld>
 </file>
 
@@ -6670,6 +10478,18 @@
   <p:clrMapOvr>
     <a:masterClrMapping/>
   </p:clrMapOvr>
+  <mc:AlternateContent xmlns:mc="http://schemas.openxmlformats.org/markup-compatibility/2006">
+    <mc:Choice xmlns:p14="http://schemas.microsoft.com/office/powerpoint/2010/main" Requires="p14">
+      <p:transition spd="slow" p14:dur="2000">
+        <p14:reveal/>
+      </p:transition>
+    </mc:Choice>
+    <mc:Fallback>
+      <p:transition spd="slow">
+        <p:fade/>
+      </p:transition>
+    </mc:Fallback>
+  </mc:AlternateContent>
 </p:sld>
 </file>
 
@@ -6783,23 +10603,24 @@
   <p:clrMapOvr>
     <a:masterClrMapping/>
   </p:clrMapOvr>
+  <mc:AlternateContent xmlns:mc="http://schemas.openxmlformats.org/markup-compatibility/2006">
+    <mc:Choice xmlns:p14="http://schemas.microsoft.com/office/powerpoint/2010/main" Requires="p14">
+      <p:transition spd="slow" p14:dur="2000">
+        <p14:reveal/>
+      </p:transition>
+    </mc:Choice>
+    <mc:Fallback>
+      <p:transition spd="slow">
+        <p:fade/>
+      </p:transition>
+    </mc:Fallback>
+  </mc:AlternateContent>
 </p:sld>
 </file>
 
 <file path=ppt/slides/slide9.xml><?xml version="1.0" encoding="utf-8"?>
 <p:sld xmlns:a="http://schemas.openxmlformats.org/drawingml/2006/main" xmlns:r="http://schemas.openxmlformats.org/officeDocument/2006/relationships" xmlns:p="http://schemas.openxmlformats.org/presentationml/2006/main">
   <p:cSld>
-    <p:bg>
-      <p:bgPr>
-        <a:solidFill>
-          <a:schemeClr val="bg1">
-            <a:lumMod val="65000"/>
-            <a:alpha val="90000"/>
-          </a:schemeClr>
-        </a:solidFill>
-        <a:effectLst/>
-      </p:bgPr>
-    </p:bg>
     <p:spTree>
       <p:nvGrpSpPr>
         <p:cNvPr id="1" name=""/>
@@ -6814,29 +10635,52 @@
           <a:chExt cx="0" cy="0"/>
         </a:xfrm>
       </p:grpSpPr>
+      <p:pic>
+        <p:nvPicPr>
+          <p:cNvPr id="7" name="Add-in_Icon" descr="Icon for Microsoft Power BI.">
+            <a:extLst>
+              <a:ext uri="{FF2B5EF4-FFF2-40B4-BE49-F238E27FC236}">
+                <a16:creationId xmlns:a16="http://schemas.microsoft.com/office/drawing/2014/main" id="{87D43E1C-7B4D-44A2-8E6D-6786349BFB58}"/>
+              </a:ext>
+            </a:extLst>
+          </p:cNvPr>
+          <p:cNvPicPr/>
+          <p:nvPr/>
+        </p:nvPicPr>
+        <p:blipFill>
+          <a:blip r:embed="rId2"/>
+          <a:stretch>
+            <a:fillRect/>
+          </a:stretch>
+        </p:blipFill>
+        <p:spPr bwMode="auto">
+          <a:xfrm>
+            <a:off x="914400" y="530365"/>
+            <a:ext cx="291465" cy="291465"/>
+          </a:xfrm>
+          <a:prstGeom prst="rect">
+            <a:avLst/>
+          </a:prstGeom>
+          <a:noFill/>
+        </p:spPr>
+      </p:pic>
       <mc:AlternateContent xmlns:mc="http://schemas.openxmlformats.org/markup-compatibility/2006">
         <mc:Choice xmlns:we="http://schemas.microsoft.com/office/webextensions/webextension/2010/11" xmlns:pca="http://schemas.microsoft.com/office/powerpoint/2013/contentapp" Requires="we pca">
           <p:graphicFrame>
             <p:nvGraphicFramePr>
-              <p:cNvPr id="2" name="Add-in 1" title="Web Viewer">
-                <a:extLst>
-                  <a:ext uri="{FF2B5EF4-FFF2-40B4-BE49-F238E27FC236}">
-                    <a16:creationId xmlns:a16="http://schemas.microsoft.com/office/drawing/2014/main" id="{BA4A10DF-11CA-5CA2-62AD-0FB74D8B2005}"/>
-                  </a:ext>
-                </a:extLst>
-              </p:cNvPr>
+              <p:cNvPr id="2" name="Add-in" descr="Add-in content for Microsoft Power BI."/>
               <p:cNvGraphicFramePr>
                 <a:graphicFrameLocks noGrp="1"/>
               </p:cNvGraphicFramePr>
               <p:nvPr/>
             </p:nvGraphicFramePr>
             <p:xfrm>
-              <a:off x="1524000" y="857249"/>
-              <a:ext cx="9144000" cy="5143500"/>
+              <a:off x="293298" y="310551"/>
+              <a:ext cx="11593902" cy="6280030"/>
             </p:xfrm>
             <a:graphic>
               <a:graphicData uri="http://schemas.microsoft.com/office/webextensions/webextension/2010/11">
-                <we:webextensionref xmlns:we="http://schemas.microsoft.com/office/webextensions/webextension/2010/11" xmlns:r="http://schemas.openxmlformats.org/officeDocument/2006/relationships" r:id="rId2"/>
+                <we:webextensionref xmlns:we="http://schemas.microsoft.com/office/webextensions/webextension/2010/11" xmlns:r="http://schemas.openxmlformats.org/officeDocument/2006/relationships" r:id="rId3"/>
               </a:graphicData>
             </a:graphic>
           </p:graphicFrame>
@@ -6844,28 +10688,22 @@
         <mc:Fallback>
           <p:pic>
             <p:nvPicPr>
-              <p:cNvPr id="2" name="Add-in 1" title="Web Viewer">
-                <a:extLst>
-                  <a:ext uri="{FF2B5EF4-FFF2-40B4-BE49-F238E27FC236}">
-                    <a16:creationId xmlns:a16="http://schemas.microsoft.com/office/drawing/2014/main" id="{BA4A10DF-11CA-5CA2-62AD-0FB74D8B2005}"/>
-                  </a:ext>
-                </a:extLst>
-              </p:cNvPr>
+              <p:cNvPr id="2" name="Add-in" descr="Add-in content for Microsoft Power BI."/>
               <p:cNvPicPr>
                 <a:picLocks noGrp="1" noRot="1" noChangeAspect="1" noMove="1" noResize="1" noEditPoints="1" noAdjustHandles="1" noChangeArrowheads="1" noChangeShapeType="1"/>
               </p:cNvPicPr>
               <p:nvPr/>
             </p:nvPicPr>
             <p:blipFill>
-              <a:blip r:embed="rId3"/>
+              <a:blip r:embed="rId4"/>
               <a:stretch>
                 <a:fillRect/>
               </a:stretch>
             </p:blipFill>
             <p:spPr>
               <a:xfrm>
-                <a:off x="1524000" y="857249"/>
-                <a:ext cx="9144000" cy="5143500"/>
+                <a:off x="293298" y="310551"/>
+                <a:ext cx="11593902" cy="6280030"/>
               </a:xfrm>
               <a:prstGeom prst="rect">
                 <a:avLst/>
@@ -6877,13 +10715,25 @@
     </p:spTree>
     <p:extLst>
       <p:ext uri="{BB962C8B-B14F-4D97-AF65-F5344CB8AC3E}">
-        <p14:creationId xmlns:p14="http://schemas.microsoft.com/office/powerpoint/2010/main" val="3507741387"/>
+        <p14:creationId xmlns:p14="http://schemas.microsoft.com/office/powerpoint/2010/main" val="22328335"/>
       </p:ext>
     </p:extLst>
   </p:cSld>
   <p:clrMapOvr>
     <a:masterClrMapping/>
   </p:clrMapOvr>
+  <mc:AlternateContent xmlns:mc="http://schemas.openxmlformats.org/markup-compatibility/2006">
+    <mc:Choice xmlns:p14="http://schemas.microsoft.com/office/powerpoint/2010/main" Requires="p14">
+      <p:transition spd="slow" p14:dur="2000">
+        <p14:reveal/>
+      </p:transition>
+    </mc:Choice>
+    <mc:Fallback>
+      <p:transition spd="slow">
+        <p:fade/>
+      </p:transition>
+    </mc:Fallback>
+  </mc:AlternateContent>
 </p:sld>
 </file>
 
@@ -7458,13 +11308,27 @@
 </file>
 
 <file path=ppt/webextensions/webextension2.xml><?xml version="1.0" encoding="utf-8"?>
-<we:webextension xmlns:we="http://schemas.microsoft.com/office/webextensions/webextension/2010/11" id="{F8757BC0-5474-4B6E-96D4-44A8C9C0006B}">
-  <we:reference id="wa104295828" version="1.9.0.0" store="en-CA" storeType="OMEX"/>
-  <we:alternateReferences>
-    <we:reference id="wa104295828" version="1.9.0.0" store="wa104295828" storeType="OMEX"/>
-  </we:alternateReferences>
+<we:webextension xmlns:we="http://schemas.microsoft.com/office/webextensions/webextension/2010/11" id="{87c2cbf0-ca3a-4db3-af5e-82aab8b87558}">
+  <we:reference id="WA200003233" version="2.0.0.3" store="en-US" storeType="OMEX"/>
+  <we:alternateReferences/>
   <we:properties>
-    <we:property name="__labs__" value="{&quot;configuration&quot;:{&quot;appVersion&quot;:{&quot;major&quot;:1,&quot;minor&quot;:0},&quot;components&quot;:[{&quot;type&quot;:&quot;Labs.Components.ActivityComponent&quot;,&quot;name&quot;:&quot;&quot;,&quot;values&quot;:{},&quot;data&quot;:{&quot;uri&quot;:&quot;&quot;},&quot;secure&quot;:false}],&quot;name&quot;:&quot;&quot;,&quot;timeline&quot;:null,&quot;analytics&quot;:null},&quot;hostVersion&quot;:{&quot;major&quot;:0,&quot;minor&quot;:1}}"/>
+    <we:property name="Microsoft.Office.CampaignId" value="&quot;none&quot;"/>
+    <we:property name="backgroundColor" value="&quot;rgb(141,141,141)&quot;"/>
+    <we:property name="bookmark" value="&quot;H4sIAAAAAAAAA+Va/U7jRhB/FctSBZWS4o8kdpBaCQK0J8EVAaWqKhTN7o6dvThea72GS1Feqo/QJ+t4Hb7uQoEU7gL3D7Jnd2fn95vZmR2HS1fIsshg+h4m6G6620qNJ6DHju+23PyuLGIi4qwfcYj8HhNJB6KQZqnCSJWX7uala0CnaE5lWUFWKyThn24ShknIYgCOYczB7wqI3LOWC1l2CGk9J4GsxJZboC5VDpn8CxsVNGR0hbOWix+LTGmoNzo2YLDe7Jym0zsZ6P9Q2wHcyHM8Rm4a6REWSpv5e8xE2O9CxwORJBHzvcDr0JqyGbXGPzy/3tQaNlC5AZmTAbVsIcBaLjMzn8Kmux8LTWwQR9OiJnVLnEPOUbgWnMaywXLpDlRWTezT7h35sao0xyNM7FBupJmSmjRTDLL2BMG0C61EZa1vs2k7IzJKo/i4bXecEYuHWhHHdt0fCNrKRupioGk1WbLpzc5IUso8zeYeuIF80phdZpKjrr3OPhBTFtwEyev1Q4pESb2IYBbNXhLLGyruPp1e+S9ouXtaTeyyeRimtMPTMbbcxkrC0XJ/H6FGq5O8JaSZ0/juE2rL+ZRHkN68WOsWs0m7nkJW2bAnpfvSNHRcNuI6UvtxuF/PPJvRn9nMrhFgYAFnEyUsq2gjZ6G6tW0oJV9zZ7NG3dUhINM+3Irsa6O+cHTVAFtup9cPeRSg6HshdBIE0ftix+P9YGd4JMvBcL/WZoaB50fD7YN3Q0o8w9JALkBTAkQx/C0neoVjs0vpqMTZorCWHIJHnpzWw6ZvpanGFK4icXe1cH3n0Hrnpx9DzxmnG5N//nbWf2VY0n7f26l7VT7PrN4bRt+5Qr9+oDSTwvkGOQi71xFwjFRl8QkkPFhAgOYORqDNnRpCq5QWqLenNgnsSH1Vxqk47L5GDh9ziurkvzBhD2ibVOnpEin75TJek81j3o3iMOz4YZf7SewFnSRYPps/ozOXrVUMMdlgVUKXUOWsG5XnWK7caV8W3E7Fx28N0y9Kl/jWQBUyfXPBV6gqM3r65nCVI8RiI1VgngDtwcJYyHNlToBleLcy1qqwi8zjAgAjn/eDWGCM9yfdedu+ZwcTDBhniR97fjfpdQFY7NEGc5rnhYayfkbCx/Vm2e3ebF9x6wuHCoszpULhMC1F+uV6sexT78xNe0w3tnanBK7d9GX/r+m4l5P7LF3VLvwb8PSqd+BPjqXmlsbCHkPgEUu6nugEXj+G3qu+pZ0oA5lzXE2eM+VyugqvQBvykpw0McmTPsMgxoDu7UHfS/yQwUqEg2p6o7bMCX7ePi/btyQXimSfN1jUqdgR52Kj7rXoNfTqXitwlHZGMqUM5KwL0pLmdSQ4tUZcucvHksi/Du6Xhrbs1+hV+pjwNUP5JT4kLO3FpgIh9GKfbpv9foRJwONYJJ2VSDmQywlkZbvMoEpHZAuKdqK0Tb+fZdhKj3G6aqnjKQgOlR6/Zvv3YcI2DipDBe41w/hZzWWv1P7BSPIxvmoXUCo0GX6FcvgUI5f+WdYA+UdsrVA9fI48+xJ1bQl32DaxHlrUbqvKlAVwPIQcF/SQFDnUutVu/M8+0v4LxHUXOZv9C36D2dOYIQAA&quot;"/>
+    <we:property name="creatorSessionId" value="&quot;194cb67a-9583-4643-a3b1-636844895398&quot;"/>
+    <we:property name="creatorTenantId" value="&quot;101da587-1843-4f52-8b8a-17b069c66d33&quot;"/>
+    <we:property name="creatorUserId" value="&quot;100320020DB5BCB9&quot;"/>
+    <we:property name="datasetId" value="&quot;02ec9b83-1c73-4ab0-b9b5-25f9f193a3c0&quot;"/>
+    <we:property name="embedUrl" value="&quot;/reportEmbed?reportId=455b69f2-ee72-4993-872f-7b7e68e89955&amp;config=eyJjbHVzdGVyVXJsIjoiaHR0cHM6Ly9XQUJJLVVTLUVBU1QtQS1QUklNQVJZLXJlZGlyZWN0LmFuYWx5c2lzLndpbmRvd3MubmV0IiwiZW1iZWRGZWF0dXJlcyI6eyJtb2Rlcm5FbWJlZCI6dHJ1ZSwidXNhZ2VNZXRyaWNzVk5leHQiOnRydWV9fQ%3D%3D&amp;disableSensitivityBanner=true&quot;"/>
+    <we:property name="initialStateBookmark" value="&quot;H4sIAAAAAAAAA+Va/U7jRhB/FctSBZWS4tj5cJBaKQSuPR1fAkpVVSgae8fOXjZea72Gy6G8VB+hT9bx2hxwF0qS8pFw/yB7dnd2fr+ZndlxuLYZz1IBk0MYo71t70g5GoMaWQ27ZieV7Ojow0Hv5MPgsHewR2KZai6TzN6+tjWoGPU5z3IQhQYS/nVRs0GIY4iLtwhEhjU7RZXJBAT/jOVkGtIqx2nNxk+pkAoKlacaNBZqL2k6vdPejZ882hFCzS/xFENdSk8wlUpX737AvG4Lmg6wKOoEDcd1mrQmK0eNmY/PLzY1hvVlooEnZEAhizwv8gIfIETPD6HRYtAxci50NSWY7H1KFeEmNiZpwVePXUISIrMNOIVZieXa7kuRj83T3j35qcxViCcYmaFEcz0hNbGQAYj6GEHXUyVZbqyvB5O6IDIyLcNR3ew4JRaPlSSOzbo/EZSRDeVVX9FqsmTbmV6QJONJLCoP3EI+K83OBA9RFf4NPhJTBtwYyb/FQ4xESbGIYKblXhyzWyruP53f+M+t2e+UHJtlVYTFtMPiGGt2aSXhqNl/DFGh0UneYlxXNL7/itqsmjIH6eWLsW42m7TrOYjcBDgp3ee6pOO6FNNE12m094uZF1P6M52aNQw0zOBsLJlhFU3kzFS3sQMZDzfs6bRUd3MIyLSPdyL7i1EvHF0FwJrdbHe9sOMi6zoeNCME1n6x43HY3x2c8Kw/2C+06QHx3xnsHLwfUOIZZBoSBopyG7LB7wnRyyyTXTJLRlaPwpqH4M55cmqPm96LY4Ux3ETi3mrh+sGi9dYvP3uONYq3xv/8bW0eBZjRfj+aqe/ypMqszhtG37xBv3kgVcCZ9R1y4LW+RMApUpXFBUh4tIAAze0PQel7NYRWScVQ7UxMEtjl6qaMU3HYW0cO5zlFRfKfmbD7tE0s1WSJlP18Ga/M5n7Y6vie12x4rbAR+Y7bjNzls/kTOnPZWhUgRltBHtElVFqbWiYJZit32pcFt5uHo7eG6TepMnxroFIev7ngS2UutJq8OVzZEDHdiiXoBaA9WhhTfin1GQQC71fGQhW2MHBCBoCdRth1fYY+Ppx0q478nRmM0A3CIGr4TqMVtVsAge/QBhXNVaGhrC9IOF9vJu72ZvsyNL6wqLBYEyoUVqA4i1+uFxNfe6cybZ5ubONeCdy47cv+X9PxICcPWbqqXfh34OlV78AXjqXylhZ47QAh7ARRy2FN1+n60F7rW9qZ1CCs03z8lCk3pKvwCrQhz8lJGZNh1A3Q9dGle7vbdaKGF8BKhIMse6M6Twh+Ur/M6nckV5Jk3zZY1KmYEetqq+i16NVzil7LtaSyhjymDGRtMtISJ0UkWIVGXLnLx5LIXwf3c0Nb9mv0Kn1MeM1Qfo4PCUt7saxACG2/QbfNbreDkRv6PouaK5FyIOFjEFk9E5DHQ7IFWT2SyqTfbzJsrkY4WbXUsQiCY6lG62z/PoyDrYNcU4FbZxi/ykq2pvb3hzwc4Vq7gFKhFvgK5XARI5f+WVYD+Yf1VqgePkWefY66toQ7TJtYDM1qt2WusxRCPIYEZ/SQFDnUuhVu/M8+svg/B9vsQX7lxUeg+eZXxv0Lkj4KZ6IhAAA=&quot;"/>
+    <we:property name="isFiltersActionButtonVisible" value="true"/>
+    <we:property name="isFooterCollapsed" value="true"/>
+    <we:property name="pageDisplayName" value="&quot;U.S. Data&quot;"/>
+    <we:property name="pageName" value="&quot;ReportSection8bd395a40adff7b10204&quot;"/>
+    <we:property name="reportEmbeddedTime" value="&quot;2022-12-17T05:35:31.925Z&quot;"/>
+    <we:property name="reportName" value="&quot;Steven G da-7 Capstone Dashboard&quot;"/>
+    <we:property name="reportState" value="&quot;CONNECTED&quot;"/>
+    <we:property name="reportUrl" value="&quot;/groups/me/reports/455b69f2-ee72-4993-872f-7b7e68e89955/ReportSection8bd395a40adff7b10204?bookmarkGuid=394c57fc-3f59-42cc-8965-161b6fa8d029&amp;bookmarkUsage=1&amp;ctid=101da587-1843-4f52-8b8a-17b069c66d33&amp;fromEntryPoint=export&quot;"/>
   </we:properties>
   <we:bindings/>
   <we:snapshot xmlns:r="http://schemas.openxmlformats.org/officeDocument/2006/relationships" r:embed="rId1"/>
@@ -7472,13 +11336,27 @@
 </file>
 
 <file path=ppt/webextensions/webextension3.xml><?xml version="1.0" encoding="utf-8"?>
-<we:webextension xmlns:we="http://schemas.microsoft.com/office/webextensions/webextension/2010/11" id="{BB5E6768-03AB-482D-83EB-860C4024FE1E}">
-  <we:reference id="wa104295828" version="1.9.0.0" store="en-CA" storeType="OMEX"/>
-  <we:alternateReferences>
-    <we:reference id="wa104295828" version="1.9.0.0" store="wa104295828" storeType="OMEX"/>
-  </we:alternateReferences>
+<we:webextension xmlns:we="http://schemas.microsoft.com/office/webextensions/webextension/2010/11" id="{25314f01-c262-46b2-82dd-65d728275dab}">
+  <we:reference id="WA200003233" version="2.0.0.3" store="en-US" storeType="OMEX"/>
+  <we:alternateReferences/>
   <we:properties>
-    <we:property name="__labs__" value="{&quot;configuration&quot;:{&quot;appVersion&quot;:{&quot;major&quot;:1,&quot;minor&quot;:0},&quot;components&quot;:[{&quot;type&quot;:&quot;Labs.Components.ActivityComponent&quot;,&quot;name&quot;:&quot;&quot;,&quot;values&quot;:{},&quot;data&quot;:{&quot;uri&quot;:&quot;&quot;},&quot;secure&quot;:false}],&quot;name&quot;:&quot;&quot;,&quot;timeline&quot;:null,&quot;analytics&quot;:null},&quot;hostVersion&quot;:{&quot;major&quot;:0,&quot;minor&quot;:1}}"/>
+    <we:property name="Microsoft.Office.CampaignId" value="&quot;none&quot;"/>
+    <we:property name="backgroundColor" value="&quot;rgb(141,141,141)&quot;"/>
+    <we:property name="bookmark" value="&quot;H4sIAAAAAAAAA91ZbW/bNhD+K4KAoR1gz3qzJeVb4qZbgWQI6iDDMPQDJZ5k1rQokFRSL/B/35Gy18RJ69h1UjtfDPFEHe957nh3pG9dylTNyexPMgX3yD0RYjIlcuL4bset7ssGBURxP4iCjPoDH7I+iQBniVozUSn36NbVRJagr5hqCDcKUfjPp45LOL8gpRkVhCvouDVIJSrC2b/QTsZXWjYw77jwpeZCEqNypIkGo/Yap+MYTfF/C3FFkmt2DSPIdSv9CLWQejnuuKp9sibdf2eU2QWHotKEVajYyFJ/MAjzNKEkDvEnSNPEN/KCcb2Yks1Ov9QS8SDKWW1oGaJ1pZAsJ9y1dktQarHIUPBmap9O78lHopE5fITCvqo00zPUdCZyC9ghFXVmQKSTSUZLcOdIyIUUSJedt/jASMfiZigBLaDukTf/hBLFqpIv6PyK87K1VXGWgzTOyj4jFRbRFNBZ5qEE5MF8hNjqdjUG6iv++09XS2cEHfe9FFP72SJ6DBHrUXXc1iq0u+P+NQYJVge6hLKllz6skKcWU55Aazuw1nyLP1z3ivDGxieqPWO6JeC2FePUN8dVKTh5YyZ/muPPfG4/o0STR4iaCmqpBBsjj2s8IYrlRmGrbhnGaN/nO/H6v13PHkQGUsdN/HQAg4T6XhLFfog/YbQ29I/pNalyjL3VuD8uSwklWXrx9Ac2BanYFBNDV3HSlGO0BWi3ELI7xaj/zsZ431SLrR5usU9yIum9XWI5ogEMgPokoSEt4jxO0368PUeb0VBykRFuUXcx5mhj0XWzWZdj8Cgt8knXrrhCyd8YAXucKcq7meLJGF8qc5TfYHN93gg8r3/2XEnDVDa+rGQP1CmNtUiPrHNHdt4a5bYYP1s++sHAbbMTCcIkT4MsGRReBFnqhZDsRXbaFl0GUPSypkDuhfNWi6oC9etK4vIebtvOQYAb4t7mrw7VuyafvDZMpRAKemWDHTBxCnHz+rz2h5AKXhuompWvzlG1aLiWs1eHS40B6l4piN4A2tr2rGbXQl+SjMPDNjVKs7Bf0DiJojT3syIeBIddLC+FJtwZNdNdMviwxceBpCBPZpaXd0wuWyzsW08PkZO2naNZGhexT/qxHwceFB4Nbbv5XXaI1XLSaG1vUlYiLMxjbMJoP0tIEgQ0yiFO10bY7u5JtjwSbhggCIYDPSf1apQ82h8v0M226JC3gtP2xVHmUZqFYdzvJ3GQetGg1f0SJ1KRgcKnLqvQ0qp7rbp3JDcCZU88i75sHt/c7F8cUTgod256J+cfzCD0JmVvGjhCOmNW4vnTeUtRR1kZSI7RB3tXv7bEbd/sGvnavUdw7nBMpN6DDP0ziTNn/V2nm633bZty+j4kWZxTiLI0CQD6gfHpy6ScTTLlXiSbTQy+bOQEVi8vf3ra2ATBhZCTQ7b/jEyz3nnb8xwwjN/FQnag9g/HLJ/AQbsA07PmsINCqDRBLujxHtXDXeS056hrWxQHezFvXj32J4dotKpJDhekgkeu2THOSEXb2vfky/X5/D9dqqfzaR8AAA==&quot;"/>
+    <we:property name="creatorSessionId" value="&quot;324f1e3a-e71d-47f6-9ec3-c02c20a9a4af&quot;"/>
+    <we:property name="creatorTenantId" value="&quot;101da587-1843-4f52-8b8a-17b069c66d33&quot;"/>
+    <we:property name="creatorUserId" value="&quot;100320020DB5BCB9&quot;"/>
+    <we:property name="datasetId" value="&quot;02ec9b83-1c73-4ab0-b9b5-25f9f193a3c0&quot;"/>
+    <we:property name="embedUrl" value="&quot;/reportEmbed?reportId=455b69f2-ee72-4993-872f-7b7e68e89955&amp;config=eyJjbHVzdGVyVXJsIjoiaHR0cHM6Ly9XQUJJLVVTLUVBU1QtQS1QUklNQVJZLXJlZGlyZWN0LmFuYWx5c2lzLndpbmRvd3MubmV0IiwiZW1iZWRGZWF0dXJlcyI6eyJtb2Rlcm5FbWJlZCI6dHJ1ZSwidXNhZ2VNZXRyaWNzVk5leHQiOnRydWV9fQ%3D%3D&amp;disableSensitivityBanner=true&quot;"/>
+    <we:property name="initialStateBookmark" value="&quot;H4sIAAAAAAAAA91ZbW/bNhD+K4KAoR1gz3qxLSnfHDfdiiZtEAcZhiEYKPEks5ZEgaSSeoH/+46UvSZOGseuk9r5Yogn6njPc8e7I31jUyarnEw/kQLsA/uQ80lBxMRy7ZZdzmWfP388GZx9/OfT4OQIxbxSjJfSPrixFREZqAsma5JrDSj8+7Jlkzw/JZkepSSX0LIrEJKXJGf/QjMZXylRw6xlw9cq54JolSNFFGi1Vzgdx7i2+5uPK5JEsSsYQaIa6RlUXKjFuGXL5smYdPedVmYWHPJSEVaiYi2L3H7fT6KQksDHHy+KQlfLU5ar+ZR4evS1EogHUU4rzcMQrcu4YAnJbWO3ACnniwx5Xhfm6eiOfMRrkcAZpOZVqZiaoqZjnhjAFimpNQUirFgwmoE9Q0JOBUe6zLz5B1o65tdDAWgBtQ+c2SVKJCuzfE7nN5znja0yZwkI7az4C1JhEBWAztIPGSAP+iPEVjWrMZDf8N99ulg4w2vZ7wUvzGfzcNFErEbVshur0O6W/ecYBBgd6BLKFl76sESenE95Aq3NwFjzPf5w3QuS1yY+Ue0xUw0BN40Yp74ZiAJKRt7o2Zcz/JnNzHeUKPIAUwWnhkswQfKwykMiWaIVNuoWcYwGfrkVsP8b9uxRpCG17NCN+tAPqeuE3cD18cfvroz9Ab0iZYLBtxz4gywTkJGFG49+YFeQkhWYGdoyJ3U2RluAtlMu2gWG/SM7431dzve6v8FGSYigd7aJ4Yh60AfqkpD6NA2SIIp6weYcrUdDlvOY5AZ1G2OO1gZdO562cwweqXgyaZsVlyj5CyNgh1NFdjtVPBnjS6WO7Dtsrk4cnuP4x8+VNHRpyxel7J46qbAYqZFx7sjMW6HcVONny0c/GLhNdiKeHyaRF4f91OlCHDk+hDuRnTZFFwOknbhOkXtuvVW8LEH+upS4nPvbtrUX4Ia4t/NXh+pdnUxeG6aMcwmdrMYWmFgpv359XvuDCwmvDVTFslfnqIrXuRLTV4dLjgGqTsaJWgPayvasYldcnZM4h/ttajeK/V5Kg7DbjRI3ToO+t9/F8pwrklujutgmg/dbfBwICuJwanh5x8SixcK+9WgfOWnaORpHQRq4pBe4gedA6lDftJuPskOMlsNaKXOVshRhfhJgE0Z7cUhCz6PdBIJoZYRt76JkwyPhmgGCYHKgJ6RajpIH++M5uukGHfJGcJq+uBs7lMa+H/R6YeBFTrff6H6JEymPQeJTm5Voadm+ku1bkmuOsieeRV82j69v9i8WTy2UW9edw5MPeuA7k6xTeBYX1phleP603lLUkZUakqX1wc7Vrw1xmzfbRr5y7xGcOxwToXYgQ/9M4vRZf9vpZuN926ScngthHCQUunEUegA9T/v0ZVLOOplyJ5LNOgaf12ICy5eXPz1trIPglIvJPtt/TIq4c9L0PHsM43c+l+2p/cMxSyaw1y7A9Kxy2EIhlIogF3SwQ/VwGzntOeraBsXBXMzrVw/9ycFrJSuSwCkp4YFrdowzUtKm9j1yua7/z7bNGuhXps/rT5s/N+4/WQ/SWoofAAA=&quot;"/>
+    <we:property name="isFiltersActionButtonVisible" value="true"/>
+    <we:property name="pageDisplayName" value="&quot;World Data&quot;"/>
+    <we:property name="pageName" value="&quot;ReportSection&quot;"/>
+    <we:property name="reportEmbeddedTime" value="&quot;2022-12-17T05:29:37.688Z&quot;"/>
+    <we:property name="reportName" value="&quot;Steven G da-7 Capstone Dashboard&quot;"/>
+    <we:property name="reportState" value="&quot;CONNECTED&quot;"/>
+    <we:property name="reportUrl" value="&quot;/groups/me/reports/455b69f2-ee72-4993-872f-7b7e68e89955/ReportSection?bookmarkGuid=1e07b59b-2d85-46ed-a714-33c1a5c93aa3&amp;bookmarkUsage=1&amp;ctid=101da587-1843-4f52-8b8a-17b069c66d33&amp;fromEntryPoint=export&quot;"/>
+    <we:property name="isFooterCollapsed" value="true"/>
   </we:properties>
   <we:bindings/>
   <we:snapshot xmlns:r="http://schemas.openxmlformats.org/officeDocument/2006/relationships" r:embed="rId1"/>
